--- a/03. Programming Basics/Presentation/Data types and Operators.pptx
+++ b/03. Programming Basics/Presentation/Data types and Operators.pptx
@@ -2,7 +2,7 @@
 <file path=ppt/presentation.xml><?xml version="1.0" encoding="utf-8"?>
 <p:presentation xmlns:a="http://schemas.openxmlformats.org/drawingml/2006/main" xmlns:r="http://schemas.openxmlformats.org/officeDocument/2006/relationships" xmlns:p="http://schemas.openxmlformats.org/presentationml/2006/main" saveSubsetFonts="1" autoCompressPictures="0">
   <p:sldMasterIdLst>
-    <p:sldMasterId id="2147483793" r:id="rId1"/>
+    <p:sldMasterId id="2147483648" r:id="rId1"/>
   </p:sldMasterIdLst>
   <p:notesMasterIdLst>
     <p:notesMasterId r:id="rId24"/>
@@ -19,11 +19,11 @@
     <p:sldId id="348" r:id="rId10"/>
     <p:sldId id="350" r:id="rId11"/>
     <p:sldId id="353" r:id="rId12"/>
-    <p:sldId id="369" r:id="rId13"/>
-    <p:sldId id="266" r:id="rId14"/>
-    <p:sldId id="267" r:id="rId15"/>
-    <p:sldId id="268" r:id="rId16"/>
-    <p:sldId id="370" r:id="rId17"/>
+    <p:sldId id="370" r:id="rId13"/>
+    <p:sldId id="369" r:id="rId14"/>
+    <p:sldId id="372" r:id="rId15"/>
+    <p:sldId id="267" r:id="rId16"/>
+    <p:sldId id="268" r:id="rId17"/>
     <p:sldId id="354" r:id="rId18"/>
     <p:sldId id="355" r:id="rId19"/>
     <p:sldId id="356" r:id="rId20"/>
@@ -31,13 +31,13 @@
     <p:sldId id="358" r:id="rId22"/>
     <p:sldId id="363" r:id="rId23"/>
   </p:sldIdLst>
-  <p:sldSz cx="9144000" cy="6858000" type="screen4x3"/>
+  <p:sldSz cx="12192000" cy="6858000"/>
   <p:notesSz cx="6858000" cy="9144000"/>
   <p:defaultTextStyle>
     <a:defPPr>
       <a:defRPr lang="en-US"/>
     </a:defPPr>
-    <a:lvl1pPr marL="0" algn="l" defTabSz="457200" rtl="0" eaLnBrk="1" latinLnBrk="0" hangingPunct="1">
+    <a:lvl1pPr marL="0" algn="l" defTabSz="914400" rtl="0" eaLnBrk="1" latinLnBrk="0" hangingPunct="1">
       <a:defRPr sz="1800" kern="1200">
         <a:solidFill>
           <a:schemeClr val="tx1"/>
@@ -47,7 +47,7 @@
         <a:cs typeface="+mn-cs"/>
       </a:defRPr>
     </a:lvl1pPr>
-    <a:lvl2pPr marL="457200" algn="l" defTabSz="457200" rtl="0" eaLnBrk="1" latinLnBrk="0" hangingPunct="1">
+    <a:lvl2pPr marL="457200" algn="l" defTabSz="914400" rtl="0" eaLnBrk="1" latinLnBrk="0" hangingPunct="1">
       <a:defRPr sz="1800" kern="1200">
         <a:solidFill>
           <a:schemeClr val="tx1"/>
@@ -57,7 +57,7 @@
         <a:cs typeface="+mn-cs"/>
       </a:defRPr>
     </a:lvl2pPr>
-    <a:lvl3pPr marL="914400" algn="l" defTabSz="457200" rtl="0" eaLnBrk="1" latinLnBrk="0" hangingPunct="1">
+    <a:lvl3pPr marL="914400" algn="l" defTabSz="914400" rtl="0" eaLnBrk="1" latinLnBrk="0" hangingPunct="1">
       <a:defRPr sz="1800" kern="1200">
         <a:solidFill>
           <a:schemeClr val="tx1"/>
@@ -67,7 +67,7 @@
         <a:cs typeface="+mn-cs"/>
       </a:defRPr>
     </a:lvl3pPr>
-    <a:lvl4pPr marL="1371600" algn="l" defTabSz="457200" rtl="0" eaLnBrk="1" latinLnBrk="0" hangingPunct="1">
+    <a:lvl4pPr marL="1371600" algn="l" defTabSz="914400" rtl="0" eaLnBrk="1" latinLnBrk="0" hangingPunct="1">
       <a:defRPr sz="1800" kern="1200">
         <a:solidFill>
           <a:schemeClr val="tx1"/>
@@ -77,7 +77,7 @@
         <a:cs typeface="+mn-cs"/>
       </a:defRPr>
     </a:lvl4pPr>
-    <a:lvl5pPr marL="1828800" algn="l" defTabSz="457200" rtl="0" eaLnBrk="1" latinLnBrk="0" hangingPunct="1">
+    <a:lvl5pPr marL="1828800" algn="l" defTabSz="914400" rtl="0" eaLnBrk="1" latinLnBrk="0" hangingPunct="1">
       <a:defRPr sz="1800" kern="1200">
         <a:solidFill>
           <a:schemeClr val="tx1"/>
@@ -87,7 +87,7 @@
         <a:cs typeface="+mn-cs"/>
       </a:defRPr>
     </a:lvl5pPr>
-    <a:lvl6pPr marL="2286000" algn="l" defTabSz="457200" rtl="0" eaLnBrk="1" latinLnBrk="0" hangingPunct="1">
+    <a:lvl6pPr marL="2286000" algn="l" defTabSz="914400" rtl="0" eaLnBrk="1" latinLnBrk="0" hangingPunct="1">
       <a:defRPr sz="1800" kern="1200">
         <a:solidFill>
           <a:schemeClr val="tx1"/>
@@ -97,7 +97,7 @@
         <a:cs typeface="+mn-cs"/>
       </a:defRPr>
     </a:lvl6pPr>
-    <a:lvl7pPr marL="2743200" algn="l" defTabSz="457200" rtl="0" eaLnBrk="1" latinLnBrk="0" hangingPunct="1">
+    <a:lvl7pPr marL="2743200" algn="l" defTabSz="914400" rtl="0" eaLnBrk="1" latinLnBrk="0" hangingPunct="1">
       <a:defRPr sz="1800" kern="1200">
         <a:solidFill>
           <a:schemeClr val="tx1"/>
@@ -107,7 +107,7 @@
         <a:cs typeface="+mn-cs"/>
       </a:defRPr>
     </a:lvl7pPr>
-    <a:lvl8pPr marL="3200400" algn="l" defTabSz="457200" rtl="0" eaLnBrk="1" latinLnBrk="0" hangingPunct="1">
+    <a:lvl8pPr marL="3200400" algn="l" defTabSz="914400" rtl="0" eaLnBrk="1" latinLnBrk="0" hangingPunct="1">
       <a:defRPr sz="1800" kern="1200">
         <a:solidFill>
           <a:schemeClr val="tx1"/>
@@ -117,7 +117,7 @@
         <a:cs typeface="+mn-cs"/>
       </a:defRPr>
     </a:lvl8pPr>
-    <a:lvl9pPr marL="3657600" algn="l" defTabSz="457200" rtl="0" eaLnBrk="1" latinLnBrk="0" hangingPunct="1">
+    <a:lvl9pPr marL="3657600" algn="l" defTabSz="914400" rtl="0" eaLnBrk="1" latinLnBrk="0" hangingPunct="1">
       <a:defRPr sz="1800" kern="1200">
         <a:solidFill>
           <a:schemeClr val="tx1"/>
@@ -130,18 +130,7 @@
   </p:defaultTextStyle>
   <p:extLst>
     <p:ext uri="{EFAFB233-063F-42B5-8137-9DF3F51BA10A}">
-      <p15:sldGuideLst xmlns:p15="http://schemas.microsoft.com/office/powerpoint/2012/main">
-        <p15:guide id="1" orient="horz" pos="2160">
-          <p15:clr>
-            <a:srgbClr val="A4A3A4"/>
-          </p15:clr>
-        </p15:guide>
-        <p15:guide id="2" pos="2880">
-          <p15:clr>
-            <a:srgbClr val="A4A3A4"/>
-          </p15:clr>
-        </p15:guide>
-      </p15:sldGuideLst>
+      <p15:sldGuideLst xmlns:p15="http://schemas.microsoft.com/office/powerpoint/2012/main"/>
     </p:ext>
   </p:extLst>
 </p:presentation>
@@ -151,12 +140,9 @@
 <p:notesMaster xmlns:a="http://schemas.openxmlformats.org/drawingml/2006/main" xmlns:r="http://schemas.openxmlformats.org/officeDocument/2006/relationships" xmlns:p="http://schemas.openxmlformats.org/presentationml/2006/main">
   <p:cSld>
     <p:bg>
-      <p:bgPr>
-        <a:solidFill>
-          <a:schemeClr val="bg1"/>
-        </a:solidFill>
-        <a:effectLst/>
-      </p:bgPr>
+      <p:bgRef idx="1001">
+        <a:schemeClr val="bg1"/>
+      </p:bgRef>
     </p:bg>
     <p:spTree>
       <p:nvGrpSpPr>
@@ -174,13 +160,7 @@
       </p:grpSpPr>
       <p:sp>
         <p:nvSpPr>
-          <p:cNvPr id="2" name="Header Placeholder 1">
-            <a:extLst>
-              <a:ext uri="{FF2B5EF4-FFF2-40B4-BE49-F238E27FC236}">
-                <a16:creationId xmlns:a16="http://schemas.microsoft.com/office/drawing/2014/main" id="{DA87FFFA-CE9A-FF51-768B-5A2C2930F67B}"/>
-              </a:ext>
-            </a:extLst>
-          </p:cNvPr>
+          <p:cNvPr id="2" name="Header Placeholder 1"/>
           <p:cNvSpPr>
             <a:spLocks noGrp="1"/>
           </p:cNvSpPr>
@@ -191,7 +171,7 @@
         <p:spPr>
           <a:xfrm>
             <a:off x="0" y="0"/>
-            <a:ext cx="2971800" cy="457200"/>
+            <a:ext cx="2971800" cy="458788"/>
           </a:xfrm>
           <a:prstGeom prst="rect">
             <a:avLst/>
@@ -201,30 +181,17 @@
           <a:bodyPr vert="horz" lIns="91440" tIns="45720" rIns="91440" bIns="45720" rtlCol="0"/>
           <a:lstStyle>
             <a:lvl1pPr algn="l">
-              <a:defRPr sz="1200">
-                <a:latin typeface="Tahoma" charset="0"/>
-                <a:ea typeface="ＭＳ Ｐゴシック" charset="0"/>
-                <a:cs typeface="+mn-cs"/>
-              </a:defRPr>
+              <a:defRPr sz="1200"/>
             </a:lvl1pPr>
           </a:lstStyle>
           <a:p>
-            <a:pPr>
-              <a:defRPr/>
-            </a:pPr>
             <a:endParaRPr lang="en-US"/>
           </a:p>
         </p:txBody>
       </p:sp>
       <p:sp>
         <p:nvSpPr>
-          <p:cNvPr id="3" name="Date Placeholder 2">
-            <a:extLst>
-              <a:ext uri="{FF2B5EF4-FFF2-40B4-BE49-F238E27FC236}">
-                <a16:creationId xmlns:a16="http://schemas.microsoft.com/office/drawing/2014/main" id="{08C66164-A736-E44A-7855-3EC9A9A03907}"/>
-              </a:ext>
-            </a:extLst>
-          </p:cNvPr>
+          <p:cNvPr id="3" name="Date Placeholder 2"/>
           <p:cNvSpPr>
             <a:spLocks noGrp="1"/>
           </p:cNvSpPr>
@@ -235,42 +202,31 @@
         <p:spPr>
           <a:xfrm>
             <a:off x="3884613" y="0"/>
-            <a:ext cx="2971800" cy="457200"/>
+            <a:ext cx="2971800" cy="458788"/>
           </a:xfrm>
           <a:prstGeom prst="rect">
             <a:avLst/>
           </a:prstGeom>
         </p:spPr>
         <p:txBody>
-          <a:bodyPr vert="horz" wrap="square" lIns="91440" tIns="45720" rIns="91440" bIns="45720" numCol="1" anchor="t" anchorCtr="0" compatLnSpc="1">
-            <a:prstTxWarp prst="textNoShape">
-              <a:avLst/>
-            </a:prstTxWarp>
-          </a:bodyPr>
+          <a:bodyPr vert="horz" lIns="91440" tIns="45720" rIns="91440" bIns="45720" rtlCol="0"/>
           <a:lstStyle>
             <a:lvl1pPr algn="r">
               <a:defRPr sz="1200"/>
             </a:lvl1pPr>
           </a:lstStyle>
           <a:p>
-            <a:fld id="{11DFF485-6CFE-0F4B-B6DC-921E7058CACC}" type="datetimeFigureOut">
-              <a:rPr lang="en-US" altLang="en-US"/>
-              <a:pPr/>
-              <a:t>9/18/22</a:t>
+            <a:fld id="{7387BF4C-1AC5-8047-9CB7-F6FE835C9ED7}" type="datetimeFigureOut">
+              <a:rPr lang="en-US" smtClean="0"/>
+              <a:t>5/28/23</a:t>
             </a:fld>
-            <a:endParaRPr lang="en-US" altLang="en-US"/>
-          </a:p>
-        </p:txBody>
-      </p:sp>
-      <p:sp>
-        <p:nvSpPr>
-          <p:cNvPr id="4" name="Slide Image Placeholder 3">
-            <a:extLst>
-              <a:ext uri="{FF2B5EF4-FFF2-40B4-BE49-F238E27FC236}">
-                <a16:creationId xmlns:a16="http://schemas.microsoft.com/office/drawing/2014/main" id="{1EDAF1B5-03CF-D061-B34A-046707865A21}"/>
-              </a:ext>
-            </a:extLst>
-          </p:cNvPr>
+            <a:endParaRPr lang="en-US"/>
+          </a:p>
+        </p:txBody>
+      </p:sp>
+      <p:sp>
+        <p:nvSpPr>
+          <p:cNvPr id="4" name="Slide Image Placeholder 3"/>
           <p:cNvSpPr>
             <a:spLocks noGrp="1" noRot="1" noChangeAspect="1"/>
           </p:cNvSpPr>
@@ -280,8 +236,8 @@
         </p:nvSpPr>
         <p:spPr>
           <a:xfrm>
-            <a:off x="1143000" y="685800"/>
-            <a:ext cx="4572000" cy="3429000"/>
+            <a:off x="685800" y="1143000"/>
+            <a:ext cx="5486400" cy="3086100"/>
           </a:xfrm>
           <a:prstGeom prst="rect">
             <a:avLst/>
@@ -297,20 +253,13 @@
           <a:bodyPr vert="horz" lIns="91440" tIns="45720" rIns="91440" bIns="45720" rtlCol="0" anchor="ctr"/>
           <a:lstStyle/>
           <a:p>
-            <a:pPr lvl="0"/>
-            <a:endParaRPr lang="en-US" noProof="0"/>
-          </a:p>
-        </p:txBody>
-      </p:sp>
-      <p:sp>
-        <p:nvSpPr>
-          <p:cNvPr id="5" name="Notes Placeholder 4">
-            <a:extLst>
-              <a:ext uri="{FF2B5EF4-FFF2-40B4-BE49-F238E27FC236}">
-                <a16:creationId xmlns:a16="http://schemas.microsoft.com/office/drawing/2014/main" id="{A6FD821C-2DF8-50C0-7168-656F2CFF6C30}"/>
-              </a:ext>
-            </a:extLst>
-          </p:cNvPr>
+            <a:endParaRPr lang="en-US"/>
+          </a:p>
+        </p:txBody>
+      </p:sp>
+      <p:sp>
+        <p:nvSpPr>
+          <p:cNvPr id="5" name="Notes Placeholder 4"/>
           <p:cNvSpPr>
             <a:spLocks noGrp="1"/>
           </p:cNvSpPr>
@@ -320,8 +269,8 @@
         </p:nvSpPr>
         <p:spPr>
           <a:xfrm>
-            <a:off x="685800" y="4343400"/>
-            <a:ext cx="5486400" cy="4114800"/>
+            <a:off x="685800" y="4400550"/>
+            <a:ext cx="5486400" cy="3600450"/>
           </a:xfrm>
           <a:prstGeom prst="rect">
             <a:avLst/>
@@ -333,35 +282,35 @@
           <a:p>
             <a:pPr lvl="0"/>
             <a:r>
-              <a:rPr lang="en-US" noProof="0"/>
+              <a:rPr lang="en-US"/>
               <a:t>Click to edit Master text styles</a:t>
             </a:r>
           </a:p>
           <a:p>
             <a:pPr lvl="1"/>
             <a:r>
-              <a:rPr lang="en-US" noProof="0"/>
+              <a:rPr lang="en-US"/>
               <a:t>Second level</a:t>
             </a:r>
           </a:p>
           <a:p>
             <a:pPr lvl="2"/>
             <a:r>
-              <a:rPr lang="en-US" noProof="0"/>
+              <a:rPr lang="en-US"/>
               <a:t>Third level</a:t>
             </a:r>
           </a:p>
           <a:p>
             <a:pPr lvl="3"/>
             <a:r>
-              <a:rPr lang="en-US" noProof="0"/>
+              <a:rPr lang="en-US"/>
               <a:t>Fourth level</a:t>
             </a:r>
           </a:p>
           <a:p>
             <a:pPr lvl="4"/>
             <a:r>
-              <a:rPr lang="en-US" noProof="0"/>
+              <a:rPr lang="en-US"/>
               <a:t>Fifth level</a:t>
             </a:r>
           </a:p>
@@ -369,13 +318,7 @@
       </p:sp>
       <p:sp>
         <p:nvSpPr>
-          <p:cNvPr id="6" name="Footer Placeholder 5">
-            <a:extLst>
-              <a:ext uri="{FF2B5EF4-FFF2-40B4-BE49-F238E27FC236}">
-                <a16:creationId xmlns:a16="http://schemas.microsoft.com/office/drawing/2014/main" id="{A0D907D0-7977-4C2E-5984-B258C2ECE722}"/>
-              </a:ext>
-            </a:extLst>
-          </p:cNvPr>
+          <p:cNvPr id="6" name="Footer Placeholder 5"/>
           <p:cNvSpPr>
             <a:spLocks noGrp="1"/>
           </p:cNvSpPr>
@@ -386,7 +329,7 @@
         <p:spPr>
           <a:xfrm>
             <a:off x="0" y="8685213"/>
-            <a:ext cx="2971800" cy="457200"/>
+            <a:ext cx="2971800" cy="458787"/>
           </a:xfrm>
           <a:prstGeom prst="rect">
             <a:avLst/>
@@ -396,30 +339,17 @@
           <a:bodyPr vert="horz" lIns="91440" tIns="45720" rIns="91440" bIns="45720" rtlCol="0" anchor="b"/>
           <a:lstStyle>
             <a:lvl1pPr algn="l">
-              <a:defRPr sz="1200">
-                <a:latin typeface="Tahoma" charset="0"/>
-                <a:ea typeface="ＭＳ Ｐゴシック" charset="0"/>
-                <a:cs typeface="+mn-cs"/>
-              </a:defRPr>
+              <a:defRPr sz="1200"/>
             </a:lvl1pPr>
           </a:lstStyle>
           <a:p>
-            <a:pPr>
-              <a:defRPr/>
-            </a:pPr>
             <a:endParaRPr lang="en-US"/>
           </a:p>
         </p:txBody>
       </p:sp>
       <p:sp>
         <p:nvSpPr>
-          <p:cNvPr id="7" name="Slide Number Placeholder 6">
-            <a:extLst>
-              <a:ext uri="{FF2B5EF4-FFF2-40B4-BE49-F238E27FC236}">
-                <a16:creationId xmlns:a16="http://schemas.microsoft.com/office/drawing/2014/main" id="{DE93A899-46F8-3444-CC34-FBDC57FC73D1}"/>
-              </a:ext>
-            </a:extLst>
-          </p:cNvPr>
+          <p:cNvPr id="7" name="Slide Number Placeholder 6"/>
           <p:cNvSpPr>
             <a:spLocks noGrp="1"/>
           </p:cNvSpPr>
@@ -430,118 +360,88 @@
         <p:spPr>
           <a:xfrm>
             <a:off x="3884613" y="8685213"/>
-            <a:ext cx="2971800" cy="457200"/>
+            <a:ext cx="2971800" cy="458787"/>
           </a:xfrm>
           <a:prstGeom prst="rect">
             <a:avLst/>
           </a:prstGeom>
         </p:spPr>
         <p:txBody>
-          <a:bodyPr vert="horz" wrap="square" lIns="91440" tIns="45720" rIns="91440" bIns="45720" numCol="1" anchor="b" anchorCtr="0" compatLnSpc="1">
-            <a:prstTxWarp prst="textNoShape">
-              <a:avLst/>
-            </a:prstTxWarp>
-          </a:bodyPr>
+          <a:bodyPr vert="horz" lIns="91440" tIns="45720" rIns="91440" bIns="45720" rtlCol="0" anchor="b"/>
           <a:lstStyle>
             <a:lvl1pPr algn="r">
               <a:defRPr sz="1200"/>
             </a:lvl1pPr>
           </a:lstStyle>
           <a:p>
-            <a:fld id="{E55283A9-9FF7-7641-AE58-9F7162BE401F}" type="slidenum">
-              <a:rPr lang="en-US" altLang="en-US"/>
-              <a:pPr/>
+            <a:fld id="{22AC1118-207A-2F4A-BE1B-12455BD6056C}" type="slidenum">
+              <a:rPr lang="en-US" smtClean="0"/>
               <a:t>‹#›</a:t>
             </a:fld>
-            <a:endParaRPr lang="en-US" altLang="en-US"/>
+            <a:endParaRPr lang="en-US"/>
           </a:p>
         </p:txBody>
       </p:sp>
     </p:spTree>
+    <p:extLst>
+      <p:ext uri="{BB962C8B-B14F-4D97-AF65-F5344CB8AC3E}">
+        <p14:creationId xmlns:p14="http://schemas.microsoft.com/office/powerpoint/2010/main" val="796951922"/>
+      </p:ext>
+    </p:extLst>
   </p:cSld>
   <p:clrMap bg1="lt1" tx1="dk1" bg2="lt2" tx2="dk2" accent1="accent1" accent2="accent2" accent3="accent3" accent4="accent4" accent5="accent5" accent6="accent6" hlink="hlink" folHlink="folHlink"/>
   <p:notesStyle>
-    <a:lvl1pPr algn="l" defTabSz="457200" rtl="0" eaLnBrk="0" fontAlgn="base" hangingPunct="0">
-      <a:spcBef>
-        <a:spcPct val="30000"/>
-      </a:spcBef>
-      <a:spcAft>
-        <a:spcPct val="0"/>
-      </a:spcAft>
+    <a:lvl1pPr marL="0" algn="l" defTabSz="914400" rtl="0" eaLnBrk="1" latinLnBrk="0" hangingPunct="1">
       <a:defRPr sz="1200" kern="1200">
         <a:solidFill>
           <a:schemeClr val="tx1"/>
         </a:solidFill>
         <a:latin typeface="+mn-lt"/>
-        <a:ea typeface="ＭＳ Ｐゴシック" charset="0"/>
-        <a:cs typeface="ＭＳ Ｐゴシック" charset="0"/>
+        <a:ea typeface="+mn-ea"/>
+        <a:cs typeface="+mn-cs"/>
       </a:defRPr>
     </a:lvl1pPr>
-    <a:lvl2pPr marL="457200" algn="l" defTabSz="457200" rtl="0" eaLnBrk="0" fontAlgn="base" hangingPunct="0">
-      <a:spcBef>
-        <a:spcPct val="30000"/>
-      </a:spcBef>
-      <a:spcAft>
-        <a:spcPct val="0"/>
-      </a:spcAft>
+    <a:lvl2pPr marL="457200" algn="l" defTabSz="914400" rtl="0" eaLnBrk="1" latinLnBrk="0" hangingPunct="1">
       <a:defRPr sz="1200" kern="1200">
         <a:solidFill>
           <a:schemeClr val="tx1"/>
         </a:solidFill>
         <a:latin typeface="+mn-lt"/>
-        <a:ea typeface="ＭＳ Ｐゴシック" charset="0"/>
+        <a:ea typeface="+mn-ea"/>
         <a:cs typeface="+mn-cs"/>
       </a:defRPr>
     </a:lvl2pPr>
-    <a:lvl3pPr marL="914400" algn="l" defTabSz="457200" rtl="0" eaLnBrk="0" fontAlgn="base" hangingPunct="0">
-      <a:spcBef>
-        <a:spcPct val="30000"/>
-      </a:spcBef>
-      <a:spcAft>
-        <a:spcPct val="0"/>
-      </a:spcAft>
+    <a:lvl3pPr marL="914400" algn="l" defTabSz="914400" rtl="0" eaLnBrk="1" latinLnBrk="0" hangingPunct="1">
       <a:defRPr sz="1200" kern="1200">
         <a:solidFill>
           <a:schemeClr val="tx1"/>
         </a:solidFill>
         <a:latin typeface="+mn-lt"/>
-        <a:ea typeface="ＭＳ Ｐゴシック" charset="0"/>
+        <a:ea typeface="+mn-ea"/>
         <a:cs typeface="+mn-cs"/>
       </a:defRPr>
     </a:lvl3pPr>
-    <a:lvl4pPr marL="1371600" algn="l" defTabSz="457200" rtl="0" eaLnBrk="0" fontAlgn="base" hangingPunct="0">
-      <a:spcBef>
-        <a:spcPct val="30000"/>
-      </a:spcBef>
-      <a:spcAft>
-        <a:spcPct val="0"/>
-      </a:spcAft>
+    <a:lvl4pPr marL="1371600" algn="l" defTabSz="914400" rtl="0" eaLnBrk="1" latinLnBrk="0" hangingPunct="1">
       <a:defRPr sz="1200" kern="1200">
         <a:solidFill>
           <a:schemeClr val="tx1"/>
         </a:solidFill>
         <a:latin typeface="+mn-lt"/>
-        <a:ea typeface="ＭＳ Ｐゴシック" charset="0"/>
+        <a:ea typeface="+mn-ea"/>
         <a:cs typeface="+mn-cs"/>
       </a:defRPr>
     </a:lvl4pPr>
-    <a:lvl5pPr marL="1828800" algn="l" defTabSz="457200" rtl="0" eaLnBrk="0" fontAlgn="base" hangingPunct="0">
-      <a:spcBef>
-        <a:spcPct val="30000"/>
-      </a:spcBef>
-      <a:spcAft>
-        <a:spcPct val="0"/>
-      </a:spcAft>
+    <a:lvl5pPr marL="1828800" algn="l" defTabSz="914400" rtl="0" eaLnBrk="1" latinLnBrk="0" hangingPunct="1">
       <a:defRPr sz="1200" kern="1200">
         <a:solidFill>
           <a:schemeClr val="tx1"/>
         </a:solidFill>
         <a:latin typeface="+mn-lt"/>
-        <a:ea typeface="ＭＳ Ｐゴシック" charset="0"/>
+        <a:ea typeface="+mn-ea"/>
         <a:cs typeface="+mn-cs"/>
       </a:defRPr>
     </a:lvl5pPr>
-    <a:lvl6pPr marL="2286000" algn="l" defTabSz="457200" rtl="0" eaLnBrk="1" latinLnBrk="0" hangingPunct="1">
+    <a:lvl6pPr marL="2286000" algn="l" defTabSz="914400" rtl="0" eaLnBrk="1" latinLnBrk="0" hangingPunct="1">
       <a:defRPr sz="1200" kern="1200">
         <a:solidFill>
           <a:schemeClr val="tx1"/>
@@ -551,7 +451,7 @@
         <a:cs typeface="+mn-cs"/>
       </a:defRPr>
     </a:lvl6pPr>
-    <a:lvl7pPr marL="2743200" algn="l" defTabSz="457200" rtl="0" eaLnBrk="1" latinLnBrk="0" hangingPunct="1">
+    <a:lvl7pPr marL="2743200" algn="l" defTabSz="914400" rtl="0" eaLnBrk="1" latinLnBrk="0" hangingPunct="1">
       <a:defRPr sz="1200" kern="1200">
         <a:solidFill>
           <a:schemeClr val="tx1"/>
@@ -561,7 +461,7 @@
         <a:cs typeface="+mn-cs"/>
       </a:defRPr>
     </a:lvl7pPr>
-    <a:lvl8pPr marL="3200400" algn="l" defTabSz="457200" rtl="0" eaLnBrk="1" latinLnBrk="0" hangingPunct="1">
+    <a:lvl8pPr marL="3200400" algn="l" defTabSz="914400" rtl="0" eaLnBrk="1" latinLnBrk="0" hangingPunct="1">
       <a:defRPr sz="1200" kern="1200">
         <a:solidFill>
           <a:schemeClr val="tx1"/>
@@ -571,7 +471,7 @@
         <a:cs typeface="+mn-cs"/>
       </a:defRPr>
     </a:lvl8pPr>
-    <a:lvl9pPr marL="3657600" algn="l" defTabSz="457200" rtl="0" eaLnBrk="1" latinLnBrk="0" hangingPunct="1">
+    <a:lvl9pPr marL="3657600" algn="l" defTabSz="914400" rtl="0" eaLnBrk="1" latinLnBrk="0" hangingPunct="1">
       <a:defRPr sz="1200" kern="1200">
         <a:solidFill>
           <a:schemeClr val="tx1"/>
@@ -990,7 +890,7 @@
             <a:fld id="{8F8C4D9B-7FE2-1F42-BB32-C9030B4E59A1}" type="slidenum">
               <a:rPr lang="en-US" altLang="en-US" sz="1200"/>
               <a:pPr/>
-              <a:t>16</a:t>
+              <a:t>12</a:t>
             </a:fld>
             <a:endParaRPr lang="en-US" altLang="en-US" sz="1200"/>
           </a:p>
@@ -1005,7 +905,7 @@
 </file>
 
 <file path=ppt/slideLayouts/slideLayout1.xml><?xml version="1.0" encoding="utf-8"?>
-<p:sldLayout xmlns:a="http://schemas.openxmlformats.org/drawingml/2006/main" xmlns:r="http://schemas.openxmlformats.org/officeDocument/2006/relationships" xmlns:p="http://schemas.openxmlformats.org/presentationml/2006/main" showMasterSp="0" type="title" preserve="1">
+<p:sldLayout xmlns:a="http://schemas.openxmlformats.org/drawingml/2006/main" xmlns:r="http://schemas.openxmlformats.org/officeDocument/2006/relationships" xmlns:p="http://schemas.openxmlformats.org/presentationml/2006/main" type="title" preserve="1">
   <p:cSld name="Title Slide">
     <p:spTree>
       <p:nvGrpSpPr>
@@ -1023,7 +923,13 @@
       </p:grpSpPr>
       <p:sp>
         <p:nvSpPr>
-          <p:cNvPr id="2" name="Title 1"/>
+          <p:cNvPr id="2" name="Title 1">
+            <a:extLst>
+              <a:ext uri="{FF2B5EF4-FFF2-40B4-BE49-F238E27FC236}">
+                <a16:creationId xmlns:a16="http://schemas.microsoft.com/office/drawing/2014/main" id="{0D937894-C376-5539-0900-2C9FE59CD569}"/>
+              </a:ext>
+            </a:extLst>
+          </p:cNvPr>
           <p:cNvSpPr>
             <a:spLocks noGrp="1"/>
           </p:cNvSpPr>
@@ -1033,17 +939,15 @@
         </p:nvSpPr>
         <p:spPr>
           <a:xfrm>
-            <a:off x="342900" y="4960137"/>
-            <a:ext cx="5829300" cy="1463040"/>
+            <a:off x="1524000" y="1122363"/>
+            <a:ext cx="9144000" cy="2387600"/>
           </a:xfrm>
         </p:spPr>
         <p:txBody>
-          <a:bodyPr anchor="ctr">
-            <a:normAutofit/>
-          </a:bodyPr>
+          <a:bodyPr anchor="b"/>
           <a:lstStyle>
-            <a:lvl1pPr algn="r">
-              <a:defRPr sz="4400" spc="200" baseline="0"/>
+            <a:lvl1pPr algn="ctr">
+              <a:defRPr sz="6000"/>
             </a:lvl1pPr>
           </a:lstStyle>
           <a:p>
@@ -1051,13 +955,18 @@
               <a:rPr lang="en-US"/>
               <a:t>Click to edit Master title style</a:t>
             </a:r>
-            <a:endParaRPr lang="en-US" dirty="0"/>
-          </a:p>
-        </p:txBody>
-      </p:sp>
-      <p:sp>
-        <p:nvSpPr>
-          <p:cNvPr id="3" name="Subtitle 2"/>
+          </a:p>
+        </p:txBody>
+      </p:sp>
+      <p:sp>
+        <p:nvSpPr>
+          <p:cNvPr id="3" name="Subtitle 2">
+            <a:extLst>
+              <a:ext uri="{FF2B5EF4-FFF2-40B4-BE49-F238E27FC236}">
+                <a16:creationId xmlns:a16="http://schemas.microsoft.com/office/drawing/2014/main" id="{BDF5AAAC-733F-F136-24BF-F7497CC6F2F5}"/>
+              </a:ext>
+            </a:extLst>
+          </p:cNvPr>
           <p:cNvSpPr>
             <a:spLocks noGrp="1"/>
           </p:cNvSpPr>
@@ -1067,39 +976,24 @@
         </p:nvSpPr>
         <p:spPr>
           <a:xfrm>
-            <a:off x="6457950" y="4960137"/>
-            <a:ext cx="2400300" cy="1463040"/>
+            <a:off x="1524000" y="3602038"/>
+            <a:ext cx="9144000" cy="1655762"/>
           </a:xfrm>
         </p:spPr>
         <p:txBody>
-          <a:bodyPr lIns="91440" rIns="91440" anchor="ctr">
-            <a:normAutofit/>
-          </a:bodyPr>
+          <a:bodyPr/>
           <a:lstStyle>
-            <a:lvl1pPr marL="0" indent="0" algn="l">
-              <a:lnSpc>
-                <a:spcPct val="100000"/>
-              </a:lnSpc>
-              <a:spcBef>
-                <a:spcPts val="0"/>
-              </a:spcBef>
+            <a:lvl1pPr marL="0" indent="0" algn="ctr">
               <a:buNone/>
-              <a:defRPr sz="1600">
-                <a:solidFill>
-                  <a:schemeClr val="tx1">
-                    <a:lumMod val="95000"/>
-                    <a:lumOff val="5000"/>
-                  </a:schemeClr>
-                </a:solidFill>
-              </a:defRPr>
+              <a:defRPr sz="2400"/>
             </a:lvl1pPr>
             <a:lvl2pPr marL="457200" indent="0" algn="ctr">
               <a:buNone/>
-              <a:defRPr sz="1600"/>
+              <a:defRPr sz="2000"/>
             </a:lvl2pPr>
             <a:lvl3pPr marL="914400" indent="0" algn="ctr">
               <a:buNone/>
-              <a:defRPr sz="1600"/>
+              <a:defRPr sz="1800"/>
             </a:lvl3pPr>
             <a:lvl4pPr marL="1371600" indent="0" algn="ctr">
               <a:buNone/>
@@ -1131,13 +1025,18 @@
               <a:rPr lang="en-US"/>
               <a:t>Click to edit Master subtitle style</a:t>
             </a:r>
-            <a:endParaRPr lang="en-US" dirty="0"/>
-          </a:p>
-        </p:txBody>
-      </p:sp>
-      <p:sp>
-        <p:nvSpPr>
-          <p:cNvPr id="4" name="Date Placeholder 3"/>
+          </a:p>
+        </p:txBody>
+      </p:sp>
+      <p:sp>
+        <p:nvSpPr>
+          <p:cNvPr id="4" name="Date Placeholder 3">
+            <a:extLst>
+              <a:ext uri="{FF2B5EF4-FFF2-40B4-BE49-F238E27FC236}">
+                <a16:creationId xmlns:a16="http://schemas.microsoft.com/office/drawing/2014/main" id="{0E305E61-7CE6-1F92-099D-BD952FB7E670}"/>
+              </a:ext>
+            </a:extLst>
+          </p:cNvPr>
           <p:cNvSpPr>
             <a:spLocks noGrp="1"/>
           </p:cNvSpPr>
@@ -1148,22 +1047,25 @@
         <p:spPr/>
         <p:txBody>
           <a:bodyPr/>
-          <a:lstStyle>
-            <a:lvl1pPr algn="l">
-              <a:defRPr/>
-            </a:lvl1pPr>
-          </a:lstStyle>
-          <a:p>
-            <a:pPr>
-              <a:defRPr/>
-            </a:pPr>
+          <a:lstStyle/>
+          <a:p>
+            <a:fld id="{2BD33172-6DBD-0449-8823-A661FF4A9434}" type="datetime1">
+              <a:rPr lang="en-US" smtClean="0"/>
+              <a:t>5/28/23</a:t>
+            </a:fld>
             <a:endParaRPr lang="en-US"/>
           </a:p>
         </p:txBody>
       </p:sp>
       <p:sp>
         <p:nvSpPr>
-          <p:cNvPr id="5" name="Footer Placeholder 4"/>
+          <p:cNvPr id="5" name="Footer Placeholder 4">
+            <a:extLst>
+              <a:ext uri="{FF2B5EF4-FFF2-40B4-BE49-F238E27FC236}">
+                <a16:creationId xmlns:a16="http://schemas.microsoft.com/office/drawing/2014/main" id="{71A4B8BD-9686-0BB4-A2A6-F309E1CD4611}"/>
+              </a:ext>
+            </a:extLst>
+          </p:cNvPr>
           <p:cNvSpPr>
             <a:spLocks noGrp="1"/>
           </p:cNvSpPr>
@@ -1176,9 +1078,6 @@
           <a:bodyPr/>
           <a:lstStyle/>
           <a:p>
-            <a:pPr>
-              <a:defRPr/>
-            </a:pPr>
             <a:r>
               <a:rPr lang="en-US"/>
               <a:t>yetanothermasterylearning</a:t>
@@ -1188,7 +1087,13 @@
       </p:sp>
       <p:sp>
         <p:nvSpPr>
-          <p:cNvPr id="6" name="Slide Number Placeholder 5"/>
+          <p:cNvPr id="6" name="Slide Number Placeholder 5">
+            <a:extLst>
+              <a:ext uri="{FF2B5EF4-FFF2-40B4-BE49-F238E27FC236}">
+                <a16:creationId xmlns:a16="http://schemas.microsoft.com/office/drawing/2014/main" id="{08364A84-3F39-9E37-C7E4-B90F6608FDB1}"/>
+              </a:ext>
+            </a:extLst>
+          </p:cNvPr>
           <p:cNvSpPr>
             <a:spLocks noGrp="1"/>
           </p:cNvSpPr>
@@ -1201,102 +1106,18 @@
           <a:bodyPr/>
           <a:lstStyle/>
           <a:p>
-            <a:fld id="{129A0887-F0AE-F04F-9DAE-12CDDFE8EA27}" type="slidenum">
-              <a:rPr lang="en-US" altLang="en-US" smtClean="0"/>
-              <a:pPr/>
+            <a:fld id="{46B2860C-164B-0242-B761-89B72ADFD8CA}" type="slidenum">
+              <a:rPr lang="en-US" smtClean="0"/>
               <a:t>‹#›</a:t>
             </a:fld>
-            <a:endParaRPr lang="en-US" altLang="en-US"/>
-          </a:p>
-        </p:txBody>
-      </p:sp>
-      <p:sp>
-        <p:nvSpPr>
-          <p:cNvPr id="11" name="Rectangle 10"/>
-          <p:cNvSpPr/>
-          <p:nvPr/>
-        </p:nvSpPr>
-        <p:spPr>
-          <a:xfrm>
-            <a:off x="0" y="0"/>
-            <a:ext cx="9144000" cy="4572001"/>
-          </a:xfrm>
-          <a:prstGeom prst="rect">
-            <a:avLst/>
-          </a:prstGeom>
-          <a:blipFill dpi="0" rotWithShape="1">
-            <a:blip r:embed="rId2">
-              <a:duotone>
-                <a:schemeClr val="accent2">
-                  <a:shade val="45000"/>
-                  <a:satMod val="135000"/>
-                </a:schemeClr>
-                <a:prstClr val="white"/>
-              </a:duotone>
-            </a:blip>
-            <a:srcRect/>
-            <a:tile tx="-165100" ty="-76200" sx="35000" sy="35000" flip="none" algn="tl"/>
-          </a:blipFill>
-          <a:ln>
-            <a:noFill/>
-          </a:ln>
-        </p:spPr>
-        <p:style>
-          <a:lnRef idx="2">
-            <a:schemeClr val="accent1">
-              <a:shade val="50000"/>
-            </a:schemeClr>
-          </a:lnRef>
-          <a:fillRef idx="1">
-            <a:schemeClr val="accent1"/>
-          </a:fillRef>
-          <a:effectRef idx="0">
-            <a:schemeClr val="accent1"/>
-          </a:effectRef>
-          <a:fontRef idx="minor">
-            <a:schemeClr val="lt1"/>
-          </a:fontRef>
-        </p:style>
-      </p:sp>
-      <p:cxnSp>
-        <p:nvCxnSpPr>
-          <p:cNvPr id="12" name="Straight Connector 11"/>
-          <p:cNvCxnSpPr/>
-          <p:nvPr/>
-        </p:nvCxnSpPr>
-        <p:spPr>
-          <a:xfrm flipV="1">
-            <a:off x="6290132" y="5264106"/>
-            <a:ext cx="0" cy="914400"/>
-          </a:xfrm>
-          <a:prstGeom prst="line">
-            <a:avLst/>
-          </a:prstGeom>
-          <a:ln w="19050">
-            <a:solidFill>
-              <a:schemeClr val="accent2"/>
-            </a:solidFill>
-          </a:ln>
-        </p:spPr>
-        <p:style>
-          <a:lnRef idx="1">
-            <a:schemeClr val="accent1"/>
-          </a:lnRef>
-          <a:fillRef idx="0">
-            <a:schemeClr val="accent1"/>
-          </a:fillRef>
-          <a:effectRef idx="0">
-            <a:schemeClr val="accent1"/>
-          </a:effectRef>
-          <a:fontRef idx="minor">
-            <a:schemeClr val="tx1"/>
-          </a:fontRef>
-        </p:style>
-      </p:cxnSp>
+            <a:endParaRPr lang="en-US"/>
+          </a:p>
+        </p:txBody>
+      </p:sp>
     </p:spTree>
     <p:extLst>
       <p:ext uri="{BB962C8B-B14F-4D97-AF65-F5344CB8AC3E}">
-        <p14:creationId xmlns:p14="http://schemas.microsoft.com/office/powerpoint/2010/main" val="3169800759"/>
+        <p14:creationId xmlns:p14="http://schemas.microsoft.com/office/powerpoint/2010/main" val="1113323836"/>
       </p:ext>
     </p:extLst>
   </p:cSld>
@@ -1325,7 +1146,13 @@
       </p:grpSpPr>
       <p:sp>
         <p:nvSpPr>
-          <p:cNvPr id="2" name="Title 1"/>
+          <p:cNvPr id="2" name="Title 1">
+            <a:extLst>
+              <a:ext uri="{FF2B5EF4-FFF2-40B4-BE49-F238E27FC236}">
+                <a16:creationId xmlns:a16="http://schemas.microsoft.com/office/drawing/2014/main" id="{C30D0D86-557E-073E-294E-777996F8B5F7}"/>
+              </a:ext>
+            </a:extLst>
+          </p:cNvPr>
           <p:cNvSpPr>
             <a:spLocks noGrp="1"/>
           </p:cNvSpPr>
@@ -1342,13 +1169,18 @@
               <a:rPr lang="en-US"/>
               <a:t>Click to edit Master title style</a:t>
             </a:r>
-            <a:endParaRPr lang="en-US" dirty="0"/>
-          </a:p>
-        </p:txBody>
-      </p:sp>
-      <p:sp>
-        <p:nvSpPr>
-          <p:cNvPr id="3" name="Vertical Text Placeholder 2"/>
+          </a:p>
+        </p:txBody>
+      </p:sp>
+      <p:sp>
+        <p:nvSpPr>
+          <p:cNvPr id="3" name="Vertical Text Placeholder 2">
+            <a:extLst>
+              <a:ext uri="{FF2B5EF4-FFF2-40B4-BE49-F238E27FC236}">
+                <a16:creationId xmlns:a16="http://schemas.microsoft.com/office/drawing/2014/main" id="{E2FF8A59-6C34-911A-B41B-DE0A0A5618DE}"/>
+              </a:ext>
+            </a:extLst>
+          </p:cNvPr>
           <p:cNvSpPr>
             <a:spLocks noGrp="1"/>
           </p:cNvSpPr>
@@ -1394,13 +1226,18 @@
               <a:rPr lang="en-US"/>
               <a:t>Fifth level</a:t>
             </a:r>
-            <a:endParaRPr lang="en-US" dirty="0"/>
-          </a:p>
-        </p:txBody>
-      </p:sp>
-      <p:sp>
-        <p:nvSpPr>
-          <p:cNvPr id="4" name="Date Placeholder 3"/>
+          </a:p>
+        </p:txBody>
+      </p:sp>
+      <p:sp>
+        <p:nvSpPr>
+          <p:cNvPr id="4" name="Date Placeholder 3">
+            <a:extLst>
+              <a:ext uri="{FF2B5EF4-FFF2-40B4-BE49-F238E27FC236}">
+                <a16:creationId xmlns:a16="http://schemas.microsoft.com/office/drawing/2014/main" id="{4413A344-3E85-972D-C983-57D504BB5B5E}"/>
+              </a:ext>
+            </a:extLst>
+          </p:cNvPr>
           <p:cNvSpPr>
             <a:spLocks noGrp="1"/>
           </p:cNvSpPr>
@@ -1413,16 +1250,23 @@
           <a:bodyPr/>
           <a:lstStyle/>
           <a:p>
-            <a:pPr>
-              <a:defRPr/>
-            </a:pPr>
+            <a:fld id="{2E9CD58F-2FB5-3F42-8F7C-F4FDD372D4DF}" type="datetime1">
+              <a:rPr lang="en-US" smtClean="0"/>
+              <a:t>5/28/23</a:t>
+            </a:fld>
             <a:endParaRPr lang="en-US"/>
           </a:p>
         </p:txBody>
       </p:sp>
       <p:sp>
         <p:nvSpPr>
-          <p:cNvPr id="5" name="Footer Placeholder 4"/>
+          <p:cNvPr id="5" name="Footer Placeholder 4">
+            <a:extLst>
+              <a:ext uri="{FF2B5EF4-FFF2-40B4-BE49-F238E27FC236}">
+                <a16:creationId xmlns:a16="http://schemas.microsoft.com/office/drawing/2014/main" id="{A5C30927-7FAE-ACCF-EDBB-A8DE79B94058}"/>
+              </a:ext>
+            </a:extLst>
+          </p:cNvPr>
           <p:cNvSpPr>
             <a:spLocks noGrp="1"/>
           </p:cNvSpPr>
@@ -1435,9 +1279,6 @@
           <a:bodyPr/>
           <a:lstStyle/>
           <a:p>
-            <a:pPr>
-              <a:defRPr/>
-            </a:pPr>
             <a:r>
               <a:rPr lang="en-US"/>
               <a:t>yetanothermasterylearning</a:t>
@@ -1447,7 +1288,13 @@
       </p:sp>
       <p:sp>
         <p:nvSpPr>
-          <p:cNvPr id="6" name="Slide Number Placeholder 5"/>
+          <p:cNvPr id="6" name="Slide Number Placeholder 5">
+            <a:extLst>
+              <a:ext uri="{FF2B5EF4-FFF2-40B4-BE49-F238E27FC236}">
+                <a16:creationId xmlns:a16="http://schemas.microsoft.com/office/drawing/2014/main" id="{6D8BE878-F642-834B-18BF-7E4D3F3926AE}"/>
+              </a:ext>
+            </a:extLst>
+          </p:cNvPr>
           <p:cNvSpPr>
             <a:spLocks noGrp="1"/>
           </p:cNvSpPr>
@@ -1460,19 +1307,18 @@
           <a:bodyPr/>
           <a:lstStyle/>
           <a:p>
-            <a:fld id="{1EBD7938-59D0-8A4B-B386-D95F8CBF58B9}" type="slidenum">
-              <a:rPr lang="en-US" altLang="en-US" smtClean="0"/>
-              <a:pPr/>
+            <a:fld id="{46B2860C-164B-0242-B761-89B72ADFD8CA}" type="slidenum">
+              <a:rPr lang="en-US" smtClean="0"/>
               <a:t>‹#›</a:t>
             </a:fld>
-            <a:endParaRPr lang="en-US" altLang="en-US"/>
+            <a:endParaRPr lang="en-US"/>
           </a:p>
         </p:txBody>
       </p:sp>
     </p:spTree>
     <p:extLst>
       <p:ext uri="{BB962C8B-B14F-4D97-AF65-F5344CB8AC3E}">
-        <p14:creationId xmlns:p14="http://schemas.microsoft.com/office/powerpoint/2010/main" val="640251981"/>
+        <p14:creationId xmlns:p14="http://schemas.microsoft.com/office/powerpoint/2010/main" val="2455875465"/>
       </p:ext>
     </p:extLst>
   </p:cSld>
@@ -1483,7 +1329,7 @@
 </file>
 
 <file path=ppt/slideLayouts/slideLayout11.xml><?xml version="1.0" encoding="utf-8"?>
-<p:sldLayout xmlns:a="http://schemas.openxmlformats.org/drawingml/2006/main" xmlns:r="http://schemas.openxmlformats.org/officeDocument/2006/relationships" xmlns:p="http://schemas.openxmlformats.org/presentationml/2006/main" showMasterSp="0" type="vertTitleAndTx" preserve="1">
+<p:sldLayout xmlns:a="http://schemas.openxmlformats.org/drawingml/2006/main" xmlns:r="http://schemas.openxmlformats.org/officeDocument/2006/relationships" xmlns:p="http://schemas.openxmlformats.org/presentationml/2006/main" type="vertTitleAndTx" preserve="1">
   <p:cSld name="Vertical Title and Text">
     <p:spTree>
       <p:nvGrpSpPr>
@@ -1501,7 +1347,13 @@
       </p:grpSpPr>
       <p:sp>
         <p:nvSpPr>
-          <p:cNvPr id="2" name="Vertical Title 1"/>
+          <p:cNvPr id="2" name="Vertical Title 1">
+            <a:extLst>
+              <a:ext uri="{FF2B5EF4-FFF2-40B4-BE49-F238E27FC236}">
+                <a16:creationId xmlns:a16="http://schemas.microsoft.com/office/drawing/2014/main" id="{B5924922-3F5B-669F-2C35-85DA0F82F511}"/>
+              </a:ext>
+            </a:extLst>
+          </p:cNvPr>
           <p:cNvSpPr>
             <a:spLocks noGrp="1"/>
           </p:cNvSpPr>
@@ -1511,25 +1363,30 @@
         </p:nvSpPr>
         <p:spPr>
           <a:xfrm>
-            <a:off x="6543676" y="762000"/>
-            <a:ext cx="1971675" cy="5410200"/>
+            <a:off x="8724900" y="365125"/>
+            <a:ext cx="2628900" cy="5811838"/>
           </a:xfrm>
         </p:spPr>
         <p:txBody>
-          <a:bodyPr vert="eaVert" lIns="45720" tIns="91440" rIns="45720" bIns="91440"/>
+          <a:bodyPr vert="eaVert"/>
           <a:lstStyle/>
           <a:p>
             <a:r>
               <a:rPr lang="en-US"/>
               <a:t>Click to edit Master title style</a:t>
             </a:r>
-            <a:endParaRPr lang="en-US" dirty="0"/>
-          </a:p>
-        </p:txBody>
-      </p:sp>
-      <p:sp>
-        <p:nvSpPr>
-          <p:cNvPr id="3" name="Vertical Text Placeholder 2"/>
+          </a:p>
+        </p:txBody>
+      </p:sp>
+      <p:sp>
+        <p:nvSpPr>
+          <p:cNvPr id="3" name="Vertical Text Placeholder 2">
+            <a:extLst>
+              <a:ext uri="{FF2B5EF4-FFF2-40B4-BE49-F238E27FC236}">
+                <a16:creationId xmlns:a16="http://schemas.microsoft.com/office/drawing/2014/main" id="{2F080060-B227-3A87-E1EF-790F9B207FBB}"/>
+              </a:ext>
+            </a:extLst>
+          </p:cNvPr>
           <p:cNvSpPr>
             <a:spLocks noGrp="1"/>
           </p:cNvSpPr>
@@ -1539,8 +1396,8 @@
         </p:nvSpPr>
         <p:spPr>
           <a:xfrm>
-            <a:off x="742951" y="762000"/>
-            <a:ext cx="5686425" cy="5410200"/>
+            <a:off x="838200" y="365125"/>
+            <a:ext cx="7734300" cy="5811838"/>
           </a:xfrm>
         </p:spPr>
         <p:txBody>
@@ -1580,13 +1437,18 @@
               <a:rPr lang="en-US"/>
               <a:t>Fifth level</a:t>
             </a:r>
-            <a:endParaRPr lang="en-US" dirty="0"/>
-          </a:p>
-        </p:txBody>
-      </p:sp>
-      <p:sp>
-        <p:nvSpPr>
-          <p:cNvPr id="4" name="Date Placeholder 3"/>
+          </a:p>
+        </p:txBody>
+      </p:sp>
+      <p:sp>
+        <p:nvSpPr>
+          <p:cNvPr id="4" name="Date Placeholder 3">
+            <a:extLst>
+              <a:ext uri="{FF2B5EF4-FFF2-40B4-BE49-F238E27FC236}">
+                <a16:creationId xmlns:a16="http://schemas.microsoft.com/office/drawing/2014/main" id="{59C717B1-423B-BDFE-22BB-A66639ADE05A}"/>
+              </a:ext>
+            </a:extLst>
+          </p:cNvPr>
           <p:cNvSpPr>
             <a:spLocks noGrp="1"/>
           </p:cNvSpPr>
@@ -1599,16 +1461,23 @@
           <a:bodyPr/>
           <a:lstStyle/>
           <a:p>
-            <a:pPr>
-              <a:defRPr/>
-            </a:pPr>
+            <a:fld id="{EB1AB7DB-BA09-BF4E-BA04-7E87C78DE094}" type="datetime1">
+              <a:rPr lang="en-US" smtClean="0"/>
+              <a:t>5/28/23</a:t>
+            </a:fld>
             <a:endParaRPr lang="en-US"/>
           </a:p>
         </p:txBody>
       </p:sp>
       <p:sp>
         <p:nvSpPr>
-          <p:cNvPr id="5" name="Footer Placeholder 4"/>
+          <p:cNvPr id="5" name="Footer Placeholder 4">
+            <a:extLst>
+              <a:ext uri="{FF2B5EF4-FFF2-40B4-BE49-F238E27FC236}">
+                <a16:creationId xmlns:a16="http://schemas.microsoft.com/office/drawing/2014/main" id="{1238AB57-64B7-20E4-E96D-D0FCBE58BB8E}"/>
+              </a:ext>
+            </a:extLst>
+          </p:cNvPr>
           <p:cNvSpPr>
             <a:spLocks noGrp="1"/>
           </p:cNvSpPr>
@@ -1621,9 +1490,6 @@
           <a:bodyPr/>
           <a:lstStyle/>
           <a:p>
-            <a:pPr>
-              <a:defRPr/>
-            </a:pPr>
             <a:r>
               <a:rPr lang="en-US"/>
               <a:t>yetanothermasterylearning</a:t>
@@ -1633,7 +1499,13 @@
       </p:sp>
       <p:sp>
         <p:nvSpPr>
-          <p:cNvPr id="6" name="Slide Number Placeholder 5"/>
+          <p:cNvPr id="6" name="Slide Number Placeholder 5">
+            <a:extLst>
+              <a:ext uri="{FF2B5EF4-FFF2-40B4-BE49-F238E27FC236}">
+                <a16:creationId xmlns:a16="http://schemas.microsoft.com/office/drawing/2014/main" id="{BF6B6A01-1276-79CB-A753-F02B47E61B28}"/>
+              </a:ext>
+            </a:extLst>
+          </p:cNvPr>
           <p:cNvSpPr>
             <a:spLocks noGrp="1"/>
           </p:cNvSpPr>
@@ -1646,54 +1518,18 @@
           <a:bodyPr/>
           <a:lstStyle/>
           <a:p>
-            <a:fld id="{37D2CBA5-E11D-AB47-A30F-7547C0391184}" type="slidenum">
-              <a:rPr lang="en-US" altLang="en-US" smtClean="0"/>
-              <a:pPr/>
+            <a:fld id="{46B2860C-164B-0242-B761-89B72ADFD8CA}" type="slidenum">
+              <a:rPr lang="en-US" smtClean="0"/>
               <a:t>‹#›</a:t>
             </a:fld>
-            <a:endParaRPr lang="en-US" altLang="en-US"/>
-          </a:p>
-        </p:txBody>
-      </p:sp>
-      <p:cxnSp>
-        <p:nvCxnSpPr>
-          <p:cNvPr id="8" name="Straight Connector 7"/>
-          <p:cNvCxnSpPr/>
-          <p:nvPr/>
-        </p:nvCxnSpPr>
-        <p:spPr>
-          <a:xfrm rot="5400000" flipV="1">
-            <a:off x="7543800" y="173563"/>
-            <a:ext cx="0" cy="685800"/>
-          </a:xfrm>
-          <a:prstGeom prst="line">
-            <a:avLst/>
-          </a:prstGeom>
-          <a:ln w="19050">
-            <a:solidFill>
-              <a:schemeClr val="accent2"/>
-            </a:solidFill>
-          </a:ln>
-        </p:spPr>
-        <p:style>
-          <a:lnRef idx="1">
-            <a:schemeClr val="accent1"/>
-          </a:lnRef>
-          <a:fillRef idx="0">
-            <a:schemeClr val="accent1"/>
-          </a:fillRef>
-          <a:effectRef idx="0">
-            <a:schemeClr val="accent1"/>
-          </a:effectRef>
-          <a:fontRef idx="minor">
-            <a:schemeClr val="tx1"/>
-          </a:fontRef>
-        </p:style>
-      </p:cxnSp>
+            <a:endParaRPr lang="en-US"/>
+          </a:p>
+        </p:txBody>
+      </p:sp>
     </p:spTree>
     <p:extLst>
       <p:ext uri="{BB962C8B-B14F-4D97-AF65-F5344CB8AC3E}">
-        <p14:creationId xmlns:p14="http://schemas.microsoft.com/office/powerpoint/2010/main" val="3390931997"/>
+        <p14:creationId xmlns:p14="http://schemas.microsoft.com/office/powerpoint/2010/main" val="1405775839"/>
       </p:ext>
     </p:extLst>
   </p:cSld>
@@ -1722,7 +1558,13 @@
       </p:grpSpPr>
       <p:sp>
         <p:nvSpPr>
-          <p:cNvPr id="2" name="Title 1"/>
+          <p:cNvPr id="2" name="Title 1">
+            <a:extLst>
+              <a:ext uri="{FF2B5EF4-FFF2-40B4-BE49-F238E27FC236}">
+                <a16:creationId xmlns:a16="http://schemas.microsoft.com/office/drawing/2014/main" id="{ECCCFC09-8AB4-79EA-9222-61B64384E323}"/>
+              </a:ext>
+            </a:extLst>
+          </p:cNvPr>
           <p:cNvSpPr>
             <a:spLocks noGrp="1"/>
           </p:cNvSpPr>
@@ -1739,13 +1581,18 @@
               <a:rPr lang="en-US"/>
               <a:t>Click to edit Master title style</a:t>
             </a:r>
-            <a:endParaRPr lang="en-US" dirty="0"/>
-          </a:p>
-        </p:txBody>
-      </p:sp>
-      <p:sp>
-        <p:nvSpPr>
-          <p:cNvPr id="3" name="Content Placeholder 2"/>
+          </a:p>
+        </p:txBody>
+      </p:sp>
+      <p:sp>
+        <p:nvSpPr>
+          <p:cNvPr id="3" name="Content Placeholder 2">
+            <a:extLst>
+              <a:ext uri="{FF2B5EF4-FFF2-40B4-BE49-F238E27FC236}">
+                <a16:creationId xmlns:a16="http://schemas.microsoft.com/office/drawing/2014/main" id="{EB3F8B40-0856-6382-D549-4CE3D1DFD4D2}"/>
+              </a:ext>
+            </a:extLst>
+          </p:cNvPr>
           <p:cNvSpPr>
             <a:spLocks noGrp="1"/>
           </p:cNvSpPr>
@@ -1791,13 +1638,18 @@
               <a:rPr lang="en-US"/>
               <a:t>Fifth level</a:t>
             </a:r>
-            <a:endParaRPr lang="en-US" dirty="0"/>
-          </a:p>
-        </p:txBody>
-      </p:sp>
-      <p:sp>
-        <p:nvSpPr>
-          <p:cNvPr id="4" name="Date Placeholder 3"/>
+          </a:p>
+        </p:txBody>
+      </p:sp>
+      <p:sp>
+        <p:nvSpPr>
+          <p:cNvPr id="4" name="Date Placeholder 3">
+            <a:extLst>
+              <a:ext uri="{FF2B5EF4-FFF2-40B4-BE49-F238E27FC236}">
+                <a16:creationId xmlns:a16="http://schemas.microsoft.com/office/drawing/2014/main" id="{8C2250A2-8908-C83A-6B42-7E0FA5588150}"/>
+              </a:ext>
+            </a:extLst>
+          </p:cNvPr>
           <p:cNvSpPr>
             <a:spLocks noGrp="1"/>
           </p:cNvSpPr>
@@ -1810,16 +1662,23 @@
           <a:bodyPr/>
           <a:lstStyle/>
           <a:p>
-            <a:pPr>
-              <a:defRPr/>
-            </a:pPr>
+            <a:fld id="{DF4BF83A-6A9E-884B-BF4A-3961B5A82CC1}" type="datetime1">
+              <a:rPr lang="en-US" smtClean="0"/>
+              <a:t>5/28/23</a:t>
+            </a:fld>
             <a:endParaRPr lang="en-US"/>
           </a:p>
         </p:txBody>
       </p:sp>
       <p:sp>
         <p:nvSpPr>
-          <p:cNvPr id="5" name="Footer Placeholder 4"/>
+          <p:cNvPr id="5" name="Footer Placeholder 4">
+            <a:extLst>
+              <a:ext uri="{FF2B5EF4-FFF2-40B4-BE49-F238E27FC236}">
+                <a16:creationId xmlns:a16="http://schemas.microsoft.com/office/drawing/2014/main" id="{59CA4F28-C36C-CDBF-E4A6-15247C0FBB48}"/>
+              </a:ext>
+            </a:extLst>
+          </p:cNvPr>
           <p:cNvSpPr>
             <a:spLocks noGrp="1"/>
           </p:cNvSpPr>
@@ -1832,9 +1691,6 @@
           <a:bodyPr/>
           <a:lstStyle/>
           <a:p>
-            <a:pPr>
-              <a:defRPr/>
-            </a:pPr>
             <a:r>
               <a:rPr lang="en-US"/>
               <a:t>yetanothermasterylearning</a:t>
@@ -1844,7 +1700,13 @@
       </p:sp>
       <p:sp>
         <p:nvSpPr>
-          <p:cNvPr id="6" name="Slide Number Placeholder 5"/>
+          <p:cNvPr id="6" name="Slide Number Placeholder 5">
+            <a:extLst>
+              <a:ext uri="{FF2B5EF4-FFF2-40B4-BE49-F238E27FC236}">
+                <a16:creationId xmlns:a16="http://schemas.microsoft.com/office/drawing/2014/main" id="{AC8C51D5-60CA-D70B-21DE-6D2A7438ED92}"/>
+              </a:ext>
+            </a:extLst>
+          </p:cNvPr>
           <p:cNvSpPr>
             <a:spLocks noGrp="1"/>
           </p:cNvSpPr>
@@ -1857,19 +1719,18 @@
           <a:bodyPr/>
           <a:lstStyle/>
           <a:p>
-            <a:fld id="{D0590420-4F70-4D46-988C-65FF2CBABA5D}" type="slidenum">
-              <a:rPr lang="en-US" altLang="en-US" smtClean="0"/>
-              <a:pPr/>
+            <a:fld id="{46B2860C-164B-0242-B761-89B72ADFD8CA}" type="slidenum">
+              <a:rPr lang="en-US" smtClean="0"/>
               <a:t>‹#›</a:t>
             </a:fld>
-            <a:endParaRPr lang="en-US" altLang="en-US"/>
+            <a:endParaRPr lang="en-US"/>
           </a:p>
         </p:txBody>
       </p:sp>
     </p:spTree>
     <p:extLst>
       <p:ext uri="{BB962C8B-B14F-4D97-AF65-F5344CB8AC3E}">
-        <p14:creationId xmlns:p14="http://schemas.microsoft.com/office/powerpoint/2010/main" val="3096216490"/>
+        <p14:creationId xmlns:p14="http://schemas.microsoft.com/office/powerpoint/2010/main" val="1485417676"/>
       </p:ext>
     </p:extLst>
   </p:cSld>
@@ -1880,7 +1741,7 @@
 </file>
 
 <file path=ppt/slideLayouts/slideLayout3.xml><?xml version="1.0" encoding="utf-8"?>
-<p:sldLayout xmlns:a="http://schemas.openxmlformats.org/drawingml/2006/main" xmlns:r="http://schemas.openxmlformats.org/officeDocument/2006/relationships" xmlns:p="http://schemas.openxmlformats.org/presentationml/2006/main" showMasterSp="0" type="secHead" preserve="1">
+<p:sldLayout xmlns:a="http://schemas.openxmlformats.org/drawingml/2006/main" xmlns:r="http://schemas.openxmlformats.org/officeDocument/2006/relationships" xmlns:p="http://schemas.openxmlformats.org/presentationml/2006/main" type="secHead" preserve="1">
   <p:cSld name="Section Header">
     <p:spTree>
       <p:nvGrpSpPr>
@@ -1898,7 +1759,13 @@
       </p:grpSpPr>
       <p:sp>
         <p:nvSpPr>
-          <p:cNvPr id="2" name="Title 1"/>
+          <p:cNvPr id="2" name="Title 1">
+            <a:extLst>
+              <a:ext uri="{FF2B5EF4-FFF2-40B4-BE49-F238E27FC236}">
+                <a16:creationId xmlns:a16="http://schemas.microsoft.com/office/drawing/2014/main" id="{B35675EB-30E8-73BA-8250-EF5C6C2415B5}"/>
+              </a:ext>
+            </a:extLst>
+          </p:cNvPr>
           <p:cNvSpPr>
             <a:spLocks noGrp="1"/>
           </p:cNvSpPr>
@@ -1908,17 +1775,15 @@
         </p:nvSpPr>
         <p:spPr>
           <a:xfrm>
-            <a:off x="342900" y="4960137"/>
-            <a:ext cx="5829300" cy="1463040"/>
+            <a:off x="831850" y="1709738"/>
+            <a:ext cx="10515600" cy="2852737"/>
           </a:xfrm>
         </p:spPr>
         <p:txBody>
-          <a:bodyPr anchor="ctr">
-            <a:normAutofit/>
-          </a:bodyPr>
+          <a:bodyPr anchor="b"/>
           <a:lstStyle>
-            <a:lvl1pPr algn="r">
-              <a:defRPr sz="4400" b="0" spc="200" baseline="0"/>
+            <a:lvl1pPr>
+              <a:defRPr sz="6000"/>
             </a:lvl1pPr>
           </a:lstStyle>
           <a:p>
@@ -1926,13 +1791,18 @@
               <a:rPr lang="en-US"/>
               <a:t>Click to edit Master title style</a:t>
             </a:r>
-            <a:endParaRPr lang="en-US" dirty="0"/>
-          </a:p>
-        </p:txBody>
-      </p:sp>
-      <p:sp>
-        <p:nvSpPr>
-          <p:cNvPr id="3" name="Text Placeholder 2"/>
+          </a:p>
+        </p:txBody>
+      </p:sp>
+      <p:sp>
+        <p:nvSpPr>
+          <p:cNvPr id="3" name="Text Placeholder 2">
+            <a:extLst>
+              <a:ext uri="{FF2B5EF4-FFF2-40B4-BE49-F238E27FC236}">
+                <a16:creationId xmlns:a16="http://schemas.microsoft.com/office/drawing/2014/main" id="{F078A551-77A7-359F-51AF-C77439EBF70B}"/>
+              </a:ext>
+            </a:extLst>
+          </p:cNvPr>
           <p:cNvSpPr>
             <a:spLocks noGrp="1"/>
           </p:cNvSpPr>
@@ -1942,35 +1812,26 @@
         </p:nvSpPr>
         <p:spPr>
           <a:xfrm>
-            <a:off x="6457950" y="4960137"/>
-            <a:ext cx="2400300" cy="1463040"/>
+            <a:off x="831850" y="4589463"/>
+            <a:ext cx="10515600" cy="1500187"/>
           </a:xfrm>
         </p:spPr>
         <p:txBody>
-          <a:bodyPr lIns="91440" rIns="91440" anchor="ctr">
-            <a:normAutofit/>
-          </a:bodyPr>
+          <a:bodyPr/>
           <a:lstStyle>
             <a:lvl1pPr marL="0" indent="0">
-              <a:lnSpc>
-                <a:spcPct val="100000"/>
-              </a:lnSpc>
-              <a:spcBef>
-                <a:spcPts val="0"/>
-              </a:spcBef>
               <a:buNone/>
-              <a:defRPr sz="1600">
+              <a:defRPr sz="2400">
                 <a:solidFill>
                   <a:schemeClr val="tx1">
-                    <a:lumMod val="95000"/>
-                    <a:lumOff val="5000"/>
+                    <a:tint val="75000"/>
                   </a:schemeClr>
                 </a:solidFill>
               </a:defRPr>
             </a:lvl1pPr>
             <a:lvl2pPr marL="457200" indent="0">
               <a:buNone/>
-              <a:defRPr sz="1600">
+              <a:defRPr sz="2000">
                 <a:solidFill>
                   <a:schemeClr val="tx1">
                     <a:tint val="75000"/>
@@ -1980,7 +1841,7 @@
             </a:lvl2pPr>
             <a:lvl3pPr marL="914400" indent="0">
               <a:buNone/>
-              <a:defRPr sz="1600">
+              <a:defRPr sz="1800">
                 <a:solidFill>
                   <a:schemeClr val="tx1">
                     <a:tint val="75000"/>
@@ -1990,7 +1851,7 @@
             </a:lvl3pPr>
             <a:lvl4pPr marL="1371600" indent="0">
               <a:buNone/>
-              <a:defRPr sz="1400">
+              <a:defRPr sz="1600">
                 <a:solidFill>
                   <a:schemeClr val="tx1">
                     <a:tint val="75000"/>
@@ -2000,7 +1861,7 @@
             </a:lvl4pPr>
             <a:lvl5pPr marL="1828800" indent="0">
               <a:buNone/>
-              <a:defRPr sz="1400">
+              <a:defRPr sz="1600">
                 <a:solidFill>
                   <a:schemeClr val="tx1">
                     <a:tint val="75000"/>
@@ -2010,7 +1871,7 @@
             </a:lvl5pPr>
             <a:lvl6pPr marL="2286000" indent="0">
               <a:buNone/>
-              <a:defRPr sz="1400">
+              <a:defRPr sz="1600">
                 <a:solidFill>
                   <a:schemeClr val="tx1">
                     <a:tint val="75000"/>
@@ -2020,7 +1881,7 @@
             </a:lvl6pPr>
             <a:lvl7pPr marL="2743200" indent="0">
               <a:buNone/>
-              <a:defRPr sz="1400">
+              <a:defRPr sz="1600">
                 <a:solidFill>
                   <a:schemeClr val="tx1">
                     <a:tint val="75000"/>
@@ -2030,7 +1891,7 @@
             </a:lvl7pPr>
             <a:lvl8pPr marL="3200400" indent="0">
               <a:buNone/>
-              <a:defRPr sz="1400">
+              <a:defRPr sz="1600">
                 <a:solidFill>
                   <a:schemeClr val="tx1">
                     <a:tint val="75000"/>
@@ -2040,7 +1901,7 @@
             </a:lvl8pPr>
             <a:lvl9pPr marL="3657600" indent="0">
               <a:buNone/>
-              <a:defRPr sz="1400">
+              <a:defRPr sz="1600">
                 <a:solidFill>
                   <a:schemeClr val="tx1">
                     <a:tint val="75000"/>
@@ -2060,7 +1921,13 @@
       </p:sp>
       <p:sp>
         <p:nvSpPr>
-          <p:cNvPr id="4" name="Date Placeholder 3"/>
+          <p:cNvPr id="4" name="Date Placeholder 3">
+            <a:extLst>
+              <a:ext uri="{FF2B5EF4-FFF2-40B4-BE49-F238E27FC236}">
+                <a16:creationId xmlns:a16="http://schemas.microsoft.com/office/drawing/2014/main" id="{092F3220-1575-627F-FB34-64A534D63C02}"/>
+              </a:ext>
+            </a:extLst>
+          </p:cNvPr>
           <p:cNvSpPr>
             <a:spLocks noGrp="1"/>
           </p:cNvSpPr>
@@ -2073,16 +1940,23 @@
           <a:bodyPr/>
           <a:lstStyle/>
           <a:p>
-            <a:pPr>
-              <a:defRPr/>
-            </a:pPr>
+            <a:fld id="{10DD95FF-6B99-944F-98AD-ED6AA89A0224}" type="datetime1">
+              <a:rPr lang="en-US" smtClean="0"/>
+              <a:t>5/28/23</a:t>
+            </a:fld>
             <a:endParaRPr lang="en-US"/>
           </a:p>
         </p:txBody>
       </p:sp>
       <p:sp>
         <p:nvSpPr>
-          <p:cNvPr id="5" name="Footer Placeholder 4"/>
+          <p:cNvPr id="5" name="Footer Placeholder 4">
+            <a:extLst>
+              <a:ext uri="{FF2B5EF4-FFF2-40B4-BE49-F238E27FC236}">
+                <a16:creationId xmlns:a16="http://schemas.microsoft.com/office/drawing/2014/main" id="{3A6BBE21-6A4D-EA5D-F2F8-8BE02DDD69D2}"/>
+              </a:ext>
+            </a:extLst>
+          </p:cNvPr>
           <p:cNvSpPr>
             <a:spLocks noGrp="1"/>
           </p:cNvSpPr>
@@ -2095,9 +1969,6 @@
           <a:bodyPr/>
           <a:lstStyle/>
           <a:p>
-            <a:pPr>
-              <a:defRPr/>
-            </a:pPr>
             <a:r>
               <a:rPr lang="en-US"/>
               <a:t>yetanothermasterylearning</a:t>
@@ -2107,7 +1978,13 @@
       </p:sp>
       <p:sp>
         <p:nvSpPr>
-          <p:cNvPr id="6" name="Slide Number Placeholder 5"/>
+          <p:cNvPr id="6" name="Slide Number Placeholder 5">
+            <a:extLst>
+              <a:ext uri="{FF2B5EF4-FFF2-40B4-BE49-F238E27FC236}">
+                <a16:creationId xmlns:a16="http://schemas.microsoft.com/office/drawing/2014/main" id="{CA22E70B-A662-FAF0-2071-99BD2D60613F}"/>
+              </a:ext>
+            </a:extLst>
+          </p:cNvPr>
           <p:cNvSpPr>
             <a:spLocks noGrp="1"/>
           </p:cNvSpPr>
@@ -2120,102 +1997,18 @@
           <a:bodyPr/>
           <a:lstStyle/>
           <a:p>
-            <a:fld id="{B41A1116-B3E8-544C-8FA0-8D36A1BFFAD8}" type="slidenum">
-              <a:rPr lang="en-US" altLang="en-US" smtClean="0"/>
-              <a:pPr/>
+            <a:fld id="{46B2860C-164B-0242-B761-89B72ADFD8CA}" type="slidenum">
+              <a:rPr lang="en-US" smtClean="0"/>
               <a:t>‹#›</a:t>
             </a:fld>
-            <a:endParaRPr lang="en-US" altLang="en-US"/>
-          </a:p>
-        </p:txBody>
-      </p:sp>
-      <p:sp>
-        <p:nvSpPr>
-          <p:cNvPr id="10" name="Rectangle 9"/>
-          <p:cNvSpPr/>
-          <p:nvPr/>
-        </p:nvSpPr>
-        <p:spPr>
-          <a:xfrm>
-            <a:off x="0" y="0"/>
-            <a:ext cx="9144000" cy="4572000"/>
-          </a:xfrm>
-          <a:prstGeom prst="rect">
-            <a:avLst/>
-          </a:prstGeom>
-          <a:blipFill dpi="0" rotWithShape="1">
-            <a:blip r:embed="rId2">
-              <a:duotone>
-                <a:schemeClr val="accent1">
-                  <a:shade val="45000"/>
-                  <a:satMod val="135000"/>
-                </a:schemeClr>
-                <a:prstClr val="white"/>
-              </a:duotone>
-            </a:blip>
-            <a:srcRect/>
-            <a:tile tx="-165100" ty="-76200" sx="35000" sy="35000" flip="none" algn="tl"/>
-          </a:blipFill>
-          <a:ln>
-            <a:noFill/>
-          </a:ln>
-        </p:spPr>
-        <p:style>
-          <a:lnRef idx="2">
-            <a:schemeClr val="accent1">
-              <a:shade val="50000"/>
-            </a:schemeClr>
-          </a:lnRef>
-          <a:fillRef idx="1">
-            <a:schemeClr val="accent1"/>
-          </a:fillRef>
-          <a:effectRef idx="0">
-            <a:schemeClr val="accent1"/>
-          </a:effectRef>
-          <a:fontRef idx="minor">
-            <a:schemeClr val="lt1"/>
-          </a:fontRef>
-        </p:style>
-      </p:sp>
-      <p:cxnSp>
-        <p:nvCxnSpPr>
-          <p:cNvPr id="12" name="Straight Connector 11"/>
-          <p:cNvCxnSpPr/>
-          <p:nvPr/>
-        </p:nvCxnSpPr>
-        <p:spPr>
-          <a:xfrm flipV="1">
-            <a:off x="6290132" y="5264106"/>
-            <a:ext cx="0" cy="914400"/>
-          </a:xfrm>
-          <a:prstGeom prst="line">
-            <a:avLst/>
-          </a:prstGeom>
-          <a:ln w="19050">
-            <a:solidFill>
-              <a:schemeClr val="accent1"/>
-            </a:solidFill>
-          </a:ln>
-        </p:spPr>
-        <p:style>
-          <a:lnRef idx="1">
-            <a:schemeClr val="accent1"/>
-          </a:lnRef>
-          <a:fillRef idx="0">
-            <a:schemeClr val="accent1"/>
-          </a:fillRef>
-          <a:effectRef idx="0">
-            <a:schemeClr val="accent1"/>
-          </a:effectRef>
-          <a:fontRef idx="minor">
-            <a:schemeClr val="tx1"/>
-          </a:fontRef>
-        </p:style>
-      </p:cxnSp>
+            <a:endParaRPr lang="en-US"/>
+          </a:p>
+        </p:txBody>
+      </p:sp>
     </p:spTree>
     <p:extLst>
       <p:ext uri="{BB962C8B-B14F-4D97-AF65-F5344CB8AC3E}">
-        <p14:creationId xmlns:p14="http://schemas.microsoft.com/office/powerpoint/2010/main" val="4047925760"/>
+        <p14:creationId xmlns:p14="http://schemas.microsoft.com/office/powerpoint/2010/main" val="123254386"/>
       </p:ext>
     </p:extLst>
   </p:cSld>
@@ -2244,46 +2037,114 @@
       </p:grpSpPr>
       <p:sp>
         <p:nvSpPr>
-          <p:cNvPr id="2" name="Title 1"/>
+          <p:cNvPr id="2" name="Title 1">
+            <a:extLst>
+              <a:ext uri="{FF2B5EF4-FFF2-40B4-BE49-F238E27FC236}">
+                <a16:creationId xmlns:a16="http://schemas.microsoft.com/office/drawing/2014/main" id="{FC6F1BD1-9DCD-02C4-271D-4811B742AFB1}"/>
+              </a:ext>
+            </a:extLst>
+          </p:cNvPr>
           <p:cNvSpPr>
             <a:spLocks noGrp="1"/>
           </p:cNvSpPr>
           <p:nvPr>
             <p:ph type="title"/>
+          </p:nvPr>
+        </p:nvSpPr>
+        <p:spPr/>
+        <p:txBody>
+          <a:bodyPr/>
+          <a:lstStyle/>
+          <a:p>
+            <a:r>
+              <a:rPr lang="en-US"/>
+              <a:t>Click to edit Master title style</a:t>
+            </a:r>
+          </a:p>
+        </p:txBody>
+      </p:sp>
+      <p:sp>
+        <p:nvSpPr>
+          <p:cNvPr id="3" name="Content Placeholder 2">
+            <a:extLst>
+              <a:ext uri="{FF2B5EF4-FFF2-40B4-BE49-F238E27FC236}">
+                <a16:creationId xmlns:a16="http://schemas.microsoft.com/office/drawing/2014/main" id="{AACCF5FE-7B87-41E7-AAD2-0D676BE2FADD}"/>
+              </a:ext>
+            </a:extLst>
+          </p:cNvPr>
+          <p:cNvSpPr>
+            <a:spLocks noGrp="1"/>
+          </p:cNvSpPr>
+          <p:nvPr>
+            <p:ph sz="half" idx="1"/>
           </p:nvPr>
         </p:nvSpPr>
         <p:spPr>
           <a:xfrm>
-            <a:off x="768096" y="585216"/>
-            <a:ext cx="7290054" cy="1499616"/>
+            <a:off x="838200" y="1825625"/>
+            <a:ext cx="5181600" cy="4351338"/>
           </a:xfrm>
         </p:spPr>
         <p:txBody>
           <a:bodyPr/>
           <a:lstStyle/>
           <a:p>
+            <a:pPr lvl="0"/>
             <a:r>
               <a:rPr lang="en-US"/>
-              <a:t>Click to edit Master title style</a:t>
-            </a:r>
-            <a:endParaRPr lang="en-US" dirty="0"/>
-          </a:p>
-        </p:txBody>
-      </p:sp>
-      <p:sp>
-        <p:nvSpPr>
-          <p:cNvPr id="3" name="Content Placeholder 2"/>
+              <a:t>Click to edit Master text styles</a:t>
+            </a:r>
+          </a:p>
+          <a:p>
+            <a:pPr lvl="1"/>
+            <a:r>
+              <a:rPr lang="en-US"/>
+              <a:t>Second level</a:t>
+            </a:r>
+          </a:p>
+          <a:p>
+            <a:pPr lvl="2"/>
+            <a:r>
+              <a:rPr lang="en-US"/>
+              <a:t>Third level</a:t>
+            </a:r>
+          </a:p>
+          <a:p>
+            <a:pPr lvl="3"/>
+            <a:r>
+              <a:rPr lang="en-US"/>
+              <a:t>Fourth level</a:t>
+            </a:r>
+          </a:p>
+          <a:p>
+            <a:pPr lvl="4"/>
+            <a:r>
+              <a:rPr lang="en-US"/>
+              <a:t>Fifth level</a:t>
+            </a:r>
+          </a:p>
+        </p:txBody>
+      </p:sp>
+      <p:sp>
+        <p:nvSpPr>
+          <p:cNvPr id="4" name="Content Placeholder 3">
+            <a:extLst>
+              <a:ext uri="{FF2B5EF4-FFF2-40B4-BE49-F238E27FC236}">
+                <a16:creationId xmlns:a16="http://schemas.microsoft.com/office/drawing/2014/main" id="{CEA5803D-6CE2-5A83-C911-DB0D044229A7}"/>
+              </a:ext>
+            </a:extLst>
+          </p:cNvPr>
           <p:cNvSpPr>
             <a:spLocks noGrp="1"/>
           </p:cNvSpPr>
           <p:nvPr>
-            <p:ph sz="half" idx="1"/>
+            <p:ph sz="half" idx="2"/>
           </p:nvPr>
         </p:nvSpPr>
         <p:spPr>
           <a:xfrm>
-            <a:off x="768096" y="2286000"/>
-            <a:ext cx="3566160" cy="4023360"/>
+            <a:off x="6172200" y="1825625"/>
+            <a:ext cx="5181600" cy="4351338"/>
           </a:xfrm>
         </p:spPr>
         <p:txBody>
@@ -2323,75 +2184,52 @@
               <a:rPr lang="en-US"/>
               <a:t>Fifth level</a:t>
             </a:r>
-            <a:endParaRPr lang="en-US" dirty="0"/>
-          </a:p>
-        </p:txBody>
-      </p:sp>
-      <p:sp>
-        <p:nvSpPr>
-          <p:cNvPr id="4" name="Content Placeholder 3"/>
+          </a:p>
+        </p:txBody>
+      </p:sp>
+      <p:sp>
+        <p:nvSpPr>
+          <p:cNvPr id="5" name="Date Placeholder 4">
+            <a:extLst>
+              <a:ext uri="{FF2B5EF4-FFF2-40B4-BE49-F238E27FC236}">
+                <a16:creationId xmlns:a16="http://schemas.microsoft.com/office/drawing/2014/main" id="{2D88D0FE-CD83-2CE9-E282-6E33CD29A7DD}"/>
+              </a:ext>
+            </a:extLst>
+          </p:cNvPr>
           <p:cNvSpPr>
             <a:spLocks noGrp="1"/>
           </p:cNvSpPr>
           <p:nvPr>
-            <p:ph sz="half" idx="2"/>
-          </p:nvPr>
-        </p:nvSpPr>
-        <p:spPr>
-          <a:xfrm>
-            <a:off x="4491990" y="2286000"/>
-            <a:ext cx="3566160" cy="4023360"/>
-          </a:xfrm>
-        </p:spPr>
+            <p:ph type="dt" sz="half" idx="10"/>
+          </p:nvPr>
+        </p:nvSpPr>
+        <p:spPr/>
         <p:txBody>
           <a:bodyPr/>
           <a:lstStyle/>
           <a:p>
-            <a:pPr lvl="0"/>
-            <a:r>
-              <a:rPr lang="en-US"/>
-              <a:t>Click to edit Master text styles</a:t>
-            </a:r>
-          </a:p>
-          <a:p>
-            <a:pPr lvl="1"/>
-            <a:r>
-              <a:rPr lang="en-US"/>
-              <a:t>Second level</a:t>
-            </a:r>
-          </a:p>
-          <a:p>
-            <a:pPr lvl="2"/>
-            <a:r>
-              <a:rPr lang="en-US"/>
-              <a:t>Third level</a:t>
-            </a:r>
-          </a:p>
-          <a:p>
-            <a:pPr lvl="3"/>
-            <a:r>
-              <a:rPr lang="en-US"/>
-              <a:t>Fourth level</a:t>
-            </a:r>
-          </a:p>
-          <a:p>
-            <a:pPr lvl="4"/>
-            <a:r>
-              <a:rPr lang="en-US"/>
-              <a:t>Fifth level</a:t>
-            </a:r>
-            <a:endParaRPr lang="en-US" dirty="0"/>
-          </a:p>
-        </p:txBody>
-      </p:sp>
-      <p:sp>
-        <p:nvSpPr>
-          <p:cNvPr id="5" name="Date Placeholder 4"/>
+            <a:fld id="{36C33B4D-A0EF-9340-9FD6-FC97BDF37FF7}" type="datetime1">
+              <a:rPr lang="en-US" smtClean="0"/>
+              <a:t>5/28/23</a:t>
+            </a:fld>
+            <a:endParaRPr lang="en-US"/>
+          </a:p>
+        </p:txBody>
+      </p:sp>
+      <p:sp>
+        <p:nvSpPr>
+          <p:cNvPr id="6" name="Footer Placeholder 5">
+            <a:extLst>
+              <a:ext uri="{FF2B5EF4-FFF2-40B4-BE49-F238E27FC236}">
+                <a16:creationId xmlns:a16="http://schemas.microsoft.com/office/drawing/2014/main" id="{5FE032EA-F88D-73FF-7B20-065F75717A86}"/>
+              </a:ext>
+            </a:extLst>
+          </p:cNvPr>
           <p:cNvSpPr>
             <a:spLocks noGrp="1"/>
           </p:cNvSpPr>
           <p:nvPr>
-            <p:ph type="dt" sz="half" idx="10"/>
+            <p:ph type="ftr" sz="quarter" idx="11"/>
           </p:nvPr>
         </p:nvSpPr>
         <p:spPr/>
@@ -2399,31 +2237,6 @@
           <a:bodyPr/>
           <a:lstStyle/>
           <a:p>
-            <a:pPr>
-              <a:defRPr/>
-            </a:pPr>
-            <a:endParaRPr lang="en-US"/>
-          </a:p>
-        </p:txBody>
-      </p:sp>
-      <p:sp>
-        <p:nvSpPr>
-          <p:cNvPr id="6" name="Footer Placeholder 5"/>
-          <p:cNvSpPr>
-            <a:spLocks noGrp="1"/>
-          </p:cNvSpPr>
-          <p:nvPr>
-            <p:ph type="ftr" sz="quarter" idx="11"/>
-          </p:nvPr>
-        </p:nvSpPr>
-        <p:spPr/>
-        <p:txBody>
-          <a:bodyPr/>
-          <a:lstStyle/>
-          <a:p>
-            <a:pPr>
-              <a:defRPr/>
-            </a:pPr>
             <a:r>
               <a:rPr lang="en-US"/>
               <a:t>yetanothermasterylearning</a:t>
@@ -2433,7 +2246,13 @@
       </p:sp>
       <p:sp>
         <p:nvSpPr>
-          <p:cNvPr id="7" name="Slide Number Placeholder 6"/>
+          <p:cNvPr id="7" name="Slide Number Placeholder 6">
+            <a:extLst>
+              <a:ext uri="{FF2B5EF4-FFF2-40B4-BE49-F238E27FC236}">
+                <a16:creationId xmlns:a16="http://schemas.microsoft.com/office/drawing/2014/main" id="{D832E2D1-A405-D43F-FA8F-AA4155EF2A07}"/>
+              </a:ext>
+            </a:extLst>
+          </p:cNvPr>
           <p:cNvSpPr>
             <a:spLocks noGrp="1"/>
           </p:cNvSpPr>
@@ -2446,19 +2265,18 @@
           <a:bodyPr/>
           <a:lstStyle/>
           <a:p>
-            <a:fld id="{2063290F-A218-2149-96C1-E24E06B12004}" type="slidenum">
-              <a:rPr lang="en-US" altLang="en-US" smtClean="0"/>
-              <a:pPr/>
+            <a:fld id="{46B2860C-164B-0242-B761-89B72ADFD8CA}" type="slidenum">
+              <a:rPr lang="en-US" smtClean="0"/>
               <a:t>‹#›</a:t>
             </a:fld>
-            <a:endParaRPr lang="en-US" altLang="en-US"/>
+            <a:endParaRPr lang="en-US"/>
           </a:p>
         </p:txBody>
       </p:sp>
     </p:spTree>
     <p:extLst>
       <p:ext uri="{BB962C8B-B14F-4D97-AF65-F5344CB8AC3E}">
-        <p14:creationId xmlns:p14="http://schemas.microsoft.com/office/powerpoint/2010/main" val="2740838989"/>
+        <p14:creationId xmlns:p14="http://schemas.microsoft.com/office/powerpoint/2010/main" val="3510941418"/>
       </p:ext>
     </p:extLst>
   </p:cSld>
@@ -2487,7 +2305,13 @@
       </p:grpSpPr>
       <p:sp>
         <p:nvSpPr>
-          <p:cNvPr id="10" name="Title 9"/>
+          <p:cNvPr id="2" name="Title 1">
+            <a:extLst>
+              <a:ext uri="{FF2B5EF4-FFF2-40B4-BE49-F238E27FC236}">
+                <a16:creationId xmlns:a16="http://schemas.microsoft.com/office/drawing/2014/main" id="{7A9C5611-226D-D904-C66A-EEA11B373441}"/>
+              </a:ext>
+            </a:extLst>
+          </p:cNvPr>
           <p:cNvSpPr>
             <a:spLocks noGrp="1"/>
           </p:cNvSpPr>
@@ -2497,8 +2321,8 @@
         </p:nvSpPr>
         <p:spPr>
           <a:xfrm>
-            <a:off x="768096" y="585216"/>
-            <a:ext cx="7290054" cy="1499616"/>
+            <a:off x="839788" y="365125"/>
+            <a:ext cx="10515600" cy="1325563"/>
           </a:xfrm>
         </p:spPr>
         <p:txBody>
@@ -2509,13 +2333,18 @@
               <a:rPr lang="en-US"/>
               <a:t>Click to edit Master title style</a:t>
             </a:r>
-            <a:endParaRPr lang="en-US" dirty="0"/>
-          </a:p>
-        </p:txBody>
-      </p:sp>
-      <p:sp>
-        <p:nvSpPr>
-          <p:cNvPr id="3" name="Text Placeholder 2"/>
+          </a:p>
+        </p:txBody>
+      </p:sp>
+      <p:sp>
+        <p:nvSpPr>
+          <p:cNvPr id="3" name="Text Placeholder 2">
+            <a:extLst>
+              <a:ext uri="{FF2B5EF4-FFF2-40B4-BE49-F238E27FC236}">
+                <a16:creationId xmlns:a16="http://schemas.microsoft.com/office/drawing/2014/main" id="{9D8258CE-3DC6-3E12-2856-70D5CD63CA3F}"/>
+              </a:ext>
+            </a:extLst>
+          </p:cNvPr>
           <p:cNvSpPr>
             <a:spLocks noGrp="1"/>
           </p:cNvSpPr>
@@ -2525,29 +2354,16 @@
         </p:nvSpPr>
         <p:spPr>
           <a:xfrm>
-            <a:off x="768096" y="2179636"/>
-            <a:ext cx="3566160" cy="822960"/>
+            <a:off x="839788" y="1681163"/>
+            <a:ext cx="5157787" cy="823912"/>
           </a:xfrm>
         </p:spPr>
         <p:txBody>
-          <a:bodyPr lIns="137160" rIns="137160" anchor="ctr">
-            <a:normAutofit/>
-          </a:bodyPr>
+          <a:bodyPr anchor="b"/>
           <a:lstStyle>
             <a:lvl1pPr marL="0" indent="0">
-              <a:spcBef>
-                <a:spcPts val="0"/>
-              </a:spcBef>
-              <a:spcAft>
-                <a:spcPts val="0"/>
-              </a:spcAft>
               <a:buNone/>
-              <a:defRPr sz="2200" b="0" cap="none" baseline="0">
-                <a:solidFill>
-                  <a:schemeClr val="accent2"/>
-                </a:solidFill>
-                <a:latin typeface="+mn-lt"/>
-              </a:defRPr>
+              <a:defRPr sz="2400" b="1"/>
             </a:lvl1pPr>
             <a:lvl2pPr marL="457200" indent="0">
               <a:buNone/>
@@ -2593,7 +2409,13 @@
       </p:sp>
       <p:sp>
         <p:nvSpPr>
-          <p:cNvPr id="4" name="Content Placeholder 3"/>
+          <p:cNvPr id="4" name="Content Placeholder 3">
+            <a:extLst>
+              <a:ext uri="{FF2B5EF4-FFF2-40B4-BE49-F238E27FC236}">
+                <a16:creationId xmlns:a16="http://schemas.microsoft.com/office/drawing/2014/main" id="{C7439BA5-1335-5A2C-A453-6CF71660D247}"/>
+              </a:ext>
+            </a:extLst>
+          </p:cNvPr>
           <p:cNvSpPr>
             <a:spLocks noGrp="1"/>
           </p:cNvSpPr>
@@ -2603,8 +2425,8 @@
         </p:nvSpPr>
         <p:spPr>
           <a:xfrm>
-            <a:off x="768096" y="2967788"/>
-            <a:ext cx="3566160" cy="3341572"/>
+            <a:off x="839788" y="2505075"/>
+            <a:ext cx="5157787" cy="3684588"/>
           </a:xfrm>
         </p:spPr>
         <p:txBody>
@@ -2644,13 +2466,18 @@
               <a:rPr lang="en-US"/>
               <a:t>Fifth level</a:t>
             </a:r>
-            <a:endParaRPr lang="en-US" dirty="0"/>
-          </a:p>
-        </p:txBody>
-      </p:sp>
-      <p:sp>
-        <p:nvSpPr>
-          <p:cNvPr id="5" name="Text Placeholder 4"/>
+          </a:p>
+        </p:txBody>
+      </p:sp>
+      <p:sp>
+        <p:nvSpPr>
+          <p:cNvPr id="5" name="Text Placeholder 4">
+            <a:extLst>
+              <a:ext uri="{FF2B5EF4-FFF2-40B4-BE49-F238E27FC236}">
+                <a16:creationId xmlns:a16="http://schemas.microsoft.com/office/drawing/2014/main" id="{8BFFB716-5DFA-DD88-DFA9-3E00A0CC18A7}"/>
+              </a:ext>
+            </a:extLst>
+          </p:cNvPr>
           <p:cNvSpPr>
             <a:spLocks noGrp="1"/>
           </p:cNvSpPr>
@@ -2660,31 +2487,16 @@
         </p:nvSpPr>
         <p:spPr>
           <a:xfrm>
-            <a:off x="4491990" y="2179636"/>
-            <a:ext cx="3566160" cy="822960"/>
+            <a:off x="6172200" y="1681163"/>
+            <a:ext cx="5183188" cy="823912"/>
           </a:xfrm>
         </p:spPr>
         <p:txBody>
-          <a:bodyPr lIns="137160" rIns="137160" anchor="ctr">
-            <a:normAutofit/>
-          </a:bodyPr>
+          <a:bodyPr anchor="b"/>
           <a:lstStyle>
             <a:lvl1pPr marL="0" indent="0">
-              <a:spcBef>
-                <a:spcPts val="0"/>
-              </a:spcBef>
-              <a:spcAft>
-                <a:spcPts val="0"/>
-              </a:spcAft>
               <a:buNone/>
-              <a:defRPr lang="en-US" sz="2200" b="0" kern="1200" cap="none" baseline="0" dirty="0">
-                <a:solidFill>
-                  <a:schemeClr val="accent2"/>
-                </a:solidFill>
-                <a:latin typeface="+mn-lt"/>
-                <a:ea typeface="+mn-ea"/>
-                <a:cs typeface="+mn-cs"/>
-              </a:defRPr>
+              <a:defRPr sz="2400" b="1"/>
             </a:lvl1pPr>
             <a:lvl2pPr marL="457200" indent="0">
               <a:buNone/>
@@ -2720,15 +2532,7 @@
             </a:lvl9pPr>
           </a:lstStyle>
           <a:p>
-            <a:pPr marL="0" lvl="0" indent="0" algn="l" defTabSz="914400" rtl="0" eaLnBrk="1" latinLnBrk="0" hangingPunct="1">
-              <a:lnSpc>
-                <a:spcPct val="90000"/>
-              </a:lnSpc>
-              <a:spcBef>
-                <a:spcPts val="1800"/>
-              </a:spcBef>
-              <a:buNone/>
-            </a:pPr>
+            <a:pPr lvl="0"/>
             <a:r>
               <a:rPr lang="en-US"/>
               <a:t>Click to edit Master text styles</a:t>
@@ -2738,7 +2542,13 @@
       </p:sp>
       <p:sp>
         <p:nvSpPr>
-          <p:cNvPr id="6" name="Content Placeholder 5"/>
+          <p:cNvPr id="6" name="Content Placeholder 5">
+            <a:extLst>
+              <a:ext uri="{FF2B5EF4-FFF2-40B4-BE49-F238E27FC236}">
+                <a16:creationId xmlns:a16="http://schemas.microsoft.com/office/drawing/2014/main" id="{41592F90-9F7E-013B-AD3F-94A93326AAB8}"/>
+              </a:ext>
+            </a:extLst>
+          </p:cNvPr>
           <p:cNvSpPr>
             <a:spLocks noGrp="1"/>
           </p:cNvSpPr>
@@ -2748,8 +2558,8 @@
         </p:nvSpPr>
         <p:spPr>
           <a:xfrm>
-            <a:off x="4491990" y="2967788"/>
-            <a:ext cx="3566160" cy="3341572"/>
+            <a:off x="6172200" y="2505075"/>
+            <a:ext cx="5183188" cy="3684588"/>
           </a:xfrm>
         </p:spPr>
         <p:txBody>
@@ -2789,13 +2599,18 @@
               <a:rPr lang="en-US"/>
               <a:t>Fifth level</a:t>
             </a:r>
-            <a:endParaRPr lang="en-US" dirty="0"/>
-          </a:p>
-        </p:txBody>
-      </p:sp>
-      <p:sp>
-        <p:nvSpPr>
-          <p:cNvPr id="7" name="Date Placeholder 6"/>
+          </a:p>
+        </p:txBody>
+      </p:sp>
+      <p:sp>
+        <p:nvSpPr>
+          <p:cNvPr id="7" name="Date Placeholder 6">
+            <a:extLst>
+              <a:ext uri="{FF2B5EF4-FFF2-40B4-BE49-F238E27FC236}">
+                <a16:creationId xmlns:a16="http://schemas.microsoft.com/office/drawing/2014/main" id="{C26E462A-09BE-4117-9D00-447C1F7E99D3}"/>
+              </a:ext>
+            </a:extLst>
+          </p:cNvPr>
           <p:cNvSpPr>
             <a:spLocks noGrp="1"/>
           </p:cNvSpPr>
@@ -2808,16 +2623,23 @@
           <a:bodyPr/>
           <a:lstStyle/>
           <a:p>
-            <a:pPr>
-              <a:defRPr/>
-            </a:pPr>
+            <a:fld id="{97C04BFC-F745-1841-834A-166C1A440CD8}" type="datetime1">
+              <a:rPr lang="en-US" smtClean="0"/>
+              <a:t>5/28/23</a:t>
+            </a:fld>
             <a:endParaRPr lang="en-US"/>
           </a:p>
         </p:txBody>
       </p:sp>
       <p:sp>
         <p:nvSpPr>
-          <p:cNvPr id="8" name="Footer Placeholder 7"/>
+          <p:cNvPr id="8" name="Footer Placeholder 7">
+            <a:extLst>
+              <a:ext uri="{FF2B5EF4-FFF2-40B4-BE49-F238E27FC236}">
+                <a16:creationId xmlns:a16="http://schemas.microsoft.com/office/drawing/2014/main" id="{4472AFFC-D84F-F323-3C94-E9EA5056457E}"/>
+              </a:ext>
+            </a:extLst>
+          </p:cNvPr>
           <p:cNvSpPr>
             <a:spLocks noGrp="1"/>
           </p:cNvSpPr>
@@ -2830,9 +2652,6 @@
           <a:bodyPr/>
           <a:lstStyle/>
           <a:p>
-            <a:pPr>
-              <a:defRPr/>
-            </a:pPr>
             <a:r>
               <a:rPr lang="en-US"/>
               <a:t>yetanothermasterylearning</a:t>
@@ -2842,7 +2661,13 @@
       </p:sp>
       <p:sp>
         <p:nvSpPr>
-          <p:cNvPr id="9" name="Slide Number Placeholder 8"/>
+          <p:cNvPr id="9" name="Slide Number Placeholder 8">
+            <a:extLst>
+              <a:ext uri="{FF2B5EF4-FFF2-40B4-BE49-F238E27FC236}">
+                <a16:creationId xmlns:a16="http://schemas.microsoft.com/office/drawing/2014/main" id="{DD963909-6671-E416-7FFD-A178F67D7DAA}"/>
+              </a:ext>
+            </a:extLst>
+          </p:cNvPr>
           <p:cNvSpPr>
             <a:spLocks noGrp="1"/>
           </p:cNvSpPr>
@@ -2855,19 +2680,18 @@
           <a:bodyPr/>
           <a:lstStyle/>
           <a:p>
-            <a:fld id="{9D52D749-44B4-B54C-8845-050FED1AFDC1}" type="slidenum">
-              <a:rPr lang="en-US" altLang="en-US" smtClean="0"/>
-              <a:pPr/>
+            <a:fld id="{46B2860C-164B-0242-B761-89B72ADFD8CA}" type="slidenum">
+              <a:rPr lang="en-US" smtClean="0"/>
               <a:t>‹#›</a:t>
             </a:fld>
-            <a:endParaRPr lang="en-US" altLang="en-US"/>
+            <a:endParaRPr lang="en-US"/>
           </a:p>
         </p:txBody>
       </p:sp>
     </p:spTree>
     <p:extLst>
       <p:ext uri="{BB962C8B-B14F-4D97-AF65-F5344CB8AC3E}">
-        <p14:creationId xmlns:p14="http://schemas.microsoft.com/office/powerpoint/2010/main" val="112206755"/>
+        <p14:creationId xmlns:p14="http://schemas.microsoft.com/office/powerpoint/2010/main" val="284254964"/>
       </p:ext>
     </p:extLst>
   </p:cSld>
@@ -2896,7 +2720,13 @@
       </p:grpSpPr>
       <p:sp>
         <p:nvSpPr>
-          <p:cNvPr id="2" name="Title 1"/>
+          <p:cNvPr id="2" name="Title 1">
+            <a:extLst>
+              <a:ext uri="{FF2B5EF4-FFF2-40B4-BE49-F238E27FC236}">
+                <a16:creationId xmlns:a16="http://schemas.microsoft.com/office/drawing/2014/main" id="{54EACDDA-9B31-F652-DC94-3FEDCA6A4D2B}"/>
+              </a:ext>
+            </a:extLst>
+          </p:cNvPr>
           <p:cNvSpPr>
             <a:spLocks noGrp="1"/>
           </p:cNvSpPr>
@@ -2913,13 +2743,18 @@
               <a:rPr lang="en-US"/>
               <a:t>Click to edit Master title style</a:t>
             </a:r>
-            <a:endParaRPr lang="en-US" dirty="0"/>
-          </a:p>
-        </p:txBody>
-      </p:sp>
-      <p:sp>
-        <p:nvSpPr>
-          <p:cNvPr id="3" name="Date Placeholder 2"/>
+          </a:p>
+        </p:txBody>
+      </p:sp>
+      <p:sp>
+        <p:nvSpPr>
+          <p:cNvPr id="3" name="Date Placeholder 2">
+            <a:extLst>
+              <a:ext uri="{FF2B5EF4-FFF2-40B4-BE49-F238E27FC236}">
+                <a16:creationId xmlns:a16="http://schemas.microsoft.com/office/drawing/2014/main" id="{40E67159-B66B-A59B-BE77-E97324F78BD5}"/>
+              </a:ext>
+            </a:extLst>
+          </p:cNvPr>
           <p:cNvSpPr>
             <a:spLocks noGrp="1"/>
           </p:cNvSpPr>
@@ -2932,16 +2767,23 @@
           <a:bodyPr/>
           <a:lstStyle/>
           <a:p>
-            <a:pPr>
-              <a:defRPr/>
-            </a:pPr>
+            <a:fld id="{51B5D433-ED6C-424E-A72A-B6E7A9ACFCCF}" type="datetime1">
+              <a:rPr lang="en-US" smtClean="0"/>
+              <a:t>5/28/23</a:t>
+            </a:fld>
             <a:endParaRPr lang="en-US"/>
           </a:p>
         </p:txBody>
       </p:sp>
       <p:sp>
         <p:nvSpPr>
-          <p:cNvPr id="4" name="Footer Placeholder 3"/>
+          <p:cNvPr id="4" name="Footer Placeholder 3">
+            <a:extLst>
+              <a:ext uri="{FF2B5EF4-FFF2-40B4-BE49-F238E27FC236}">
+                <a16:creationId xmlns:a16="http://schemas.microsoft.com/office/drawing/2014/main" id="{4F490E13-37FE-7E98-D4A0-CF2A876BBE40}"/>
+              </a:ext>
+            </a:extLst>
+          </p:cNvPr>
           <p:cNvSpPr>
             <a:spLocks noGrp="1"/>
           </p:cNvSpPr>
@@ -2954,9 +2796,6 @@
           <a:bodyPr/>
           <a:lstStyle/>
           <a:p>
-            <a:pPr>
-              <a:defRPr/>
-            </a:pPr>
             <a:r>
               <a:rPr lang="en-US"/>
               <a:t>yetanothermasterylearning</a:t>
@@ -2966,7 +2805,13 @@
       </p:sp>
       <p:sp>
         <p:nvSpPr>
-          <p:cNvPr id="5" name="Slide Number Placeholder 4"/>
+          <p:cNvPr id="5" name="Slide Number Placeholder 4">
+            <a:extLst>
+              <a:ext uri="{FF2B5EF4-FFF2-40B4-BE49-F238E27FC236}">
+                <a16:creationId xmlns:a16="http://schemas.microsoft.com/office/drawing/2014/main" id="{790CBB90-2D45-3BE6-A77C-F7771A159211}"/>
+              </a:ext>
+            </a:extLst>
+          </p:cNvPr>
           <p:cNvSpPr>
             <a:spLocks noGrp="1"/>
           </p:cNvSpPr>
@@ -2979,19 +2824,18 @@
           <a:bodyPr/>
           <a:lstStyle/>
           <a:p>
-            <a:fld id="{4737CEBE-30F0-B740-8C57-A4185CCE2F62}" type="slidenum">
-              <a:rPr lang="en-US" altLang="en-US" smtClean="0"/>
-              <a:pPr/>
+            <a:fld id="{46B2860C-164B-0242-B761-89B72ADFD8CA}" type="slidenum">
+              <a:rPr lang="en-US" smtClean="0"/>
               <a:t>‹#›</a:t>
             </a:fld>
-            <a:endParaRPr lang="en-US" altLang="en-US"/>
+            <a:endParaRPr lang="en-US"/>
           </a:p>
         </p:txBody>
       </p:sp>
     </p:spTree>
     <p:extLst>
       <p:ext uri="{BB962C8B-B14F-4D97-AF65-F5344CB8AC3E}">
-        <p14:creationId xmlns:p14="http://schemas.microsoft.com/office/powerpoint/2010/main" val="1299524426"/>
+        <p14:creationId xmlns:p14="http://schemas.microsoft.com/office/powerpoint/2010/main" val="903256266"/>
       </p:ext>
     </p:extLst>
   </p:cSld>
@@ -3002,7 +2846,7 @@
 </file>
 
 <file path=ppt/slideLayouts/slideLayout7.xml><?xml version="1.0" encoding="utf-8"?>
-<p:sldLayout xmlns:a="http://schemas.openxmlformats.org/drawingml/2006/main" xmlns:r="http://schemas.openxmlformats.org/officeDocument/2006/relationships" xmlns:p="http://schemas.openxmlformats.org/presentationml/2006/main" showMasterSp="0" type="blank" preserve="1">
+<p:sldLayout xmlns:a="http://schemas.openxmlformats.org/drawingml/2006/main" xmlns:r="http://schemas.openxmlformats.org/officeDocument/2006/relationships" xmlns:p="http://schemas.openxmlformats.org/presentationml/2006/main" type="blank" preserve="1">
   <p:cSld name="Blank">
     <p:spTree>
       <p:nvGrpSpPr>
@@ -3020,7 +2864,13 @@
       </p:grpSpPr>
       <p:sp>
         <p:nvSpPr>
-          <p:cNvPr id="2" name="Date Placeholder 1"/>
+          <p:cNvPr id="2" name="Date Placeholder 1">
+            <a:extLst>
+              <a:ext uri="{FF2B5EF4-FFF2-40B4-BE49-F238E27FC236}">
+                <a16:creationId xmlns:a16="http://schemas.microsoft.com/office/drawing/2014/main" id="{7B53DE18-6E58-63C2-6991-9F0F935E98D4}"/>
+              </a:ext>
+            </a:extLst>
+          </p:cNvPr>
           <p:cNvSpPr>
             <a:spLocks noGrp="1"/>
           </p:cNvSpPr>
@@ -3033,16 +2883,23 @@
           <a:bodyPr/>
           <a:lstStyle/>
           <a:p>
-            <a:pPr>
-              <a:defRPr/>
-            </a:pPr>
+            <a:fld id="{3B6FDFF5-9FEB-D14A-B5D6-83EE35619E3D}" type="datetime1">
+              <a:rPr lang="en-US" smtClean="0"/>
+              <a:t>5/28/23</a:t>
+            </a:fld>
             <a:endParaRPr lang="en-US"/>
           </a:p>
         </p:txBody>
       </p:sp>
       <p:sp>
         <p:nvSpPr>
-          <p:cNvPr id="3" name="Footer Placeholder 2"/>
+          <p:cNvPr id="3" name="Footer Placeholder 2">
+            <a:extLst>
+              <a:ext uri="{FF2B5EF4-FFF2-40B4-BE49-F238E27FC236}">
+                <a16:creationId xmlns:a16="http://schemas.microsoft.com/office/drawing/2014/main" id="{200E0C33-FA6E-EEA5-B112-CC9A37C704A7}"/>
+              </a:ext>
+            </a:extLst>
+          </p:cNvPr>
           <p:cNvSpPr>
             <a:spLocks noGrp="1"/>
           </p:cNvSpPr>
@@ -3055,9 +2912,6 @@
           <a:bodyPr/>
           <a:lstStyle/>
           <a:p>
-            <a:pPr>
-              <a:defRPr/>
-            </a:pPr>
             <a:r>
               <a:rPr lang="en-US"/>
               <a:t>yetanothermasterylearning</a:t>
@@ -3067,7 +2921,13 @@
       </p:sp>
       <p:sp>
         <p:nvSpPr>
-          <p:cNvPr id="4" name="Slide Number Placeholder 3"/>
+          <p:cNvPr id="4" name="Slide Number Placeholder 3">
+            <a:extLst>
+              <a:ext uri="{FF2B5EF4-FFF2-40B4-BE49-F238E27FC236}">
+                <a16:creationId xmlns:a16="http://schemas.microsoft.com/office/drawing/2014/main" id="{D1165659-923C-DC17-C96A-EFA582087E62}"/>
+              </a:ext>
+            </a:extLst>
+          </p:cNvPr>
           <p:cNvSpPr>
             <a:spLocks noGrp="1"/>
           </p:cNvSpPr>
@@ -3080,19 +2940,18 @@
           <a:bodyPr/>
           <a:lstStyle/>
           <a:p>
-            <a:fld id="{C5430714-D8F0-7943-AA2A-59BC7BD10045}" type="slidenum">
-              <a:rPr lang="en-US" altLang="en-US" smtClean="0"/>
-              <a:pPr/>
+            <a:fld id="{46B2860C-164B-0242-B761-89B72ADFD8CA}" type="slidenum">
+              <a:rPr lang="en-US" smtClean="0"/>
               <a:t>‹#›</a:t>
             </a:fld>
-            <a:endParaRPr lang="en-US" altLang="en-US"/>
+            <a:endParaRPr lang="en-US"/>
           </a:p>
         </p:txBody>
       </p:sp>
     </p:spTree>
     <p:extLst>
       <p:ext uri="{BB962C8B-B14F-4D97-AF65-F5344CB8AC3E}">
-        <p14:creationId xmlns:p14="http://schemas.microsoft.com/office/powerpoint/2010/main" val="3241482095"/>
+        <p14:creationId xmlns:p14="http://schemas.microsoft.com/office/powerpoint/2010/main" val="3155865220"/>
       </p:ext>
     </p:extLst>
   </p:cSld>
@@ -3121,7 +2980,13 @@
       </p:grpSpPr>
       <p:sp>
         <p:nvSpPr>
-          <p:cNvPr id="8" name="Title 7"/>
+          <p:cNvPr id="2" name="Title 1">
+            <a:extLst>
+              <a:ext uri="{FF2B5EF4-FFF2-40B4-BE49-F238E27FC236}">
+                <a16:creationId xmlns:a16="http://schemas.microsoft.com/office/drawing/2014/main" id="{8AD6EF08-1511-8DBC-BF12-BD0176BF2CDE}"/>
+              </a:ext>
+            </a:extLst>
+          </p:cNvPr>
           <p:cNvSpPr>
             <a:spLocks noGrp="1"/>
           </p:cNvSpPr>
@@ -3131,20 +2996,15 @@
         </p:nvSpPr>
         <p:spPr>
           <a:xfrm>
-            <a:off x="768096" y="471509"/>
-            <a:ext cx="3291840" cy="1737360"/>
+            <a:off x="839788" y="457200"/>
+            <a:ext cx="3932237" cy="1600200"/>
           </a:xfrm>
         </p:spPr>
         <p:txBody>
-          <a:bodyPr>
-            <a:noAutofit/>
-          </a:bodyPr>
+          <a:bodyPr anchor="b"/>
           <a:lstStyle>
             <a:lvl1pPr>
-              <a:lnSpc>
-                <a:spcPct val="80000"/>
-              </a:lnSpc>
-              <a:defRPr sz="3600"/>
+              <a:defRPr sz="3200"/>
             </a:lvl1pPr>
           </a:lstStyle>
           <a:p>
@@ -3152,13 +3012,18 @@
               <a:rPr lang="en-US"/>
               <a:t>Click to edit Master title style</a:t>
             </a:r>
-            <a:endParaRPr lang="en-US" dirty="0"/>
-          </a:p>
-        </p:txBody>
-      </p:sp>
-      <p:sp>
-        <p:nvSpPr>
-          <p:cNvPr id="3" name="Content Placeholder 2"/>
+          </a:p>
+        </p:txBody>
+      </p:sp>
+      <p:sp>
+        <p:nvSpPr>
+          <p:cNvPr id="3" name="Content Placeholder 2">
+            <a:extLst>
+              <a:ext uri="{FF2B5EF4-FFF2-40B4-BE49-F238E27FC236}">
+                <a16:creationId xmlns:a16="http://schemas.microsoft.com/office/drawing/2014/main" id="{20C47347-E5A6-56F7-2F12-BFFA8E7710C7}"/>
+              </a:ext>
+            </a:extLst>
+          </p:cNvPr>
           <p:cNvSpPr>
             <a:spLocks noGrp="1"/>
           </p:cNvSpPr>
@@ -3168,41 +3033,39 @@
         </p:nvSpPr>
         <p:spPr>
           <a:xfrm>
-            <a:off x="4286250" y="822960"/>
-            <a:ext cx="4258818" cy="5184648"/>
+            <a:off x="5183188" y="987425"/>
+            <a:ext cx="6172200" cy="4873625"/>
           </a:xfrm>
         </p:spPr>
         <p:txBody>
-          <a:bodyPr>
-            <a:normAutofit/>
-          </a:bodyPr>
+          <a:bodyPr/>
           <a:lstStyle>
             <a:lvl1pPr>
-              <a:defRPr sz="2000"/>
+              <a:defRPr sz="3200"/>
             </a:lvl1pPr>
             <a:lvl2pPr>
-              <a:defRPr sz="1600"/>
+              <a:defRPr sz="2800"/>
             </a:lvl2pPr>
             <a:lvl3pPr>
-              <a:defRPr sz="1200"/>
+              <a:defRPr sz="2400"/>
             </a:lvl3pPr>
             <a:lvl4pPr>
-              <a:defRPr sz="1200"/>
+              <a:defRPr sz="2000"/>
             </a:lvl4pPr>
             <a:lvl5pPr>
-              <a:defRPr sz="1200"/>
+              <a:defRPr sz="2000"/>
             </a:lvl5pPr>
             <a:lvl6pPr>
-              <a:defRPr sz="1200"/>
+              <a:defRPr sz="2000"/>
             </a:lvl6pPr>
             <a:lvl7pPr>
-              <a:defRPr sz="1200"/>
+              <a:defRPr sz="2000"/>
             </a:lvl7pPr>
             <a:lvl8pPr>
-              <a:defRPr sz="1200"/>
+              <a:defRPr sz="2000"/>
             </a:lvl8pPr>
             <a:lvl9pPr>
-              <a:defRPr sz="1200"/>
+              <a:defRPr sz="2000"/>
             </a:lvl9pPr>
           </a:lstStyle>
           <a:p>
@@ -3239,13 +3102,18 @@
               <a:rPr lang="en-US"/>
               <a:t>Fifth level</a:t>
             </a:r>
-            <a:endParaRPr lang="en-US" dirty="0"/>
-          </a:p>
-        </p:txBody>
-      </p:sp>
-      <p:sp>
-        <p:nvSpPr>
-          <p:cNvPr id="4" name="Text Placeholder 3"/>
+          </a:p>
+        </p:txBody>
+      </p:sp>
+      <p:sp>
+        <p:nvSpPr>
+          <p:cNvPr id="4" name="Text Placeholder 3">
+            <a:extLst>
+              <a:ext uri="{FF2B5EF4-FFF2-40B4-BE49-F238E27FC236}">
+                <a16:creationId xmlns:a16="http://schemas.microsoft.com/office/drawing/2014/main" id="{207E1B61-FC73-8110-493C-D94BE9A5AF7F}"/>
+              </a:ext>
+            </a:extLst>
+          </p:cNvPr>
           <p:cNvSpPr>
             <a:spLocks noGrp="1"/>
           </p:cNvSpPr>
@@ -3255,56 +3123,48 @@
         </p:nvSpPr>
         <p:spPr>
           <a:xfrm>
-            <a:off x="768096" y="2257506"/>
-            <a:ext cx="3291840" cy="3762294"/>
+            <a:off x="839788" y="2057400"/>
+            <a:ext cx="3932237" cy="3811588"/>
           </a:xfrm>
         </p:spPr>
         <p:txBody>
-          <a:bodyPr lIns="91440" rIns="91440">
-            <a:normAutofit/>
-          </a:bodyPr>
+          <a:bodyPr/>
           <a:lstStyle>
             <a:lvl1pPr marL="0" indent="0">
-              <a:lnSpc>
-                <a:spcPct val="108000"/>
-              </a:lnSpc>
-              <a:spcBef>
-                <a:spcPts val="600"/>
-              </a:spcBef>
               <a:buNone/>
               <a:defRPr sz="1600"/>
             </a:lvl1pPr>
             <a:lvl2pPr marL="457200" indent="0">
               <a:buNone/>
-              <a:defRPr sz="1200"/>
+              <a:defRPr sz="1400"/>
             </a:lvl2pPr>
             <a:lvl3pPr marL="914400" indent="0">
               <a:buNone/>
-              <a:defRPr sz="1000"/>
+              <a:defRPr sz="1200"/>
             </a:lvl3pPr>
             <a:lvl4pPr marL="1371600" indent="0">
               <a:buNone/>
-              <a:defRPr sz="900"/>
+              <a:defRPr sz="1000"/>
             </a:lvl4pPr>
             <a:lvl5pPr marL="1828800" indent="0">
               <a:buNone/>
-              <a:defRPr sz="900"/>
+              <a:defRPr sz="1000"/>
             </a:lvl5pPr>
             <a:lvl6pPr marL="2286000" indent="0">
               <a:buNone/>
-              <a:defRPr sz="900"/>
+              <a:defRPr sz="1000"/>
             </a:lvl6pPr>
             <a:lvl7pPr marL="2743200" indent="0">
               <a:buNone/>
-              <a:defRPr sz="900"/>
+              <a:defRPr sz="1000"/>
             </a:lvl7pPr>
             <a:lvl8pPr marL="3200400" indent="0">
               <a:buNone/>
-              <a:defRPr sz="900"/>
+              <a:defRPr sz="1000"/>
             </a:lvl8pPr>
             <a:lvl9pPr marL="3657600" indent="0">
               <a:buNone/>
-              <a:defRPr sz="900"/>
+              <a:defRPr sz="1000"/>
             </a:lvl9pPr>
           </a:lstStyle>
           <a:p>
@@ -3318,7 +3178,13 @@
       </p:sp>
       <p:sp>
         <p:nvSpPr>
-          <p:cNvPr id="5" name="Date Placeholder 4"/>
+          <p:cNvPr id="5" name="Date Placeholder 4">
+            <a:extLst>
+              <a:ext uri="{FF2B5EF4-FFF2-40B4-BE49-F238E27FC236}">
+                <a16:creationId xmlns:a16="http://schemas.microsoft.com/office/drawing/2014/main" id="{BA2A5E2F-FBA8-BCD9-F458-C7565F9BB155}"/>
+              </a:ext>
+            </a:extLst>
+          </p:cNvPr>
           <p:cNvSpPr>
             <a:spLocks noGrp="1"/>
           </p:cNvSpPr>
@@ -3331,16 +3197,23 @@
           <a:bodyPr/>
           <a:lstStyle/>
           <a:p>
-            <a:pPr>
-              <a:defRPr/>
-            </a:pPr>
+            <a:fld id="{45A4F193-F095-3943-9794-A02B65D19BCE}" type="datetime1">
+              <a:rPr lang="en-US" smtClean="0"/>
+              <a:t>5/28/23</a:t>
+            </a:fld>
             <a:endParaRPr lang="en-US"/>
           </a:p>
         </p:txBody>
       </p:sp>
       <p:sp>
         <p:nvSpPr>
-          <p:cNvPr id="6" name="Footer Placeholder 5"/>
+          <p:cNvPr id="6" name="Footer Placeholder 5">
+            <a:extLst>
+              <a:ext uri="{FF2B5EF4-FFF2-40B4-BE49-F238E27FC236}">
+                <a16:creationId xmlns:a16="http://schemas.microsoft.com/office/drawing/2014/main" id="{D18BCA79-0A72-32D0-FCB4-F045E8E20BEC}"/>
+              </a:ext>
+            </a:extLst>
+          </p:cNvPr>
           <p:cNvSpPr>
             <a:spLocks noGrp="1"/>
           </p:cNvSpPr>
@@ -3353,9 +3226,6 @@
           <a:bodyPr/>
           <a:lstStyle/>
           <a:p>
-            <a:pPr>
-              <a:defRPr/>
-            </a:pPr>
             <a:r>
               <a:rPr lang="en-US"/>
               <a:t>yetanothermasterylearning</a:t>
@@ -3365,7 +3235,13 @@
       </p:sp>
       <p:sp>
         <p:nvSpPr>
-          <p:cNvPr id="7" name="Slide Number Placeholder 6"/>
+          <p:cNvPr id="7" name="Slide Number Placeholder 6">
+            <a:extLst>
+              <a:ext uri="{FF2B5EF4-FFF2-40B4-BE49-F238E27FC236}">
+                <a16:creationId xmlns:a16="http://schemas.microsoft.com/office/drawing/2014/main" id="{B96C5526-79BE-85E9-C9EA-FB7BDC902B96}"/>
+              </a:ext>
+            </a:extLst>
+          </p:cNvPr>
           <p:cNvSpPr>
             <a:spLocks noGrp="1"/>
           </p:cNvSpPr>
@@ -3378,19 +3254,18 @@
           <a:bodyPr/>
           <a:lstStyle/>
           <a:p>
-            <a:fld id="{8895AC0E-0C8D-384A-BB2B-60C40D44A7A3}" type="slidenum">
-              <a:rPr lang="en-US" altLang="en-US" smtClean="0"/>
-              <a:pPr/>
+            <a:fld id="{46B2860C-164B-0242-B761-89B72ADFD8CA}" type="slidenum">
+              <a:rPr lang="en-US" smtClean="0"/>
               <a:t>‹#›</a:t>
             </a:fld>
-            <a:endParaRPr lang="en-US" altLang="en-US"/>
+            <a:endParaRPr lang="en-US"/>
           </a:p>
         </p:txBody>
       </p:sp>
     </p:spTree>
     <p:extLst>
       <p:ext uri="{BB962C8B-B14F-4D97-AF65-F5344CB8AC3E}">
-        <p14:creationId xmlns:p14="http://schemas.microsoft.com/office/powerpoint/2010/main" val="1752357835"/>
+        <p14:creationId xmlns:p14="http://schemas.microsoft.com/office/powerpoint/2010/main" val="930314577"/>
       </p:ext>
     </p:extLst>
   </p:cSld>
@@ -3401,7 +3276,7 @@
 </file>
 
 <file path=ppt/slideLayouts/slideLayout9.xml><?xml version="1.0" encoding="utf-8"?>
-<p:sldLayout xmlns:a="http://schemas.openxmlformats.org/drawingml/2006/main" xmlns:r="http://schemas.openxmlformats.org/officeDocument/2006/relationships" xmlns:p="http://schemas.openxmlformats.org/presentationml/2006/main" showMasterSp="0" type="picTx" preserve="1">
+<p:sldLayout xmlns:a="http://schemas.openxmlformats.org/drawingml/2006/main" xmlns:r="http://schemas.openxmlformats.org/officeDocument/2006/relationships" xmlns:p="http://schemas.openxmlformats.org/presentationml/2006/main" type="picTx" preserve="1">
   <p:cSld name="Picture with Caption">
     <p:spTree>
       <p:nvGrpSpPr>
@@ -3419,7 +3294,13 @@
       </p:grpSpPr>
       <p:sp>
         <p:nvSpPr>
-          <p:cNvPr id="2" name="Title 1"/>
+          <p:cNvPr id="2" name="Title 1">
+            <a:extLst>
+              <a:ext uri="{FF2B5EF4-FFF2-40B4-BE49-F238E27FC236}">
+                <a16:creationId xmlns:a16="http://schemas.microsoft.com/office/drawing/2014/main" id="{88B5D184-83B4-696E-FA61-4E1BFDCADE11}"/>
+              </a:ext>
+            </a:extLst>
+          </p:cNvPr>
           <p:cNvSpPr>
             <a:spLocks noGrp="1"/>
           </p:cNvSpPr>
@@ -3429,17 +3310,15 @@
         </p:nvSpPr>
         <p:spPr>
           <a:xfrm>
-            <a:off x="342900" y="4960138"/>
-            <a:ext cx="5829300" cy="1463040"/>
+            <a:off x="839788" y="457200"/>
+            <a:ext cx="3932237" cy="1600200"/>
           </a:xfrm>
         </p:spPr>
         <p:txBody>
-          <a:bodyPr anchor="ctr">
-            <a:normAutofit/>
-          </a:bodyPr>
+          <a:bodyPr anchor="b"/>
           <a:lstStyle>
-            <a:lvl1pPr algn="r">
-              <a:defRPr sz="4400" spc="200" baseline="0"/>
+            <a:lvl1pPr>
+              <a:defRPr sz="3200"/>
             </a:lvl1pPr>
           </a:lstStyle>
           <a:p>
@@ -3447,15 +3326,20 @@
               <a:rPr lang="en-US"/>
               <a:t>Click to edit Master title style</a:t>
             </a:r>
-            <a:endParaRPr lang="en-US" dirty="0"/>
-          </a:p>
-        </p:txBody>
-      </p:sp>
-      <p:sp>
-        <p:nvSpPr>
-          <p:cNvPr id="3" name="Picture Placeholder 2"/>
-          <p:cNvSpPr>
-            <a:spLocks noGrp="1" noChangeAspect="1"/>
+          </a:p>
+        </p:txBody>
+      </p:sp>
+      <p:sp>
+        <p:nvSpPr>
+          <p:cNvPr id="3" name="Picture Placeholder 2">
+            <a:extLst>
+              <a:ext uri="{FF2B5EF4-FFF2-40B4-BE49-F238E27FC236}">
+                <a16:creationId xmlns:a16="http://schemas.microsoft.com/office/drawing/2014/main" id="{9C7E5575-44FF-8473-421A-C995FDC3A8B5}"/>
+              </a:ext>
+            </a:extLst>
+          </p:cNvPr>
+          <p:cNvSpPr>
+            <a:spLocks noGrp="1"/>
           </p:cNvSpPr>
           <p:nvPr>
             <p:ph type="pic" idx="1"/>
@@ -3463,68 +3347,64 @@
         </p:nvSpPr>
         <p:spPr>
           <a:xfrm>
-            <a:off x="0" y="-1"/>
-            <a:ext cx="9141714" cy="4572000"/>
+            <a:off x="5183188" y="987425"/>
+            <a:ext cx="6172200" cy="4873625"/>
           </a:xfrm>
-          <a:solidFill>
-            <a:schemeClr val="accent2">
-              <a:lumMod val="60000"/>
-              <a:lumOff val="40000"/>
-            </a:schemeClr>
-          </a:solidFill>
         </p:spPr>
         <p:txBody>
-          <a:bodyPr lIns="457200" tIns="365760" anchor="t"/>
+          <a:bodyPr/>
           <a:lstStyle>
             <a:lvl1pPr marL="0" indent="0">
               <a:buNone/>
+              <a:defRPr sz="3200"/>
+            </a:lvl1pPr>
+            <a:lvl2pPr marL="457200" indent="0">
+              <a:buNone/>
+              <a:defRPr sz="2800"/>
+            </a:lvl2pPr>
+            <a:lvl3pPr marL="914400" indent="0">
+              <a:buNone/>
               <a:defRPr sz="2400"/>
-            </a:lvl1pPr>
-            <a:lvl2pPr marL="342900" indent="0">
+            </a:lvl3pPr>
+            <a:lvl4pPr marL="1371600" indent="0">
               <a:buNone/>
-              <a:defRPr sz="2100"/>
-            </a:lvl2pPr>
-            <a:lvl3pPr marL="685800" indent="0">
+              <a:defRPr sz="2000"/>
+            </a:lvl4pPr>
+            <a:lvl5pPr marL="1828800" indent="0">
               <a:buNone/>
-              <a:defRPr sz="1800"/>
-            </a:lvl3pPr>
-            <a:lvl4pPr marL="1028700" indent="0">
+              <a:defRPr sz="2000"/>
+            </a:lvl5pPr>
+            <a:lvl6pPr marL="2286000" indent="0">
               <a:buNone/>
-              <a:defRPr sz="1500"/>
-            </a:lvl4pPr>
-            <a:lvl5pPr marL="1371600" indent="0">
+              <a:defRPr sz="2000"/>
+            </a:lvl6pPr>
+            <a:lvl7pPr marL="2743200" indent="0">
               <a:buNone/>
-              <a:defRPr sz="1500"/>
-            </a:lvl5pPr>
-            <a:lvl6pPr marL="1714500" indent="0">
+              <a:defRPr sz="2000"/>
+            </a:lvl7pPr>
+            <a:lvl8pPr marL="3200400" indent="0">
               <a:buNone/>
-              <a:defRPr sz="1500"/>
-            </a:lvl6pPr>
-            <a:lvl7pPr marL="2057400" indent="0">
+              <a:defRPr sz="2000"/>
+            </a:lvl8pPr>
+            <a:lvl9pPr marL="3657600" indent="0">
               <a:buNone/>
-              <a:defRPr sz="1500"/>
-            </a:lvl7pPr>
-            <a:lvl8pPr marL="2400300" indent="0">
-              <a:buNone/>
-              <a:defRPr sz="1500"/>
-            </a:lvl8pPr>
-            <a:lvl9pPr marL="2743200" indent="0">
-              <a:buNone/>
-              <a:defRPr sz="1500"/>
+              <a:defRPr sz="2000"/>
             </a:lvl9pPr>
           </a:lstStyle>
           <a:p>
-            <a:r>
-              <a:rPr lang="en-US"/>
-              <a:t>Click icon to add picture</a:t>
-            </a:r>
-            <a:endParaRPr lang="en-US" dirty="0"/>
-          </a:p>
-        </p:txBody>
-      </p:sp>
-      <p:sp>
-        <p:nvSpPr>
-          <p:cNvPr id="4" name="Text Placeholder 3"/>
+            <a:endParaRPr lang="en-US"/>
+          </a:p>
+        </p:txBody>
+      </p:sp>
+      <p:sp>
+        <p:nvSpPr>
+          <p:cNvPr id="4" name="Text Placeholder 3">
+            <a:extLst>
+              <a:ext uri="{FF2B5EF4-FFF2-40B4-BE49-F238E27FC236}">
+                <a16:creationId xmlns:a16="http://schemas.microsoft.com/office/drawing/2014/main" id="{A348B890-45E4-6AFB-F38A-AEF7B71AA241}"/>
+              </a:ext>
+            </a:extLst>
+          </p:cNvPr>
           <p:cNvSpPr>
             <a:spLocks noGrp="1"/>
           </p:cNvSpPr>
@@ -3534,63 +3414,48 @@
         </p:nvSpPr>
         <p:spPr>
           <a:xfrm>
-            <a:off x="6457950" y="4960138"/>
-            <a:ext cx="2400300" cy="1463040"/>
+            <a:off x="839788" y="2057400"/>
+            <a:ext cx="3932237" cy="3811588"/>
           </a:xfrm>
         </p:spPr>
         <p:txBody>
-          <a:bodyPr lIns="91440" rIns="91440" anchor="ctr">
-            <a:normAutofit/>
-          </a:bodyPr>
+          <a:bodyPr/>
           <a:lstStyle>
             <a:lvl1pPr marL="0" indent="0">
-              <a:lnSpc>
-                <a:spcPct val="100000"/>
-              </a:lnSpc>
-              <a:spcBef>
-                <a:spcPts val="0"/>
-              </a:spcBef>
               <a:buNone/>
-              <a:defRPr sz="1600">
-                <a:solidFill>
-                  <a:schemeClr val="tx1">
-                    <a:lumMod val="95000"/>
-                    <a:lumOff val="5000"/>
-                  </a:schemeClr>
-                </a:solidFill>
-              </a:defRPr>
+              <a:defRPr sz="1600"/>
             </a:lvl1pPr>
-            <a:lvl2pPr marL="342900" indent="0">
+            <a:lvl2pPr marL="457200" indent="0">
               <a:buNone/>
-              <a:defRPr sz="1050"/>
+              <a:defRPr sz="1400"/>
             </a:lvl2pPr>
-            <a:lvl3pPr marL="685800" indent="0">
+            <a:lvl3pPr marL="914400" indent="0">
               <a:buNone/>
-              <a:defRPr sz="900"/>
+              <a:defRPr sz="1200"/>
             </a:lvl3pPr>
-            <a:lvl4pPr marL="1028700" indent="0">
+            <a:lvl4pPr marL="1371600" indent="0">
               <a:buNone/>
-              <a:defRPr sz="750"/>
+              <a:defRPr sz="1000"/>
             </a:lvl4pPr>
-            <a:lvl5pPr marL="1371600" indent="0">
+            <a:lvl5pPr marL="1828800" indent="0">
               <a:buNone/>
-              <a:defRPr sz="750"/>
+              <a:defRPr sz="1000"/>
             </a:lvl5pPr>
-            <a:lvl6pPr marL="1714500" indent="0">
+            <a:lvl6pPr marL="2286000" indent="0">
               <a:buNone/>
-              <a:defRPr sz="750"/>
+              <a:defRPr sz="1000"/>
             </a:lvl6pPr>
-            <a:lvl7pPr marL="2057400" indent="0">
+            <a:lvl7pPr marL="2743200" indent="0">
               <a:buNone/>
-              <a:defRPr sz="750"/>
+              <a:defRPr sz="1000"/>
             </a:lvl7pPr>
-            <a:lvl8pPr marL="2400300" indent="0">
+            <a:lvl8pPr marL="3200400" indent="0">
               <a:buNone/>
-              <a:defRPr sz="750"/>
+              <a:defRPr sz="1000"/>
             </a:lvl8pPr>
-            <a:lvl9pPr marL="2743200" indent="0">
+            <a:lvl9pPr marL="3657600" indent="0">
               <a:buNone/>
-              <a:defRPr sz="750"/>
+              <a:defRPr sz="1000"/>
             </a:lvl9pPr>
           </a:lstStyle>
           <a:p>
@@ -3604,7 +3469,13 @@
       </p:sp>
       <p:sp>
         <p:nvSpPr>
-          <p:cNvPr id="5" name="Date Placeholder 4"/>
+          <p:cNvPr id="5" name="Date Placeholder 4">
+            <a:extLst>
+              <a:ext uri="{FF2B5EF4-FFF2-40B4-BE49-F238E27FC236}">
+                <a16:creationId xmlns:a16="http://schemas.microsoft.com/office/drawing/2014/main" id="{B05EB32A-A2F6-3170-5900-E50CDB3EB1FF}"/>
+              </a:ext>
+            </a:extLst>
+          </p:cNvPr>
           <p:cNvSpPr>
             <a:spLocks noGrp="1"/>
           </p:cNvSpPr>
@@ -3617,16 +3488,23 @@
           <a:bodyPr/>
           <a:lstStyle/>
           <a:p>
-            <a:pPr>
-              <a:defRPr/>
-            </a:pPr>
+            <a:fld id="{2AD9858A-98B0-E84E-BDDC-E3A1122856FB}" type="datetime1">
+              <a:rPr lang="en-US" smtClean="0"/>
+              <a:t>5/28/23</a:t>
+            </a:fld>
             <a:endParaRPr lang="en-US"/>
           </a:p>
         </p:txBody>
       </p:sp>
       <p:sp>
         <p:nvSpPr>
-          <p:cNvPr id="6" name="Footer Placeholder 5"/>
+          <p:cNvPr id="6" name="Footer Placeholder 5">
+            <a:extLst>
+              <a:ext uri="{FF2B5EF4-FFF2-40B4-BE49-F238E27FC236}">
+                <a16:creationId xmlns:a16="http://schemas.microsoft.com/office/drawing/2014/main" id="{67FDAFE4-0824-F104-C0E0-793147B37A70}"/>
+              </a:ext>
+            </a:extLst>
+          </p:cNvPr>
           <p:cNvSpPr>
             <a:spLocks noGrp="1"/>
           </p:cNvSpPr>
@@ -3643,13 +3521,18 @@
               <a:rPr lang="en-US"/>
               <a:t>yetanothermasterylearning</a:t>
             </a:r>
-            <a:endParaRPr lang="en-US" dirty="0"/>
-          </a:p>
-        </p:txBody>
-      </p:sp>
-      <p:sp>
-        <p:nvSpPr>
-          <p:cNvPr id="7" name="Slide Number Placeholder 6"/>
+          </a:p>
+        </p:txBody>
+      </p:sp>
+      <p:sp>
+        <p:nvSpPr>
+          <p:cNvPr id="7" name="Slide Number Placeholder 6">
+            <a:extLst>
+              <a:ext uri="{FF2B5EF4-FFF2-40B4-BE49-F238E27FC236}">
+                <a16:creationId xmlns:a16="http://schemas.microsoft.com/office/drawing/2014/main" id="{A279A999-9FEF-11C6-9061-6EF65A0C1502}"/>
+              </a:ext>
+            </a:extLst>
+          </p:cNvPr>
           <p:cNvSpPr>
             <a:spLocks noGrp="1"/>
           </p:cNvSpPr>
@@ -3662,54 +3545,18 @@
           <a:bodyPr/>
           <a:lstStyle/>
           <a:p>
-            <a:fld id="{83B3CB05-50CA-ED4E-9585-7CB728095DB3}" type="slidenum">
-              <a:rPr lang="en-US" altLang="en-US" smtClean="0"/>
-              <a:pPr/>
+            <a:fld id="{46B2860C-164B-0242-B761-89B72ADFD8CA}" type="slidenum">
+              <a:rPr lang="en-US" smtClean="0"/>
               <a:t>‹#›</a:t>
             </a:fld>
-            <a:endParaRPr lang="en-US" altLang="en-US"/>
-          </a:p>
-        </p:txBody>
-      </p:sp>
-      <p:cxnSp>
-        <p:nvCxnSpPr>
-          <p:cNvPr id="8" name="Straight Connector 7"/>
-          <p:cNvCxnSpPr/>
-          <p:nvPr/>
-        </p:nvCxnSpPr>
-        <p:spPr>
-          <a:xfrm flipV="1">
-            <a:off x="6290132" y="5264106"/>
-            <a:ext cx="0" cy="914400"/>
-          </a:xfrm>
-          <a:prstGeom prst="line">
-            <a:avLst/>
-          </a:prstGeom>
-          <a:ln w="19050">
-            <a:solidFill>
-              <a:schemeClr val="accent1"/>
-            </a:solidFill>
-          </a:ln>
-        </p:spPr>
-        <p:style>
-          <a:lnRef idx="1">
-            <a:schemeClr val="accent1"/>
-          </a:lnRef>
-          <a:fillRef idx="0">
-            <a:schemeClr val="accent1"/>
-          </a:fillRef>
-          <a:effectRef idx="0">
-            <a:schemeClr val="accent1"/>
-          </a:effectRef>
-          <a:fontRef idx="minor">
-            <a:schemeClr val="tx1"/>
-          </a:fontRef>
-        </p:style>
-      </p:cxnSp>
+            <a:endParaRPr lang="en-US"/>
+          </a:p>
+        </p:txBody>
+      </p:sp>
     </p:spTree>
     <p:extLst>
       <p:ext uri="{BB962C8B-B14F-4D97-AF65-F5344CB8AC3E}">
-        <p14:creationId xmlns:p14="http://schemas.microsoft.com/office/powerpoint/2010/main" val="2919723649"/>
+        <p14:creationId xmlns:p14="http://schemas.microsoft.com/office/powerpoint/2010/main" val="2171362142"/>
       </p:ext>
     </p:extLst>
   </p:cSld>
@@ -3723,9 +3570,12 @@
 <p:sldMaster xmlns:a="http://schemas.openxmlformats.org/drawingml/2006/main" xmlns:r="http://schemas.openxmlformats.org/officeDocument/2006/relationships" xmlns:p="http://schemas.openxmlformats.org/presentationml/2006/main">
   <p:cSld>
     <p:bg>
-      <p:bgRef idx="1001">
-        <a:schemeClr val="bg1"/>
-      </p:bgRef>
+      <p:bgPr>
+        <a:solidFill>
+          <a:srgbClr val="B8D0CD"/>
+        </a:solidFill>
+        <a:effectLst/>
+      </p:bgPr>
     </p:bg>
     <p:spTree>
       <p:nvGrpSpPr>
@@ -3743,7 +3593,13 @@
       </p:grpSpPr>
       <p:sp>
         <p:nvSpPr>
-          <p:cNvPr id="2" name="Title Placeholder 1"/>
+          <p:cNvPr id="2" name="Title Placeholder 1">
+            <a:extLst>
+              <a:ext uri="{FF2B5EF4-FFF2-40B4-BE49-F238E27FC236}">
+                <a16:creationId xmlns:a16="http://schemas.microsoft.com/office/drawing/2014/main" id="{AA1DC494-4E74-7F2F-B144-0A7E1A5FDD54}"/>
+              </a:ext>
+            </a:extLst>
+          </p:cNvPr>
           <p:cNvSpPr>
             <a:spLocks noGrp="1"/>
           </p:cNvSpPr>
@@ -3753,8 +3609,8 @@
         </p:nvSpPr>
         <p:spPr>
           <a:xfrm>
-            <a:off x="768096" y="585216"/>
-            <a:ext cx="7290054" cy="1499616"/>
+            <a:off x="838200" y="365125"/>
+            <a:ext cx="10515600" cy="1325563"/>
           </a:xfrm>
           <a:prstGeom prst="rect">
             <a:avLst/>
@@ -3770,13 +3626,18 @@
               <a:rPr lang="en-US"/>
               <a:t>Click to edit Master title style</a:t>
             </a:r>
-            <a:endParaRPr lang="en-US" dirty="0"/>
-          </a:p>
-        </p:txBody>
-      </p:sp>
-      <p:sp>
-        <p:nvSpPr>
-          <p:cNvPr id="3" name="Text Placeholder 2"/>
+          </a:p>
+        </p:txBody>
+      </p:sp>
+      <p:sp>
+        <p:nvSpPr>
+          <p:cNvPr id="3" name="Text Placeholder 2">
+            <a:extLst>
+              <a:ext uri="{FF2B5EF4-FFF2-40B4-BE49-F238E27FC236}">
+                <a16:creationId xmlns:a16="http://schemas.microsoft.com/office/drawing/2014/main" id="{B8F57682-A467-55F1-AA64-2C57976E8354}"/>
+              </a:ext>
+            </a:extLst>
+          </p:cNvPr>
           <p:cNvSpPr>
             <a:spLocks noGrp="1"/>
           </p:cNvSpPr>
@@ -3786,15 +3647,15 @@
         </p:nvSpPr>
         <p:spPr>
           <a:xfrm>
-            <a:off x="768096" y="2286000"/>
-            <a:ext cx="7290055" cy="4023360"/>
+            <a:off x="838200" y="1825625"/>
+            <a:ext cx="10515600" cy="4351338"/>
           </a:xfrm>
           <a:prstGeom prst="rect">
             <a:avLst/>
           </a:prstGeom>
         </p:spPr>
         <p:txBody>
-          <a:bodyPr vert="horz" lIns="45720" tIns="45720" rIns="45720" bIns="45720" rtlCol="0">
+          <a:bodyPr vert="horz" lIns="91440" tIns="45720" rIns="91440" bIns="45720" rtlCol="0">
             <a:normAutofit/>
           </a:bodyPr>
           <a:lstStyle/>
@@ -3832,13 +3693,18 @@
               <a:rPr lang="en-US"/>
               <a:t>Fifth level</a:t>
             </a:r>
-            <a:endParaRPr lang="en-US" dirty="0"/>
-          </a:p>
-        </p:txBody>
-      </p:sp>
-      <p:sp>
-        <p:nvSpPr>
-          <p:cNvPr id="4" name="Date Placeholder 3"/>
+          </a:p>
+        </p:txBody>
+      </p:sp>
+      <p:sp>
+        <p:nvSpPr>
+          <p:cNvPr id="4" name="Date Placeholder 3">
+            <a:extLst>
+              <a:ext uri="{FF2B5EF4-FFF2-40B4-BE49-F238E27FC236}">
+                <a16:creationId xmlns:a16="http://schemas.microsoft.com/office/drawing/2014/main" id="{0F42513A-53D3-6007-E2A1-1372EEFA69AF}"/>
+              </a:ext>
+            </a:extLst>
+          </p:cNvPr>
           <p:cNvSpPr>
             <a:spLocks noGrp="1"/>
           </p:cNvSpPr>
@@ -3848,8 +3714,8 @@
         </p:nvSpPr>
         <p:spPr>
           <a:xfrm>
-            <a:off x="768097" y="6470704"/>
-            <a:ext cx="1615607" cy="274320"/>
+            <a:off x="838200" y="6356350"/>
+            <a:ext cx="2743200" cy="365125"/>
           </a:xfrm>
           <a:prstGeom prst="rect">
             <a:avLst/>
@@ -3859,28 +3725,33 @@
           <a:bodyPr vert="horz" lIns="91440" tIns="45720" rIns="91440" bIns="45720" rtlCol="0" anchor="ctr"/>
           <a:lstStyle>
             <a:lvl1pPr algn="l">
-              <a:defRPr sz="1000">
+              <a:defRPr sz="1200">
                 <a:solidFill>
                   <a:schemeClr val="tx1">
-                    <a:lumMod val="95000"/>
-                    <a:lumOff val="5000"/>
+                    <a:tint val="75000"/>
                   </a:schemeClr>
                 </a:solidFill>
-                <a:latin typeface="+mj-lt"/>
               </a:defRPr>
             </a:lvl1pPr>
           </a:lstStyle>
           <a:p>
-            <a:pPr>
-              <a:defRPr/>
-            </a:pPr>
+            <a:fld id="{658EB262-7FE8-D346-8332-6A29835036CB}" type="datetime1">
+              <a:rPr lang="en-US" smtClean="0"/>
+              <a:t>5/28/23</a:t>
+            </a:fld>
             <a:endParaRPr lang="en-US"/>
           </a:p>
         </p:txBody>
       </p:sp>
       <p:sp>
         <p:nvSpPr>
-          <p:cNvPr id="5" name="Footer Placeholder 4"/>
+          <p:cNvPr id="5" name="Footer Placeholder 4">
+            <a:extLst>
+              <a:ext uri="{FF2B5EF4-FFF2-40B4-BE49-F238E27FC236}">
+                <a16:creationId xmlns:a16="http://schemas.microsoft.com/office/drawing/2014/main" id="{0200FFCC-C04D-09D0-9F76-C4439120C72E}"/>
+              </a:ext>
+            </a:extLst>
+          </p:cNvPr>
           <p:cNvSpPr>
             <a:spLocks noGrp="1"/>
           </p:cNvSpPr>
@@ -3890,8 +3761,8 @@
         </p:nvSpPr>
         <p:spPr>
           <a:xfrm>
-            <a:off x="3632200" y="6470704"/>
-            <a:ext cx="4426094" cy="274320"/>
+            <a:off x="4038600" y="6356350"/>
+            <a:ext cx="4114800" cy="365125"/>
           </a:xfrm>
           <a:prstGeom prst="rect">
             <a:avLst/>
@@ -3900,22 +3771,17 @@
         <p:txBody>
           <a:bodyPr vert="horz" lIns="91440" tIns="45720" rIns="91440" bIns="45720" rtlCol="0" anchor="ctr"/>
           <a:lstStyle>
-            <a:lvl1pPr algn="r">
-              <a:defRPr sz="1000" cap="all" baseline="0">
+            <a:lvl1pPr algn="ctr">
+              <a:defRPr sz="1200">
                 <a:solidFill>
                   <a:schemeClr val="tx1">
-                    <a:lumMod val="95000"/>
-                    <a:lumOff val="5000"/>
+                    <a:tint val="75000"/>
                   </a:schemeClr>
                 </a:solidFill>
-                <a:latin typeface="+mj-lt"/>
               </a:defRPr>
             </a:lvl1pPr>
           </a:lstStyle>
           <a:p>
-            <a:pPr>
-              <a:defRPr/>
-            </a:pPr>
             <a:r>
               <a:rPr lang="en-US"/>
               <a:t>yetanothermasterylearning</a:t>
@@ -3925,7 +3791,13 @@
       </p:sp>
       <p:sp>
         <p:nvSpPr>
-          <p:cNvPr id="6" name="Slide Number Placeholder 5"/>
+          <p:cNvPr id="6" name="Slide Number Placeholder 5">
+            <a:extLst>
+              <a:ext uri="{FF2B5EF4-FFF2-40B4-BE49-F238E27FC236}">
+                <a16:creationId xmlns:a16="http://schemas.microsoft.com/office/drawing/2014/main" id="{6646C23D-4982-9FE6-E8C6-90E21910C875}"/>
+              </a:ext>
+            </a:extLst>
+          </p:cNvPr>
           <p:cNvSpPr>
             <a:spLocks noGrp="1"/>
           </p:cNvSpPr>
@@ -3935,8 +3807,8 @@
         </p:nvSpPr>
         <p:spPr>
           <a:xfrm>
-            <a:off x="8128000" y="6470704"/>
-            <a:ext cx="730250" cy="274320"/>
+            <a:off x="8610600" y="6356350"/>
+            <a:ext cx="2743200" cy="365125"/>
           </a:xfrm>
           <a:prstGeom prst="rect">
             <a:avLst/>
@@ -3945,101 +3817,60 @@
         <p:txBody>
           <a:bodyPr vert="horz" lIns="91440" tIns="45720" rIns="91440" bIns="45720" rtlCol="0" anchor="ctr"/>
           <a:lstStyle>
-            <a:lvl1pPr algn="l">
-              <a:defRPr sz="1000">
+            <a:lvl1pPr algn="r">
+              <a:defRPr sz="1200">
                 <a:solidFill>
                   <a:schemeClr val="tx1">
-                    <a:lumMod val="95000"/>
-                    <a:lumOff val="5000"/>
+                    <a:tint val="75000"/>
                   </a:schemeClr>
                 </a:solidFill>
-                <a:latin typeface="+mj-lt"/>
               </a:defRPr>
             </a:lvl1pPr>
           </a:lstStyle>
           <a:p>
-            <a:fld id="{33D34A0A-9B28-C246-BCD7-EDC052405726}" type="slidenum">
-              <a:rPr lang="en-US" altLang="en-US" smtClean="0"/>
-              <a:pPr/>
+            <a:fld id="{46B2860C-164B-0242-B761-89B72ADFD8CA}" type="slidenum">
+              <a:rPr lang="en-US" smtClean="0"/>
               <a:t>‹#›</a:t>
             </a:fld>
-            <a:endParaRPr lang="en-US" altLang="en-US"/>
-          </a:p>
-        </p:txBody>
-      </p:sp>
-      <p:cxnSp>
-        <p:nvCxnSpPr>
-          <p:cNvPr id="8" name="Straight Connector 7"/>
-          <p:cNvCxnSpPr/>
-          <p:nvPr/>
-        </p:nvCxnSpPr>
-        <p:spPr>
-          <a:xfrm flipV="1">
-            <a:off x="571500" y="826324"/>
-            <a:ext cx="0" cy="914400"/>
-          </a:xfrm>
-          <a:prstGeom prst="line">
-            <a:avLst/>
-          </a:prstGeom>
-          <a:ln w="19050">
-            <a:solidFill>
-              <a:schemeClr val="accent2"/>
-            </a:solidFill>
-          </a:ln>
-        </p:spPr>
-        <p:style>
-          <a:lnRef idx="1">
-            <a:schemeClr val="accent1"/>
-          </a:lnRef>
-          <a:fillRef idx="0">
-            <a:schemeClr val="accent1"/>
-          </a:fillRef>
-          <a:effectRef idx="0">
-            <a:schemeClr val="accent1"/>
-          </a:effectRef>
-          <a:fontRef idx="minor">
-            <a:schemeClr val="tx1"/>
-          </a:fontRef>
-        </p:style>
-      </p:cxnSp>
+            <a:endParaRPr lang="en-US"/>
+          </a:p>
+        </p:txBody>
+      </p:sp>
     </p:spTree>
     <p:extLst>
       <p:ext uri="{BB962C8B-B14F-4D97-AF65-F5344CB8AC3E}">
-        <p14:creationId xmlns:p14="http://schemas.microsoft.com/office/powerpoint/2010/main" val="3162445610"/>
+        <p14:creationId xmlns:p14="http://schemas.microsoft.com/office/powerpoint/2010/main" val="404898466"/>
       </p:ext>
     </p:extLst>
   </p:cSld>
   <p:clrMap bg1="lt1" tx1="dk1" bg2="lt2" tx2="dk2" accent1="accent1" accent2="accent2" accent3="accent3" accent4="accent4" accent5="accent5" accent6="accent6" hlink="hlink" folHlink="folHlink"/>
   <p:sldLayoutIdLst>
-    <p:sldLayoutId id="2147483794" r:id="rId1"/>
-    <p:sldLayoutId id="2147483795" r:id="rId2"/>
-    <p:sldLayoutId id="2147483796" r:id="rId3"/>
-    <p:sldLayoutId id="2147483797" r:id="rId4"/>
-    <p:sldLayoutId id="2147483798" r:id="rId5"/>
-    <p:sldLayoutId id="2147483799" r:id="rId6"/>
-    <p:sldLayoutId id="2147483800" r:id="rId7"/>
-    <p:sldLayoutId id="2147483801" r:id="rId8"/>
-    <p:sldLayoutId id="2147483802" r:id="rId9"/>
-    <p:sldLayoutId id="2147483803" r:id="rId10"/>
-    <p:sldLayoutId id="2147483804" r:id="rId11"/>
+    <p:sldLayoutId id="2147483649" r:id="rId1"/>
+    <p:sldLayoutId id="2147483650" r:id="rId2"/>
+    <p:sldLayoutId id="2147483651" r:id="rId3"/>
+    <p:sldLayoutId id="2147483652" r:id="rId4"/>
+    <p:sldLayoutId id="2147483653" r:id="rId5"/>
+    <p:sldLayoutId id="2147483654" r:id="rId6"/>
+    <p:sldLayoutId id="2147483655" r:id="rId7"/>
+    <p:sldLayoutId id="2147483656" r:id="rId8"/>
+    <p:sldLayoutId id="2147483657" r:id="rId9"/>
+    <p:sldLayoutId id="2147483658" r:id="rId10"/>
+    <p:sldLayoutId id="2147483659" r:id="rId11"/>
   </p:sldLayoutIdLst>
-  <p:hf sldNum="0" hdr="0" dt="0"/>
+  <p:hf sldNum="0" hdr="0" ftr="0" dt="0"/>
   <p:txStyles>
     <p:titleStyle>
       <a:lvl1pPr algn="l" defTabSz="914400" rtl="0" eaLnBrk="1" latinLnBrk="0" hangingPunct="1">
         <a:lnSpc>
-          <a:spcPct val="80000"/>
+          <a:spcPct val="90000"/>
         </a:lnSpc>
         <a:spcBef>
           <a:spcPct val="0"/>
         </a:spcBef>
         <a:buNone/>
-        <a:defRPr sz="4400" kern="1200" cap="all" spc="100" baseline="0">
+        <a:defRPr sz="4400" kern="1200">
           <a:solidFill>
-            <a:schemeClr val="tx1">
-              <a:lumMod val="95000"/>
-              <a:lumOff val="5000"/>
-            </a:schemeClr>
+            <a:schemeClr val="tx1"/>
           </a:solidFill>
           <a:latin typeface="+mj-lt"/>
           <a:ea typeface="+mj-ea"/>
@@ -4048,22 +3879,51 @@
       </a:lvl1pPr>
     </p:titleStyle>
     <p:bodyStyle>
-      <a:lvl1pPr marL="91440" indent="-91440" algn="l" defTabSz="914400" rtl="0" eaLnBrk="1" latinLnBrk="0" hangingPunct="1">
+      <a:lvl1pPr marL="228600" indent="-228600" algn="l" defTabSz="914400" rtl="0" eaLnBrk="1" latinLnBrk="0" hangingPunct="1">
         <a:lnSpc>
           <a:spcPct val="90000"/>
         </a:lnSpc>
         <a:spcBef>
-          <a:spcPts val="1200"/>
+          <a:spcPts val="1000"/>
         </a:spcBef>
-        <a:spcAft>
-          <a:spcPts val="200"/>
-        </a:spcAft>
-        <a:buClr>
-          <a:schemeClr val="accent2"/>
-        </a:buClr>
-        <a:buSzPct val="100000"/>
-        <a:buFont typeface="Tw Cen MT" panose="020B0602020104020603" pitchFamily="34" charset="0"/>
-        <a:buChar char=" "/>
+        <a:buFont typeface="Arial" panose="020B0604020202020204" pitchFamily="34" charset="0"/>
+        <a:buChar char="•"/>
+        <a:defRPr sz="2800" kern="1200">
+          <a:solidFill>
+            <a:schemeClr val="tx1"/>
+          </a:solidFill>
+          <a:latin typeface="+mn-lt"/>
+          <a:ea typeface="+mn-ea"/>
+          <a:cs typeface="+mn-cs"/>
+        </a:defRPr>
+      </a:lvl1pPr>
+      <a:lvl2pPr marL="685800" indent="-228600" algn="l" defTabSz="914400" rtl="0" eaLnBrk="1" latinLnBrk="0" hangingPunct="1">
+        <a:lnSpc>
+          <a:spcPct val="90000"/>
+        </a:lnSpc>
+        <a:spcBef>
+          <a:spcPts val="500"/>
+        </a:spcBef>
+        <a:buFont typeface="Arial" panose="020B0604020202020204" pitchFamily="34" charset="0"/>
+        <a:buChar char="•"/>
+        <a:defRPr sz="2400" kern="1200">
+          <a:solidFill>
+            <a:schemeClr val="tx1"/>
+          </a:solidFill>
+          <a:latin typeface="+mn-lt"/>
+          <a:ea typeface="+mn-ea"/>
+          <a:cs typeface="+mn-cs"/>
+        </a:defRPr>
+      </a:lvl2pPr>
+      <a:lvl3pPr marL="1143000" indent="-228600" algn="l" defTabSz="914400" rtl="0" eaLnBrk="1" latinLnBrk="0" hangingPunct="1">
+        <a:lnSpc>
+          <a:spcPct val="90000"/>
+        </a:lnSpc>
+        <a:spcBef>
+          <a:spcPts val="500"/>
+        </a:spcBef>
+        <a:buFont typeface="Arial" panose="020B0604020202020204" pitchFamily="34" charset="0"/>
+        <a:buChar char="•"/>
         <a:defRPr sz="2000" kern="1200">
           <a:solidFill>
             <a:schemeClr val="tx1"/>
@@ -4072,71 +3932,17 @@
           <a:ea typeface="+mn-ea"/>
           <a:cs typeface="+mn-cs"/>
         </a:defRPr>
-      </a:lvl1pPr>
-      <a:lvl2pPr marL="265176" indent="-137160" algn="l" defTabSz="914400" rtl="0" eaLnBrk="1" latinLnBrk="0" hangingPunct="1">
+      </a:lvl3pPr>
+      <a:lvl4pPr marL="1600200" indent="-228600" algn="l" defTabSz="914400" rtl="0" eaLnBrk="1" latinLnBrk="0" hangingPunct="1">
         <a:lnSpc>
           <a:spcPct val="90000"/>
         </a:lnSpc>
         <a:spcBef>
-          <a:spcPts val="200"/>
+          <a:spcPts val="500"/>
         </a:spcBef>
-        <a:spcAft>
-          <a:spcPts val="400"/>
-        </a:spcAft>
-        <a:buClr>
-          <a:schemeClr val="accent2"/>
-        </a:buClr>
-        <a:buFont typeface="Wingdings 3" pitchFamily="18" charset="2"/>
-        <a:buChar char=""/>
-        <a:defRPr sz="1600" kern="1200">
-          <a:solidFill>
-            <a:schemeClr val="tx1"/>
-          </a:solidFill>
-          <a:latin typeface="+mn-lt"/>
-          <a:ea typeface="+mn-ea"/>
-          <a:cs typeface="+mn-cs"/>
-        </a:defRPr>
-      </a:lvl2pPr>
-      <a:lvl3pPr marL="448056" indent="-137160" algn="l" defTabSz="914400" rtl="0" eaLnBrk="1" latinLnBrk="0" hangingPunct="1">
-        <a:lnSpc>
-          <a:spcPct val="90000"/>
-        </a:lnSpc>
-        <a:spcBef>
-          <a:spcPts val="200"/>
-        </a:spcBef>
-        <a:spcAft>
-          <a:spcPts val="400"/>
-        </a:spcAft>
-        <a:buClr>
-          <a:schemeClr val="accent2"/>
-        </a:buClr>
-        <a:buFont typeface="Wingdings 3" pitchFamily="18" charset="2"/>
-        <a:buChar char=""/>
-        <a:defRPr sz="1200" kern="1200">
-          <a:solidFill>
-            <a:schemeClr val="tx1"/>
-          </a:solidFill>
-          <a:latin typeface="+mn-lt"/>
-          <a:ea typeface="+mn-ea"/>
-          <a:cs typeface="+mn-cs"/>
-        </a:defRPr>
-      </a:lvl3pPr>
-      <a:lvl4pPr marL="594360" indent="-137160" algn="l" defTabSz="914400" rtl="0" eaLnBrk="1" latinLnBrk="0" hangingPunct="1">
-        <a:lnSpc>
-          <a:spcPct val="90000"/>
-        </a:lnSpc>
-        <a:spcBef>
-          <a:spcPts val="200"/>
-        </a:spcBef>
-        <a:spcAft>
-          <a:spcPts val="400"/>
-        </a:spcAft>
-        <a:buClr>
-          <a:schemeClr val="accent2"/>
-        </a:buClr>
-        <a:buFont typeface="Wingdings 3" pitchFamily="18" charset="2"/>
-        <a:buChar char=""/>
-        <a:defRPr sz="1200" kern="1200">
+        <a:buFont typeface="Arial" panose="020B0604020202020204" pitchFamily="34" charset="0"/>
+        <a:buChar char="•"/>
+        <a:defRPr sz="1800" kern="1200">
           <a:solidFill>
             <a:schemeClr val="tx1"/>
           </a:solidFill>
@@ -4145,22 +3951,16 @@
           <a:cs typeface="+mn-cs"/>
         </a:defRPr>
       </a:lvl4pPr>
-      <a:lvl5pPr marL="777240" indent="-137160" algn="l" defTabSz="914400" rtl="0" eaLnBrk="1" latinLnBrk="0" hangingPunct="1">
+      <a:lvl5pPr marL="2057400" indent="-228600" algn="l" defTabSz="914400" rtl="0" eaLnBrk="1" latinLnBrk="0" hangingPunct="1">
         <a:lnSpc>
           <a:spcPct val="90000"/>
         </a:lnSpc>
         <a:spcBef>
-          <a:spcPts val="200"/>
+          <a:spcPts val="500"/>
         </a:spcBef>
-        <a:spcAft>
-          <a:spcPts val="400"/>
-        </a:spcAft>
-        <a:buClr>
-          <a:schemeClr val="accent2"/>
-        </a:buClr>
-        <a:buFont typeface="Wingdings 3" pitchFamily="18" charset="2"/>
-        <a:buChar char=""/>
-        <a:defRPr sz="1200" kern="1200">
+        <a:buFont typeface="Arial" panose="020B0604020202020204" pitchFamily="34" charset="0"/>
+        <a:buChar char="•"/>
+        <a:defRPr sz="1800" kern="1200">
           <a:solidFill>
             <a:schemeClr val="tx1"/>
           </a:solidFill>
@@ -4169,22 +3969,16 @@
           <a:cs typeface="+mn-cs"/>
         </a:defRPr>
       </a:lvl5pPr>
-      <a:lvl6pPr marL="914400" indent="-137160" algn="l" defTabSz="914400" rtl="0" eaLnBrk="1" latinLnBrk="0" hangingPunct="1">
+      <a:lvl6pPr marL="2514600" indent="-228600" algn="l" defTabSz="914400" rtl="0" eaLnBrk="1" latinLnBrk="0" hangingPunct="1">
         <a:lnSpc>
           <a:spcPct val="90000"/>
         </a:lnSpc>
         <a:spcBef>
-          <a:spcPts val="200"/>
+          <a:spcPts val="500"/>
         </a:spcBef>
-        <a:spcAft>
-          <a:spcPts val="400"/>
-        </a:spcAft>
-        <a:buClr>
-          <a:schemeClr val="accent2"/>
-        </a:buClr>
-        <a:buFont typeface="Wingdings 3" pitchFamily="18" charset="2"/>
-        <a:buChar char=""/>
-        <a:defRPr sz="1200" kern="1200">
+        <a:buFont typeface="Arial" panose="020B0604020202020204" pitchFamily="34" charset="0"/>
+        <a:buChar char="•"/>
+        <a:defRPr sz="1800" kern="1200">
           <a:solidFill>
             <a:schemeClr val="tx1"/>
           </a:solidFill>
@@ -4193,22 +3987,16 @@
           <a:cs typeface="+mn-cs"/>
         </a:defRPr>
       </a:lvl6pPr>
-      <a:lvl7pPr marL="1060704" indent="-137160" algn="l" defTabSz="914400" rtl="0" eaLnBrk="1" latinLnBrk="0" hangingPunct="1">
+      <a:lvl7pPr marL="2971800" indent="-228600" algn="l" defTabSz="914400" rtl="0" eaLnBrk="1" latinLnBrk="0" hangingPunct="1">
         <a:lnSpc>
           <a:spcPct val="90000"/>
         </a:lnSpc>
         <a:spcBef>
-          <a:spcPts val="200"/>
+          <a:spcPts val="500"/>
         </a:spcBef>
-        <a:spcAft>
-          <a:spcPts val="400"/>
-        </a:spcAft>
-        <a:buClr>
-          <a:schemeClr val="accent2"/>
-        </a:buClr>
-        <a:buFont typeface="Wingdings 3" pitchFamily="18" charset="2"/>
-        <a:buChar char=""/>
-        <a:defRPr sz="1200" kern="1200">
+        <a:buFont typeface="Arial" panose="020B0604020202020204" pitchFamily="34" charset="0"/>
+        <a:buChar char="•"/>
+        <a:defRPr sz="1800" kern="1200">
           <a:solidFill>
             <a:schemeClr val="tx1"/>
           </a:solidFill>
@@ -4217,22 +4005,16 @@
           <a:cs typeface="+mn-cs"/>
         </a:defRPr>
       </a:lvl7pPr>
-      <a:lvl8pPr marL="1216152" indent="-137160" algn="l" defTabSz="914400" rtl="0" eaLnBrk="1" latinLnBrk="0" hangingPunct="1">
+      <a:lvl8pPr marL="3429000" indent="-228600" algn="l" defTabSz="914400" rtl="0" eaLnBrk="1" latinLnBrk="0" hangingPunct="1">
         <a:lnSpc>
           <a:spcPct val="90000"/>
         </a:lnSpc>
         <a:spcBef>
-          <a:spcPts val="200"/>
+          <a:spcPts val="500"/>
         </a:spcBef>
-        <a:spcAft>
-          <a:spcPts val="400"/>
-        </a:spcAft>
-        <a:buClr>
-          <a:schemeClr val="accent2"/>
-        </a:buClr>
-        <a:buFont typeface="Wingdings 3" pitchFamily="18" charset="2"/>
-        <a:buChar char=""/>
-        <a:defRPr sz="1200" kern="1200">
+        <a:buFont typeface="Arial" panose="020B0604020202020204" pitchFamily="34" charset="0"/>
+        <a:buChar char="•"/>
+        <a:defRPr sz="1800" kern="1200">
           <a:solidFill>
             <a:schemeClr val="tx1"/>
           </a:solidFill>
@@ -4241,22 +4023,16 @@
           <a:cs typeface="+mn-cs"/>
         </a:defRPr>
       </a:lvl8pPr>
-      <a:lvl9pPr marL="1362456" indent="-137160" algn="l" defTabSz="914400" rtl="0" eaLnBrk="1" latinLnBrk="0" hangingPunct="1">
+      <a:lvl9pPr marL="3886200" indent="-228600" algn="l" defTabSz="914400" rtl="0" eaLnBrk="1" latinLnBrk="0" hangingPunct="1">
         <a:lnSpc>
           <a:spcPct val="90000"/>
         </a:lnSpc>
         <a:spcBef>
-          <a:spcPts val="200"/>
+          <a:spcPts val="500"/>
         </a:spcBef>
-        <a:spcAft>
-          <a:spcPts val="400"/>
-        </a:spcAft>
-        <a:buClr>
-          <a:schemeClr val="accent2"/>
-        </a:buClr>
-        <a:buFont typeface="Wingdings 3" pitchFamily="18" charset="2"/>
-        <a:buChar char=""/>
-        <a:defRPr sz="1200" kern="1200">
+        <a:buFont typeface="Arial" panose="020B0604020202020204" pitchFamily="34" charset="0"/>
+        <a:buChar char="•"/>
+        <a:defRPr sz="1800" kern="1200">
           <a:solidFill>
             <a:schemeClr val="tx1"/>
           </a:solidFill>
@@ -4411,43 +4187,6 @@
           </a:p>
         </p:txBody>
       </p:sp>
-      <p:sp>
-        <p:nvSpPr>
-          <p:cNvPr id="3" name="Footer Placeholder 2">
-            <a:extLst>
-              <a:ext uri="{FF2B5EF4-FFF2-40B4-BE49-F238E27FC236}">
-                <a16:creationId xmlns:a16="http://schemas.microsoft.com/office/drawing/2014/main" id="{6356BCBD-A4A7-3D46-8818-4CBCBA918BF9}"/>
-              </a:ext>
-            </a:extLst>
-          </p:cNvPr>
-          <p:cNvSpPr>
-            <a:spLocks noGrp="1"/>
-          </p:cNvSpPr>
-          <p:nvPr>
-            <p:ph type="ftr" sz="quarter" idx="11"/>
-          </p:nvPr>
-        </p:nvSpPr>
-        <p:spPr>
-          <a:xfrm>
-            <a:off x="5715000" y="6477000"/>
-            <a:ext cx="2343294" cy="268024"/>
-          </a:xfrm>
-        </p:spPr>
-        <p:txBody>
-          <a:bodyPr/>
-          <a:lstStyle/>
-          <a:p>
-            <a:pPr>
-              <a:defRPr/>
-            </a:pPr>
-            <a:r>
-              <a:rPr lang="en-US" sz="1200"/>
-              <a:t>yetanothermasterylearning</a:t>
-            </a:r>
-            <a:endParaRPr lang="en-US" sz="1200" dirty="0"/>
-          </a:p>
-        </p:txBody>
-      </p:sp>
     </p:spTree>
   </p:cSld>
   <p:clrMapOvr>
@@ -4663,37 +4402,6 @@
           </a:p>
         </p:txBody>
       </p:sp>
-      <p:sp>
-        <p:nvSpPr>
-          <p:cNvPr id="2" name="Footer Placeholder 1">
-            <a:extLst>
-              <a:ext uri="{FF2B5EF4-FFF2-40B4-BE49-F238E27FC236}">
-                <a16:creationId xmlns:a16="http://schemas.microsoft.com/office/drawing/2014/main" id="{58E56D30-C878-5B8F-0231-3B64E0BD8296}"/>
-              </a:ext>
-            </a:extLst>
-          </p:cNvPr>
-          <p:cNvSpPr>
-            <a:spLocks noGrp="1"/>
-          </p:cNvSpPr>
-          <p:nvPr>
-            <p:ph type="ftr" sz="quarter" idx="11"/>
-          </p:nvPr>
-        </p:nvSpPr>
-        <p:spPr/>
-        <p:txBody>
-          <a:bodyPr/>
-          <a:lstStyle/>
-          <a:p>
-            <a:pPr>
-              <a:defRPr/>
-            </a:pPr>
-            <a:r>
-              <a:rPr lang="en-US"/>
-              <a:t>yetanothermasterylearning</a:t>
-            </a:r>
-          </a:p>
-        </p:txBody>
-      </p:sp>
     </p:spTree>
   </p:cSld>
   <p:clrMapOvr>
@@ -4848,37 +4556,6 @@
           </a:p>
         </p:txBody>
       </p:sp>
-      <p:sp>
-        <p:nvSpPr>
-          <p:cNvPr id="2" name="Footer Placeholder 1">
-            <a:extLst>
-              <a:ext uri="{FF2B5EF4-FFF2-40B4-BE49-F238E27FC236}">
-                <a16:creationId xmlns:a16="http://schemas.microsoft.com/office/drawing/2014/main" id="{A6EEC280-0130-2DDD-8887-A8EBE1EFB98E}"/>
-              </a:ext>
-            </a:extLst>
-          </p:cNvPr>
-          <p:cNvSpPr>
-            <a:spLocks noGrp="1"/>
-          </p:cNvSpPr>
-          <p:nvPr>
-            <p:ph type="ftr" sz="quarter" idx="11"/>
-          </p:nvPr>
-        </p:nvSpPr>
-        <p:spPr/>
-        <p:txBody>
-          <a:bodyPr/>
-          <a:lstStyle/>
-          <a:p>
-            <a:pPr>
-              <a:defRPr/>
-            </a:pPr>
-            <a:r>
-              <a:rPr lang="en-US"/>
-              <a:t>yetanothermasterylearning</a:t>
-            </a:r>
-          </a:p>
-        </p:txBody>
-      </p:sp>
     </p:spTree>
   </p:cSld>
   <p:clrMapOvr>
@@ -4906,10 +4583,10 @@
       </p:grpSpPr>
       <p:sp>
         <p:nvSpPr>
-          <p:cNvPr id="173058" name="Rectangle 2">
-            <a:extLst>
-              <a:ext uri="{FF2B5EF4-FFF2-40B4-BE49-F238E27FC236}">
-                <a16:creationId xmlns:a16="http://schemas.microsoft.com/office/drawing/2014/main" id="{6CBC7920-2303-600D-522D-DEB6A25A96C8}"/>
+          <p:cNvPr id="174082" name="Rectangle 2">
+            <a:extLst>
+              <a:ext uri="{FF2B5EF4-FFF2-40B4-BE49-F238E27FC236}">
+                <a16:creationId xmlns:a16="http://schemas.microsoft.com/office/drawing/2014/main" id="{1B5ADA9F-B9F3-4309-9E6B-64061A5A8298}"/>
               </a:ext>
             </a:extLst>
           </p:cNvPr>
@@ -4931,17 +4608,17 @@
               <a:rPr lang="en-US" altLang="en-US" dirty="0">
                 <a:latin typeface="Calibri" panose="020F0502020204030204" pitchFamily="34" charset="0"/>
               </a:rPr>
-              <a:t>Unary prefix operators</a:t>
-            </a:r>
-          </a:p>
-        </p:txBody>
-      </p:sp>
-      <p:sp>
-        <p:nvSpPr>
-          <p:cNvPr id="173059" name="Rectangle 3">
-            <a:extLst>
-              <a:ext uri="{FF2B5EF4-FFF2-40B4-BE49-F238E27FC236}">
-                <a16:creationId xmlns:a16="http://schemas.microsoft.com/office/drawing/2014/main" id="{2ABCA64A-0F8F-94F4-6504-DA5C44F113F6}"/>
+              <a:t>More operators</a:t>
+            </a:r>
+          </a:p>
+        </p:txBody>
+      </p:sp>
+      <p:sp>
+        <p:nvSpPr>
+          <p:cNvPr id="174083" name="Rectangle 3">
+            <a:extLst>
+              <a:ext uri="{FF2B5EF4-FFF2-40B4-BE49-F238E27FC236}">
+                <a16:creationId xmlns:a16="http://schemas.microsoft.com/office/drawing/2014/main" id="{E0013BD8-157D-0AF9-DBAE-A5646D3A8444}"/>
               </a:ext>
             </a:extLst>
           </p:cNvPr>
@@ -4955,7 +4632,7 @@
         <p:spPr/>
         <p:txBody>
           <a:bodyPr vert="horz" lIns="45720" tIns="45720" rIns="45720" bIns="45720" rtlCol="0">
-            <a:normAutofit/>
+            <a:normAutofit fontScale="92500" lnSpcReduction="10000"/>
           </a:bodyPr>
           <a:lstStyle/>
           <a:p>
@@ -4967,103 +4644,122 @@
               <a:rPr lang="en-US" dirty="0">
                 <a:latin typeface="Calibri" panose="020F0502020204030204" pitchFamily="34" charset="0"/>
               </a:rPr>
-              <a:t>Unary prefix operators have the next highest precedence:</a:t>
+              <a:t>Relational operators </a:t>
+            </a:r>
+          </a:p>
+          <a:p>
+            <a:pPr lvl="1">
+              <a:lnSpc>
+                <a:spcPct val="100000"/>
+              </a:lnSpc>
+            </a:pPr>
+            <a:r>
+              <a:rPr lang="en-US" dirty="0"/>
+              <a:t>&lt;     Less than 			(var1 &lt; var2)</a:t>
+            </a:r>
+          </a:p>
+          <a:p>
+            <a:pPr lvl="1">
+              <a:lnSpc>
+                <a:spcPct val="100000"/>
+              </a:lnSpc>
+            </a:pPr>
+            <a:r>
+              <a:rPr lang="en-US" dirty="0"/>
+              <a:t>&lt;=   Less than or equal to  		(var1 &lt;= var2)</a:t>
+            </a:r>
+          </a:p>
+          <a:p>
+            <a:pPr lvl="1">
+              <a:lnSpc>
+                <a:spcPct val="100000"/>
+              </a:lnSpc>
+            </a:pPr>
+            <a:r>
+              <a:rPr lang="en-US" dirty="0"/>
+              <a:t>&gt;      Greater than 		(var1 &gt; var2)</a:t>
+            </a:r>
+          </a:p>
+          <a:p>
+            <a:pPr lvl="1">
+              <a:lnSpc>
+                <a:spcPct val="100000"/>
+              </a:lnSpc>
+            </a:pPr>
+            <a:r>
+              <a:rPr lang="en-US" dirty="0"/>
+              <a:t>&gt;=   Greater than or equal to		(var1 &gt;= var2)</a:t>
+            </a:r>
+          </a:p>
+          <a:p>
+            <a:pPr>
+              <a:buFont typeface="Courier New" panose="02070309020205020404" pitchFamily="49" charset="0"/>
+              <a:buChar char="o"/>
+            </a:pPr>
+            <a:r>
+              <a:rPr lang="en-US" dirty="0">
+                <a:latin typeface="Calibri" panose="020F0502020204030204" pitchFamily="34" charset="0"/>
+              </a:rPr>
+              <a:t>Equality and inequality</a:t>
             </a:r>
           </a:p>
           <a:p>
             <a:pPr lvl="1"/>
             <a:r>
               <a:rPr lang="en-US" dirty="0"/>
-              <a:t>++expr		=&gt; </a:t>
-            </a:r>
-            <a:r>
-              <a:rPr lang="en-US" dirty="0" err="1"/>
-              <a:t>Preincrement</a:t>
-            </a:r>
+              <a:t>==  Test if equal			(var1 == var2)</a:t>
+            </a:r>
+          </a:p>
+          <a:p>
+            <a:pPr lvl="1"/>
             <a:r>
               <a:rPr lang="en-US" dirty="0"/>
-              <a:t> 		</a:t>
-            </a:r>
-            <a:r>
-              <a:rPr lang="en-US" dirty="0" err="1"/>
-              <a:t>i</a:t>
-            </a:r>
+              <a:t>!=    Test if not equal		(var1 != var2)</a:t>
+            </a:r>
+          </a:p>
+          <a:p>
+            <a:pPr>
+              <a:buFont typeface="Courier New" panose="02070309020205020404" pitchFamily="49" charset="0"/>
+              <a:buChar char="o"/>
+            </a:pPr>
+            <a:r>
+              <a:rPr lang="en-US" dirty="0">
+                <a:latin typeface="Calibri" panose="020F0502020204030204" pitchFamily="34" charset="0"/>
+              </a:rPr>
+              <a:t>Logical Operations</a:t>
+            </a:r>
+          </a:p>
+          <a:p>
+            <a:pPr lvl="1"/>
             <a:r>
               <a:rPr lang="en-US" dirty="0"/>
-              <a:t>++. ++</a:t>
-            </a:r>
-            <a:r>
-              <a:rPr lang="en-US" dirty="0" err="1"/>
-              <a:t>i</a:t>
-            </a:r>
-            <a:endParaRPr lang="en-US" dirty="0"/>
+              <a:t>&amp;&amp; ((var1 == var2) &amp;&amp; (var3  != var4))</a:t>
+            </a:r>
           </a:p>
           <a:p>
             <a:pPr lvl="1"/>
             <a:r>
               <a:rPr lang="en-US" dirty="0"/>
-              <a:t>--expr		=&gt; </a:t>
-            </a:r>
-            <a:r>
-              <a:rPr lang="en-US" dirty="0" err="1"/>
-              <a:t>Predecrement</a:t>
-            </a:r>
-            <a:r>
-              <a:rPr lang="en-US" dirty="0"/>
-              <a:t>		j--, --j</a:t>
-            </a:r>
-          </a:p>
-          <a:p>
-            <a:pPr lvl="1"/>
-            <a:r>
-              <a:rPr lang="en-US" dirty="0"/>
-              <a:t>+  -         	=&gt; Unary plus and unary minus </a:t>
-            </a:r>
-          </a:p>
-          <a:p>
-            <a:pPr lvl="1"/>
-            <a:r>
-              <a:rPr lang="en-US" dirty="0"/>
-              <a:t>var1 +=  var2 is same as var1 = var1 + var2</a:t>
-            </a:r>
-          </a:p>
-          <a:p>
-            <a:pPr lvl="1"/>
-            <a:r>
-              <a:rPr lang="en-US" dirty="0"/>
-              <a:t>!          		=&gt; Logical negation (not)</a:t>
-            </a:r>
-          </a:p>
-        </p:txBody>
-      </p:sp>
-      <p:sp>
-        <p:nvSpPr>
-          <p:cNvPr id="2" name="Footer Placeholder 1">
-            <a:extLst>
-              <a:ext uri="{FF2B5EF4-FFF2-40B4-BE49-F238E27FC236}">
-                <a16:creationId xmlns:a16="http://schemas.microsoft.com/office/drawing/2014/main" id="{9F46D53F-AF1B-F6F0-2889-ACFB80DE11D6}"/>
-              </a:ext>
-            </a:extLst>
-          </p:cNvPr>
-          <p:cNvSpPr>
-            <a:spLocks noGrp="1"/>
-          </p:cNvSpPr>
-          <p:nvPr>
-            <p:ph type="ftr" sz="quarter" idx="11"/>
-          </p:nvPr>
-        </p:nvSpPr>
-        <p:spPr/>
-        <p:txBody>
-          <a:bodyPr/>
-          <a:lstStyle/>
+              <a:t>| | ((var1 == var2) ||  (var3 != var4))</a:t>
+            </a:r>
+          </a:p>
           <a:p>
             <a:pPr>
-              <a:defRPr/>
+              <a:buFont typeface="Courier New" panose="02070309020205020404" pitchFamily="49" charset="0"/>
+              <a:buChar char="o"/>
             </a:pPr>
-            <a:r>
-              <a:rPr lang="en-US"/>
-              <a:t>yetanothermasterylearning</a:t>
-            </a:r>
+            <a:endParaRPr lang="en-US" dirty="0">
+              <a:latin typeface="Calibri" panose="020F0502020204030204" pitchFamily="34" charset="0"/>
+            </a:endParaRPr>
+          </a:p>
+          <a:p>
+            <a:pPr>
+              <a:buFont typeface="Courier New" panose="02070309020205020404" pitchFamily="49" charset="0"/>
+              <a:buChar char="o"/>
+            </a:pPr>
+            <a:endParaRPr lang="en-US" dirty="0">
+              <a:latin typeface="Calibri" panose="020F0502020204030204" pitchFamily="34" charset="0"/>
+            </a:endParaRPr>
           </a:p>
         </p:txBody>
       </p:sp>
@@ -5094,10 +4790,10 @@
       </p:grpSpPr>
       <p:sp>
         <p:nvSpPr>
-          <p:cNvPr id="23554" name="Rectangle 2">
-            <a:extLst>
-              <a:ext uri="{FF2B5EF4-FFF2-40B4-BE49-F238E27FC236}">
-                <a16:creationId xmlns:a16="http://schemas.microsoft.com/office/drawing/2014/main" id="{1CC56EB7-848D-02EF-93B0-F63E636BA21C}"/>
+          <p:cNvPr id="173058" name="Rectangle 2">
+            <a:extLst>
+              <a:ext uri="{FF2B5EF4-FFF2-40B4-BE49-F238E27FC236}">
+                <a16:creationId xmlns:a16="http://schemas.microsoft.com/office/drawing/2014/main" id="{6CBC7920-2303-600D-522D-DEB6A25A96C8}"/>
               </a:ext>
             </a:extLst>
           </p:cNvPr>
@@ -5119,17 +4815,17 @@
               <a:rPr lang="en-US" altLang="en-US" dirty="0">
                 <a:latin typeface="Calibri" panose="020F0502020204030204" pitchFamily="34" charset="0"/>
               </a:rPr>
-              <a:t>The increment operator</a:t>
-            </a:r>
-          </a:p>
-        </p:txBody>
-      </p:sp>
-      <p:sp>
-        <p:nvSpPr>
-          <p:cNvPr id="23555" name="Rectangle 3">
-            <a:extLst>
-              <a:ext uri="{FF2B5EF4-FFF2-40B4-BE49-F238E27FC236}">
-                <a16:creationId xmlns:a16="http://schemas.microsoft.com/office/drawing/2014/main" id="{41E12F16-88A9-17E0-F1EB-B24FE8840756}"/>
+              <a:t>Unary prefix operators</a:t>
+            </a:r>
+          </a:p>
+        </p:txBody>
+      </p:sp>
+      <p:sp>
+        <p:nvSpPr>
+          <p:cNvPr id="173059" name="Rectangle 3">
+            <a:extLst>
+              <a:ext uri="{FF2B5EF4-FFF2-40B4-BE49-F238E27FC236}">
+                <a16:creationId xmlns:a16="http://schemas.microsoft.com/office/drawing/2014/main" id="{2ABCA64A-0F8F-94F4-6504-DA5C44F113F6}"/>
               </a:ext>
             </a:extLst>
           </p:cNvPr>
@@ -5152,106 +4848,84 @@
               <a:buChar char="o"/>
             </a:pPr>
             <a:r>
-              <a:rPr lang="en-US" altLang="en-US" dirty="0">
-                <a:latin typeface="Calibri" panose="020F0502020204030204" pitchFamily="34" charset="0"/>
-              </a:rPr>
-              <a:t>++ adds 1 to a variable</a:t>
+              <a:rPr lang="en-US" dirty="0">
+                <a:latin typeface="Calibri" panose="020F0502020204030204" pitchFamily="34" charset="0"/>
+              </a:rPr>
+              <a:t>Unary prefix operators have the next highest precedence:</a:t>
             </a:r>
           </a:p>
           <a:p>
             <a:pPr lvl="1"/>
             <a:r>
-              <a:rPr lang="en-US" altLang="en-US" dirty="0"/>
-              <a:t>It can be used as a statement by itself, or within an expression</a:t>
-            </a:r>
+              <a:rPr lang="en-US" dirty="0"/>
+              <a:t>++expr		=&gt; </a:t>
+            </a:r>
+            <a:r>
+              <a:rPr lang="en-US" dirty="0" err="1"/>
+              <a:t>Preincrement</a:t>
+            </a:r>
+            <a:r>
+              <a:rPr lang="en-US" dirty="0"/>
+              <a:t> 		</a:t>
+            </a:r>
+            <a:r>
+              <a:rPr lang="en-US" dirty="0" err="1"/>
+              <a:t>i</a:t>
+            </a:r>
+            <a:r>
+              <a:rPr lang="en-US" dirty="0"/>
+              <a:t>++. ++</a:t>
+            </a:r>
+            <a:r>
+              <a:rPr lang="en-US" dirty="0" err="1"/>
+              <a:t>i</a:t>
+            </a:r>
+            <a:endParaRPr lang="en-US" dirty="0"/>
           </a:p>
           <a:p>
             <a:pPr lvl="1"/>
             <a:r>
-              <a:rPr lang="en-US" altLang="en-US" dirty="0"/>
-              <a:t>It can be put before or after a variable</a:t>
+              <a:rPr lang="en-US" dirty="0"/>
+              <a:t>--expr		=&gt; </a:t>
+            </a:r>
+            <a:r>
+              <a:rPr lang="en-US" dirty="0" err="1"/>
+              <a:t>Predecrement</a:t>
+            </a:r>
+            <a:r>
+              <a:rPr lang="en-US" dirty="0"/>
+              <a:t>		j--, --j</a:t>
             </a:r>
           </a:p>
           <a:p>
             <a:pPr lvl="1"/>
             <a:r>
-              <a:rPr lang="en-US" altLang="en-US" dirty="0" err="1"/>
-              <a:t>Preincrement</a:t>
-            </a:r>
-            <a:r>
-              <a:rPr lang="en-US" altLang="en-US" dirty="0"/>
-              <a:t> (++</a:t>
-            </a:r>
-            <a:r>
-              <a:rPr lang="en-US" altLang="en-US" dirty="0" err="1"/>
-              <a:t>iter</a:t>
-            </a:r>
-            <a:r>
-              <a:rPr lang="en-US" altLang="en-US" dirty="0"/>
-              <a:t>)</a:t>
+              <a:rPr lang="en-US" dirty="0"/>
+              <a:t>+  -         	=&gt; Unary plus and unary minus </a:t>
             </a:r>
           </a:p>
           <a:p>
             <a:pPr lvl="1"/>
             <a:r>
-              <a:rPr lang="en-US" altLang="en-US" dirty="0" err="1"/>
-              <a:t>Postincrement</a:t>
-            </a:r>
-            <a:r>
-              <a:rPr lang="en-US" altLang="en-US" dirty="0"/>
-              <a:t> (</a:t>
-            </a:r>
-            <a:r>
-              <a:rPr lang="en-US" altLang="en-US" dirty="0" err="1"/>
-              <a:t>eg</a:t>
-            </a:r>
-            <a:r>
-              <a:rPr lang="en-US" altLang="en-US" dirty="0"/>
-              <a:t>: </a:t>
-            </a:r>
-            <a:r>
-              <a:rPr lang="en-US" altLang="en-US" dirty="0" err="1"/>
-              <a:t>iter</a:t>
-            </a:r>
-            <a:r>
-              <a:rPr lang="en-US" altLang="en-US" dirty="0"/>
-              <a:t>++)</a:t>
-            </a:r>
-          </a:p>
-        </p:txBody>
-      </p:sp>
-      <p:sp>
-        <p:nvSpPr>
-          <p:cNvPr id="2" name="Footer Placeholder 1">
-            <a:extLst>
-              <a:ext uri="{FF2B5EF4-FFF2-40B4-BE49-F238E27FC236}">
-                <a16:creationId xmlns:a16="http://schemas.microsoft.com/office/drawing/2014/main" id="{CA59CA06-5F18-E755-3F42-C133C074E15B}"/>
-              </a:ext>
-            </a:extLst>
-          </p:cNvPr>
-          <p:cNvSpPr>
-            <a:spLocks noGrp="1"/>
-          </p:cNvSpPr>
-          <p:nvPr>
-            <p:ph type="ftr" sz="quarter" idx="11"/>
-          </p:nvPr>
-        </p:nvSpPr>
-        <p:spPr/>
-        <p:txBody>
-          <a:bodyPr/>
-          <a:lstStyle/>
-          <a:p>
-            <a:pPr>
-              <a:defRPr/>
-            </a:pPr>
-            <a:r>
-              <a:rPr lang="en-US"/>
-              <a:t>yetanothermasterylearning</a:t>
+              <a:rPr lang="en-US" dirty="0"/>
+              <a:t>var1 +=  var2 is same as var1 = var1 + var2</a:t>
+            </a:r>
+          </a:p>
+          <a:p>
+            <a:pPr lvl="1"/>
+            <a:r>
+              <a:rPr lang="en-US" dirty="0"/>
+              <a:t>!          		=&gt; Logical negation (not)</a:t>
             </a:r>
           </a:p>
         </p:txBody>
       </p:sp>
     </p:spTree>
+    <p:extLst>
+      <p:ext uri="{BB962C8B-B14F-4D97-AF65-F5344CB8AC3E}">
+        <p14:creationId xmlns:p14="http://schemas.microsoft.com/office/powerpoint/2010/main" val="1849389270"/>
+      </p:ext>
+    </p:extLst>
   </p:cSld>
   <p:clrMapOvr>
     <a:masterClrMapping/>
@@ -5278,6 +4952,164 @@
       </p:grpSpPr>
       <p:sp>
         <p:nvSpPr>
+          <p:cNvPr id="23554" name="Rectangle 2">
+            <a:extLst>
+              <a:ext uri="{FF2B5EF4-FFF2-40B4-BE49-F238E27FC236}">
+                <a16:creationId xmlns:a16="http://schemas.microsoft.com/office/drawing/2014/main" id="{1CC56EB7-848D-02EF-93B0-F63E636BA21C}"/>
+              </a:ext>
+            </a:extLst>
+          </p:cNvPr>
+          <p:cNvSpPr>
+            <a:spLocks noGrp="1" noRot="1" noChangeArrowheads="1"/>
+          </p:cNvSpPr>
+          <p:nvPr>
+            <p:ph type="title"/>
+          </p:nvPr>
+        </p:nvSpPr>
+        <p:spPr/>
+        <p:txBody>
+          <a:bodyPr vert="horz" lIns="91440" tIns="45720" rIns="91440" bIns="45720" rtlCol="0" anchor="ctr">
+            <a:normAutofit/>
+          </a:bodyPr>
+          <a:lstStyle/>
+          <a:p>
+            <a:r>
+              <a:rPr lang="en-US" altLang="en-US" dirty="0">
+                <a:latin typeface="Calibri" panose="020F0502020204030204" pitchFamily="34" charset="0"/>
+              </a:rPr>
+              <a:t>The increment operator</a:t>
+            </a:r>
+          </a:p>
+        </p:txBody>
+      </p:sp>
+      <p:sp>
+        <p:nvSpPr>
+          <p:cNvPr id="23555" name="Rectangle 3">
+            <a:extLst>
+              <a:ext uri="{FF2B5EF4-FFF2-40B4-BE49-F238E27FC236}">
+                <a16:creationId xmlns:a16="http://schemas.microsoft.com/office/drawing/2014/main" id="{41E12F16-88A9-17E0-F1EB-B24FE8840756}"/>
+              </a:ext>
+            </a:extLst>
+          </p:cNvPr>
+          <p:cNvSpPr>
+            <a:spLocks noGrp="1" noChangeArrowheads="1"/>
+          </p:cNvSpPr>
+          <p:nvPr>
+            <p:ph idx="1"/>
+          </p:nvPr>
+        </p:nvSpPr>
+        <p:spPr/>
+        <p:txBody>
+          <a:bodyPr vert="horz" lIns="45720" tIns="45720" rIns="45720" bIns="45720" rtlCol="0">
+            <a:normAutofit/>
+          </a:bodyPr>
+          <a:lstStyle/>
+          <a:p>
+            <a:pPr>
+              <a:buFont typeface="Courier New" panose="02070309020205020404" pitchFamily="49" charset="0"/>
+              <a:buChar char="o"/>
+            </a:pPr>
+            <a:r>
+              <a:rPr lang="en-US" altLang="en-US" dirty="0">
+                <a:latin typeface="Calibri" panose="020F0502020204030204" pitchFamily="34" charset="0"/>
+              </a:rPr>
+              <a:t>++ adds 1 to a variable</a:t>
+            </a:r>
+          </a:p>
+          <a:p>
+            <a:pPr lvl="1"/>
+            <a:r>
+              <a:rPr lang="en-US" altLang="en-US" dirty="0"/>
+              <a:t>It can be used as a statement by itself, or within an expression</a:t>
+            </a:r>
+          </a:p>
+          <a:p>
+            <a:pPr lvl="1"/>
+            <a:r>
+              <a:rPr lang="en-US" altLang="en-US" dirty="0"/>
+              <a:t>It can be put before or after a variable</a:t>
+            </a:r>
+          </a:p>
+          <a:p>
+            <a:pPr lvl="1"/>
+            <a:r>
+              <a:rPr lang="en-US" altLang="en-US" dirty="0" err="1"/>
+              <a:t>Preincrement</a:t>
+            </a:r>
+            <a:r>
+              <a:rPr lang="en-US" altLang="en-US" dirty="0"/>
+              <a:t> (++</a:t>
+            </a:r>
+            <a:r>
+              <a:rPr lang="en-US" altLang="en-US" dirty="0" err="1"/>
+              <a:t>iter</a:t>
+            </a:r>
+            <a:r>
+              <a:rPr lang="en-US" altLang="en-US" dirty="0"/>
+              <a:t>)</a:t>
+            </a:r>
+          </a:p>
+          <a:p>
+            <a:pPr lvl="1"/>
+            <a:r>
+              <a:rPr lang="en-US" altLang="en-US" dirty="0" err="1"/>
+              <a:t>Postincrement</a:t>
+            </a:r>
+            <a:r>
+              <a:rPr lang="en-US" altLang="en-US" dirty="0"/>
+              <a:t> (</a:t>
+            </a:r>
+            <a:r>
+              <a:rPr lang="en-US" altLang="en-US" dirty="0" err="1"/>
+              <a:t>eg</a:t>
+            </a:r>
+            <a:r>
+              <a:rPr lang="en-US" altLang="en-US" dirty="0"/>
+              <a:t>: </a:t>
+            </a:r>
+            <a:r>
+              <a:rPr lang="en-US" altLang="en-US" dirty="0" err="1"/>
+              <a:t>iter</a:t>
+            </a:r>
+            <a:r>
+              <a:rPr lang="en-US" altLang="en-US" dirty="0"/>
+              <a:t>++)</a:t>
+            </a:r>
+          </a:p>
+        </p:txBody>
+      </p:sp>
+    </p:spTree>
+    <p:extLst>
+      <p:ext uri="{BB962C8B-B14F-4D97-AF65-F5344CB8AC3E}">
+        <p14:creationId xmlns:p14="http://schemas.microsoft.com/office/powerpoint/2010/main" val="2185646470"/>
+      </p:ext>
+    </p:extLst>
+  </p:cSld>
+  <p:clrMapOvr>
+    <a:masterClrMapping/>
+  </p:clrMapOvr>
+</p:sld>
+</file>
+
+<file path=ppt/slides/slide15.xml><?xml version="1.0" encoding="utf-8"?>
+<p:sld xmlns:a="http://schemas.openxmlformats.org/drawingml/2006/main" xmlns:r="http://schemas.openxmlformats.org/officeDocument/2006/relationships" xmlns:p="http://schemas.openxmlformats.org/presentationml/2006/main" showMasterPhAnim="0">
+  <p:cSld>
+    <p:spTree>
+      <p:nvGrpSpPr>
+        <p:cNvPr id="1" name=""/>
+        <p:cNvGrpSpPr/>
+        <p:nvPr/>
+      </p:nvGrpSpPr>
+      <p:grpSpPr>
+        <a:xfrm>
+          <a:off x="0" y="0"/>
+          <a:ext cx="0" cy="0"/>
+          <a:chOff x="0" y="0"/>
+          <a:chExt cx="0" cy="0"/>
+        </a:xfrm>
+      </p:grpSpPr>
+      <p:sp>
+        <p:nvSpPr>
           <p:cNvPr id="24580" name="Rectangle 4">
             <a:extLst>
               <a:ext uri="{FF2B5EF4-FFF2-40B4-BE49-F238E27FC236}">
@@ -5640,7 +5472,7 @@
         </p:nvSpPr>
         <p:spPr bwMode="auto">
           <a:xfrm>
-            <a:off x="1689893" y="5815584"/>
+            <a:off x="3213894" y="5815584"/>
             <a:ext cx="3884613" cy="914400"/>
           </a:xfrm>
           <a:prstGeom prst="wedgeRectCallout">
@@ -5692,224 +5524,12 @@
           </a:p>
         </p:txBody>
       </p:sp>
-      <p:sp>
-        <p:nvSpPr>
-          <p:cNvPr id="2" name="Footer Placeholder 1">
-            <a:extLst>
-              <a:ext uri="{FF2B5EF4-FFF2-40B4-BE49-F238E27FC236}">
-                <a16:creationId xmlns:a16="http://schemas.microsoft.com/office/drawing/2014/main" id="{450797A9-0267-B971-0A61-8A1284159554}"/>
-              </a:ext>
-            </a:extLst>
-          </p:cNvPr>
-          <p:cNvSpPr>
-            <a:spLocks noGrp="1"/>
-          </p:cNvSpPr>
-          <p:nvPr>
-            <p:ph type="ftr" sz="quarter" idx="11"/>
-          </p:nvPr>
-        </p:nvSpPr>
-        <p:spPr/>
-        <p:txBody>
-          <a:bodyPr/>
-          <a:lstStyle/>
-          <a:p>
-            <a:pPr>
-              <a:defRPr/>
-            </a:pPr>
-            <a:r>
-              <a:rPr lang="en-US"/>
-              <a:t>yetanothermasterylearning</a:t>
-            </a:r>
-          </a:p>
-        </p:txBody>
-      </p:sp>
     </p:spTree>
-  </p:cSld>
-  <p:clrMapOvr>
-    <a:masterClrMapping/>
-  </p:clrMapOvr>
-</p:sld>
-</file>
-
-<file path=ppt/slides/slide15.xml><?xml version="1.0" encoding="utf-8"?>
-<p:sld xmlns:a="http://schemas.openxmlformats.org/drawingml/2006/main" xmlns:r="http://schemas.openxmlformats.org/officeDocument/2006/relationships" xmlns:p="http://schemas.openxmlformats.org/presentationml/2006/main" showMasterPhAnim="0">
-  <p:cSld>
-    <p:spTree>
-      <p:nvGrpSpPr>
-        <p:cNvPr id="1" name=""/>
-        <p:cNvGrpSpPr/>
-        <p:nvPr/>
-      </p:nvGrpSpPr>
-      <p:grpSpPr>
-        <a:xfrm>
-          <a:off x="0" y="0"/>
-          <a:ext cx="0" cy="0"/>
-          <a:chOff x="0" y="0"/>
-          <a:chExt cx="0" cy="0"/>
-        </a:xfrm>
-      </p:grpSpPr>
-      <p:sp>
-        <p:nvSpPr>
-          <p:cNvPr id="25602" name="Rectangle 2">
-            <a:extLst>
-              <a:ext uri="{FF2B5EF4-FFF2-40B4-BE49-F238E27FC236}">
-                <a16:creationId xmlns:a16="http://schemas.microsoft.com/office/drawing/2014/main" id="{7A60F5AF-5AF2-C825-7267-6287836343B0}"/>
-              </a:ext>
-            </a:extLst>
-          </p:cNvPr>
-          <p:cNvSpPr>
-            <a:spLocks noGrp="1" noRot="1" noChangeArrowheads="1"/>
-          </p:cNvSpPr>
-          <p:nvPr>
-            <p:ph type="title"/>
-          </p:nvPr>
-        </p:nvSpPr>
-        <p:spPr/>
-        <p:txBody>
-          <a:bodyPr vert="horz" lIns="91440" tIns="45720" rIns="91440" bIns="45720" rtlCol="0" anchor="ctr">
-            <a:normAutofit/>
-          </a:bodyPr>
-          <a:lstStyle/>
-          <a:p>
-            <a:r>
-              <a:rPr lang="en-US" altLang="en-US" dirty="0">
-                <a:latin typeface="Calibri" panose="020F0502020204030204" pitchFamily="34" charset="0"/>
-              </a:rPr>
-              <a:t>The decrement operator</a:t>
-            </a:r>
-          </a:p>
-        </p:txBody>
-      </p:sp>
-      <p:sp>
-        <p:nvSpPr>
-          <p:cNvPr id="25603" name="Rectangle 3">
-            <a:extLst>
-              <a:ext uri="{FF2B5EF4-FFF2-40B4-BE49-F238E27FC236}">
-                <a16:creationId xmlns:a16="http://schemas.microsoft.com/office/drawing/2014/main" id="{B355D574-4DD4-1569-E701-02317E64A8F2}"/>
-              </a:ext>
-            </a:extLst>
-          </p:cNvPr>
-          <p:cNvSpPr>
-            <a:spLocks noGrp="1" noChangeArrowheads="1"/>
-          </p:cNvSpPr>
-          <p:nvPr>
-            <p:ph idx="1"/>
-          </p:nvPr>
-        </p:nvSpPr>
-        <p:spPr/>
-        <p:txBody>
-          <a:bodyPr vert="horz" lIns="45720" tIns="45720" rIns="45720" bIns="45720" rtlCol="0">
-            <a:normAutofit/>
-          </a:bodyPr>
-          <a:lstStyle/>
-          <a:p>
-            <a:pPr>
-              <a:buFont typeface="Courier New" panose="02070309020205020404" pitchFamily="49" charset="0"/>
-              <a:buChar char="o"/>
-            </a:pPr>
-            <a:r>
-              <a:rPr lang="en-US" altLang="en-US" dirty="0">
-                <a:latin typeface="Calibri" panose="020F0502020204030204" pitchFamily="34" charset="0"/>
-              </a:rPr>
-              <a:t>-- subtracts 1 from a variable</a:t>
-            </a:r>
-          </a:p>
-          <a:p>
-            <a:pPr lvl="1"/>
-            <a:r>
-              <a:rPr lang="en-US" altLang="en-US" dirty="0"/>
-              <a:t>It can be used as a statement by itself, or within an expression</a:t>
-            </a:r>
-          </a:p>
-          <a:p>
-            <a:pPr lvl="1"/>
-            <a:r>
-              <a:rPr lang="en-US" altLang="en-US" dirty="0"/>
-              <a:t>It can be put before or after a variable</a:t>
-            </a:r>
-          </a:p>
-          <a:p>
-            <a:pPr>
-              <a:buFont typeface="Courier New" panose="02070309020205020404" pitchFamily="49" charset="0"/>
-              <a:buChar char="o"/>
-            </a:pPr>
-            <a:r>
-              <a:rPr lang="en-US" altLang="en-US" dirty="0">
-                <a:latin typeface="Calibri" panose="020F0502020204030204" pitchFamily="34" charset="0"/>
-              </a:rPr>
-              <a:t>aa = </a:t>
-            </a:r>
-            <a:r>
-              <a:rPr lang="en-US" altLang="en-US" dirty="0" err="1">
-                <a:latin typeface="Calibri" panose="020F0502020204030204" pitchFamily="34" charset="0"/>
-              </a:rPr>
-              <a:t>i</a:t>
-            </a:r>
-            <a:r>
-              <a:rPr lang="en-US" altLang="en-US" dirty="0">
-                <a:latin typeface="Calibri" panose="020F0502020204030204" pitchFamily="34" charset="0"/>
-              </a:rPr>
-              <a:t>--;</a:t>
-            </a:r>
-          </a:p>
-          <a:p>
-            <a:pPr>
-              <a:buFont typeface="Courier New" panose="02070309020205020404" pitchFamily="49" charset="0"/>
-              <a:buChar char="o"/>
-            </a:pPr>
-            <a:r>
-              <a:rPr lang="en-US" altLang="en-US" dirty="0">
-                <a:latin typeface="Calibri" panose="020F0502020204030204" pitchFamily="34" charset="0"/>
-              </a:rPr>
-              <a:t>aa = --</a:t>
-            </a:r>
-            <a:r>
-              <a:rPr lang="en-US" altLang="en-US" dirty="0" err="1">
-                <a:latin typeface="Calibri" panose="020F0502020204030204" pitchFamily="34" charset="0"/>
-              </a:rPr>
-              <a:t>i</a:t>
-            </a:r>
-            <a:r>
-              <a:rPr lang="en-US" altLang="en-US" dirty="0">
-                <a:latin typeface="Calibri" panose="020F0502020204030204" pitchFamily="34" charset="0"/>
-              </a:rPr>
-              <a:t>;</a:t>
-            </a:r>
-          </a:p>
-        </p:txBody>
-      </p:sp>
-      <p:sp>
-        <p:nvSpPr>
-          <p:cNvPr id="2" name="Footer Placeholder 1">
-            <a:extLst>
-              <a:ext uri="{FF2B5EF4-FFF2-40B4-BE49-F238E27FC236}">
-                <a16:creationId xmlns:a16="http://schemas.microsoft.com/office/drawing/2014/main" id="{8CA75A1C-5BFF-010D-2E05-61BA74AF86A2}"/>
-              </a:ext>
-            </a:extLst>
-          </p:cNvPr>
-          <p:cNvSpPr>
-            <a:spLocks noGrp="1"/>
-          </p:cNvSpPr>
-          <p:nvPr>
-            <p:ph type="ftr" sz="quarter" idx="11"/>
-          </p:nvPr>
-        </p:nvSpPr>
-        <p:spPr/>
-        <p:txBody>
-          <a:bodyPr/>
-          <a:lstStyle/>
-          <a:p>
-            <a:pPr>
-              <a:defRPr/>
-            </a:pPr>
-            <a:r>
-              <a:rPr lang="en-US"/>
-              <a:t>yetanothermasterylearning</a:t>
-            </a:r>
-          </a:p>
-        </p:txBody>
-      </p:sp>
-    </p:spTree>
+    <p:extLst>
+      <p:ext uri="{BB962C8B-B14F-4D97-AF65-F5344CB8AC3E}">
+        <p14:creationId xmlns:p14="http://schemas.microsoft.com/office/powerpoint/2010/main" val="1431565959"/>
+      </p:ext>
+    </p:extLst>
   </p:cSld>
   <p:clrMapOvr>
     <a:masterClrMapping/>
@@ -5936,10 +5556,10 @@
       </p:grpSpPr>
       <p:sp>
         <p:nvSpPr>
-          <p:cNvPr id="174082" name="Rectangle 2">
-            <a:extLst>
-              <a:ext uri="{FF2B5EF4-FFF2-40B4-BE49-F238E27FC236}">
-                <a16:creationId xmlns:a16="http://schemas.microsoft.com/office/drawing/2014/main" id="{1B5ADA9F-B9F3-4309-9E6B-64061A5A8298}"/>
+          <p:cNvPr id="25602" name="Rectangle 2">
+            <a:extLst>
+              <a:ext uri="{FF2B5EF4-FFF2-40B4-BE49-F238E27FC236}">
+                <a16:creationId xmlns:a16="http://schemas.microsoft.com/office/drawing/2014/main" id="{7A60F5AF-5AF2-C825-7267-6287836343B0}"/>
               </a:ext>
             </a:extLst>
           </p:cNvPr>
@@ -5961,17 +5581,17 @@
               <a:rPr lang="en-US" altLang="en-US" dirty="0">
                 <a:latin typeface="Calibri" panose="020F0502020204030204" pitchFamily="34" charset="0"/>
               </a:rPr>
-              <a:t>More operators</a:t>
-            </a:r>
-          </a:p>
-        </p:txBody>
-      </p:sp>
-      <p:sp>
-        <p:nvSpPr>
-          <p:cNvPr id="174083" name="Rectangle 3">
-            <a:extLst>
-              <a:ext uri="{FF2B5EF4-FFF2-40B4-BE49-F238E27FC236}">
-                <a16:creationId xmlns:a16="http://schemas.microsoft.com/office/drawing/2014/main" id="{E0013BD8-157D-0AF9-DBAE-A5646D3A8444}"/>
+              <a:t>The decrement operator</a:t>
+            </a:r>
+          </a:p>
+        </p:txBody>
+      </p:sp>
+      <p:sp>
+        <p:nvSpPr>
+          <p:cNvPr id="25603" name="Rectangle 3">
+            <a:extLst>
+              <a:ext uri="{FF2B5EF4-FFF2-40B4-BE49-F238E27FC236}">
+                <a16:creationId xmlns:a16="http://schemas.microsoft.com/office/drawing/2014/main" id="{B355D574-4DD4-1569-E701-02317E64A8F2}"/>
               </a:ext>
             </a:extLst>
           </p:cNvPr>
@@ -5994,54 +5614,24 @@
               <a:buChar char="o"/>
             </a:pPr>
             <a:r>
-              <a:rPr lang="en-US" dirty="0">
-                <a:latin typeface="Calibri" panose="020F0502020204030204" pitchFamily="34" charset="0"/>
-              </a:rPr>
-              <a:t>Relational operators </a:t>
-            </a:r>
-          </a:p>
-          <a:p>
-            <a:pPr lvl="1">
-              <a:lnSpc>
-                <a:spcPct val="100000"/>
-              </a:lnSpc>
-            </a:pPr>
-            <a:r>
-              <a:rPr lang="en-US" dirty="0"/>
-              <a:t>&lt;     Less than 			(var1 &lt; var2)</a:t>
-            </a:r>
-          </a:p>
-          <a:p>
-            <a:pPr lvl="1">
-              <a:lnSpc>
-                <a:spcPct val="100000"/>
-              </a:lnSpc>
-            </a:pPr>
-            <a:r>
-              <a:rPr lang="en-US" dirty="0"/>
-              <a:t>&lt;=   Less than or equal to  		(var1 &lt;= var2)</a:t>
-            </a:r>
-          </a:p>
-          <a:p>
-            <a:pPr lvl="1">
-              <a:lnSpc>
-                <a:spcPct val="100000"/>
-              </a:lnSpc>
-            </a:pPr>
-            <a:r>
-              <a:rPr lang="en-US" dirty="0"/>
-              <a:t>&gt;      Greater than 		(var1 &gt; var2)</a:t>
-            </a:r>
-          </a:p>
-          <a:p>
-            <a:pPr lvl="1">
-              <a:lnSpc>
-                <a:spcPct val="100000"/>
-              </a:lnSpc>
-            </a:pPr>
-            <a:r>
-              <a:rPr lang="en-US" dirty="0"/>
-              <a:t>&gt;=   Greater than or equal to		(var1 &gt;= var2)</a:t>
+              <a:rPr lang="en-US" altLang="en-US" dirty="0">
+                <a:latin typeface="Calibri" panose="020F0502020204030204" pitchFamily="34" charset="0"/>
+              </a:rPr>
+              <a:t>-- subtracts 1 from a variable</a:t>
+            </a:r>
+          </a:p>
+          <a:p>
+            <a:pPr lvl="1"/>
+            <a:r>
+              <a:rPr lang="en-US" altLang="en-US" dirty="0"/>
+              <a:t>It can be used as a statement by itself, or within an expression</a:t>
+            </a:r>
+          </a:p>
+          <a:p>
+            <a:pPr lvl="1"/>
+            <a:r>
+              <a:rPr lang="en-US" altLang="en-US" dirty="0"/>
+              <a:t>It can be put before or after a variable</a:t>
             </a:r>
           </a:p>
           <a:p>
@@ -6050,24 +5640,22 @@
               <a:buChar char="o"/>
             </a:pPr>
             <a:r>
-              <a:rPr lang="en-US" dirty="0">
-                <a:latin typeface="Calibri" panose="020F0502020204030204" pitchFamily="34" charset="0"/>
-              </a:rPr>
-              <a:t>Equality and inequality</a:t>
-            </a:r>
-          </a:p>
-          <a:p>
-            <a:pPr lvl="1"/>
-            <a:r>
-              <a:rPr lang="en-US" dirty="0"/>
-              <a:t>==  Test if equal			(var1 == var2)</a:t>
-            </a:r>
-          </a:p>
-          <a:p>
-            <a:pPr lvl="1"/>
-            <a:r>
-              <a:rPr lang="en-US" dirty="0"/>
-              <a:t>!=    Test if not equal		(var1 != var2)</a:t>
+              <a:rPr lang="en-US" altLang="en-US" dirty="0">
+                <a:latin typeface="Calibri" panose="020F0502020204030204" pitchFamily="34" charset="0"/>
+              </a:rPr>
+              <a:t>aa = </a:t>
+            </a:r>
+            <a:r>
+              <a:rPr lang="en-US" altLang="en-US" dirty="0" err="1">
+                <a:latin typeface="Calibri" panose="020F0502020204030204" pitchFamily="34" charset="0"/>
+              </a:rPr>
+              <a:t>i</a:t>
+            </a:r>
+            <a:r>
+              <a:rPr lang="en-US" altLang="en-US" dirty="0">
+                <a:latin typeface="Calibri" panose="020F0502020204030204" pitchFamily="34" charset="0"/>
+              </a:rPr>
+              <a:t>--;</a:t>
             </a:r>
           </a:p>
           <a:p>
@@ -6076,78 +5664,32 @@
               <a:buChar char="o"/>
             </a:pPr>
             <a:r>
-              <a:rPr lang="en-US" dirty="0">
-                <a:latin typeface="Calibri" panose="020F0502020204030204" pitchFamily="34" charset="0"/>
-              </a:rPr>
-              <a:t>Logical Operations</a:t>
-            </a:r>
-          </a:p>
-          <a:p>
-            <a:pPr lvl="1"/>
-            <a:r>
-              <a:rPr lang="en-US" dirty="0"/>
-              <a:t>&amp;&amp; ((var1 == var2) &amp;&amp; (var3  != var4))</a:t>
-            </a:r>
-          </a:p>
-          <a:p>
-            <a:pPr lvl="1"/>
-            <a:r>
-              <a:rPr lang="en-US" dirty="0"/>
-              <a:t>| | ((var1 == var2) ||  (var3 != var4))</a:t>
-            </a:r>
-          </a:p>
-          <a:p>
-            <a:pPr>
-              <a:buFont typeface="Courier New" panose="02070309020205020404" pitchFamily="49" charset="0"/>
-              <a:buChar char="o"/>
-            </a:pPr>
-            <a:endParaRPr lang="en-US" dirty="0">
-              <a:latin typeface="Calibri" panose="020F0502020204030204" pitchFamily="34" charset="0"/>
-            </a:endParaRPr>
-          </a:p>
-          <a:p>
-            <a:pPr>
-              <a:buFont typeface="Courier New" panose="02070309020205020404" pitchFamily="49" charset="0"/>
-              <a:buChar char="o"/>
-            </a:pPr>
-            <a:endParaRPr lang="en-US" dirty="0">
-              <a:latin typeface="Calibri" panose="020F0502020204030204" pitchFamily="34" charset="0"/>
-            </a:endParaRPr>
-          </a:p>
-        </p:txBody>
-      </p:sp>
-      <p:sp>
-        <p:nvSpPr>
-          <p:cNvPr id="2" name="Footer Placeholder 1">
-            <a:extLst>
-              <a:ext uri="{FF2B5EF4-FFF2-40B4-BE49-F238E27FC236}">
-                <a16:creationId xmlns:a16="http://schemas.microsoft.com/office/drawing/2014/main" id="{308073DB-D928-7E4D-3E35-8986DF18E2E9}"/>
-              </a:ext>
-            </a:extLst>
-          </p:cNvPr>
-          <p:cNvSpPr>
-            <a:spLocks noGrp="1"/>
-          </p:cNvSpPr>
-          <p:nvPr>
-            <p:ph type="ftr" sz="quarter" idx="11"/>
-          </p:nvPr>
-        </p:nvSpPr>
-        <p:spPr/>
-        <p:txBody>
-          <a:bodyPr/>
-          <a:lstStyle/>
-          <a:p>
-            <a:pPr>
-              <a:defRPr/>
-            </a:pPr>
-            <a:r>
-              <a:rPr lang="en-US"/>
-              <a:t>yetanothermasterylearning</a:t>
+              <a:rPr lang="en-US" altLang="en-US" dirty="0">
+                <a:latin typeface="Calibri" panose="020F0502020204030204" pitchFamily="34" charset="0"/>
+              </a:rPr>
+              <a:t>aa = --</a:t>
+            </a:r>
+            <a:r>
+              <a:rPr lang="en-US" altLang="en-US" dirty="0" err="1">
+                <a:latin typeface="Calibri" panose="020F0502020204030204" pitchFamily="34" charset="0"/>
+              </a:rPr>
+              <a:t>i</a:t>
+            </a:r>
+            <a:r>
+              <a:rPr lang="en-US" altLang="en-US" dirty="0">
+                <a:latin typeface="Calibri" panose="020F0502020204030204" pitchFamily="34" charset="0"/>
+              </a:rPr>
+              <a:t>;</a:t>
             </a:r>
           </a:p>
         </p:txBody>
       </p:sp>
     </p:spTree>
+    <p:extLst>
+      <p:ext uri="{BB962C8B-B14F-4D97-AF65-F5344CB8AC3E}">
+        <p14:creationId xmlns:p14="http://schemas.microsoft.com/office/powerpoint/2010/main" val="2301937033"/>
+      </p:ext>
+    </p:extLst>
   </p:cSld>
   <p:clrMapOvr>
     <a:masterClrMapping/>
@@ -6284,37 +5826,6 @@
             <a:endParaRPr lang="en-US" dirty="0">
               <a:latin typeface="Calibri" panose="020F0502020204030204" pitchFamily="34" charset="0"/>
             </a:endParaRPr>
-          </a:p>
-        </p:txBody>
-      </p:sp>
-      <p:sp>
-        <p:nvSpPr>
-          <p:cNvPr id="2" name="Footer Placeholder 1">
-            <a:extLst>
-              <a:ext uri="{FF2B5EF4-FFF2-40B4-BE49-F238E27FC236}">
-                <a16:creationId xmlns:a16="http://schemas.microsoft.com/office/drawing/2014/main" id="{00F70272-B31B-28C5-0999-5F322B08EF13}"/>
-              </a:ext>
-            </a:extLst>
-          </p:cNvPr>
-          <p:cNvSpPr>
-            <a:spLocks noGrp="1"/>
-          </p:cNvSpPr>
-          <p:nvPr>
-            <p:ph type="ftr" sz="quarter" idx="11"/>
-          </p:nvPr>
-        </p:nvSpPr>
-        <p:spPr/>
-        <p:txBody>
-          <a:bodyPr/>
-          <a:lstStyle/>
-          <a:p>
-            <a:pPr>
-              <a:defRPr/>
-            </a:pPr>
-            <a:r>
-              <a:rPr lang="en-US"/>
-              <a:t>yetanothermasterylearning</a:t>
-            </a:r>
           </a:p>
         </p:txBody>
       </p:sp>
@@ -6477,37 +5988,6 @@
           </a:p>
         </p:txBody>
       </p:sp>
-      <p:sp>
-        <p:nvSpPr>
-          <p:cNvPr id="2" name="Footer Placeholder 1">
-            <a:extLst>
-              <a:ext uri="{FF2B5EF4-FFF2-40B4-BE49-F238E27FC236}">
-                <a16:creationId xmlns:a16="http://schemas.microsoft.com/office/drawing/2014/main" id="{5A1D78BB-2DB9-226D-D1E8-FC8B2A34FB7A}"/>
-              </a:ext>
-            </a:extLst>
-          </p:cNvPr>
-          <p:cNvSpPr>
-            <a:spLocks noGrp="1"/>
-          </p:cNvSpPr>
-          <p:nvPr>
-            <p:ph type="ftr" sz="quarter" idx="11"/>
-          </p:nvPr>
-        </p:nvSpPr>
-        <p:spPr/>
-        <p:txBody>
-          <a:bodyPr/>
-          <a:lstStyle/>
-          <a:p>
-            <a:pPr>
-              <a:defRPr/>
-            </a:pPr>
-            <a:r>
-              <a:rPr lang="en-US"/>
-              <a:t>yetanothermasterylearning</a:t>
-            </a:r>
-          </a:p>
-        </p:txBody>
-      </p:sp>
     </p:spTree>
   </p:cSld>
   <p:clrMapOvr>
@@ -6701,37 +6181,6 @@
           </a:p>
         </p:txBody>
       </p:sp>
-      <p:sp>
-        <p:nvSpPr>
-          <p:cNvPr id="2" name="Footer Placeholder 1">
-            <a:extLst>
-              <a:ext uri="{FF2B5EF4-FFF2-40B4-BE49-F238E27FC236}">
-                <a16:creationId xmlns:a16="http://schemas.microsoft.com/office/drawing/2014/main" id="{0E02CADB-D475-3193-B266-C20056D38C96}"/>
-              </a:ext>
-            </a:extLst>
-          </p:cNvPr>
-          <p:cNvSpPr>
-            <a:spLocks noGrp="1"/>
-          </p:cNvSpPr>
-          <p:nvPr>
-            <p:ph type="ftr" sz="quarter" idx="11"/>
-          </p:nvPr>
-        </p:nvSpPr>
-        <p:spPr/>
-        <p:txBody>
-          <a:bodyPr/>
-          <a:lstStyle/>
-          <a:p>
-            <a:pPr>
-              <a:defRPr/>
-            </a:pPr>
-            <a:r>
-              <a:rPr lang="en-US"/>
-              <a:t>yetanothermasterylearning</a:t>
-            </a:r>
-          </a:p>
-        </p:txBody>
-      </p:sp>
     </p:spTree>
   </p:cSld>
   <p:clrMapOvr>
@@ -6804,7 +6253,7 @@
         </p:nvSpPr>
         <p:spPr>
           <a:xfrm>
-            <a:off x="533400" y="2667000"/>
+            <a:off x="2057400" y="2667000"/>
             <a:ext cx="8077200" cy="3352800"/>
           </a:xfrm>
         </p:spPr>
@@ -6827,37 +6276,6 @@
             <a:r>
               <a:rPr lang="en-US" altLang="en-US" dirty="0"/>
               <a:t>Operators</a:t>
-            </a:r>
-          </a:p>
-        </p:txBody>
-      </p:sp>
-      <p:sp>
-        <p:nvSpPr>
-          <p:cNvPr id="3" name="Footer Placeholder 2">
-            <a:extLst>
-              <a:ext uri="{FF2B5EF4-FFF2-40B4-BE49-F238E27FC236}">
-                <a16:creationId xmlns:a16="http://schemas.microsoft.com/office/drawing/2014/main" id="{EDD93EF8-EFA6-B6D2-54D9-D996B75ECDED}"/>
-              </a:ext>
-            </a:extLst>
-          </p:cNvPr>
-          <p:cNvSpPr>
-            <a:spLocks noGrp="1"/>
-          </p:cNvSpPr>
-          <p:nvPr>
-            <p:ph type="ftr" sz="quarter" idx="11"/>
-          </p:nvPr>
-        </p:nvSpPr>
-        <p:spPr/>
-        <p:txBody>
-          <a:bodyPr/>
-          <a:lstStyle/>
-          <a:p>
-            <a:pPr>
-              <a:defRPr/>
-            </a:pPr>
-            <a:r>
-              <a:rPr lang="en-US"/>
-              <a:t>yetanothermasterylearning</a:t>
             </a:r>
           </a:p>
         </p:txBody>
@@ -7039,37 +6457,6 @@
           </a:p>
         </p:txBody>
       </p:sp>
-      <p:sp>
-        <p:nvSpPr>
-          <p:cNvPr id="2" name="Footer Placeholder 1">
-            <a:extLst>
-              <a:ext uri="{FF2B5EF4-FFF2-40B4-BE49-F238E27FC236}">
-                <a16:creationId xmlns:a16="http://schemas.microsoft.com/office/drawing/2014/main" id="{F7C78D8A-210F-C73A-1493-535D9CA9DCCF}"/>
-              </a:ext>
-            </a:extLst>
-          </p:cNvPr>
-          <p:cNvSpPr>
-            <a:spLocks noGrp="1"/>
-          </p:cNvSpPr>
-          <p:nvPr>
-            <p:ph type="ftr" sz="quarter" idx="11"/>
-          </p:nvPr>
-        </p:nvSpPr>
-        <p:spPr/>
-        <p:txBody>
-          <a:bodyPr/>
-          <a:lstStyle/>
-          <a:p>
-            <a:pPr>
-              <a:defRPr/>
-            </a:pPr>
-            <a:r>
-              <a:rPr lang="en-US"/>
-              <a:t>yetanothermasterylearning</a:t>
-            </a:r>
-          </a:p>
-        </p:txBody>
-      </p:sp>
     </p:spTree>
   </p:cSld>
   <p:clrMapOvr>
@@ -7197,37 +6584,6 @@
           </a:p>
         </p:txBody>
       </p:sp>
-      <p:sp>
-        <p:nvSpPr>
-          <p:cNvPr id="2" name="Footer Placeholder 1">
-            <a:extLst>
-              <a:ext uri="{FF2B5EF4-FFF2-40B4-BE49-F238E27FC236}">
-                <a16:creationId xmlns:a16="http://schemas.microsoft.com/office/drawing/2014/main" id="{F5250365-D8CF-4F55-35E1-C422ADDA826C}"/>
-              </a:ext>
-            </a:extLst>
-          </p:cNvPr>
-          <p:cNvSpPr>
-            <a:spLocks noGrp="1"/>
-          </p:cNvSpPr>
-          <p:nvPr>
-            <p:ph type="ftr" sz="quarter" idx="11"/>
-          </p:nvPr>
-        </p:nvSpPr>
-        <p:spPr/>
-        <p:txBody>
-          <a:bodyPr/>
-          <a:lstStyle/>
-          <a:p>
-            <a:pPr>
-              <a:defRPr/>
-            </a:pPr>
-            <a:r>
-              <a:rPr lang="en-US"/>
-              <a:t>yetanothermasterylearning</a:t>
-            </a:r>
-          </a:p>
-        </p:txBody>
-      </p:sp>
     </p:spTree>
   </p:cSld>
   <p:clrMapOvr>
@@ -7532,37 +6888,6 @@
           </a:p>
         </p:txBody>
       </p:sp>
-      <p:sp>
-        <p:nvSpPr>
-          <p:cNvPr id="2" name="Footer Placeholder 1">
-            <a:extLst>
-              <a:ext uri="{FF2B5EF4-FFF2-40B4-BE49-F238E27FC236}">
-                <a16:creationId xmlns:a16="http://schemas.microsoft.com/office/drawing/2014/main" id="{0AFDD0F4-AC51-55A1-571B-BE784F06CC6B}"/>
-              </a:ext>
-            </a:extLst>
-          </p:cNvPr>
-          <p:cNvSpPr>
-            <a:spLocks noGrp="1"/>
-          </p:cNvSpPr>
-          <p:nvPr>
-            <p:ph type="ftr" sz="quarter" idx="11"/>
-          </p:nvPr>
-        </p:nvSpPr>
-        <p:spPr/>
-        <p:txBody>
-          <a:bodyPr/>
-          <a:lstStyle/>
-          <a:p>
-            <a:pPr>
-              <a:defRPr/>
-            </a:pPr>
-            <a:r>
-              <a:rPr lang="en-US"/>
-              <a:t>yetanothermasterylearning</a:t>
-            </a:r>
-          </a:p>
-        </p:txBody>
-      </p:sp>
     </p:spTree>
   </p:cSld>
   <p:clrMapOvr>
@@ -7749,37 +7074,6 @@
           </a:p>
         </p:txBody>
       </p:sp>
-      <p:sp>
-        <p:nvSpPr>
-          <p:cNvPr id="2" name="Footer Placeholder 1">
-            <a:extLst>
-              <a:ext uri="{FF2B5EF4-FFF2-40B4-BE49-F238E27FC236}">
-                <a16:creationId xmlns:a16="http://schemas.microsoft.com/office/drawing/2014/main" id="{44555F90-2C9D-EE98-A1EE-06286C4D95E5}"/>
-              </a:ext>
-            </a:extLst>
-          </p:cNvPr>
-          <p:cNvSpPr>
-            <a:spLocks noGrp="1"/>
-          </p:cNvSpPr>
-          <p:nvPr>
-            <p:ph type="ftr" sz="quarter" idx="11"/>
-          </p:nvPr>
-        </p:nvSpPr>
-        <p:spPr/>
-        <p:txBody>
-          <a:bodyPr/>
-          <a:lstStyle/>
-          <a:p>
-            <a:pPr>
-              <a:defRPr/>
-            </a:pPr>
-            <a:r>
-              <a:rPr lang="en-US"/>
-              <a:t>yetanothermasterylearning</a:t>
-            </a:r>
-          </a:p>
-        </p:txBody>
-      </p:sp>
     </p:spTree>
   </p:cSld>
   <p:clrMapOvr>
@@ -7974,37 +7268,6 @@
           </a:p>
         </p:txBody>
       </p:sp>
-      <p:sp>
-        <p:nvSpPr>
-          <p:cNvPr id="2" name="Footer Placeholder 1">
-            <a:extLst>
-              <a:ext uri="{FF2B5EF4-FFF2-40B4-BE49-F238E27FC236}">
-                <a16:creationId xmlns:a16="http://schemas.microsoft.com/office/drawing/2014/main" id="{4A833635-1783-BF31-6335-ECB5F9734DA3}"/>
-              </a:ext>
-            </a:extLst>
-          </p:cNvPr>
-          <p:cNvSpPr>
-            <a:spLocks noGrp="1"/>
-          </p:cNvSpPr>
-          <p:nvPr>
-            <p:ph type="ftr" sz="quarter" idx="11"/>
-          </p:nvPr>
-        </p:nvSpPr>
-        <p:spPr/>
-        <p:txBody>
-          <a:bodyPr/>
-          <a:lstStyle/>
-          <a:p>
-            <a:pPr>
-              <a:defRPr/>
-            </a:pPr>
-            <a:r>
-              <a:rPr lang="en-US"/>
-              <a:t>yetanothermasterylearning</a:t>
-            </a:r>
-          </a:p>
-        </p:txBody>
-      </p:sp>
     </p:spTree>
   </p:cSld>
   <p:clrMapOvr>
@@ -8161,37 +7424,6 @@
           </a:p>
         </p:txBody>
       </p:sp>
-      <p:sp>
-        <p:nvSpPr>
-          <p:cNvPr id="2" name="Footer Placeholder 1">
-            <a:extLst>
-              <a:ext uri="{FF2B5EF4-FFF2-40B4-BE49-F238E27FC236}">
-                <a16:creationId xmlns:a16="http://schemas.microsoft.com/office/drawing/2014/main" id="{EC2F7160-E537-DF06-C21F-22D1D858EE6C}"/>
-              </a:ext>
-            </a:extLst>
-          </p:cNvPr>
-          <p:cNvSpPr>
-            <a:spLocks noGrp="1"/>
-          </p:cNvSpPr>
-          <p:nvPr>
-            <p:ph type="ftr" sz="quarter" idx="11"/>
-          </p:nvPr>
-        </p:nvSpPr>
-        <p:spPr/>
-        <p:txBody>
-          <a:bodyPr/>
-          <a:lstStyle/>
-          <a:p>
-            <a:pPr>
-              <a:defRPr/>
-            </a:pPr>
-            <a:r>
-              <a:rPr lang="en-US"/>
-              <a:t>yetanothermasterylearning</a:t>
-            </a:r>
-          </a:p>
-        </p:txBody>
-      </p:sp>
     </p:spTree>
   </p:cSld>
   <p:clrMapOvr>
@@ -8357,37 +7589,6 @@
           </a:p>
         </p:txBody>
       </p:sp>
-      <p:sp>
-        <p:nvSpPr>
-          <p:cNvPr id="2" name="Footer Placeholder 1">
-            <a:extLst>
-              <a:ext uri="{FF2B5EF4-FFF2-40B4-BE49-F238E27FC236}">
-                <a16:creationId xmlns:a16="http://schemas.microsoft.com/office/drawing/2014/main" id="{C6B7A6F4-68E5-9523-BBA2-B662E4BBD47A}"/>
-              </a:ext>
-            </a:extLst>
-          </p:cNvPr>
-          <p:cNvSpPr>
-            <a:spLocks noGrp="1"/>
-          </p:cNvSpPr>
-          <p:nvPr>
-            <p:ph type="ftr" sz="quarter" idx="11"/>
-          </p:nvPr>
-        </p:nvSpPr>
-        <p:spPr/>
-        <p:txBody>
-          <a:bodyPr/>
-          <a:lstStyle/>
-          <a:p>
-            <a:pPr>
-              <a:defRPr/>
-            </a:pPr>
-            <a:r>
-              <a:rPr lang="en-US"/>
-              <a:t>yetanothermasterylearning</a:t>
-            </a:r>
-          </a:p>
-        </p:txBody>
-      </p:sp>
     </p:spTree>
   </p:cSld>
   <p:clrMapOvr>
@@ -8589,37 +7790,6 @@
           </a:p>
         </p:txBody>
       </p:sp>
-      <p:sp>
-        <p:nvSpPr>
-          <p:cNvPr id="2" name="Footer Placeholder 1">
-            <a:extLst>
-              <a:ext uri="{FF2B5EF4-FFF2-40B4-BE49-F238E27FC236}">
-                <a16:creationId xmlns:a16="http://schemas.microsoft.com/office/drawing/2014/main" id="{B3C5DFD0-8935-7A0E-B7A4-B9B677C444A0}"/>
-              </a:ext>
-            </a:extLst>
-          </p:cNvPr>
-          <p:cNvSpPr>
-            <a:spLocks noGrp="1"/>
-          </p:cNvSpPr>
-          <p:nvPr>
-            <p:ph type="ftr" sz="quarter" idx="11"/>
-          </p:nvPr>
-        </p:nvSpPr>
-        <p:spPr/>
-        <p:txBody>
-          <a:bodyPr/>
-          <a:lstStyle/>
-          <a:p>
-            <a:pPr>
-              <a:defRPr/>
-            </a:pPr>
-            <a:r>
-              <a:rPr lang="en-US"/>
-              <a:t>yetanothermasterylearning</a:t>
-            </a:r>
-          </a:p>
-        </p:txBody>
-      </p:sp>
     </p:spTree>
   </p:cSld>
   <p:clrMapOvr>
@@ -8803,37 +7973,6 @@
           </a:p>
         </p:txBody>
       </p:sp>
-      <p:sp>
-        <p:nvSpPr>
-          <p:cNvPr id="2" name="Footer Placeholder 1">
-            <a:extLst>
-              <a:ext uri="{FF2B5EF4-FFF2-40B4-BE49-F238E27FC236}">
-                <a16:creationId xmlns:a16="http://schemas.microsoft.com/office/drawing/2014/main" id="{E3C3FC72-A5F5-3398-D971-1A842F2D68DB}"/>
-              </a:ext>
-            </a:extLst>
-          </p:cNvPr>
-          <p:cNvSpPr>
-            <a:spLocks noGrp="1"/>
-          </p:cNvSpPr>
-          <p:nvPr>
-            <p:ph type="ftr" sz="quarter" idx="11"/>
-          </p:nvPr>
-        </p:nvSpPr>
-        <p:spPr/>
-        <p:txBody>
-          <a:bodyPr/>
-          <a:lstStyle/>
-          <a:p>
-            <a:pPr>
-              <a:defRPr/>
-            </a:pPr>
-            <a:r>
-              <a:rPr lang="en-US"/>
-              <a:t>yetanothermasterylearning</a:t>
-            </a:r>
-          </a:p>
-        </p:txBody>
-      </p:sp>
     </p:spTree>
   </p:cSld>
   <p:clrMapOvr>
@@ -8909,13 +8048,13 @@
         </p:nvSpPr>
         <p:spPr>
           <a:xfrm>
-            <a:off x="457200" y="2084832"/>
+            <a:off x="1981201" y="2084832"/>
             <a:ext cx="7600951" cy="4224528"/>
           </a:xfrm>
         </p:spPr>
         <p:txBody>
           <a:bodyPr vert="horz" lIns="45720" tIns="45720" rIns="45720" bIns="45720" rtlCol="0">
-            <a:normAutofit/>
+            <a:normAutofit fontScale="92500" lnSpcReduction="20000"/>
           </a:bodyPr>
           <a:lstStyle/>
           <a:p>
@@ -9091,37 +8230,6 @@
             <a:endParaRPr lang="en-US" altLang="en-US" dirty="0">
               <a:latin typeface="Calibri" panose="020F0502020204030204" pitchFamily="34" charset="0"/>
             </a:endParaRPr>
-          </a:p>
-        </p:txBody>
-      </p:sp>
-      <p:sp>
-        <p:nvSpPr>
-          <p:cNvPr id="2" name="Footer Placeholder 1">
-            <a:extLst>
-              <a:ext uri="{FF2B5EF4-FFF2-40B4-BE49-F238E27FC236}">
-                <a16:creationId xmlns:a16="http://schemas.microsoft.com/office/drawing/2014/main" id="{955E147D-4991-C568-9F5F-052708672FD0}"/>
-              </a:ext>
-            </a:extLst>
-          </p:cNvPr>
-          <p:cNvSpPr>
-            <a:spLocks noGrp="1"/>
-          </p:cNvSpPr>
-          <p:nvPr>
-            <p:ph type="ftr" sz="quarter" idx="11"/>
-          </p:nvPr>
-        </p:nvSpPr>
-        <p:spPr/>
-        <p:txBody>
-          <a:bodyPr/>
-          <a:lstStyle/>
-          <a:p>
-            <a:pPr>
-              <a:defRPr/>
-            </a:pPr>
-            <a:r>
-              <a:rPr lang="en-US"/>
-              <a:t>yetanothermasterylearning</a:t>
-            </a:r>
           </a:p>
         </p:txBody>
       </p:sp>
@@ -9134,274 +8242,6 @@
 </file>
 
 <file path=ppt/theme/theme1.xml><?xml version="1.0" encoding="utf-8"?>
-<a:theme xmlns:a="http://schemas.openxmlformats.org/drawingml/2006/main" name="Integral">
-  <a:themeElements>
-    <a:clrScheme name="Integral">
-      <a:dk1>
-        <a:sysClr val="windowText" lastClr="000000"/>
-      </a:dk1>
-      <a:lt1>
-        <a:sysClr val="window" lastClr="FFFFFF"/>
-      </a:lt1>
-      <a:dk2>
-        <a:srgbClr val="373545"/>
-      </a:dk2>
-      <a:lt2>
-        <a:srgbClr val="CEDBE6"/>
-      </a:lt2>
-      <a:accent1>
-        <a:srgbClr val="3494BA"/>
-      </a:accent1>
-      <a:accent2>
-        <a:srgbClr val="58B6C0"/>
-      </a:accent2>
-      <a:accent3>
-        <a:srgbClr val="75BDA7"/>
-      </a:accent3>
-      <a:accent4>
-        <a:srgbClr val="7A8C8E"/>
-      </a:accent4>
-      <a:accent5>
-        <a:srgbClr val="84ACB6"/>
-      </a:accent5>
-      <a:accent6>
-        <a:srgbClr val="2683C6"/>
-      </a:accent6>
-      <a:hlink>
-        <a:srgbClr val="6B9F25"/>
-      </a:hlink>
-      <a:folHlink>
-        <a:srgbClr val="B26B02"/>
-      </a:folHlink>
-    </a:clrScheme>
-    <a:fontScheme name="Integral">
-      <a:majorFont>
-        <a:latin typeface="Tw Cen MT Condensed" panose="020B0606020104020203"/>
-        <a:ea typeface=""/>
-        <a:cs typeface=""/>
-        <a:font script="Grek" typeface="Calibri"/>
-        <a:font script="Cyrl" typeface="Calibri"/>
-        <a:font script="Jpan" typeface="メイリオ"/>
-        <a:font script="Hang" typeface="HY얕은샘물M"/>
-        <a:font script="Hans" typeface="华文仿宋"/>
-        <a:font script="Hant" typeface="微軟正黑體"/>
-        <a:font script="Arab" typeface="Arial"/>
-        <a:font script="Hebr" typeface="Levenim MT"/>
-        <a:font script="Thai" typeface="FreesiaUPC"/>
-        <a:font script="Ethi" typeface="Nyala"/>
-        <a:font script="Beng" typeface="Vrinda"/>
-        <a:font script="Gujr" typeface="Shruti"/>
-        <a:font script="Khmr" typeface="DaunPenh"/>
-        <a:font script="Knda" typeface="Tunga"/>
-        <a:font script="Guru" typeface="Raavi"/>
-        <a:font script="Cans" typeface="Euphemia"/>
-        <a:font script="Cher" typeface="Plantagenet Cherokee"/>
-        <a:font script="Yiii" typeface="Microsoft Yi Baiti"/>
-        <a:font script="Tibt" typeface="Microsoft Himalaya"/>
-        <a:font script="Thaa" typeface="MV Boli"/>
-        <a:font script="Deva" typeface="Mangal"/>
-        <a:font script="Telu" typeface="Gautami"/>
-        <a:font script="Taml" typeface="Latha"/>
-        <a:font script="Syrc" typeface="Estrangelo Edessa"/>
-        <a:font script="Orya" typeface="Kalinga"/>
-        <a:font script="Mlym" typeface="Kartika"/>
-        <a:font script="Laoo" typeface="DokChampa"/>
-        <a:font script="Sinh" typeface="Iskoola Pota"/>
-        <a:font script="Mong" typeface="Mongolian Baiti"/>
-        <a:font script="Viet" typeface="Tahoma"/>
-        <a:font script="Uigh" typeface="Microsoft Uighur"/>
-        <a:font script="Geor" typeface="Sylfaen"/>
-      </a:majorFont>
-      <a:minorFont>
-        <a:latin typeface="Tw Cen MT" panose="020B0602020104020603"/>
-        <a:ea typeface=""/>
-        <a:cs typeface=""/>
-        <a:font script="Grek" typeface="Calibri"/>
-        <a:font script="Cyrl" typeface="Calibri"/>
-        <a:font script="Jpan" typeface="メイリオ"/>
-        <a:font script="Hang" typeface="HY얕은샘물M"/>
-        <a:font script="Hans" typeface="华文仿宋"/>
-        <a:font script="Hant" typeface="微軟正黑體"/>
-        <a:font script="Arab" typeface="Arial"/>
-        <a:font script="Hebr" typeface="Levenim MT"/>
-        <a:font script="Thai" typeface="FreesiaUPC"/>
-        <a:font script="Ethi" typeface="Nyala"/>
-        <a:font script="Beng" typeface="Vrinda"/>
-        <a:font script="Gujr" typeface="Shruti"/>
-        <a:font script="Khmr" typeface="DaunPenh"/>
-        <a:font script="Knda" typeface="Tunga"/>
-        <a:font script="Guru" typeface="Raavi"/>
-        <a:font script="Cans" typeface="Euphemia"/>
-        <a:font script="Cher" typeface="Plantagenet Cherokee"/>
-        <a:font script="Yiii" typeface="Microsoft Yi Baiti"/>
-        <a:font script="Tibt" typeface="Microsoft Himalaya"/>
-        <a:font script="Thaa" typeface="MV Boli"/>
-        <a:font script="Deva" typeface="Mangal"/>
-        <a:font script="Telu" typeface="Gautami"/>
-        <a:font script="Taml" typeface="Latha"/>
-        <a:font script="Syrc" typeface="Estrangelo Edessa"/>
-        <a:font script="Orya" typeface="Kalinga"/>
-        <a:font script="Mlym" typeface="Kartika"/>
-        <a:font script="Laoo" typeface="DokChampa"/>
-        <a:font script="Sinh" typeface="Iskoola Pota"/>
-        <a:font script="Mong" typeface="Mongolian Baiti"/>
-        <a:font script="Viet" typeface="Tahoma"/>
-        <a:font script="Uigh" typeface="Microsoft Uighur"/>
-        <a:font script="Geor" typeface="Sylfaen"/>
-      </a:minorFont>
-    </a:fontScheme>
-    <a:fmtScheme name="Integral">
-      <a:fillStyleLst>
-        <a:solidFill>
-          <a:schemeClr val="phClr"/>
-        </a:solidFill>
-        <a:gradFill rotWithShape="1">
-          <a:gsLst>
-            <a:gs pos="0">
-              <a:schemeClr val="phClr">
-                <a:tint val="83000"/>
-                <a:satMod val="100000"/>
-                <a:lumMod val="100000"/>
-              </a:schemeClr>
-            </a:gs>
-            <a:gs pos="100000">
-              <a:schemeClr val="phClr">
-                <a:tint val="61000"/>
-                <a:satMod val="150000"/>
-                <a:lumMod val="100000"/>
-              </a:schemeClr>
-            </a:gs>
-          </a:gsLst>
-          <a:path path="circle">
-            <a:fillToRect l="100000" t="100000" r="100000" b="100000"/>
-          </a:path>
-        </a:gradFill>
-        <a:gradFill rotWithShape="1">
-          <a:gsLst>
-            <a:gs pos="0">
-              <a:schemeClr val="phClr">
-                <a:tint val="100000"/>
-                <a:shade val="85000"/>
-                <a:satMod val="100000"/>
-                <a:lumMod val="100000"/>
-              </a:schemeClr>
-            </a:gs>
-            <a:gs pos="100000">
-              <a:schemeClr val="phClr">
-                <a:tint val="90000"/>
-                <a:shade val="100000"/>
-                <a:satMod val="150000"/>
-                <a:lumMod val="100000"/>
-              </a:schemeClr>
-            </a:gs>
-          </a:gsLst>
-          <a:path path="circle">
-            <a:fillToRect l="100000" t="100000" r="100000" b="100000"/>
-          </a:path>
-        </a:gradFill>
-      </a:fillStyleLst>
-      <a:lnStyleLst>
-        <a:ln w="9525" cap="flat" cmpd="sng" algn="ctr">
-          <a:solidFill>
-            <a:schemeClr val="phClr"/>
-          </a:solidFill>
-          <a:prstDash val="solid"/>
-        </a:ln>
-        <a:ln w="15875" cap="flat" cmpd="sng" algn="ctr">
-          <a:solidFill>
-            <a:schemeClr val="phClr"/>
-          </a:solidFill>
-          <a:prstDash val="solid"/>
-        </a:ln>
-        <a:ln w="19050" cap="flat" cmpd="sng" algn="ctr">
-          <a:solidFill>
-            <a:schemeClr val="phClr"/>
-          </a:solidFill>
-          <a:prstDash val="solid"/>
-        </a:ln>
-      </a:lnStyleLst>
-      <a:effectStyleLst>
-        <a:effectStyle>
-          <a:effectLst/>
-        </a:effectStyle>
-        <a:effectStyle>
-          <a:effectLst>
-            <a:outerShdw blurRad="50800" dist="12700" dir="5400000" algn="ctr" rotWithShape="0">
-              <a:srgbClr val="000000">
-                <a:alpha val="50000"/>
-              </a:srgbClr>
-            </a:outerShdw>
-          </a:effectLst>
-        </a:effectStyle>
-        <a:effectStyle>
-          <a:effectLst>
-            <a:outerShdw blurRad="76200" dist="25400" dir="5400000" algn="ctr" rotWithShape="0">
-              <a:srgbClr val="000000">
-                <a:alpha val="60000"/>
-              </a:srgbClr>
-            </a:outerShdw>
-          </a:effectLst>
-          <a:scene3d>
-            <a:camera prst="orthographicFront">
-              <a:rot lat="0" lon="0" rev="0"/>
-            </a:camera>
-            <a:lightRig rig="flat" dir="t">
-              <a:rot lat="0" lon="0" rev="3600000"/>
-            </a:lightRig>
-          </a:scene3d>
-          <a:sp3d contourW="12700" prstMaterial="flat">
-            <a:bevelT w="38100" h="44450" prst="angle"/>
-            <a:contourClr>
-              <a:schemeClr val="phClr">
-                <a:shade val="35000"/>
-                <a:satMod val="160000"/>
-              </a:schemeClr>
-            </a:contourClr>
-          </a:sp3d>
-        </a:effectStyle>
-      </a:effectStyleLst>
-      <a:bgFillStyleLst>
-        <a:solidFill>
-          <a:schemeClr val="phClr"/>
-        </a:solidFill>
-        <a:solidFill>
-          <a:schemeClr val="phClr">
-            <a:tint val="95000"/>
-            <a:shade val="85000"/>
-            <a:satMod val="125000"/>
-          </a:schemeClr>
-        </a:solidFill>
-        <a:blipFill rotWithShape="1">
-          <a:blip xmlns:r="http://schemas.openxmlformats.org/officeDocument/2006/relationships" r:embed="rId1">
-            <a:duotone>
-              <a:schemeClr val="phClr">
-                <a:tint val="95000"/>
-                <a:shade val="74000"/>
-                <a:satMod val="230000"/>
-              </a:schemeClr>
-              <a:schemeClr val="phClr">
-                <a:tint val="92000"/>
-                <a:shade val="69000"/>
-                <a:satMod val="250000"/>
-              </a:schemeClr>
-            </a:duotone>
-          </a:blip>
-          <a:tile tx="0" ty="0" sx="40000" sy="40000" flip="none" algn="tl"/>
-        </a:blipFill>
-      </a:bgFillStyleLst>
-    </a:fmtScheme>
-  </a:themeElements>
-  <a:objectDefaults/>
-  <a:extraClrSchemeLst/>
-  <a:extLst>
-    <a:ext uri="{05A4C25C-085E-4340-85A3-A5531E510DB2}">
-      <thm15:themeFamily xmlns:thm15="http://schemas.microsoft.com/office/thememl/2012/main" name="Integral" id="{3577F8C9-A904-41D8-97D2-FD898F53F20E}" vid="{C1C93EF2-4785-427F-84A5-F1666490E9CE}"/>
-    </a:ext>
-  </a:extLst>
-</a:theme>
-</file>
-
-<file path=ppt/theme/theme2.xml><?xml version="1.0" encoding="utf-8"?>
 <a:theme xmlns:a="http://schemas.openxmlformats.org/drawingml/2006/main" name="Office Theme">
   <a:themeElements>
     <a:clrScheme name="Office">
@@ -9412,44 +8252,44 @@
         <a:sysClr val="window" lastClr="FFFFFF"/>
       </a:lt1>
       <a:dk2>
-        <a:srgbClr val="1F497D"/>
+        <a:srgbClr val="44546A"/>
       </a:dk2>
       <a:lt2>
-        <a:srgbClr val="EEECE1"/>
+        <a:srgbClr val="E7E6E6"/>
       </a:lt2>
       <a:accent1>
-        <a:srgbClr val="4F81BD"/>
+        <a:srgbClr val="4472C4"/>
       </a:accent1>
       <a:accent2>
-        <a:srgbClr val="C0504D"/>
+        <a:srgbClr val="ED7D31"/>
       </a:accent2>
       <a:accent3>
-        <a:srgbClr val="9BBB59"/>
+        <a:srgbClr val="A5A5A5"/>
       </a:accent3>
       <a:accent4>
-        <a:srgbClr val="8064A2"/>
+        <a:srgbClr val="FFC000"/>
       </a:accent4>
       <a:accent5>
-        <a:srgbClr val="4BACC6"/>
+        <a:srgbClr val="5B9BD5"/>
       </a:accent5>
       <a:accent6>
-        <a:srgbClr val="F79646"/>
+        <a:srgbClr val="70AD47"/>
       </a:accent6>
       <a:hlink>
-        <a:srgbClr val="0000FF"/>
+        <a:srgbClr val="0563C1"/>
       </a:hlink>
       <a:folHlink>
-        <a:srgbClr val="800080"/>
+        <a:srgbClr val="954F72"/>
       </a:folHlink>
     </a:clrScheme>
     <a:fontScheme name="Office">
       <a:majorFont>
-        <a:latin typeface="Calibri"/>
+        <a:latin typeface="Calibri Light" panose="020F0302020204030204"/>
         <a:ea typeface=""/>
         <a:cs typeface=""/>
-        <a:font script="Jpan" typeface="ＭＳ Ｐゴシック"/>
+        <a:font script="Jpan" typeface="游ゴシック Light"/>
         <a:font script="Hang" typeface="맑은 고딕"/>
-        <a:font script="Hans" typeface="宋体"/>
+        <a:font script="Hans" typeface="等线 Light"/>
         <a:font script="Hant" typeface="新細明體"/>
         <a:font script="Arab" typeface="Times New Roman"/>
         <a:font script="Hebr" typeface="Times New Roman"/>
@@ -9477,14 +8317,31 @@
         <a:font script="Viet" typeface="Times New Roman"/>
         <a:font script="Uigh" typeface="Microsoft Uighur"/>
         <a:font script="Geor" typeface="Sylfaen"/>
+        <a:font script="Armn" typeface="Arial"/>
+        <a:font script="Bugi" typeface="Leelawadee UI"/>
+        <a:font script="Bopo" typeface="Microsoft JhengHei"/>
+        <a:font script="Java" typeface="Javanese Text"/>
+        <a:font script="Lisu" typeface="Segoe UI"/>
+        <a:font script="Mymr" typeface="Myanmar Text"/>
+        <a:font script="Nkoo" typeface="Ebrima"/>
+        <a:font script="Olck" typeface="Nirmala UI"/>
+        <a:font script="Osma" typeface="Ebrima"/>
+        <a:font script="Phag" typeface="Phagspa"/>
+        <a:font script="Syrn" typeface="Estrangelo Edessa"/>
+        <a:font script="Syrj" typeface="Estrangelo Edessa"/>
+        <a:font script="Syre" typeface="Estrangelo Edessa"/>
+        <a:font script="Sora" typeface="Nirmala UI"/>
+        <a:font script="Tale" typeface="Microsoft Tai Le"/>
+        <a:font script="Talu" typeface="Microsoft New Tai Lue"/>
+        <a:font script="Tfng" typeface="Ebrima"/>
       </a:majorFont>
       <a:minorFont>
-        <a:latin typeface="Calibri"/>
+        <a:latin typeface="Calibri" panose="020F0502020204030204"/>
         <a:ea typeface=""/>
         <a:cs typeface=""/>
-        <a:font script="Jpan" typeface="ＭＳ Ｐゴシック"/>
+        <a:font script="Jpan" typeface="游ゴシック"/>
         <a:font script="Hang" typeface="맑은 고딕"/>
-        <a:font script="Hans" typeface="宋体"/>
+        <a:font script="Hans" typeface="等线"/>
         <a:font script="Hant" typeface="新細明體"/>
         <a:font script="Arab" typeface="Arial"/>
         <a:font script="Hebr" typeface="Arial"/>
@@ -9512,6 +8369,23 @@
         <a:font script="Viet" typeface="Arial"/>
         <a:font script="Uigh" typeface="Microsoft Uighur"/>
         <a:font script="Geor" typeface="Sylfaen"/>
+        <a:font script="Armn" typeface="Arial"/>
+        <a:font script="Bugi" typeface="Leelawadee UI"/>
+        <a:font script="Bopo" typeface="Microsoft JhengHei"/>
+        <a:font script="Java" typeface="Javanese Text"/>
+        <a:font script="Lisu" typeface="Segoe UI"/>
+        <a:font script="Mymr" typeface="Myanmar Text"/>
+        <a:font script="Nkoo" typeface="Ebrima"/>
+        <a:font script="Olck" typeface="Nirmala UI"/>
+        <a:font script="Osma" typeface="Ebrima"/>
+        <a:font script="Phag" typeface="Phagspa"/>
+        <a:font script="Syrn" typeface="Estrangelo Edessa"/>
+        <a:font script="Syrj" typeface="Estrangelo Edessa"/>
+        <a:font script="Syre" typeface="Estrangelo Edessa"/>
+        <a:font script="Sora" typeface="Nirmala UI"/>
+        <a:font script="Tale" typeface="Microsoft Tai Le"/>
+        <a:font script="Talu" typeface="Microsoft New Tai Lue"/>
+        <a:font script="Tfng" typeface="Ebrima"/>
       </a:minorFont>
     </a:fontScheme>
     <a:fmtScheme name="Office">
@@ -9523,109 +8397,294 @@
           <a:gsLst>
             <a:gs pos="0">
               <a:schemeClr val="phClr">
-                <a:tint val="50000"/>
-                <a:satMod val="300000"/>
+                <a:lumMod val="110000"/>
+                <a:satMod val="105000"/>
+                <a:tint val="67000"/>
               </a:schemeClr>
             </a:gs>
-            <a:gs pos="35000">
+            <a:gs pos="50000">
               <a:schemeClr val="phClr">
-                <a:tint val="37000"/>
-                <a:satMod val="300000"/>
+                <a:lumMod val="105000"/>
+                <a:satMod val="103000"/>
+                <a:tint val="73000"/>
               </a:schemeClr>
             </a:gs>
             <a:gs pos="100000">
               <a:schemeClr val="phClr">
-                <a:tint val="15000"/>
-                <a:satMod val="350000"/>
+                <a:lumMod val="105000"/>
+                <a:satMod val="109000"/>
+                <a:tint val="81000"/>
               </a:schemeClr>
             </a:gs>
           </a:gsLst>
-          <a:lin ang="16200000" scaled="1"/>
+          <a:lin ang="5400000" scaled="0"/>
         </a:gradFill>
         <a:gradFill rotWithShape="1">
           <a:gsLst>
             <a:gs pos="0">
               <a:schemeClr val="phClr">
-                <a:tint val="100000"/>
+                <a:satMod val="103000"/>
+                <a:lumMod val="102000"/>
+                <a:tint val="94000"/>
+              </a:schemeClr>
+            </a:gs>
+            <a:gs pos="50000">
+              <a:schemeClr val="phClr">
+                <a:satMod val="110000"/>
+                <a:lumMod val="100000"/>
                 <a:shade val="100000"/>
-                <a:satMod val="130000"/>
               </a:schemeClr>
             </a:gs>
             <a:gs pos="100000">
               <a:schemeClr val="phClr">
-                <a:tint val="50000"/>
-                <a:shade val="100000"/>
-                <a:satMod val="350000"/>
+                <a:lumMod val="99000"/>
+                <a:satMod val="120000"/>
+                <a:shade val="78000"/>
               </a:schemeClr>
             </a:gs>
           </a:gsLst>
-          <a:lin ang="16200000" scaled="0"/>
+          <a:lin ang="5400000" scaled="0"/>
         </a:gradFill>
       </a:fillStyleLst>
       <a:lnStyleLst>
-        <a:ln w="9525" cap="flat" cmpd="sng" algn="ctr">
-          <a:solidFill>
-            <a:schemeClr val="phClr">
-              <a:shade val="95000"/>
-              <a:satMod val="105000"/>
-            </a:schemeClr>
-          </a:solidFill>
-          <a:prstDash val="solid"/>
-        </a:ln>
-        <a:ln w="25400" cap="flat" cmpd="sng" algn="ctr">
+        <a:ln w="6350" cap="flat" cmpd="sng" algn="ctr">
           <a:solidFill>
             <a:schemeClr val="phClr"/>
           </a:solidFill>
           <a:prstDash val="solid"/>
+          <a:miter lim="800000"/>
         </a:ln>
-        <a:ln w="38100" cap="flat" cmpd="sng" algn="ctr">
+        <a:ln w="12700" cap="flat" cmpd="sng" algn="ctr">
           <a:solidFill>
             <a:schemeClr val="phClr"/>
           </a:solidFill>
           <a:prstDash val="solid"/>
+          <a:miter lim="800000"/>
+        </a:ln>
+        <a:ln w="19050" cap="flat" cmpd="sng" algn="ctr">
+          <a:solidFill>
+            <a:schemeClr val="phClr"/>
+          </a:solidFill>
+          <a:prstDash val="solid"/>
+          <a:miter lim="800000"/>
         </a:ln>
       </a:lnStyleLst>
       <a:effectStyleLst>
         <a:effectStyle>
+          <a:effectLst/>
+        </a:effectStyle>
+        <a:effectStyle>
+          <a:effectLst/>
+        </a:effectStyle>
+        <a:effectStyle>
           <a:effectLst>
-            <a:outerShdw blurRad="40000" dist="20000" dir="5400000" rotWithShape="0">
+            <a:outerShdw blurRad="57150" dist="19050" dir="5400000" algn="ctr" rotWithShape="0">
               <a:srgbClr val="000000">
-                <a:alpha val="38000"/>
+                <a:alpha val="63000"/>
               </a:srgbClr>
             </a:outerShdw>
           </a:effectLst>
         </a:effectStyle>
-        <a:effectStyle>
-          <a:effectLst>
-            <a:outerShdw blurRad="40000" dist="23000" dir="5400000" rotWithShape="0">
-              <a:srgbClr val="000000">
-                <a:alpha val="35000"/>
-              </a:srgbClr>
-            </a:outerShdw>
-          </a:effectLst>
-        </a:effectStyle>
-        <a:effectStyle>
-          <a:effectLst>
-            <a:outerShdw blurRad="40000" dist="23000" dir="5400000" rotWithShape="0">
-              <a:srgbClr val="000000">
-                <a:alpha val="35000"/>
-              </a:srgbClr>
-            </a:outerShdw>
-          </a:effectLst>
-          <a:scene3d>
-            <a:camera prst="orthographicFront">
-              <a:rot lat="0" lon="0" rev="0"/>
-            </a:camera>
-            <a:lightRig rig="threePt" dir="t">
-              <a:rot lat="0" lon="0" rev="1200000"/>
-            </a:lightRig>
-          </a:scene3d>
-          <a:sp3d>
-            <a:bevelT w="63500" h="25400"/>
-          </a:sp3d>
-        </a:effectStyle>
       </a:effectStyleLst>
       <a:bgFillStyleLst>
+        <a:solidFill>
+          <a:schemeClr val="phClr"/>
+        </a:solidFill>
+        <a:solidFill>
+          <a:schemeClr val="phClr">
+            <a:tint val="95000"/>
+            <a:satMod val="170000"/>
+          </a:schemeClr>
+        </a:solidFill>
+        <a:gradFill rotWithShape="1">
+          <a:gsLst>
+            <a:gs pos="0">
+              <a:schemeClr val="phClr">
+                <a:tint val="93000"/>
+                <a:satMod val="150000"/>
+                <a:shade val="98000"/>
+                <a:lumMod val="102000"/>
+              </a:schemeClr>
+            </a:gs>
+            <a:gs pos="50000">
+              <a:schemeClr val="phClr">
+                <a:tint val="98000"/>
+                <a:satMod val="130000"/>
+                <a:shade val="90000"/>
+                <a:lumMod val="103000"/>
+              </a:schemeClr>
+            </a:gs>
+            <a:gs pos="100000">
+              <a:schemeClr val="phClr">
+                <a:shade val="63000"/>
+                <a:satMod val="120000"/>
+              </a:schemeClr>
+            </a:gs>
+          </a:gsLst>
+          <a:lin ang="5400000" scaled="0"/>
+        </a:gradFill>
+      </a:bgFillStyleLst>
+    </a:fmtScheme>
+  </a:themeElements>
+  <a:objectDefaults/>
+  <a:extraClrSchemeLst/>
+  <a:extLst>
+    <a:ext uri="{05A4C25C-085E-4340-85A3-A5531E510DB2}">
+      <thm15:themeFamily xmlns:thm15="http://schemas.microsoft.com/office/thememl/2012/main" name="Office Theme" id="{62F939B6-93AF-4DB8-9C6B-D6C7DFDC589F}" vid="{4A3C46E8-61CC-4603-A589-7422A47A8E4A}"/>
+    </a:ext>
+  </a:extLst>
+</a:theme>
+</file>
+
+<file path=ppt/theme/theme2.xml><?xml version="1.0" encoding="utf-8"?>
+<a:theme xmlns:a="http://schemas.openxmlformats.org/drawingml/2006/main" name="Office Theme">
+  <a:themeElements>
+    <a:clrScheme name="Office">
+      <a:dk1>
+        <a:sysClr val="windowText" lastClr="000000"/>
+      </a:dk1>
+      <a:lt1>
+        <a:sysClr val="window" lastClr="FFFFFF"/>
+      </a:lt1>
+      <a:dk2>
+        <a:srgbClr val="44546A"/>
+      </a:dk2>
+      <a:lt2>
+        <a:srgbClr val="E7E6E6"/>
+      </a:lt2>
+      <a:accent1>
+        <a:srgbClr val="4472C4"/>
+      </a:accent1>
+      <a:accent2>
+        <a:srgbClr val="ED7D31"/>
+      </a:accent2>
+      <a:accent3>
+        <a:srgbClr val="A5A5A5"/>
+      </a:accent3>
+      <a:accent4>
+        <a:srgbClr val="FFC000"/>
+      </a:accent4>
+      <a:accent5>
+        <a:srgbClr val="5B9BD5"/>
+      </a:accent5>
+      <a:accent6>
+        <a:srgbClr val="70AD47"/>
+      </a:accent6>
+      <a:hlink>
+        <a:srgbClr val="0563C1"/>
+      </a:hlink>
+      <a:folHlink>
+        <a:srgbClr val="954F72"/>
+      </a:folHlink>
+    </a:clrScheme>
+    <a:fontScheme name="Office">
+      <a:majorFont>
+        <a:latin typeface="Calibri Light" panose="020F0302020204030204"/>
+        <a:ea typeface=""/>
+        <a:cs typeface=""/>
+        <a:font script="Jpan" typeface="游ゴシック Light"/>
+        <a:font script="Hang" typeface="맑은 고딕"/>
+        <a:font script="Hans" typeface="等线 Light"/>
+        <a:font script="Hant" typeface="新細明體"/>
+        <a:font script="Arab" typeface="Times New Roman"/>
+        <a:font script="Hebr" typeface="Times New Roman"/>
+        <a:font script="Thai" typeface="Angsana New"/>
+        <a:font script="Ethi" typeface="Nyala"/>
+        <a:font script="Beng" typeface="Vrinda"/>
+        <a:font script="Gujr" typeface="Shruti"/>
+        <a:font script="Khmr" typeface="MoolBoran"/>
+        <a:font script="Knda" typeface="Tunga"/>
+        <a:font script="Guru" typeface="Raavi"/>
+        <a:font script="Cans" typeface="Euphemia"/>
+        <a:font script="Cher" typeface="Plantagenet Cherokee"/>
+        <a:font script="Yiii" typeface="Microsoft Yi Baiti"/>
+        <a:font script="Tibt" typeface="Microsoft Himalaya"/>
+        <a:font script="Thaa" typeface="MV Boli"/>
+        <a:font script="Deva" typeface="Mangal"/>
+        <a:font script="Telu" typeface="Gautami"/>
+        <a:font script="Taml" typeface="Latha"/>
+        <a:font script="Syrc" typeface="Estrangelo Edessa"/>
+        <a:font script="Orya" typeface="Kalinga"/>
+        <a:font script="Mlym" typeface="Kartika"/>
+        <a:font script="Laoo" typeface="DokChampa"/>
+        <a:font script="Sinh" typeface="Iskoola Pota"/>
+        <a:font script="Mong" typeface="Mongolian Baiti"/>
+        <a:font script="Viet" typeface="Times New Roman"/>
+        <a:font script="Uigh" typeface="Microsoft Uighur"/>
+        <a:font script="Geor" typeface="Sylfaen"/>
+        <a:font script="Armn" typeface="Arial"/>
+        <a:font script="Bugi" typeface="Leelawadee UI"/>
+        <a:font script="Bopo" typeface="Microsoft JhengHei"/>
+        <a:font script="Java" typeface="Javanese Text"/>
+        <a:font script="Lisu" typeface="Segoe UI"/>
+        <a:font script="Mymr" typeface="Myanmar Text"/>
+        <a:font script="Nkoo" typeface="Ebrima"/>
+        <a:font script="Olck" typeface="Nirmala UI"/>
+        <a:font script="Osma" typeface="Ebrima"/>
+        <a:font script="Phag" typeface="Phagspa"/>
+        <a:font script="Syrn" typeface="Estrangelo Edessa"/>
+        <a:font script="Syrj" typeface="Estrangelo Edessa"/>
+        <a:font script="Syre" typeface="Estrangelo Edessa"/>
+        <a:font script="Sora" typeface="Nirmala UI"/>
+        <a:font script="Tale" typeface="Microsoft Tai Le"/>
+        <a:font script="Talu" typeface="Microsoft New Tai Lue"/>
+        <a:font script="Tfng" typeface="Ebrima"/>
+      </a:majorFont>
+      <a:minorFont>
+        <a:latin typeface="Calibri" panose="020F0502020204030204"/>
+        <a:ea typeface=""/>
+        <a:cs typeface=""/>
+        <a:font script="Jpan" typeface="游ゴシック"/>
+        <a:font script="Hang" typeface="맑은 고딕"/>
+        <a:font script="Hans" typeface="等线"/>
+        <a:font script="Hant" typeface="新細明體"/>
+        <a:font script="Arab" typeface="Arial"/>
+        <a:font script="Hebr" typeface="Arial"/>
+        <a:font script="Thai" typeface="Cordia New"/>
+        <a:font script="Ethi" typeface="Nyala"/>
+        <a:font script="Beng" typeface="Vrinda"/>
+        <a:font script="Gujr" typeface="Shruti"/>
+        <a:font script="Khmr" typeface="DaunPenh"/>
+        <a:font script="Knda" typeface="Tunga"/>
+        <a:font script="Guru" typeface="Raavi"/>
+        <a:font script="Cans" typeface="Euphemia"/>
+        <a:font script="Cher" typeface="Plantagenet Cherokee"/>
+        <a:font script="Yiii" typeface="Microsoft Yi Baiti"/>
+        <a:font script="Tibt" typeface="Microsoft Himalaya"/>
+        <a:font script="Thaa" typeface="MV Boli"/>
+        <a:font script="Deva" typeface="Mangal"/>
+        <a:font script="Telu" typeface="Gautami"/>
+        <a:font script="Taml" typeface="Latha"/>
+        <a:font script="Syrc" typeface="Estrangelo Edessa"/>
+        <a:font script="Orya" typeface="Kalinga"/>
+        <a:font script="Mlym" typeface="Kartika"/>
+        <a:font script="Laoo" typeface="DokChampa"/>
+        <a:font script="Sinh" typeface="Iskoola Pota"/>
+        <a:font script="Mong" typeface="Mongolian Baiti"/>
+        <a:font script="Viet" typeface="Arial"/>
+        <a:font script="Uigh" typeface="Microsoft Uighur"/>
+        <a:font script="Geor" typeface="Sylfaen"/>
+        <a:font script="Armn" typeface="Arial"/>
+        <a:font script="Bugi" typeface="Leelawadee UI"/>
+        <a:font script="Bopo" typeface="Microsoft JhengHei"/>
+        <a:font script="Java" typeface="Javanese Text"/>
+        <a:font script="Lisu" typeface="Segoe UI"/>
+        <a:font script="Mymr" typeface="Myanmar Text"/>
+        <a:font script="Nkoo" typeface="Ebrima"/>
+        <a:font script="Olck" typeface="Nirmala UI"/>
+        <a:font script="Osma" typeface="Ebrima"/>
+        <a:font script="Phag" typeface="Phagspa"/>
+        <a:font script="Syrn" typeface="Estrangelo Edessa"/>
+        <a:font script="Syrj" typeface="Estrangelo Edessa"/>
+        <a:font script="Syre" typeface="Estrangelo Edessa"/>
+        <a:font script="Sora" typeface="Nirmala UI"/>
+        <a:font script="Tale" typeface="Microsoft Tai Le"/>
+        <a:font script="Talu" typeface="Microsoft New Tai Lue"/>
+        <a:font script="Tfng" typeface="Ebrima"/>
+      </a:minorFont>
+    </a:fontScheme>
+    <a:fmtScheme name="Office">
+      <a:fillStyleLst>
         <a:solidFill>
           <a:schemeClr val="phClr"/>
         </a:solidFill>
@@ -9633,90 +8692,141 @@
           <a:gsLst>
             <a:gs pos="0">
               <a:schemeClr val="phClr">
-                <a:tint val="40000"/>
-                <a:satMod val="350000"/>
+                <a:lumMod val="110000"/>
+                <a:satMod val="105000"/>
+                <a:tint val="67000"/>
               </a:schemeClr>
             </a:gs>
-            <a:gs pos="40000">
+            <a:gs pos="50000">
               <a:schemeClr val="phClr">
-                <a:tint val="45000"/>
-                <a:shade val="99000"/>
-                <a:satMod val="350000"/>
+                <a:lumMod val="105000"/>
+                <a:satMod val="103000"/>
+                <a:tint val="73000"/>
               </a:schemeClr>
             </a:gs>
             <a:gs pos="100000">
               <a:schemeClr val="phClr">
-                <a:shade val="20000"/>
-                <a:satMod val="255000"/>
+                <a:lumMod val="105000"/>
+                <a:satMod val="109000"/>
+                <a:tint val="81000"/>
               </a:schemeClr>
             </a:gs>
           </a:gsLst>
-          <a:path path="circle">
-            <a:fillToRect l="50000" t="-80000" r="50000" b="180000"/>
-          </a:path>
+          <a:lin ang="5400000" scaled="0"/>
         </a:gradFill>
         <a:gradFill rotWithShape="1">
           <a:gsLst>
             <a:gs pos="0">
               <a:schemeClr val="phClr">
-                <a:tint val="80000"/>
-                <a:satMod val="300000"/>
+                <a:satMod val="103000"/>
+                <a:lumMod val="102000"/>
+                <a:tint val="94000"/>
+              </a:schemeClr>
+            </a:gs>
+            <a:gs pos="50000">
+              <a:schemeClr val="phClr">
+                <a:satMod val="110000"/>
+                <a:lumMod val="100000"/>
+                <a:shade val="100000"/>
               </a:schemeClr>
             </a:gs>
             <a:gs pos="100000">
               <a:schemeClr val="phClr">
-                <a:shade val="30000"/>
-                <a:satMod val="200000"/>
+                <a:lumMod val="99000"/>
+                <a:satMod val="120000"/>
+                <a:shade val="78000"/>
               </a:schemeClr>
             </a:gs>
           </a:gsLst>
-          <a:path path="circle">
-            <a:fillToRect l="50000" t="50000" r="50000" b="50000"/>
-          </a:path>
+          <a:lin ang="5400000" scaled="0"/>
+        </a:gradFill>
+      </a:fillStyleLst>
+      <a:lnStyleLst>
+        <a:ln w="6350" cap="flat" cmpd="sng" algn="ctr">
+          <a:solidFill>
+            <a:schemeClr val="phClr"/>
+          </a:solidFill>
+          <a:prstDash val="solid"/>
+          <a:miter lim="800000"/>
+        </a:ln>
+        <a:ln w="12700" cap="flat" cmpd="sng" algn="ctr">
+          <a:solidFill>
+            <a:schemeClr val="phClr"/>
+          </a:solidFill>
+          <a:prstDash val="solid"/>
+          <a:miter lim="800000"/>
+        </a:ln>
+        <a:ln w="19050" cap="flat" cmpd="sng" algn="ctr">
+          <a:solidFill>
+            <a:schemeClr val="phClr"/>
+          </a:solidFill>
+          <a:prstDash val="solid"/>
+          <a:miter lim="800000"/>
+        </a:ln>
+      </a:lnStyleLst>
+      <a:effectStyleLst>
+        <a:effectStyle>
+          <a:effectLst/>
+        </a:effectStyle>
+        <a:effectStyle>
+          <a:effectLst/>
+        </a:effectStyle>
+        <a:effectStyle>
+          <a:effectLst>
+            <a:outerShdw blurRad="57150" dist="19050" dir="5400000" algn="ctr" rotWithShape="0">
+              <a:srgbClr val="000000">
+                <a:alpha val="63000"/>
+              </a:srgbClr>
+            </a:outerShdw>
+          </a:effectLst>
+        </a:effectStyle>
+      </a:effectStyleLst>
+      <a:bgFillStyleLst>
+        <a:solidFill>
+          <a:schemeClr val="phClr"/>
+        </a:solidFill>
+        <a:solidFill>
+          <a:schemeClr val="phClr">
+            <a:tint val="95000"/>
+            <a:satMod val="170000"/>
+          </a:schemeClr>
+        </a:solidFill>
+        <a:gradFill rotWithShape="1">
+          <a:gsLst>
+            <a:gs pos="0">
+              <a:schemeClr val="phClr">
+                <a:tint val="93000"/>
+                <a:satMod val="150000"/>
+                <a:shade val="98000"/>
+                <a:lumMod val="102000"/>
+              </a:schemeClr>
+            </a:gs>
+            <a:gs pos="50000">
+              <a:schemeClr val="phClr">
+                <a:tint val="98000"/>
+                <a:satMod val="130000"/>
+                <a:shade val="90000"/>
+                <a:lumMod val="103000"/>
+              </a:schemeClr>
+            </a:gs>
+            <a:gs pos="100000">
+              <a:schemeClr val="phClr">
+                <a:shade val="63000"/>
+                <a:satMod val="120000"/>
+              </a:schemeClr>
+            </a:gs>
+          </a:gsLst>
+          <a:lin ang="5400000" scaled="0"/>
         </a:gradFill>
       </a:bgFillStyleLst>
     </a:fmtScheme>
   </a:themeElements>
-  <a:objectDefaults>
-    <a:spDef>
-      <a:spPr/>
-      <a:bodyPr/>
-      <a:lstStyle/>
-      <a:style>
-        <a:lnRef idx="1">
-          <a:schemeClr val="accent1"/>
-        </a:lnRef>
-        <a:fillRef idx="3">
-          <a:schemeClr val="accent1"/>
-        </a:fillRef>
-        <a:effectRef idx="2">
-          <a:schemeClr val="accent1"/>
-        </a:effectRef>
-        <a:fontRef idx="minor">
-          <a:schemeClr val="lt1"/>
-        </a:fontRef>
-      </a:style>
-    </a:spDef>
-    <a:lnDef>
-      <a:spPr/>
-      <a:bodyPr/>
-      <a:lstStyle/>
-      <a:style>
-        <a:lnRef idx="2">
-          <a:schemeClr val="accent1"/>
-        </a:lnRef>
-        <a:fillRef idx="0">
-          <a:schemeClr val="accent1"/>
-        </a:fillRef>
-        <a:effectRef idx="1">
-          <a:schemeClr val="accent1"/>
-        </a:effectRef>
-        <a:fontRef idx="minor">
-          <a:schemeClr val="tx1"/>
-        </a:fontRef>
-      </a:style>
-    </a:lnDef>
-  </a:objectDefaults>
+  <a:objectDefaults/>
   <a:extraClrSchemeLst/>
+  <a:extLst>
+    <a:ext uri="{05A4C25C-085E-4340-85A3-A5531E510DB2}">
+      <thm15:themeFamily xmlns:thm15="http://schemas.microsoft.com/office/thememl/2012/main" name="Office Theme" id="{62F939B6-93AF-4DB8-9C6B-D6C7DFDC589F}" vid="{4A3C46E8-61CC-4603-A589-7422A47A8E4A}"/>
+    </a:ext>
+  </a:extLst>
 </a:theme>
 </file>
--- a/03. Programming Basics/Presentation/Data types and Operators.pptx
+++ b/03. Programming Basics/Presentation/Data types and Operators.pptx
@@ -5,19 +5,19 @@
     <p:sldMasterId id="2147483648" r:id="rId1"/>
   </p:sldMasterIdLst>
   <p:notesMasterIdLst>
-    <p:notesMasterId r:id="rId24"/>
+    <p:notesMasterId r:id="rId22"/>
   </p:notesMasterIdLst>
   <p:sldIdLst>
     <p:sldId id="371" r:id="rId2"/>
     <p:sldId id="321" r:id="rId3"/>
-    <p:sldId id="366" r:id="rId4"/>
-    <p:sldId id="342" r:id="rId5"/>
-    <p:sldId id="343" r:id="rId6"/>
-    <p:sldId id="344" r:id="rId7"/>
-    <p:sldId id="345" r:id="rId8"/>
-    <p:sldId id="346" r:id="rId9"/>
-    <p:sldId id="348" r:id="rId10"/>
-    <p:sldId id="350" r:id="rId11"/>
+    <p:sldId id="348" r:id="rId4"/>
+    <p:sldId id="350" r:id="rId5"/>
+    <p:sldId id="366" r:id="rId6"/>
+    <p:sldId id="342" r:id="rId7"/>
+    <p:sldId id="343" r:id="rId8"/>
+    <p:sldId id="344" r:id="rId9"/>
+    <p:sldId id="345" r:id="rId10"/>
+    <p:sldId id="346" r:id="rId11"/>
     <p:sldId id="353" r:id="rId12"/>
     <p:sldId id="370" r:id="rId13"/>
     <p:sldId id="369" r:id="rId14"/>
@@ -28,8 +28,6 @@
     <p:sldId id="355" r:id="rId19"/>
     <p:sldId id="356" r:id="rId20"/>
     <p:sldId id="357" r:id="rId21"/>
-    <p:sldId id="358" r:id="rId22"/>
-    <p:sldId id="363" r:id="rId23"/>
   </p:sldIdLst>
   <p:sldSz cx="12192000" cy="6858000"/>
   <p:notesSz cx="6858000" cy="9144000"/>
@@ -218,7 +216,7 @@
           <a:p>
             <a:fld id="{7387BF4C-1AC5-8047-9CB7-F6FE835C9ED7}" type="datetimeFigureOut">
               <a:rPr lang="en-US" smtClean="0"/>
-              <a:t>5/28/23</a:t>
+              <a:t>6/17/23</a:t>
             </a:fld>
             <a:endParaRPr lang="en-US"/>
           </a:p>
@@ -529,10 +527,7 @@
           <a:bodyPr/>
           <a:lstStyle/>
           <a:p>
-            <a:r>
-              <a:rPr lang="en-US" dirty="0"/>
-              <a:t>I don’t own the pictures in the presentation. Ownership goes to the original creators</a:t>
-            </a:r>
+            <a:endParaRPr lang="en-US" dirty="0"/>
           </a:p>
         </p:txBody>
       </p:sp>
@@ -678,64 +673,9 @@
                 <a:spcPct val="0"/>
               </a:spcBef>
             </a:pPr>
-            <a:r>
-              <a:rPr lang="en-US" altLang="en-US">
-                <a:ea typeface="ＭＳ Ｐゴシック" panose="020B0600070205080204" pitchFamily="34" charset="-128"/>
-              </a:rPr>
-              <a:t>System.out.println(Integer.toBinaryString(2 &lt;&lt; 1));</a:t>
-            </a:r>
-          </a:p>
-          <a:p>
-            <a:pPr eaLnBrk="1" hangingPunct="1">
-              <a:spcBef>
-                <a:spcPct val="0"/>
-              </a:spcBef>
-            </a:pPr>
-            <a:r>
-              <a:rPr lang="en-US" altLang="en-US">
-                <a:ea typeface="ＭＳ Ｐゴシック" panose="020B0600070205080204" pitchFamily="34" charset="-128"/>
-              </a:rPr>
-              <a:t>System.out.println(Integer.toBinaryString(2 &lt;&lt; 2));</a:t>
-            </a:r>
-          </a:p>
-          <a:p>
-            <a:pPr eaLnBrk="1" hangingPunct="1">
-              <a:spcBef>
-                <a:spcPct val="0"/>
-              </a:spcBef>
-            </a:pPr>
-            <a:r>
-              <a:rPr lang="en-US" altLang="en-US">
-                <a:ea typeface="ＭＳ Ｐゴシック" panose="020B0600070205080204" pitchFamily="34" charset="-128"/>
-              </a:rPr>
-              <a:t>System.out.println(Integer.toBinaryString(2 &lt;&lt; 3));</a:t>
-            </a:r>
-          </a:p>
-          <a:p>
-            <a:pPr eaLnBrk="1" hangingPunct="1">
-              <a:spcBef>
-                <a:spcPct val="0"/>
-              </a:spcBef>
-            </a:pPr>
-            <a:r>
-              <a:rPr lang="en-US" altLang="en-US">
-                <a:ea typeface="ＭＳ Ｐゴシック" panose="020B0600070205080204" pitchFamily="34" charset="-128"/>
-              </a:rPr>
-              <a:t>System.out.println(Integer.toBinaryString(2 &lt;&lt; 4));</a:t>
-            </a:r>
-          </a:p>
-          <a:p>
-            <a:pPr eaLnBrk="1" hangingPunct="1">
-              <a:spcBef>
-                <a:spcPct val="0"/>
-              </a:spcBef>
-            </a:pPr>
-            <a:r>
-              <a:rPr lang="en-US" altLang="en-US">
-                <a:ea typeface="ＭＳ Ｐゴシック" panose="020B0600070205080204" pitchFamily="34" charset="-128"/>
-              </a:rPr>
-              <a:t>System.out.println(Integer.toBinaryString(2 &lt;&lt; 5));</a:t>
-            </a:r>
+            <a:endParaRPr lang="en-US" altLang="en-US" dirty="0">
+              <a:ea typeface="ＭＳ Ｐゴシック" panose="020B0600070205080204" pitchFamily="34" charset="-128"/>
+            </a:endParaRPr>
           </a:p>
         </p:txBody>
       </p:sp>
@@ -1051,7 +991,7 @@
           <a:p>
             <a:fld id="{2BD33172-6DBD-0449-8823-A661FF4A9434}" type="datetime1">
               <a:rPr lang="en-US" smtClean="0"/>
-              <a:t>5/28/23</a:t>
+              <a:t>6/17/23</a:t>
             </a:fld>
             <a:endParaRPr lang="en-US"/>
           </a:p>
@@ -1252,7 +1192,7 @@
           <a:p>
             <a:fld id="{2E9CD58F-2FB5-3F42-8F7C-F4FDD372D4DF}" type="datetime1">
               <a:rPr lang="en-US" smtClean="0"/>
-              <a:t>5/28/23</a:t>
+              <a:t>6/17/23</a:t>
             </a:fld>
             <a:endParaRPr lang="en-US"/>
           </a:p>
@@ -1463,7 +1403,7 @@
           <a:p>
             <a:fld id="{EB1AB7DB-BA09-BF4E-BA04-7E87C78DE094}" type="datetime1">
               <a:rPr lang="en-US" smtClean="0"/>
-              <a:t>5/28/23</a:t>
+              <a:t>6/17/23</a:t>
             </a:fld>
             <a:endParaRPr lang="en-US"/>
           </a:p>
@@ -1664,7 +1604,7 @@
           <a:p>
             <a:fld id="{DF4BF83A-6A9E-884B-BF4A-3961B5A82CC1}" type="datetime1">
               <a:rPr lang="en-US" smtClean="0"/>
-              <a:t>5/28/23</a:t>
+              <a:t>6/17/23</a:t>
             </a:fld>
             <a:endParaRPr lang="en-US"/>
           </a:p>
@@ -1942,7 +1882,7 @@
           <a:p>
             <a:fld id="{10DD95FF-6B99-944F-98AD-ED6AA89A0224}" type="datetime1">
               <a:rPr lang="en-US" smtClean="0"/>
-              <a:t>5/28/23</a:t>
+              <a:t>6/17/23</a:t>
             </a:fld>
             <a:endParaRPr lang="en-US"/>
           </a:p>
@@ -2210,7 +2150,7 @@
           <a:p>
             <a:fld id="{36C33B4D-A0EF-9340-9FD6-FC97BDF37FF7}" type="datetime1">
               <a:rPr lang="en-US" smtClean="0"/>
-              <a:t>5/28/23</a:t>
+              <a:t>6/17/23</a:t>
             </a:fld>
             <a:endParaRPr lang="en-US"/>
           </a:p>
@@ -2625,7 +2565,7 @@
           <a:p>
             <a:fld id="{97C04BFC-F745-1841-834A-166C1A440CD8}" type="datetime1">
               <a:rPr lang="en-US" smtClean="0"/>
-              <a:t>5/28/23</a:t>
+              <a:t>6/17/23</a:t>
             </a:fld>
             <a:endParaRPr lang="en-US"/>
           </a:p>
@@ -2769,7 +2709,7 @@
           <a:p>
             <a:fld id="{51B5D433-ED6C-424E-A72A-B6E7A9ACFCCF}" type="datetime1">
               <a:rPr lang="en-US" smtClean="0"/>
-              <a:t>5/28/23</a:t>
+              <a:t>6/17/23</a:t>
             </a:fld>
             <a:endParaRPr lang="en-US"/>
           </a:p>
@@ -2885,7 +2825,7 @@
           <a:p>
             <a:fld id="{3B6FDFF5-9FEB-D14A-B5D6-83EE35619E3D}" type="datetime1">
               <a:rPr lang="en-US" smtClean="0"/>
-              <a:t>5/28/23</a:t>
+              <a:t>6/17/23</a:t>
             </a:fld>
             <a:endParaRPr lang="en-US"/>
           </a:p>
@@ -3199,7 +3139,7 @@
           <a:p>
             <a:fld id="{45A4F193-F095-3943-9794-A02B65D19BCE}" type="datetime1">
               <a:rPr lang="en-US" smtClean="0"/>
-              <a:t>5/28/23</a:t>
+              <a:t>6/17/23</a:t>
             </a:fld>
             <a:endParaRPr lang="en-US"/>
           </a:p>
@@ -3490,7 +3430,7 @@
           <a:p>
             <a:fld id="{2AD9858A-98B0-E84E-BDDC-E3A1122856FB}" type="datetime1">
               <a:rPr lang="en-US" smtClean="0"/>
-              <a:t>5/28/23</a:t>
+              <a:t>6/17/23</a:t>
             </a:fld>
             <a:endParaRPr lang="en-US"/>
           </a:p>
@@ -3737,7 +3677,7 @@
           <a:p>
             <a:fld id="{658EB262-7FE8-D346-8332-6A29835036CB}" type="datetime1">
               <a:rPr lang="en-US" smtClean="0"/>
-              <a:t>5/28/23</a:t>
+              <a:t>6/17/23</a:t>
             </a:fld>
             <a:endParaRPr lang="en-US"/>
           </a:p>
@@ -4217,10 +4157,10 @@
       </p:grpSpPr>
       <p:sp>
         <p:nvSpPr>
-          <p:cNvPr id="150530" name="Rectangle 2">
-            <a:extLst>
-              <a:ext uri="{FF2B5EF4-FFF2-40B4-BE49-F238E27FC236}">
-                <a16:creationId xmlns:a16="http://schemas.microsoft.com/office/drawing/2014/main" id="{A5E79B40-3EDA-4D58-AA66-05C5DCFA736F}"/>
+          <p:cNvPr id="146434" name="Rectangle 2">
+            <a:extLst>
+              <a:ext uri="{FF2B5EF4-FFF2-40B4-BE49-F238E27FC236}">
+                <a16:creationId xmlns:a16="http://schemas.microsoft.com/office/drawing/2014/main" id="{83D49567-A32A-13EB-69BD-5C9C851B9FDB}"/>
               </a:ext>
             </a:extLst>
           </p:cNvPr>
@@ -4239,20 +4179,18 @@
           <a:lstStyle/>
           <a:p>
             <a:r>
-              <a:rPr lang="en-US" altLang="en-US" dirty="0">
-                <a:latin typeface="Calibri" panose="020F0502020204030204" pitchFamily="34" charset="0"/>
-              </a:rPr>
-              <a:t>Declaring variables</a:t>
-            </a:r>
-          </a:p>
-        </p:txBody>
-      </p:sp>
-      <p:sp>
-        <p:nvSpPr>
-          <p:cNvPr id="150531" name="Rectangle 3">
-            <a:extLst>
-              <a:ext uri="{FF2B5EF4-FFF2-40B4-BE49-F238E27FC236}">
-                <a16:creationId xmlns:a16="http://schemas.microsoft.com/office/drawing/2014/main" id="{54B1DA22-3DB3-261B-AA34-B46CCC657D3D}"/>
+              <a:rPr lang="en-US" altLang="en-US" dirty="0"/>
+              <a:t>float</a:t>
+            </a:r>
+          </a:p>
+        </p:txBody>
+      </p:sp>
+      <p:sp>
+        <p:nvSpPr>
+          <p:cNvPr id="146435" name="Rectangle 3">
+            <a:extLst>
+              <a:ext uri="{FF2B5EF4-FFF2-40B4-BE49-F238E27FC236}">
+                <a16:creationId xmlns:a16="http://schemas.microsoft.com/office/drawing/2014/main" id="{3D67686E-1BE1-9B19-13B3-1128DEFBDA6F}"/>
               </a:ext>
             </a:extLst>
           </p:cNvPr>
@@ -4275,58 +4213,64 @@
               <a:buChar char="o"/>
             </a:pPr>
             <a:r>
-              <a:rPr lang="en-US" dirty="0">
-                <a:latin typeface="Calibri" panose="020F0502020204030204" pitchFamily="34" charset="0"/>
-              </a:rPr>
-              <a:t>You declare variables like this:</a:t>
-            </a:r>
-          </a:p>
-          <a:p>
-            <a:pPr lvl="1"/>
-            <a:r>
-              <a:rPr lang="en-US" dirty="0">
-                <a:latin typeface="Calibri" panose="020F0502020204030204" pitchFamily="34" charset="0"/>
-                <a:cs typeface="Calibri" panose="020F0502020204030204" pitchFamily="34" charset="0"/>
-              </a:rPr>
-              <a:t>int </a:t>
-            </a:r>
-            <a:r>
-              <a:rPr lang="en-US" dirty="0" err="1">
-                <a:latin typeface="Calibri" panose="020F0502020204030204" pitchFamily="34" charset="0"/>
-                <a:cs typeface="Calibri" panose="020F0502020204030204" pitchFamily="34" charset="0"/>
-              </a:rPr>
-              <a:t>classSize</a:t>
-            </a:r>
-            <a:r>
-              <a:rPr lang="en-US" dirty="0">
-                <a:latin typeface="Calibri" panose="020F0502020204030204" pitchFamily="34" charset="0"/>
-                <a:cs typeface="Calibri" panose="020F0502020204030204" pitchFamily="34" charset="0"/>
-              </a:rPr>
-              <a:t>;</a:t>
-            </a:r>
-          </a:p>
-          <a:p>
-            <a:pPr lvl="1"/>
-            <a:r>
-              <a:rPr lang="en-US" dirty="0">
-                <a:latin typeface="Calibri" panose="020F0502020204030204" pitchFamily="34" charset="0"/>
-                <a:cs typeface="Calibri" panose="020F0502020204030204" pitchFamily="34" charset="0"/>
-              </a:rPr>
-              <a:t>double </a:t>
-            </a:r>
-            <a:r>
-              <a:rPr lang="en-US" dirty="0" err="1">
-                <a:latin typeface="Calibri" panose="020F0502020204030204" pitchFamily="34" charset="0"/>
-                <a:cs typeface="Calibri" panose="020F0502020204030204" pitchFamily="34" charset="0"/>
-              </a:rPr>
-              <a:t>myBankBalance</a:t>
-            </a:r>
-            <a:r>
-              <a:rPr lang="en-US" dirty="0">
-                <a:latin typeface="Calibri" panose="020F0502020204030204" pitchFamily="34" charset="0"/>
-                <a:cs typeface="Calibri" panose="020F0502020204030204" pitchFamily="34" charset="0"/>
-              </a:rPr>
-              <a:t>;</a:t>
+              <a:rPr lang="en-US" altLang="en-US" b="1" dirty="0">
+                <a:latin typeface="Calibri" panose="020F0502020204030204" pitchFamily="34" charset="0"/>
+              </a:rPr>
+              <a:t>Float</a:t>
+            </a:r>
+            <a:r>
+              <a:rPr lang="en-US" altLang="en-US" dirty="0">
+                <a:latin typeface="Calibri" panose="020F0502020204030204" pitchFamily="34" charset="0"/>
+              </a:rPr>
+              <a:t> is the other kind of </a:t>
+            </a:r>
+            <a:r>
+              <a:rPr lang="ja-JP" altLang="en-US">
+                <a:latin typeface="Calibri" panose="020F0502020204030204" pitchFamily="34" charset="0"/>
+              </a:rPr>
+              <a:t>“</a:t>
+            </a:r>
+            <a:r>
+              <a:rPr lang="en-US" altLang="ja-JP" dirty="0">
+                <a:latin typeface="Calibri" panose="020F0502020204030204" pitchFamily="34" charset="0"/>
+              </a:rPr>
+              <a:t>real,</a:t>
+            </a:r>
+            <a:r>
+              <a:rPr lang="ja-JP" altLang="en-US">
+                <a:latin typeface="Calibri" panose="020F0502020204030204" pitchFamily="34" charset="0"/>
+              </a:rPr>
+              <a:t>”</a:t>
+            </a:r>
+            <a:r>
+              <a:rPr lang="en-US" altLang="ja-JP" dirty="0">
+                <a:latin typeface="Calibri" panose="020F0502020204030204" pitchFamily="34" charset="0"/>
+              </a:rPr>
+              <a:t> or </a:t>
+            </a:r>
+            <a:r>
+              <a:rPr lang="ja-JP" altLang="en-US">
+                <a:latin typeface="Calibri" panose="020F0502020204030204" pitchFamily="34" charset="0"/>
+              </a:rPr>
+              <a:t>“</a:t>
+            </a:r>
+            <a:r>
+              <a:rPr lang="en-US" altLang="ja-JP" dirty="0">
+                <a:latin typeface="Calibri" panose="020F0502020204030204" pitchFamily="34" charset="0"/>
+              </a:rPr>
+              <a:t>floating point</a:t>
+            </a:r>
+            <a:r>
+              <a:rPr lang="ja-JP" altLang="en-US">
+                <a:latin typeface="Calibri" panose="020F0502020204030204" pitchFamily="34" charset="0"/>
+              </a:rPr>
+              <a:t>”</a:t>
+            </a:r>
+            <a:r>
+              <a:rPr lang="en-US" altLang="ja-JP" dirty="0">
+                <a:latin typeface="Calibri" panose="020F0502020204030204" pitchFamily="34" charset="0"/>
+              </a:rPr>
+              <a:t> number</a:t>
             </a:r>
           </a:p>
           <a:p>
@@ -4335,70 +4279,35 @@
               <a:buChar char="o"/>
             </a:pPr>
             <a:r>
-              <a:rPr lang="en-US" dirty="0">
-                <a:latin typeface="Calibri" panose="020F0502020204030204" pitchFamily="34" charset="0"/>
-              </a:rPr>
-              <a:t>Initialize the variables like this:</a:t>
-            </a:r>
-          </a:p>
-          <a:p>
-            <a:pPr lvl="1"/>
-            <a:r>
-              <a:rPr lang="en-US" dirty="0" err="1">
-                <a:latin typeface="Calibri" panose="020F0502020204030204" pitchFamily="34" charset="0"/>
-                <a:cs typeface="Calibri" panose="020F0502020204030204" pitchFamily="34" charset="0"/>
-              </a:rPr>
-              <a:t>int</a:t>
-            </a:r>
-            <a:r>
-              <a:rPr lang="en-US" dirty="0">
-                <a:latin typeface="Calibri" panose="020F0502020204030204" pitchFamily="34" charset="0"/>
-                <a:cs typeface="Calibri" panose="020F0502020204030204" pitchFamily="34" charset="0"/>
-              </a:rPr>
-              <a:t> </a:t>
-            </a:r>
-            <a:r>
-              <a:rPr lang="en-US" dirty="0" err="1">
-                <a:latin typeface="Calibri" panose="020F0502020204030204" pitchFamily="34" charset="0"/>
-                <a:cs typeface="Calibri" panose="020F0502020204030204" pitchFamily="34" charset="0"/>
-              </a:rPr>
-              <a:t>classSize</a:t>
-            </a:r>
-            <a:r>
-              <a:rPr lang="en-US" dirty="0">
-                <a:latin typeface="Calibri" panose="020F0502020204030204" pitchFamily="34" charset="0"/>
-                <a:cs typeface="Calibri" panose="020F0502020204030204" pitchFamily="34" charset="0"/>
-              </a:rPr>
-              <a:t> = 100;</a:t>
-            </a:r>
-          </a:p>
-          <a:p>
-            <a:pPr lvl="1"/>
-            <a:r>
-              <a:rPr lang="en-US" dirty="0">
-                <a:latin typeface="Calibri" panose="020F0502020204030204" pitchFamily="34" charset="0"/>
-                <a:cs typeface="Calibri" panose="020F0502020204030204" pitchFamily="34" charset="0"/>
-              </a:rPr>
-              <a:t>double </a:t>
-            </a:r>
-            <a:r>
-              <a:rPr lang="en-US" dirty="0" err="1">
-                <a:latin typeface="Calibri" panose="020F0502020204030204" pitchFamily="34" charset="0"/>
-                <a:cs typeface="Calibri" panose="020F0502020204030204" pitchFamily="34" charset="0"/>
-              </a:rPr>
-              <a:t>myBankBalance</a:t>
-            </a:r>
-            <a:r>
-              <a:rPr lang="en-US" dirty="0">
-                <a:latin typeface="Calibri" panose="020F0502020204030204" pitchFamily="34" charset="0"/>
-                <a:cs typeface="Calibri" panose="020F0502020204030204" pitchFamily="34" charset="0"/>
-              </a:rPr>
-              <a:t> = 100;</a:t>
-            </a:r>
-          </a:p>
-          <a:p>
-            <a:pPr lvl="1"/>
-            <a:endParaRPr lang="en-US" dirty="0"/>
+              <a:rPr lang="en-US" altLang="en-US" dirty="0">
+                <a:latin typeface="Calibri" panose="020F0502020204030204" pitchFamily="34" charset="0"/>
+              </a:rPr>
+              <a:t>float has about 8 digits of accuracy</a:t>
+            </a:r>
+          </a:p>
+          <a:p>
+            <a:pPr>
+              <a:buFont typeface="Courier New" panose="02070309020205020404" pitchFamily="49" charset="0"/>
+              <a:buChar char="o"/>
+            </a:pPr>
+            <a:r>
+              <a:rPr lang="en-US" altLang="en-US" dirty="0">
+                <a:latin typeface="Calibri" panose="020F0502020204030204" pitchFamily="34" charset="0"/>
+              </a:rPr>
+              <a:t>Arithmetic with float is not faster</a:t>
+            </a:r>
+          </a:p>
+          <a:p>
+            <a:pPr>
+              <a:buFont typeface="Courier New" panose="02070309020205020404" pitchFamily="49" charset="0"/>
+              <a:buChar char="o"/>
+            </a:pPr>
+            <a:r>
+              <a:rPr lang="en-US" altLang="en-US" dirty="0">
+                <a:latin typeface="Calibri" panose="020F0502020204030204" pitchFamily="34" charset="0"/>
+              </a:rPr>
+              <a:t>Use float only to save space when there are millions of numbers involved</a:t>
+            </a:r>
           </a:p>
         </p:txBody>
       </p:sp>
@@ -4454,7 +4363,7 @@
               <a:rPr lang="en-US" altLang="en-US" dirty="0">
                 <a:latin typeface="Calibri" panose="020F0502020204030204" pitchFamily="34" charset="0"/>
               </a:rPr>
-              <a:t>Arithmetic</a:t>
+              <a:t>Arithmetic Operations</a:t>
             </a:r>
           </a:p>
         </p:txBody>
@@ -4632,7 +4541,7 @@
         <p:spPr/>
         <p:txBody>
           <a:bodyPr vert="horz" lIns="45720" tIns="45720" rIns="45720" bIns="45720" rtlCol="0">
-            <a:normAutofit fontScale="92500" lnSpcReduction="10000"/>
+            <a:normAutofit fontScale="92500" lnSpcReduction="20000"/>
           </a:bodyPr>
           <a:lstStyle/>
           <a:p>
@@ -4655,7 +4564,7 @@
             </a:pPr>
             <a:r>
               <a:rPr lang="en-US" dirty="0"/>
-              <a:t>&lt;     Less than 			(var1 &lt; var2)</a:t>
+              <a:t>&lt;     Less than 				(var1 &lt; var2)</a:t>
             </a:r>
           </a:p>
           <a:p>
@@ -4666,7 +4575,7 @@
             </a:pPr>
             <a:r>
               <a:rPr lang="en-US" dirty="0"/>
-              <a:t>&lt;=   Less than or equal to  		(var1 &lt;= var2)</a:t>
+              <a:t>&lt;=   Less than or equal to  			(var1 &lt;= var2)</a:t>
             </a:r>
           </a:p>
           <a:p>
@@ -4677,7 +4586,7 @@
             </a:pPr>
             <a:r>
               <a:rPr lang="en-US" dirty="0"/>
-              <a:t>&gt;      Greater than 		(var1 &gt; var2)</a:t>
+              <a:t>&gt;      Greater than 				(var1 &gt; var2)</a:t>
             </a:r>
           </a:p>
           <a:p>
@@ -4707,14 +4616,14 @@
             <a:pPr lvl="1"/>
             <a:r>
               <a:rPr lang="en-US" dirty="0"/>
-              <a:t>==  Test if equal			(var1 == var2)</a:t>
+              <a:t>==  Test if equal				(var1 == var2)</a:t>
             </a:r>
           </a:p>
           <a:p>
             <a:pPr lvl="1"/>
             <a:r>
               <a:rPr lang="en-US" dirty="0"/>
-              <a:t>!=    Test if not equal		(var1 != var2)</a:t>
+              <a:t>!=    Test if not equal			(var1 != var2)</a:t>
             </a:r>
           </a:p>
           <a:p>
@@ -4733,14 +4642,32 @@
             <a:pPr lvl="1"/>
             <a:r>
               <a:rPr lang="en-US" dirty="0"/>
-              <a:t>&amp;&amp; ((var1 == var2) &amp;&amp; (var3  != var4))</a:t>
+              <a:t>&amp;&amp; </a:t>
+            </a:r>
+          </a:p>
+          <a:p>
+            <a:pPr marL="457200" lvl="1" indent="0">
+              <a:buNone/>
+            </a:pPr>
+            <a:r>
+              <a:rPr lang="en-US" dirty="0"/>
+              <a:t>((var1 == var2) &amp;&amp; (var3  != var4))</a:t>
             </a:r>
           </a:p>
           <a:p>
             <a:pPr lvl="1"/>
             <a:r>
               <a:rPr lang="en-US" dirty="0"/>
-              <a:t>| | ((var1 == var2) ||  (var3 != var4))</a:t>
+              <a:t>| | </a:t>
+            </a:r>
+          </a:p>
+          <a:p>
+            <a:pPr marL="457200" lvl="1" indent="0">
+              <a:buNone/>
+            </a:pPr>
+            <a:r>
+              <a:rPr lang="en-US" dirty="0"/>
+              <a:t>((var1 == var2) ||  (var3 != var4))</a:t>
             </a:r>
           </a:p>
           <a:p>
@@ -4901,7 +4828,7 @@
             <a:pPr lvl="1"/>
             <a:r>
               <a:rPr lang="en-US" dirty="0"/>
-              <a:t>+  -         	=&gt; Unary plus and unary minus </a:t>
+              <a:t>+  -         		=&gt; Unary plus and unary minus </a:t>
             </a:r>
           </a:p>
           <a:p>
@@ -6263,13 +6190,13 @@
           <a:p>
             <a:r>
               <a:rPr lang="en-US" altLang="en-US" dirty="0"/>
+              <a:t>Variables </a:t>
+            </a:r>
+          </a:p>
+          <a:p>
+            <a:r>
+              <a:rPr lang="en-US" altLang="en-US" dirty="0"/>
               <a:t>Data types</a:t>
-            </a:r>
-          </a:p>
-          <a:p>
-            <a:r>
-              <a:rPr lang="en-US" altLang="en-US" dirty="0"/>
-              <a:t>Variables</a:t>
             </a:r>
           </a:p>
           <a:p>
@@ -6365,12 +6292,6 @@
               <a:buChar char="o"/>
             </a:pPr>
             <a:r>
-              <a:rPr lang="en-US" altLang="en-US" dirty="0">
-                <a:latin typeface="Calibri" panose="020F0502020204030204" pitchFamily="34" charset="0"/>
-              </a:rPr>
-              <a:t>In Java, </a:t>
-            </a:r>
-            <a:r>
               <a:rPr lang="ja-JP" altLang="en-US">
                 <a:latin typeface="Calibri" panose="020F0502020204030204" pitchFamily="34" charset="0"/>
               </a:rPr>
@@ -6380,7 +6301,7 @@
               <a:rPr lang="en-US" altLang="ja-JP" dirty="0">
                 <a:latin typeface="Calibri" panose="020F0502020204030204" pitchFamily="34" charset="0"/>
               </a:rPr>
-              <a:t>print</a:t>
+              <a:t>print()</a:t>
             </a:r>
             <a:r>
               <a:rPr lang="ja-JP" altLang="en-US">
@@ -6392,7 +6313,7 @@
               <a:rPr lang="en-US" altLang="ja-JP" dirty="0">
                 <a:latin typeface="Calibri" panose="020F0502020204030204" pitchFamily="34" charset="0"/>
               </a:rPr>
-              <a:t> really means </a:t>
+              <a:t> function </a:t>
             </a:r>
             <a:r>
               <a:rPr lang="ja-JP" altLang="en-US">
@@ -6415,13 +6336,6 @@
             <a:endParaRPr lang="en-US" altLang="ja-JP" dirty="0">
               <a:latin typeface="Calibri" panose="020F0502020204030204" pitchFamily="34" charset="0"/>
             </a:endParaRPr>
-          </a:p>
-          <a:p>
-            <a:pPr lvl="1"/>
-            <a:r>
-              <a:rPr lang="en-US" altLang="en-US" dirty="0"/>
-              <a:t>Printing on actual paper is much harder!</a:t>
-            </a:r>
           </a:p>
           <a:p>
             <a:pPr>
@@ -6429,6 +6343,72 @@
               <a:buChar char="o"/>
             </a:pPr>
             <a:r>
+              <a:rPr lang="ja-JP" altLang="en-US">
+                <a:latin typeface="Calibri" panose="020F0502020204030204" pitchFamily="34" charset="0"/>
+              </a:rPr>
+              <a:t>“</a:t>
+            </a:r>
+            <a:r>
+              <a:rPr lang="en-US" altLang="ja-JP" dirty="0" err="1">
+                <a:latin typeface="Calibri" panose="020F0502020204030204" pitchFamily="34" charset="0"/>
+              </a:rPr>
+              <a:t>println</a:t>
+            </a:r>
+            <a:r>
+              <a:rPr lang="en-US" altLang="ja-JP" dirty="0">
+                <a:latin typeface="Calibri" panose="020F0502020204030204" pitchFamily="34" charset="0"/>
+              </a:rPr>
+              <a:t>()</a:t>
+            </a:r>
+            <a:r>
+              <a:rPr lang="ja-JP" altLang="en-US">
+                <a:latin typeface="Calibri" panose="020F0502020204030204" pitchFamily="34" charset="0"/>
+              </a:rPr>
+              <a:t>”</a:t>
+            </a:r>
+            <a:r>
+              <a:rPr lang="en-US" altLang="ja-JP" dirty="0">
+                <a:latin typeface="Calibri" panose="020F0502020204030204" pitchFamily="34" charset="0"/>
+              </a:rPr>
+              <a:t> function </a:t>
+            </a:r>
+            <a:r>
+              <a:rPr lang="ja-JP" altLang="en-US">
+                <a:latin typeface="Calibri" panose="020F0502020204030204" pitchFamily="34" charset="0"/>
+              </a:rPr>
+              <a:t>“</a:t>
+            </a:r>
+            <a:r>
+              <a:rPr lang="en-US" altLang="ja-JP" dirty="0">
+                <a:latin typeface="Calibri" panose="020F0502020204030204" pitchFamily="34" charset="0"/>
+              </a:rPr>
+              <a:t>display a line and adds a new line in a window on the screen</a:t>
+            </a:r>
+            <a:r>
+              <a:rPr lang="ja-JP" altLang="en-US">
+                <a:latin typeface="Calibri" panose="020F0502020204030204" pitchFamily="34" charset="0"/>
+              </a:rPr>
+              <a:t>”</a:t>
+            </a:r>
+            <a:endParaRPr lang="en-US" altLang="ja-JP" dirty="0">
+              <a:latin typeface="Calibri" panose="020F0502020204030204" pitchFamily="34" charset="0"/>
+            </a:endParaRPr>
+          </a:p>
+          <a:p>
+            <a:pPr>
+              <a:buFont typeface="Courier New" panose="02070309020205020404" pitchFamily="49" charset="0"/>
+              <a:buChar char="o"/>
+            </a:pPr>
+            <a:endParaRPr lang="en-US" altLang="ja-JP" dirty="0">
+              <a:latin typeface="Calibri" panose="020F0502020204030204" pitchFamily="34" charset="0"/>
+            </a:endParaRPr>
+          </a:p>
+          <a:p>
+            <a:pPr>
+              <a:buFont typeface="Courier New" panose="02070309020205020404" pitchFamily="49" charset="0"/>
+              <a:buChar char="o"/>
+            </a:pPr>
+            <a:r>
               <a:rPr lang="en-US" altLang="en-US" dirty="0">
                 <a:latin typeface="Calibri" panose="020F0502020204030204" pitchFamily="34" charset="0"/>
               </a:rPr>
@@ -6445,6 +6425,21 @@
               <a:rPr lang="en-US" altLang="en-US" dirty="0"/>
               <a:t>(x);</a:t>
             </a:r>
+          </a:p>
+          <a:p>
+            <a:pPr lvl="1"/>
+            <a:r>
+              <a:rPr lang="en-US" altLang="en-US" dirty="0" err="1"/>
+              <a:t>System.out.println</a:t>
+            </a:r>
+            <a:r>
+              <a:rPr lang="en-US" altLang="en-US" dirty="0"/>
+              <a:t>(x);</a:t>
+            </a:r>
+          </a:p>
+          <a:p>
+            <a:pPr lvl="1"/>
+            <a:endParaRPr lang="en-US" altLang="en-US" dirty="0"/>
           </a:p>
           <a:p>
             <a:pPr>
@@ -6453,437 +6448,6 @@
             </a:pPr>
             <a:endParaRPr lang="en-US" altLang="en-US" dirty="0">
               <a:latin typeface="Calibri" panose="020F0502020204030204" pitchFamily="34" charset="0"/>
-            </a:endParaRPr>
-          </a:p>
-        </p:txBody>
-      </p:sp>
-    </p:spTree>
-  </p:cSld>
-  <p:clrMapOvr>
-    <a:masterClrMapping/>
-  </p:clrMapOvr>
-</p:sld>
-</file>
-
-<file path=ppt/slides/slide21.xml><?xml version="1.0" encoding="utf-8"?>
-<p:sld xmlns:a="http://schemas.openxmlformats.org/drawingml/2006/main" xmlns:r="http://schemas.openxmlformats.org/officeDocument/2006/relationships" xmlns:p="http://schemas.openxmlformats.org/presentationml/2006/main" showMasterPhAnim="0">
-  <p:cSld>
-    <p:spTree>
-      <p:nvGrpSpPr>
-        <p:cNvPr id="1" name=""/>
-        <p:cNvGrpSpPr/>
-        <p:nvPr/>
-      </p:nvGrpSpPr>
-      <p:grpSpPr>
-        <a:xfrm>
-          <a:off x="0" y="0"/>
-          <a:ext cx="0" cy="0"/>
-          <a:chOff x="0" y="0"/>
-          <a:chExt cx="0" cy="0"/>
-        </a:xfrm>
-      </p:grpSpPr>
-      <p:sp>
-        <p:nvSpPr>
-          <p:cNvPr id="158722" name="Rectangle 2">
-            <a:extLst>
-              <a:ext uri="{FF2B5EF4-FFF2-40B4-BE49-F238E27FC236}">
-                <a16:creationId xmlns:a16="http://schemas.microsoft.com/office/drawing/2014/main" id="{E16CB106-B912-F6C7-4F6B-A6337D482D0E}"/>
-              </a:ext>
-            </a:extLst>
-          </p:cNvPr>
-          <p:cNvSpPr>
-            <a:spLocks noGrp="1" noRot="1" noChangeArrowheads="1"/>
-          </p:cNvSpPr>
-          <p:nvPr>
-            <p:ph type="title"/>
-          </p:nvPr>
-        </p:nvSpPr>
-        <p:spPr/>
-        <p:txBody>
-          <a:bodyPr vert="horz" lIns="91440" tIns="45720" rIns="91440" bIns="45720" rtlCol="0" anchor="ctr">
-            <a:normAutofit/>
-          </a:bodyPr>
-          <a:lstStyle/>
-          <a:p>
-            <a:r>
-              <a:rPr lang="en-US" altLang="en-US" dirty="0">
-                <a:latin typeface="Calibri" panose="020F0502020204030204" pitchFamily="34" charset="0"/>
-              </a:rPr>
-              <a:t>Printing out results</a:t>
-            </a:r>
-          </a:p>
-        </p:txBody>
-      </p:sp>
-      <p:sp>
-        <p:nvSpPr>
-          <p:cNvPr id="158723" name="Rectangle 3">
-            <a:extLst>
-              <a:ext uri="{FF2B5EF4-FFF2-40B4-BE49-F238E27FC236}">
-                <a16:creationId xmlns:a16="http://schemas.microsoft.com/office/drawing/2014/main" id="{CAA8506B-2692-8A9F-A349-2D7D28A057D2}"/>
-              </a:ext>
-            </a:extLst>
-          </p:cNvPr>
-          <p:cNvSpPr>
-            <a:spLocks noGrp="1" noChangeArrowheads="1"/>
-          </p:cNvSpPr>
-          <p:nvPr>
-            <p:ph idx="1"/>
-          </p:nvPr>
-        </p:nvSpPr>
-        <p:spPr/>
-        <p:txBody>
-          <a:bodyPr vert="horz" lIns="45720" tIns="45720" rIns="45720" bIns="45720" rtlCol="0">
-            <a:normAutofit/>
-          </a:bodyPr>
-          <a:lstStyle/>
-          <a:p>
-            <a:pPr>
-              <a:buFont typeface="Courier New" panose="02070309020205020404" pitchFamily="49" charset="0"/>
-              <a:buChar char="o"/>
-            </a:pPr>
-            <a:r>
-              <a:rPr lang="en-US" altLang="en-US" dirty="0">
-                <a:latin typeface="Calibri" panose="020F0502020204030204" pitchFamily="34" charset="0"/>
-              </a:rPr>
-              <a:t>Examples:</a:t>
-            </a:r>
-          </a:p>
-          <a:p>
-            <a:pPr lvl="1"/>
-            <a:r>
-              <a:rPr lang="en-US" altLang="en-US" dirty="0" err="1"/>
-              <a:t>System.out.print</a:t>
-            </a:r>
-            <a:r>
-              <a:rPr lang="en-US" altLang="en-US" dirty="0"/>
-              <a:t>("The sum of x and y is ");</a:t>
-            </a:r>
-          </a:p>
-          <a:p>
-            <a:pPr lvl="1"/>
-            <a:r>
-              <a:rPr lang="en-US" altLang="en-US" dirty="0" err="1"/>
-              <a:t>System.out.println</a:t>
-            </a:r>
-            <a:r>
-              <a:rPr lang="en-US" altLang="en-US" dirty="0"/>
-              <a:t>(x + y);</a:t>
-            </a:r>
-          </a:p>
-          <a:p>
-            <a:pPr>
-              <a:buFont typeface="Courier New" panose="02070309020205020404" pitchFamily="49" charset="0"/>
-              <a:buChar char="o"/>
-            </a:pPr>
-            <a:r>
-              <a:rPr lang="en-US" altLang="en-US" dirty="0">
-                <a:latin typeface="Calibri" panose="020F0502020204030204" pitchFamily="34" charset="0"/>
-              </a:rPr>
-              <a:t>If you print from an IDE , an output window(console) opens automatically</a:t>
-            </a:r>
-          </a:p>
-        </p:txBody>
-      </p:sp>
-    </p:spTree>
-  </p:cSld>
-  <p:clrMapOvr>
-    <a:masterClrMapping/>
-  </p:clrMapOvr>
-</p:sld>
-</file>
-
-<file path=ppt/slides/slide22.xml><?xml version="1.0" encoding="utf-8"?>
-<p:sld xmlns:a="http://schemas.openxmlformats.org/drawingml/2006/main" xmlns:r="http://schemas.openxmlformats.org/officeDocument/2006/relationships" xmlns:p="http://schemas.openxmlformats.org/presentationml/2006/main" showMasterPhAnim="0">
-  <p:cSld>
-    <p:spTree>
-      <p:nvGrpSpPr>
-        <p:cNvPr id="1" name=""/>
-        <p:cNvGrpSpPr/>
-        <p:nvPr/>
-      </p:nvGrpSpPr>
-      <p:grpSpPr>
-        <a:xfrm>
-          <a:off x="0" y="0"/>
-          <a:ext cx="0" cy="0"/>
-          <a:chOff x="0" y="0"/>
-          <a:chExt cx="0" cy="0"/>
-        </a:xfrm>
-      </p:grpSpPr>
-      <p:sp>
-        <p:nvSpPr>
-          <p:cNvPr id="163842" name="Rectangle 2">
-            <a:extLst>
-              <a:ext uri="{FF2B5EF4-FFF2-40B4-BE49-F238E27FC236}">
-                <a16:creationId xmlns:a16="http://schemas.microsoft.com/office/drawing/2014/main" id="{669A37EE-7901-E034-2E95-9EB163FDA693}"/>
-              </a:ext>
-            </a:extLst>
-          </p:cNvPr>
-          <p:cNvSpPr>
-            <a:spLocks noGrp="1" noRot="1" noChangeArrowheads="1"/>
-          </p:cNvSpPr>
-          <p:nvPr>
-            <p:ph type="title"/>
-          </p:nvPr>
-        </p:nvSpPr>
-        <p:spPr/>
-        <p:txBody>
-          <a:bodyPr vert="horz" lIns="91440" tIns="45720" rIns="91440" bIns="45720" rtlCol="0" anchor="ctr">
-            <a:normAutofit/>
-          </a:bodyPr>
-          <a:lstStyle/>
-          <a:p>
-            <a:r>
-              <a:rPr lang="en-US" altLang="en-US" dirty="0">
-                <a:latin typeface="Calibri" panose="020F0502020204030204" pitchFamily="34" charset="0"/>
-              </a:rPr>
-              <a:t>A Java program</a:t>
-            </a:r>
-          </a:p>
-        </p:txBody>
-      </p:sp>
-      <p:sp>
-        <p:nvSpPr>
-          <p:cNvPr id="163843" name="Rectangle 3">
-            <a:extLst>
-              <a:ext uri="{FF2B5EF4-FFF2-40B4-BE49-F238E27FC236}">
-                <a16:creationId xmlns:a16="http://schemas.microsoft.com/office/drawing/2014/main" id="{0920187F-1E43-27D0-34BF-C83117721186}"/>
-              </a:ext>
-            </a:extLst>
-          </p:cNvPr>
-          <p:cNvSpPr>
-            <a:spLocks noGrp="1" noChangeArrowheads="1"/>
-          </p:cNvSpPr>
-          <p:nvPr>
-            <p:ph idx="1"/>
-          </p:nvPr>
-        </p:nvSpPr>
-        <p:spPr/>
-        <p:txBody>
-          <a:bodyPr/>
-          <a:lstStyle/>
-          <a:p>
-            <a:pPr>
-              <a:spcBef>
-                <a:spcPct val="50000"/>
-              </a:spcBef>
-              <a:buClrTx/>
-              <a:buSzTx/>
-              <a:buFontTx/>
-              <a:buNone/>
-              <a:defRPr/>
-            </a:pPr>
-            <a:r>
-              <a:rPr lang="en-US" dirty="0">
-                <a:solidFill>
-                  <a:schemeClr val="accent2"/>
-                </a:solidFill>
-                <a:effectLst/>
-                <a:latin typeface="Calibri" panose="020F0502020204030204" pitchFamily="34" charset="0"/>
-                <a:cs typeface="Calibri" panose="020F0502020204030204" pitchFamily="34" charset="0"/>
-              </a:rPr>
-              <a:t>public class </a:t>
-            </a:r>
-            <a:r>
-              <a:rPr lang="en-US" dirty="0" err="1">
-                <a:solidFill>
-                  <a:schemeClr val="accent2"/>
-                </a:solidFill>
-                <a:effectLst/>
-                <a:latin typeface="Calibri" panose="020F0502020204030204" pitchFamily="34" charset="0"/>
-                <a:cs typeface="Calibri" panose="020F0502020204030204" pitchFamily="34" charset="0"/>
-              </a:rPr>
-              <a:t>TwoPlusTwo</a:t>
-            </a:r>
-            <a:r>
-              <a:rPr lang="en-US" dirty="0">
-                <a:solidFill>
-                  <a:schemeClr val="accent2"/>
-                </a:solidFill>
-                <a:effectLst/>
-                <a:latin typeface="Calibri" panose="020F0502020204030204" pitchFamily="34" charset="0"/>
-                <a:cs typeface="Calibri" panose="020F0502020204030204" pitchFamily="34" charset="0"/>
-              </a:rPr>
-              <a:t> {</a:t>
-            </a:r>
-            <a:br>
-              <a:rPr lang="en-US" dirty="0">
-                <a:solidFill>
-                  <a:schemeClr val="accent2"/>
-                </a:solidFill>
-                <a:effectLst/>
-                <a:latin typeface="Calibri" panose="020F0502020204030204" pitchFamily="34" charset="0"/>
-                <a:cs typeface="Calibri" panose="020F0502020204030204" pitchFamily="34" charset="0"/>
-              </a:rPr>
-            </a:br>
-            <a:r>
-              <a:rPr lang="en-US" dirty="0">
-                <a:solidFill>
-                  <a:schemeClr val="accent2"/>
-                </a:solidFill>
-                <a:effectLst/>
-                <a:latin typeface="Calibri" panose="020F0502020204030204" pitchFamily="34" charset="0"/>
-                <a:cs typeface="Calibri" panose="020F0502020204030204" pitchFamily="34" charset="0"/>
-              </a:rPr>
-              <a:t>    public static void main(String </a:t>
-            </a:r>
-            <a:r>
-              <a:rPr lang="en-US" dirty="0" err="1">
-                <a:solidFill>
-                  <a:schemeClr val="accent2"/>
-                </a:solidFill>
-                <a:effectLst/>
-                <a:latin typeface="Calibri" panose="020F0502020204030204" pitchFamily="34" charset="0"/>
-                <a:cs typeface="Calibri" panose="020F0502020204030204" pitchFamily="34" charset="0"/>
-              </a:rPr>
-              <a:t>args</a:t>
-            </a:r>
-            <a:r>
-              <a:rPr lang="en-US" dirty="0">
-                <a:solidFill>
-                  <a:schemeClr val="accent2"/>
-                </a:solidFill>
-                <a:effectLst/>
-                <a:latin typeface="Calibri" panose="020F0502020204030204" pitchFamily="34" charset="0"/>
-                <a:cs typeface="Calibri" panose="020F0502020204030204" pitchFamily="34" charset="0"/>
-              </a:rPr>
-              <a:t>[]) {</a:t>
-            </a:r>
-            <a:br>
-              <a:rPr lang="en-US" dirty="0">
-                <a:solidFill>
-                  <a:schemeClr val="accent2"/>
-                </a:solidFill>
-                <a:effectLst/>
-                <a:latin typeface="Calibri" panose="020F0502020204030204" pitchFamily="34" charset="0"/>
-                <a:cs typeface="Calibri" panose="020F0502020204030204" pitchFamily="34" charset="0"/>
-              </a:rPr>
-            </a:br>
-            <a:r>
-              <a:rPr lang="en-US" dirty="0">
-                <a:solidFill>
-                  <a:schemeClr val="accent2"/>
-                </a:solidFill>
-                <a:effectLst/>
-                <a:latin typeface="Calibri" panose="020F0502020204030204" pitchFamily="34" charset="0"/>
-                <a:cs typeface="Calibri" panose="020F0502020204030204" pitchFamily="34" charset="0"/>
-              </a:rPr>
-              <a:t>        </a:t>
-            </a:r>
-            <a:r>
-              <a:rPr lang="en-US" dirty="0" err="1">
-                <a:solidFill>
-                  <a:schemeClr val="accent2"/>
-                </a:solidFill>
-                <a:effectLst/>
-                <a:latin typeface="Calibri" panose="020F0502020204030204" pitchFamily="34" charset="0"/>
-                <a:cs typeface="Calibri" panose="020F0502020204030204" pitchFamily="34" charset="0"/>
-              </a:rPr>
-              <a:t>System.out.println</a:t>
-            </a:r>
-            <a:r>
-              <a:rPr lang="en-US" dirty="0">
-                <a:solidFill>
-                  <a:schemeClr val="accent2"/>
-                </a:solidFill>
-                <a:effectLst/>
-                <a:latin typeface="Calibri" panose="020F0502020204030204" pitchFamily="34" charset="0"/>
-                <a:cs typeface="Calibri" panose="020F0502020204030204" pitchFamily="34" charset="0"/>
-              </a:rPr>
-              <a:t>(2 + 2);</a:t>
-            </a:r>
-            <a:br>
-              <a:rPr lang="en-US" dirty="0">
-                <a:solidFill>
-                  <a:schemeClr val="accent2"/>
-                </a:solidFill>
-                <a:effectLst/>
-                <a:latin typeface="Calibri" panose="020F0502020204030204" pitchFamily="34" charset="0"/>
-                <a:cs typeface="Calibri" panose="020F0502020204030204" pitchFamily="34" charset="0"/>
-              </a:rPr>
-            </a:br>
-            <a:r>
-              <a:rPr lang="en-US" dirty="0">
-                <a:solidFill>
-                  <a:schemeClr val="accent2"/>
-                </a:solidFill>
-                <a:effectLst/>
-                <a:latin typeface="Calibri" panose="020F0502020204030204" pitchFamily="34" charset="0"/>
-                <a:cs typeface="Calibri" panose="020F0502020204030204" pitchFamily="34" charset="0"/>
-              </a:rPr>
-              <a:t>    }</a:t>
-            </a:r>
-            <a:br>
-              <a:rPr lang="en-US" dirty="0">
-                <a:solidFill>
-                  <a:schemeClr val="accent2"/>
-                </a:solidFill>
-                <a:effectLst/>
-                <a:latin typeface="Calibri" panose="020F0502020204030204" pitchFamily="34" charset="0"/>
-                <a:cs typeface="Calibri" panose="020F0502020204030204" pitchFamily="34" charset="0"/>
-              </a:rPr>
-            </a:br>
-            <a:r>
-              <a:rPr lang="en-US" dirty="0">
-                <a:solidFill>
-                  <a:schemeClr val="accent2"/>
-                </a:solidFill>
-                <a:effectLst/>
-                <a:latin typeface="Calibri" panose="020F0502020204030204" pitchFamily="34" charset="0"/>
-                <a:cs typeface="Calibri" panose="020F0502020204030204" pitchFamily="34" charset="0"/>
-              </a:rPr>
-              <a:t>}</a:t>
-            </a:r>
-          </a:p>
-          <a:p>
-            <a:pPr>
-              <a:spcBef>
-                <a:spcPct val="50000"/>
-              </a:spcBef>
-              <a:buClrTx/>
-              <a:buSzTx/>
-              <a:buFontTx/>
-              <a:buNone/>
-              <a:defRPr/>
-            </a:pPr>
-            <a:endParaRPr lang="en-US" dirty="0">
-              <a:solidFill>
-                <a:schemeClr val="accent2"/>
-              </a:solidFill>
-              <a:latin typeface="Calibri" panose="020F0502020204030204" pitchFamily="34" charset="0"/>
-              <a:cs typeface="Calibri" panose="020F0502020204030204" pitchFamily="34" charset="0"/>
-            </a:endParaRPr>
-          </a:p>
-          <a:p>
-            <a:pPr>
-              <a:spcBef>
-                <a:spcPct val="50000"/>
-              </a:spcBef>
-              <a:buClrTx/>
-              <a:buSzTx/>
-              <a:buFontTx/>
-              <a:buNone/>
-              <a:defRPr/>
-            </a:pPr>
-            <a:r>
-              <a:rPr lang="en-US" dirty="0">
-                <a:effectLst/>
-                <a:latin typeface="Calibri" panose="020F0502020204030204" pitchFamily="34" charset="0"/>
-                <a:cs typeface="Calibri" panose="020F0502020204030204" pitchFamily="34" charset="0"/>
-              </a:rPr>
-              <a:t>*Please note, save this file as </a:t>
-            </a:r>
-            <a:r>
-              <a:rPr lang="en-US" dirty="0" err="1">
-                <a:effectLst/>
-                <a:latin typeface="Calibri" panose="020F0502020204030204" pitchFamily="34" charset="0"/>
-                <a:cs typeface="Calibri" panose="020F0502020204030204" pitchFamily="34" charset="0"/>
-              </a:rPr>
-              <a:t>TwoPlusTwo.java</a:t>
-            </a:r>
-            <a:endParaRPr lang="en-US" dirty="0">
-              <a:effectLst/>
-              <a:latin typeface="Calibri" panose="020F0502020204030204" pitchFamily="34" charset="0"/>
-              <a:cs typeface="Calibri" panose="020F0502020204030204" pitchFamily="34" charset="0"/>
             </a:endParaRPr>
           </a:p>
         </p:txBody>
@@ -6915,10 +6479,10 @@
       </p:grpSpPr>
       <p:sp>
         <p:nvSpPr>
-          <p:cNvPr id="166914" name="Rectangle 2">
-            <a:extLst>
-              <a:ext uri="{FF2B5EF4-FFF2-40B4-BE49-F238E27FC236}">
-                <a16:creationId xmlns:a16="http://schemas.microsoft.com/office/drawing/2014/main" id="{1B0483B0-613F-BF09-143B-4D4D4D8022D3}"/>
+          <p:cNvPr id="148482" name="Rectangle 2">
+            <a:extLst>
+              <a:ext uri="{FF2B5EF4-FFF2-40B4-BE49-F238E27FC236}">
+                <a16:creationId xmlns:a16="http://schemas.microsoft.com/office/drawing/2014/main" id="{F831B61D-58C3-B218-4023-E2ACC5861AFB}"/>
               </a:ext>
             </a:extLst>
           </p:cNvPr>
@@ -6936,25 +6500,21 @@
           <a:p>
             <a:pPr eaLnBrk="1" hangingPunct="1"/>
             <a:r>
-              <a:rPr lang="en-US" altLang="en-US" dirty="0"/>
-              <a:t>Data </a:t>
-            </a:r>
-            <a:r>
               <a:rPr lang="en-US" altLang="en-US" dirty="0">
                 <a:latin typeface="Calibri" panose="020F0502020204030204" pitchFamily="34" charset="0"/>
-                <a:cs typeface="Calibri" panose="020F0502020204030204" pitchFamily="34" charset="0"/>
-              </a:rPr>
-              <a:t>Types</a:t>
-            </a:r>
-          </a:p>
-        </p:txBody>
-      </p:sp>
-      <p:sp>
-        <p:nvSpPr>
-          <p:cNvPr id="166915" name="Rectangle 3">
-            <a:extLst>
-              <a:ext uri="{FF2B5EF4-FFF2-40B4-BE49-F238E27FC236}">
-                <a16:creationId xmlns:a16="http://schemas.microsoft.com/office/drawing/2014/main" id="{AC160CDA-A118-6F83-CAA3-E0D483913E7A}"/>
+              </a:rPr>
+              <a:t>Variables</a:t>
+            </a:r>
+            <a:endParaRPr lang="en-US" altLang="en-US" dirty="0"/>
+          </a:p>
+        </p:txBody>
+      </p:sp>
+      <p:sp>
+        <p:nvSpPr>
+          <p:cNvPr id="148483" name="Rectangle 3">
+            <a:extLst>
+              <a:ext uri="{FF2B5EF4-FFF2-40B4-BE49-F238E27FC236}">
+                <a16:creationId xmlns:a16="http://schemas.microsoft.com/office/drawing/2014/main" id="{56EC4E77-B869-C753-93BB-9C42137187A0}"/>
               </a:ext>
             </a:extLst>
           </p:cNvPr>
@@ -6965,10 +6525,15 @@
             <p:ph idx="1"/>
           </p:nvPr>
         </p:nvSpPr>
-        <p:spPr/>
+        <p:spPr>
+          <a:xfrm>
+            <a:off x="1981201" y="2084832"/>
+            <a:ext cx="7600951" cy="4224528"/>
+          </a:xfrm>
+        </p:spPr>
         <p:txBody>
           <a:bodyPr vert="horz" lIns="45720" tIns="45720" rIns="45720" bIns="45720" rtlCol="0">
-            <a:normAutofit/>
+            <a:normAutofit fontScale="92500" lnSpcReduction="20000"/>
           </a:bodyPr>
           <a:lstStyle/>
           <a:p>
@@ -6977,39 +6542,10 @@
               <a:buChar char="o"/>
             </a:pPr>
             <a:r>
-              <a:rPr lang="en-US" altLang="en-US" dirty="0">
-                <a:latin typeface="Calibri" panose="020F0502020204030204" pitchFamily="34" charset="0"/>
-                <a:cs typeface="Calibri" panose="020F0502020204030204" pitchFamily="34" charset="0"/>
-              </a:rPr>
-              <a:t>Primitives are the </a:t>
-            </a:r>
-            <a:r>
-              <a:rPr lang="ja-JP" altLang="en-US">
-                <a:latin typeface="Calibri" panose="020F0502020204030204" pitchFamily="34" charset="0"/>
-                <a:cs typeface="Calibri" panose="020F0502020204030204" pitchFamily="34" charset="0"/>
-              </a:rPr>
-              <a:t>“</a:t>
-            </a:r>
-            <a:r>
-              <a:rPr lang="en-US" altLang="ja-JP" dirty="0">
-                <a:latin typeface="Calibri" panose="020F0502020204030204" pitchFamily="34" charset="0"/>
-                <a:cs typeface="Calibri" panose="020F0502020204030204" pitchFamily="34" charset="0"/>
-              </a:rPr>
-              <a:t>basic</a:t>
-            </a:r>
-            <a:r>
-              <a:rPr lang="ja-JP" altLang="en-US">
-                <a:latin typeface="Calibri" panose="020F0502020204030204" pitchFamily="34" charset="0"/>
-                <a:cs typeface="Calibri" panose="020F0502020204030204" pitchFamily="34" charset="0"/>
-              </a:rPr>
-              <a:t>”</a:t>
-            </a:r>
-            <a:r>
-              <a:rPr lang="en-US" altLang="ja-JP" dirty="0">
-                <a:latin typeface="Calibri" panose="020F0502020204030204" pitchFamily="34" charset="0"/>
-                <a:cs typeface="Calibri" panose="020F0502020204030204" pitchFamily="34" charset="0"/>
-              </a:rPr>
-              <a:t> data values</a:t>
+              <a:rPr lang="en-US" dirty="0">
+                <a:latin typeface="Calibri" panose="020F0502020204030204" pitchFamily="34" charset="0"/>
+              </a:rPr>
+              <a:t>Variable in Java is a data container that saves the data values during Java program execution.</a:t>
             </a:r>
           </a:p>
           <a:p>
@@ -7020,26 +6556,101 @@
             <a:r>
               <a:rPr lang="en-US" altLang="en-US" dirty="0">
                 <a:latin typeface="Calibri" panose="020F0502020204030204" pitchFamily="34" charset="0"/>
+              </a:rPr>
+              <a:t>Before you use a variable, you must also define it (tell Java what value it has)</a:t>
+            </a:r>
+          </a:p>
+          <a:p>
+            <a:pPr>
+              <a:buFont typeface="Courier New" panose="02070309020205020404" pitchFamily="49" charset="0"/>
+              <a:buChar char="o"/>
+            </a:pPr>
+            <a:r>
+              <a:rPr lang="en-US" dirty="0">
+                <a:latin typeface="Calibri" panose="020F0502020204030204" pitchFamily="34" charset="0"/>
+              </a:rPr>
+              <a:t>The variable name is combined with two words, the second word will start with an uppercase letter always</a:t>
+            </a:r>
+          </a:p>
+          <a:p>
+            <a:pPr>
+              <a:buFont typeface="Courier New" panose="02070309020205020404" pitchFamily="49" charset="0"/>
+              <a:buChar char="o"/>
+            </a:pPr>
+            <a:r>
+              <a:rPr lang="en-US" altLang="en-US" dirty="0">
+                <a:latin typeface="Calibri" panose="020F0502020204030204" pitchFamily="34" charset="0"/>
+              </a:rPr>
+              <a:t>The value of a variable may change</a:t>
+            </a:r>
+            <a:endParaRPr lang="en-US" dirty="0">
+              <a:latin typeface="Calibri" panose="020F0502020204030204" pitchFamily="34" charset="0"/>
+            </a:endParaRPr>
+          </a:p>
+          <a:p>
+            <a:pPr>
+              <a:buFont typeface="Courier New" panose="02070309020205020404" pitchFamily="49" charset="0"/>
+              <a:buChar char="o"/>
+            </a:pPr>
+            <a:r>
+              <a:rPr lang="en-US" dirty="0" err="1">
+                <a:latin typeface="Calibri" panose="020F0502020204030204" pitchFamily="34" charset="0"/>
+              </a:rPr>
+              <a:t>E.g</a:t>
+            </a:r>
+            <a:r>
+              <a:rPr lang="en-US" dirty="0">
+                <a:latin typeface="Calibri" panose="020F0502020204030204" pitchFamily="34" charset="0"/>
+              </a:rPr>
+              <a:t>:</a:t>
+            </a:r>
+          </a:p>
+          <a:p>
+            <a:pPr lvl="1"/>
+            <a:r>
+              <a:rPr lang="en-US" altLang="en-US" dirty="0">
+                <a:latin typeface="Calibri" panose="020F0502020204030204" pitchFamily="34" charset="0"/>
                 <a:cs typeface="Calibri" panose="020F0502020204030204" pitchFamily="34" charset="0"/>
               </a:rPr>
-              <a:t>There are eight types of primitives:</a:t>
+              <a:t>int </a:t>
+            </a:r>
+            <a:r>
+              <a:rPr lang="en-US" altLang="en-US" dirty="0" err="1">
+                <a:latin typeface="Calibri" panose="020F0502020204030204" pitchFamily="34" charset="0"/>
+                <a:cs typeface="Calibri" panose="020F0502020204030204" pitchFamily="34" charset="0"/>
+              </a:rPr>
+              <a:t>classSize</a:t>
+            </a:r>
+            <a:r>
+              <a:rPr lang="en-US" altLang="en-US" dirty="0">
+                <a:latin typeface="Calibri" panose="020F0502020204030204" pitchFamily="34" charset="0"/>
+                <a:cs typeface="Calibri" panose="020F0502020204030204" pitchFamily="34" charset="0"/>
+              </a:rPr>
+              <a:t> = 10;</a:t>
             </a:r>
           </a:p>
           <a:p>
             <a:pPr lvl="1"/>
             <a:r>
+              <a:rPr lang="en-US" altLang="en-US" dirty="0">
+                <a:latin typeface="Calibri" panose="020F0502020204030204" pitchFamily="34" charset="0"/>
+                <a:cs typeface="Calibri" panose="020F0502020204030204" pitchFamily="34" charset="0"/>
+              </a:rPr>
+              <a:t>double </a:t>
+            </a:r>
+            <a:r>
               <a:rPr lang="en-US" altLang="en-US" dirty="0" err="1">
                 <a:latin typeface="Calibri" panose="020F0502020204030204" pitchFamily="34" charset="0"/>
                 <a:cs typeface="Calibri" panose="020F0502020204030204" pitchFamily="34" charset="0"/>
               </a:rPr>
-              <a:t>boolean</a:t>
+              <a:t>myBankBalance</a:t>
             </a:r>
             <a:r>
               <a:rPr lang="en-US" altLang="en-US" dirty="0">
                 <a:latin typeface="Calibri" panose="020F0502020204030204" pitchFamily="34" charset="0"/>
                 <a:cs typeface="Calibri" panose="020F0502020204030204" pitchFamily="34" charset="0"/>
               </a:rPr>
-              <a:t> -- used for true and false values</a:t>
+              <a:t> = 2000.37;</a:t>
             </a:r>
           </a:p>
           <a:p>
@@ -7049,7 +6660,21 @@
                 <a:latin typeface="Calibri" panose="020F0502020204030204" pitchFamily="34" charset="0"/>
                 <a:cs typeface="Calibri" panose="020F0502020204030204" pitchFamily="34" charset="0"/>
               </a:rPr>
-              <a:t>char -- used for single characters (letters, etc.)</a:t>
+              <a:t>int </a:t>
+            </a:r>
+            <a:r>
+              <a:rPr lang="en-US" altLang="en-US" dirty="0" err="1">
+                <a:latin typeface="Calibri" panose="020F0502020204030204" pitchFamily="34" charset="0"/>
+                <a:cs typeface="Calibri" panose="020F0502020204030204" pitchFamily="34" charset="0"/>
+              </a:rPr>
+              <a:t>myAge</a:t>
+            </a:r>
+            <a:r>
+              <a:rPr lang="en-US" altLang="en-US" dirty="0">
+                <a:latin typeface="Calibri" panose="020F0502020204030204" pitchFamily="34" charset="0"/>
+                <a:cs typeface="Calibri" panose="020F0502020204030204" pitchFamily="34" charset="0"/>
+              </a:rPr>
+              <a:t> = 30;</a:t>
             </a:r>
           </a:p>
           <a:p>
@@ -7059,17 +6684,231 @@
                 <a:latin typeface="Calibri" panose="020F0502020204030204" pitchFamily="34" charset="0"/>
                 <a:cs typeface="Calibri" panose="020F0502020204030204" pitchFamily="34" charset="0"/>
               </a:rPr>
-              <a:t>byte, short, int, long -- four different kinds of integer (whole number) values</a:t>
-            </a:r>
-          </a:p>
-          <a:p>
-            <a:pPr lvl="1"/>
+              <a:t>float </a:t>
+            </a:r>
+            <a:r>
+              <a:rPr lang="en-US" altLang="en-US" dirty="0" err="1">
+                <a:latin typeface="Calibri" panose="020F0502020204030204" pitchFamily="34" charset="0"/>
+                <a:cs typeface="Calibri" panose="020F0502020204030204" pitchFamily="34" charset="0"/>
+              </a:rPr>
+              <a:t>speedometerReading</a:t>
+            </a:r>
             <a:r>
               <a:rPr lang="en-US" altLang="en-US" dirty="0">
                 <a:latin typeface="Calibri" panose="020F0502020204030204" pitchFamily="34" charset="0"/>
                 <a:cs typeface="Calibri" panose="020F0502020204030204" pitchFamily="34" charset="0"/>
               </a:rPr>
-              <a:t>float, double -- two different kinds of decimal numbers (numbers with a decimal point)</a:t>
+              <a:t> = 23456.4f;</a:t>
+            </a:r>
+          </a:p>
+          <a:p>
+            <a:pPr>
+              <a:buFont typeface="Courier New" panose="02070309020205020404" pitchFamily="49" charset="0"/>
+              <a:buChar char="o"/>
+            </a:pPr>
+            <a:endParaRPr lang="en-US" altLang="en-US" dirty="0">
+              <a:latin typeface="Calibri" panose="020F0502020204030204" pitchFamily="34" charset="0"/>
+            </a:endParaRPr>
+          </a:p>
+        </p:txBody>
+      </p:sp>
+      <p:sp>
+        <p:nvSpPr>
+          <p:cNvPr id="2" name="Line 37">
+            <a:extLst>
+              <a:ext uri="{FF2B5EF4-FFF2-40B4-BE49-F238E27FC236}">
+                <a16:creationId xmlns:a16="http://schemas.microsoft.com/office/drawing/2014/main" id="{0F0E34E7-AB64-1C21-267C-B70EEEFA2B40}"/>
+              </a:ext>
+            </a:extLst>
+          </p:cNvPr>
+          <p:cNvSpPr>
+            <a:spLocks noChangeShapeType="1"/>
+          </p:cNvSpPr>
+          <p:nvPr/>
+        </p:nvSpPr>
+        <p:spPr bwMode="auto">
+          <a:xfrm flipH="1">
+            <a:off x="9062255" y="1134318"/>
+            <a:ext cx="865930" cy="152882"/>
+          </a:xfrm>
+          <a:prstGeom prst="line">
+            <a:avLst/>
+          </a:prstGeom>
+          <a:noFill/>
+          <a:ln w="9525">
+            <a:solidFill>
+              <a:schemeClr val="tx1"/>
+            </a:solidFill>
+            <a:round/>
+            <a:headEnd type="triangle" w="lg" len="lg"/>
+            <a:tailEnd/>
+          </a:ln>
+          <a:effectLst/>
+          <a:extLst>
+            <a:ext uri="{909E8E84-426E-40DD-AFC4-6F175D3DCCD1}">
+              <a14:hiddenFill xmlns:a14="http://schemas.microsoft.com/office/drawing/2010/main">
+                <a:noFill/>
+              </a14:hiddenFill>
+            </a:ext>
+            <a:ext uri="{AF507438-7753-43E0-B8FC-AC1667EBCBE1}">
+              <a14:hiddenEffects xmlns:a14="http://schemas.microsoft.com/office/drawing/2010/main">
+                <a:effectLst>
+                  <a:outerShdw dist="35921" dir="2700000" algn="ctr" rotWithShape="0">
+                    <a:schemeClr val="bg2"/>
+                  </a:outerShdw>
+                </a:effectLst>
+              </a14:hiddenEffects>
+            </a:ext>
+          </a:extLst>
+        </p:spPr>
+        <p:txBody>
+          <a:bodyPr wrap="none" anchor="ctr"/>
+          <a:lstStyle/>
+          <a:p>
+            <a:endParaRPr lang="en-US"/>
+          </a:p>
+        </p:txBody>
+      </p:sp>
+      <p:sp>
+        <p:nvSpPr>
+          <p:cNvPr id="3" name="AutoShape 44">
+            <a:extLst>
+              <a:ext uri="{FF2B5EF4-FFF2-40B4-BE49-F238E27FC236}">
+                <a16:creationId xmlns:a16="http://schemas.microsoft.com/office/drawing/2014/main" id="{299ADF7C-4AFB-4C78-14D2-D37874DAC72B}"/>
+              </a:ext>
+            </a:extLst>
+          </p:cNvPr>
+          <p:cNvSpPr>
+            <a:spLocks noChangeArrowheads="1"/>
+          </p:cNvSpPr>
+          <p:nvPr/>
+        </p:nvSpPr>
+        <p:spPr bwMode="auto">
+          <a:xfrm>
+            <a:off x="9928186" y="757176"/>
+            <a:ext cx="1676400" cy="838200"/>
+          </a:xfrm>
+          <a:prstGeom prst="flowChartProcess">
+            <a:avLst/>
+          </a:prstGeom>
+          <a:noFill/>
+          <a:ln w="9525">
+            <a:solidFill>
+              <a:schemeClr val="tx1"/>
+            </a:solidFill>
+            <a:miter lim="800000"/>
+            <a:headEnd/>
+            <a:tailEnd/>
+          </a:ln>
+          <a:effectLst/>
+          <a:extLst>
+            <a:ext uri="{909E8E84-426E-40DD-AFC4-6F175D3DCCD1}">
+              <a14:hiddenFill xmlns:a14="http://schemas.microsoft.com/office/drawing/2010/main">
+                <a:solidFill>
+                  <a:schemeClr val="accent1"/>
+                </a:solidFill>
+              </a14:hiddenFill>
+            </a:ext>
+            <a:ext uri="{AF507438-7753-43E0-B8FC-AC1667EBCBE1}">
+              <a14:hiddenEffects xmlns:a14="http://schemas.microsoft.com/office/drawing/2010/main">
+                <a:effectLst>
+                  <a:outerShdw dist="35921" dir="2700000" algn="ctr" rotWithShape="0">
+                    <a:schemeClr val="bg2"/>
+                  </a:outerShdw>
+                </a:effectLst>
+              </a14:hiddenEffects>
+            </a:ext>
+          </a:extLst>
+        </p:spPr>
+        <p:txBody>
+          <a:bodyPr wrap="none" anchor="ctr"/>
+          <a:lstStyle/>
+          <a:p>
+            <a:pPr algn="ctr"/>
+            <a:r>
+              <a:rPr lang="en-US" altLang="en-US" sz="2400" i="1" dirty="0">
+                <a:latin typeface="Times New Roman" panose="02020603050405020304" pitchFamily="18" charset="0"/>
+              </a:rPr>
+              <a:t>data</a:t>
+            </a:r>
+            <a:endParaRPr lang="en-US" altLang="en-US" sz="2400" dirty="0">
+              <a:latin typeface="Times New Roman" panose="02020603050405020304" pitchFamily="18" charset="0"/>
+            </a:endParaRPr>
+          </a:p>
+        </p:txBody>
+      </p:sp>
+      <p:sp>
+        <p:nvSpPr>
+          <p:cNvPr id="4" name="Text Box 46">
+            <a:extLst>
+              <a:ext uri="{FF2B5EF4-FFF2-40B4-BE49-F238E27FC236}">
+                <a16:creationId xmlns:a16="http://schemas.microsoft.com/office/drawing/2014/main" id="{FF63D4FB-6C81-8022-2440-DD6B2D739E8D}"/>
+              </a:ext>
+            </a:extLst>
+          </p:cNvPr>
+          <p:cNvSpPr txBox="1">
+            <a:spLocks noChangeArrowheads="1"/>
+          </p:cNvSpPr>
+          <p:nvPr/>
+        </p:nvSpPr>
+        <p:spPr bwMode="auto">
+          <a:xfrm>
+            <a:off x="7774211" y="1056367"/>
+            <a:ext cx="1450091" cy="461665"/>
+          </a:xfrm>
+          <a:prstGeom prst="rect">
+            <a:avLst/>
+          </a:prstGeom>
+          <a:noFill/>
+          <a:ln>
+            <a:noFill/>
+          </a:ln>
+          <a:effectLst/>
+          <a:extLst>
+            <a:ext uri="{909E8E84-426E-40DD-AFC4-6F175D3DCCD1}">
+              <a14:hiddenFill xmlns:a14="http://schemas.microsoft.com/office/drawing/2010/main">
+                <a:solidFill>
+                  <a:schemeClr val="accent1"/>
+                </a:solidFill>
+              </a14:hiddenFill>
+            </a:ext>
+            <a:ext uri="{91240B29-F687-4F45-9708-019B960494DF}">
+              <a14:hiddenLine xmlns:a14="http://schemas.microsoft.com/office/drawing/2010/main" w="9525">
+                <a:solidFill>
+                  <a:schemeClr val="tx1"/>
+                </a:solidFill>
+                <a:miter lim="800000"/>
+                <a:headEnd type="none" w="lg" len="lg"/>
+                <a:tailEnd type="none" w="lg" len="lg"/>
+              </a14:hiddenLine>
+            </a:ext>
+            <a:ext uri="{AF507438-7753-43E0-B8FC-AC1667EBCBE1}">
+              <a14:hiddenEffects xmlns:a14="http://schemas.microsoft.com/office/drawing/2010/main">
+                <a:effectLst>
+                  <a:outerShdw dist="35921" dir="2700000" algn="ctr" rotWithShape="0">
+                    <a:schemeClr val="bg2"/>
+                  </a:outerShdw>
+                </a:effectLst>
+              </a14:hiddenEffects>
+            </a:ext>
+          </a:extLst>
+        </p:spPr>
+        <p:txBody>
+          <a:bodyPr wrap="square">
+            <a:spAutoFit/>
+          </a:bodyPr>
+          <a:lstStyle/>
+          <a:p>
+            <a:pPr>
+              <a:spcBef>
+                <a:spcPct val="50000"/>
+              </a:spcBef>
+            </a:pPr>
+            <a:r>
+              <a:rPr lang="en-US" altLang="en-US" sz="2400" dirty="0">
+                <a:latin typeface="Trebuchet MS" panose="020B0703020202090204" pitchFamily="34" charset="0"/>
+              </a:rPr>
+              <a:t>variable</a:t>
             </a:r>
           </a:p>
         </p:txBody>
@@ -7101,10 +6940,10 @@
       </p:grpSpPr>
       <p:sp>
         <p:nvSpPr>
-          <p:cNvPr id="142338" name="Rectangle 2">
-            <a:extLst>
-              <a:ext uri="{FF2B5EF4-FFF2-40B4-BE49-F238E27FC236}">
-                <a16:creationId xmlns:a16="http://schemas.microsoft.com/office/drawing/2014/main" id="{46B52AAB-F118-C217-6291-81F8C657BD64}"/>
+          <p:cNvPr id="150530" name="Rectangle 2">
+            <a:extLst>
+              <a:ext uri="{FF2B5EF4-FFF2-40B4-BE49-F238E27FC236}">
+                <a16:creationId xmlns:a16="http://schemas.microsoft.com/office/drawing/2014/main" id="{A5E79B40-3EDA-4D58-AA66-05C5DCFA736F}"/>
               </a:ext>
             </a:extLst>
           </p:cNvPr>
@@ -7117,26 +6956,26 @@
         </p:nvSpPr>
         <p:spPr/>
         <p:txBody>
-          <a:bodyPr/>
-          <a:lstStyle/>
-          <a:p>
-            <a:pPr eaLnBrk="1" hangingPunct="1"/>
+          <a:bodyPr vert="horz" lIns="91440" tIns="45720" rIns="91440" bIns="45720" rtlCol="0" anchor="ctr">
+            <a:normAutofit/>
+          </a:bodyPr>
+          <a:lstStyle/>
+          <a:p>
             <a:r>
               <a:rPr lang="en-US" altLang="en-US" dirty="0">
                 <a:latin typeface="Calibri" panose="020F0502020204030204" pitchFamily="34" charset="0"/>
-                <a:cs typeface="Calibri" panose="020F0502020204030204" pitchFamily="34" charset="0"/>
-              </a:rPr>
-              <a:t>int</a:t>
-            </a:r>
-          </a:p>
-        </p:txBody>
-      </p:sp>
-      <p:sp>
-        <p:nvSpPr>
-          <p:cNvPr id="142339" name="Rectangle 3">
-            <a:extLst>
-              <a:ext uri="{FF2B5EF4-FFF2-40B4-BE49-F238E27FC236}">
-                <a16:creationId xmlns:a16="http://schemas.microsoft.com/office/drawing/2014/main" id="{DDF18BB5-0F2E-8DF8-7842-D527BD98D0A1}"/>
+              </a:rPr>
+              <a:t>Declaring variables</a:t>
+            </a:r>
+          </a:p>
+        </p:txBody>
+      </p:sp>
+      <p:sp>
+        <p:nvSpPr>
+          <p:cNvPr id="150531" name="Rectangle 3">
+            <a:extLst>
+              <a:ext uri="{FF2B5EF4-FFF2-40B4-BE49-F238E27FC236}">
+                <a16:creationId xmlns:a16="http://schemas.microsoft.com/office/drawing/2014/main" id="{54B1DA22-3DB3-261B-AA34-B46CCC657D3D}"/>
               </a:ext>
             </a:extLst>
           </p:cNvPr>
@@ -7159,46 +6998,104 @@
               <a:buChar char="o"/>
             </a:pPr>
             <a:r>
-              <a:rPr lang="en-US" altLang="en-US" dirty="0">
-                <a:latin typeface="Calibri" panose="020F0502020204030204" pitchFamily="34" charset="0"/>
-              </a:rPr>
-              <a:t>The most important </a:t>
-            </a:r>
-            <a:r>
-              <a:rPr lang="en-US" altLang="en-US" b="1" dirty="0">
-                <a:latin typeface="Calibri" panose="020F0502020204030204" pitchFamily="34" charset="0"/>
-              </a:rPr>
-              <a:t>integer</a:t>
-            </a:r>
-            <a:r>
-              <a:rPr lang="en-US" altLang="en-US" dirty="0">
-                <a:latin typeface="Calibri" panose="020F0502020204030204" pitchFamily="34" charset="0"/>
-              </a:rPr>
-              <a:t> type is int</a:t>
-            </a:r>
-          </a:p>
-          <a:p>
-            <a:pPr lvl="1"/>
-            <a:r>
-              <a:rPr lang="en-US" altLang="en-US" dirty="0"/>
-              <a:t>An int is a </a:t>
-            </a:r>
-            <a:r>
-              <a:rPr lang="ja-JP" altLang="en-US"/>
-              <a:t>“</a:t>
-            </a:r>
-            <a:r>
-              <a:rPr lang="en-US" altLang="ja-JP" dirty="0"/>
-              <a:t>whole</a:t>
-            </a:r>
-            <a:r>
-              <a:rPr lang="ja-JP" altLang="en-US"/>
-              <a:t>”</a:t>
-            </a:r>
-            <a:r>
-              <a:rPr lang="en-US" altLang="ja-JP" dirty="0"/>
-              <a:t> number (no decimal point)</a:t>
-            </a:r>
+              <a:rPr lang="en-US" dirty="0">
+                <a:latin typeface="Calibri" panose="020F0502020204030204" pitchFamily="34" charset="0"/>
+              </a:rPr>
+              <a:t>Declaration:</a:t>
+            </a:r>
+          </a:p>
+          <a:p>
+            <a:pPr lvl="1">
+              <a:buFont typeface="Courier New" panose="02070309020205020404" pitchFamily="49" charset="0"/>
+              <a:buChar char="o"/>
+            </a:pPr>
+            <a:r>
+              <a:rPr lang="en-US" dirty="0">
+                <a:latin typeface="Calibri" panose="020F0502020204030204" pitchFamily="34" charset="0"/>
+              </a:rPr>
+              <a:t>Datatype </a:t>
+            </a:r>
+            <a:r>
+              <a:rPr lang="en-US" dirty="0" err="1">
+                <a:latin typeface="Calibri" panose="020F0502020204030204" pitchFamily="34" charset="0"/>
+              </a:rPr>
+              <a:t>variableName</a:t>
+            </a:r>
+            <a:r>
+              <a:rPr lang="en-US" dirty="0">
+                <a:latin typeface="Calibri" panose="020F0502020204030204" pitchFamily="34" charset="0"/>
+              </a:rPr>
+              <a:t>;</a:t>
+            </a:r>
+          </a:p>
+          <a:p>
+            <a:pPr lvl="1">
+              <a:buFont typeface="Courier New" panose="02070309020205020404" pitchFamily="49" charset="0"/>
+              <a:buChar char="o"/>
+            </a:pPr>
+            <a:r>
+              <a:rPr lang="en-US" dirty="0" err="1">
+                <a:latin typeface="Calibri" panose="020F0502020204030204" pitchFamily="34" charset="0"/>
+              </a:rPr>
+              <a:t>E.g</a:t>
+            </a:r>
+            <a:r>
+              <a:rPr lang="en-US" dirty="0">
+                <a:latin typeface="Calibri" panose="020F0502020204030204" pitchFamily="34" charset="0"/>
+              </a:rPr>
+              <a:t>: </a:t>
+            </a:r>
+          </a:p>
+          <a:p>
+            <a:pPr lvl="2"/>
+            <a:r>
+              <a:rPr lang="en-US" dirty="0">
+                <a:latin typeface="Calibri" panose="020F0502020204030204" pitchFamily="34" charset="0"/>
+                <a:cs typeface="Calibri" panose="020F0502020204030204" pitchFamily="34" charset="0"/>
+              </a:rPr>
+              <a:t>int </a:t>
+            </a:r>
+            <a:r>
+              <a:rPr lang="en-US" dirty="0" err="1">
+                <a:latin typeface="Calibri" panose="020F0502020204030204" pitchFamily="34" charset="0"/>
+                <a:cs typeface="Calibri" panose="020F0502020204030204" pitchFamily="34" charset="0"/>
+              </a:rPr>
+              <a:t>classSize</a:t>
+            </a:r>
+            <a:r>
+              <a:rPr lang="en-US" dirty="0">
+                <a:latin typeface="Calibri" panose="020F0502020204030204" pitchFamily="34" charset="0"/>
+                <a:cs typeface="Calibri" panose="020F0502020204030204" pitchFamily="34" charset="0"/>
+              </a:rPr>
+              <a:t>;</a:t>
+            </a:r>
+          </a:p>
+          <a:p>
+            <a:pPr lvl="2"/>
+            <a:r>
+              <a:rPr lang="en-US" dirty="0">
+                <a:latin typeface="Calibri" panose="020F0502020204030204" pitchFamily="34" charset="0"/>
+                <a:cs typeface="Calibri" panose="020F0502020204030204" pitchFamily="34" charset="0"/>
+              </a:rPr>
+              <a:t>double </a:t>
+            </a:r>
+            <a:r>
+              <a:rPr lang="en-US" dirty="0" err="1">
+                <a:latin typeface="Calibri" panose="020F0502020204030204" pitchFamily="34" charset="0"/>
+                <a:cs typeface="Calibri" panose="020F0502020204030204" pitchFamily="34" charset="0"/>
+              </a:rPr>
+              <a:t>myBankBalance</a:t>
+            </a:r>
+            <a:r>
+              <a:rPr lang="en-US" dirty="0">
+                <a:latin typeface="Calibri" panose="020F0502020204030204" pitchFamily="34" charset="0"/>
+                <a:cs typeface="Calibri" panose="020F0502020204030204" pitchFamily="34" charset="0"/>
+              </a:rPr>
+              <a:t>;</a:t>
+            </a:r>
+            <a:endParaRPr lang="en-US" dirty="0">
+              <a:latin typeface="Calibri" panose="020F0502020204030204" pitchFamily="34" charset="0"/>
+            </a:endParaRPr>
           </a:p>
           <a:p>
             <a:pPr>
@@ -7206,65 +7103,105 @@
               <a:buChar char="o"/>
             </a:pPr>
             <a:r>
-              <a:rPr lang="en-US" altLang="en-US" dirty="0">
-                <a:latin typeface="Calibri" panose="020F0502020204030204" pitchFamily="34" charset="0"/>
-              </a:rPr>
-              <a:t>Numbers occupy memory in the computer</a:t>
-            </a:r>
-          </a:p>
-          <a:p>
-            <a:pPr lvl="1"/>
-            <a:r>
-              <a:rPr lang="en-US" altLang="en-US" dirty="0"/>
-              <a:t>Larger numeric types require more memory</a:t>
-            </a:r>
-          </a:p>
-          <a:p>
-            <a:pPr lvl="2"/>
-            <a:r>
-              <a:rPr lang="en-US" altLang="en-US" dirty="0"/>
-              <a:t>byte: 1 byte     short: 2 bytes     int: 4 bytes    long: 8 bytes</a:t>
-            </a:r>
-          </a:p>
-          <a:p>
-            <a:pPr lvl="1"/>
-            <a:r>
-              <a:rPr lang="en-US" altLang="en-US" dirty="0"/>
-              <a:t>An int can be between about two billion (two thousand million) and negative two billion</a:t>
-            </a:r>
-          </a:p>
-          <a:p>
-            <a:pPr>
+              <a:rPr lang="en-US" dirty="0">
+                <a:latin typeface="Calibri" panose="020F0502020204030204" pitchFamily="34" charset="0"/>
+              </a:rPr>
+              <a:t>Initialization:</a:t>
+            </a:r>
+          </a:p>
+          <a:p>
+            <a:pPr lvl="1">
               <a:buFont typeface="Courier New" panose="02070309020205020404" pitchFamily="49" charset="0"/>
               <a:buChar char="o"/>
             </a:pPr>
             <a:r>
-              <a:rPr lang="en-US" altLang="en-US" dirty="0">
-                <a:latin typeface="Calibri" panose="020F0502020204030204" pitchFamily="34" charset="0"/>
-              </a:rPr>
-              <a:t>Use </a:t>
-            </a:r>
-            <a:r>
-              <a:rPr lang="en-US" altLang="en-US" b="1" dirty="0">
-                <a:latin typeface="Calibri" panose="020F0502020204030204" pitchFamily="34" charset="0"/>
-              </a:rPr>
-              <a:t>int</a:t>
-            </a:r>
-            <a:r>
-              <a:rPr lang="en-US" altLang="en-US" dirty="0">
-                <a:latin typeface="Calibri" panose="020F0502020204030204" pitchFamily="34" charset="0"/>
-              </a:rPr>
-              <a:t> in preference to other integer types</a:t>
-            </a:r>
-          </a:p>
-          <a:p>
-            <a:pPr>
+              <a:rPr lang="en-US" dirty="0">
+                <a:latin typeface="Calibri" panose="020F0502020204030204" pitchFamily="34" charset="0"/>
+              </a:rPr>
+              <a:t>Datatype </a:t>
+            </a:r>
+            <a:r>
+              <a:rPr lang="en-US" dirty="0" err="1">
+                <a:latin typeface="Calibri" panose="020F0502020204030204" pitchFamily="34" charset="0"/>
+              </a:rPr>
+              <a:t>variableName</a:t>
+            </a:r>
+            <a:r>
+              <a:rPr lang="en-US" dirty="0">
+                <a:latin typeface="Calibri" panose="020F0502020204030204" pitchFamily="34" charset="0"/>
+              </a:rPr>
+              <a:t> = value;</a:t>
+            </a:r>
+          </a:p>
+          <a:p>
+            <a:pPr lvl="1">
               <a:buFont typeface="Courier New" panose="02070309020205020404" pitchFamily="49" charset="0"/>
               <a:buChar char="o"/>
             </a:pPr>
-            <a:endParaRPr lang="en-US" altLang="en-US" dirty="0">
-              <a:latin typeface="Calibri" panose="020F0502020204030204" pitchFamily="34" charset="0"/>
-            </a:endParaRPr>
+            <a:r>
+              <a:rPr lang="en-US" dirty="0" err="1">
+                <a:latin typeface="Calibri" panose="020F0502020204030204" pitchFamily="34" charset="0"/>
+              </a:rPr>
+              <a:t>E.g</a:t>
+            </a:r>
+            <a:r>
+              <a:rPr lang="en-US" dirty="0">
+                <a:latin typeface="Calibri" panose="020F0502020204030204" pitchFamily="34" charset="0"/>
+              </a:rPr>
+              <a:t>:</a:t>
+            </a:r>
+          </a:p>
+          <a:p>
+            <a:pPr lvl="2"/>
+            <a:r>
+              <a:rPr lang="en-US" dirty="0">
+                <a:latin typeface="Calibri" panose="020F0502020204030204" pitchFamily="34" charset="0"/>
+                <a:cs typeface="Calibri" panose="020F0502020204030204" pitchFamily="34" charset="0"/>
+              </a:rPr>
+              <a:t>int </a:t>
+            </a:r>
+            <a:r>
+              <a:rPr lang="en-US" dirty="0" err="1">
+                <a:latin typeface="Calibri" panose="020F0502020204030204" pitchFamily="34" charset="0"/>
+                <a:cs typeface="Calibri" panose="020F0502020204030204" pitchFamily="34" charset="0"/>
+              </a:rPr>
+              <a:t>classSize</a:t>
+            </a:r>
+            <a:r>
+              <a:rPr lang="en-US" dirty="0">
+                <a:latin typeface="Calibri" panose="020F0502020204030204" pitchFamily="34" charset="0"/>
+                <a:cs typeface="Calibri" panose="020F0502020204030204" pitchFamily="34" charset="0"/>
+              </a:rPr>
+              <a:t> = 100;</a:t>
+            </a:r>
+          </a:p>
+          <a:p>
+            <a:pPr lvl="2"/>
+            <a:r>
+              <a:rPr lang="en-US" dirty="0">
+                <a:latin typeface="Calibri" panose="020F0502020204030204" pitchFamily="34" charset="0"/>
+                <a:cs typeface="Calibri" panose="020F0502020204030204" pitchFamily="34" charset="0"/>
+              </a:rPr>
+              <a:t>double </a:t>
+            </a:r>
+            <a:r>
+              <a:rPr lang="en-US" dirty="0" err="1">
+                <a:latin typeface="Calibri" panose="020F0502020204030204" pitchFamily="34" charset="0"/>
+                <a:cs typeface="Calibri" panose="020F0502020204030204" pitchFamily="34" charset="0"/>
+              </a:rPr>
+              <a:t>myBankBalance</a:t>
+            </a:r>
+            <a:r>
+              <a:rPr lang="en-US" dirty="0">
+                <a:latin typeface="Calibri" panose="020F0502020204030204" pitchFamily="34" charset="0"/>
+                <a:cs typeface="Calibri" panose="020F0502020204030204" pitchFamily="34" charset="0"/>
+              </a:rPr>
+              <a:t> = 100;</a:t>
+            </a:r>
+          </a:p>
+          <a:p>
+            <a:pPr lvl="1"/>
+            <a:endParaRPr lang="en-US" dirty="0"/>
           </a:p>
         </p:txBody>
       </p:sp>
@@ -7295,10 +7232,10 @@
       </p:grpSpPr>
       <p:sp>
         <p:nvSpPr>
-          <p:cNvPr id="143362" name="Rectangle 2">
-            <a:extLst>
-              <a:ext uri="{FF2B5EF4-FFF2-40B4-BE49-F238E27FC236}">
-                <a16:creationId xmlns:a16="http://schemas.microsoft.com/office/drawing/2014/main" id="{0EF50CC7-942F-35CA-50A0-6A3CA43E6CC9}"/>
+          <p:cNvPr id="166914" name="Rectangle 2">
+            <a:extLst>
+              <a:ext uri="{FF2B5EF4-FFF2-40B4-BE49-F238E27FC236}">
+                <a16:creationId xmlns:a16="http://schemas.microsoft.com/office/drawing/2014/main" id="{1B0483B0-613F-BF09-143B-4D4D4D8022D3}"/>
               </a:ext>
             </a:extLst>
           </p:cNvPr>
@@ -7311,27 +7248,23 @@
         </p:nvSpPr>
         <p:spPr/>
         <p:txBody>
-          <a:bodyPr>
-            <a:normAutofit/>
-          </a:bodyPr>
+          <a:bodyPr/>
           <a:lstStyle/>
           <a:p>
             <a:pPr eaLnBrk="1" hangingPunct="1"/>
             <a:r>
-              <a:rPr lang="en-US" altLang="en-US" dirty="0">
-                <a:latin typeface="Calibri" panose="020F0502020204030204" pitchFamily="34" charset="0"/>
-              </a:rPr>
-              <a:t>Byte, SHORT</a:t>
-            </a:r>
-          </a:p>
-        </p:txBody>
-      </p:sp>
-      <p:sp>
-        <p:nvSpPr>
-          <p:cNvPr id="143363" name="Rectangle 3">
-            <a:extLst>
-              <a:ext uri="{FF2B5EF4-FFF2-40B4-BE49-F238E27FC236}">
-                <a16:creationId xmlns:a16="http://schemas.microsoft.com/office/drawing/2014/main" id="{94248924-D06C-6D40-58E6-AFDE71AC9E22}"/>
+              <a:rPr lang="en-US" altLang="en-US" dirty="0"/>
+              <a:t>Data Types</a:t>
+            </a:r>
+          </a:p>
+        </p:txBody>
+      </p:sp>
+      <p:sp>
+        <p:nvSpPr>
+          <p:cNvPr id="166915" name="Rectangle 3">
+            <a:extLst>
+              <a:ext uri="{FF2B5EF4-FFF2-40B4-BE49-F238E27FC236}">
+                <a16:creationId xmlns:a16="http://schemas.microsoft.com/office/drawing/2014/main" id="{AC160CDA-A118-6F83-CAA3-E0D483913E7A}"/>
               </a:ext>
             </a:extLst>
           </p:cNvPr>
@@ -7354,22 +7287,46 @@
               <a:buChar char="o"/>
             </a:pPr>
             <a:r>
+              <a:rPr lang="en-US" altLang="en-US" b="1" dirty="0">
+                <a:latin typeface="Calibri" panose="020F0502020204030204" pitchFamily="34" charset="0"/>
+                <a:cs typeface="Calibri" panose="020F0502020204030204" pitchFamily="34" charset="0"/>
+              </a:rPr>
+              <a:t>Primitive types</a:t>
+            </a:r>
+            <a:r>
               <a:rPr lang="en-US" altLang="en-US" dirty="0">
                 <a:latin typeface="Calibri" panose="020F0502020204030204" pitchFamily="34" charset="0"/>
-              </a:rPr>
-              <a:t>A </a:t>
-            </a:r>
-            <a:r>
-              <a:rPr lang="en-US" altLang="en-US" b="1" dirty="0">
-                <a:latin typeface="Calibri" panose="020F0502020204030204" pitchFamily="34" charset="0"/>
-              </a:rPr>
-              <a:t>byte</a:t>
-            </a:r>
-            <a:r>
-              <a:rPr lang="en-US" altLang="en-US" dirty="0">
-                <a:latin typeface="Calibri" panose="020F0502020204030204" pitchFamily="34" charset="0"/>
-              </a:rPr>
-              <a:t> can be between -128 and 127</a:t>
+                <a:cs typeface="Calibri" panose="020F0502020204030204" pitchFamily="34" charset="0"/>
+              </a:rPr>
+              <a:t> are the </a:t>
+            </a:r>
+            <a:r>
+              <a:rPr lang="ja-JP" altLang="en-US">
+                <a:latin typeface="Calibri" panose="020F0502020204030204" pitchFamily="34" charset="0"/>
+                <a:cs typeface="Calibri" panose="020F0502020204030204" pitchFamily="34" charset="0"/>
+              </a:rPr>
+              <a:t>“</a:t>
+            </a:r>
+            <a:r>
+              <a:rPr lang="en-US" altLang="ja-JP" dirty="0">
+                <a:latin typeface="Calibri" panose="020F0502020204030204" pitchFamily="34" charset="0"/>
+                <a:cs typeface="Calibri" panose="020F0502020204030204" pitchFamily="34" charset="0"/>
+              </a:rPr>
+              <a:t>basic</a:t>
+            </a:r>
+            <a:r>
+              <a:rPr lang="ja-JP" altLang="en-US">
+                <a:latin typeface="Calibri" panose="020F0502020204030204" pitchFamily="34" charset="0"/>
+                <a:cs typeface="Calibri" panose="020F0502020204030204" pitchFamily="34" charset="0"/>
+              </a:rPr>
+              <a:t>”</a:t>
+            </a:r>
+            <a:r>
+              <a:rPr lang="en-US" altLang="ja-JP" dirty="0">
+                <a:latin typeface="Calibri" panose="020F0502020204030204" pitchFamily="34" charset="0"/>
+                <a:cs typeface="Calibri" panose="020F0502020204030204" pitchFamily="34" charset="0"/>
+              </a:rPr>
+              <a:t> data values.</a:t>
             </a:r>
           </a:p>
           <a:p>
@@ -7378,22 +7335,46 @@
               <a:buChar char="o"/>
             </a:pPr>
             <a:r>
+              <a:rPr lang="en-US" altLang="en-US" b="1" dirty="0">
+                <a:latin typeface="Calibri" panose="020F0502020204030204" pitchFamily="34" charset="0"/>
+                <a:cs typeface="Calibri" panose="020F0502020204030204" pitchFamily="34" charset="0"/>
+              </a:rPr>
+              <a:t>Reference types</a:t>
+            </a:r>
+            <a:r>
               <a:rPr lang="en-US" altLang="en-US" dirty="0">
                 <a:latin typeface="Calibri" panose="020F0502020204030204" pitchFamily="34" charset="0"/>
-              </a:rPr>
-              <a:t>A </a:t>
-            </a:r>
-            <a:r>
-              <a:rPr lang="en-US" altLang="en-US" b="1" dirty="0">
-                <a:latin typeface="Calibri" panose="020F0502020204030204" pitchFamily="34" charset="0"/>
-              </a:rPr>
-              <a:t>short</a:t>
-            </a:r>
-            <a:r>
-              <a:rPr lang="en-US" altLang="en-US" dirty="0">
-                <a:latin typeface="Calibri" panose="020F0502020204030204" pitchFamily="34" charset="0"/>
-              </a:rPr>
-              <a:t> can be -32768 to 32767</a:t>
+                <a:cs typeface="Calibri" panose="020F0502020204030204" pitchFamily="34" charset="0"/>
+              </a:rPr>
+              <a:t> are </a:t>
+            </a:r>
+            <a:r>
+              <a:rPr lang="ja-JP" altLang="en-US">
+                <a:latin typeface="Calibri" panose="020F0502020204030204" pitchFamily="34" charset="0"/>
+                <a:cs typeface="Calibri" panose="020F0502020204030204" pitchFamily="34" charset="0"/>
+              </a:rPr>
+              <a:t>“</a:t>
+            </a:r>
+            <a:r>
+              <a:rPr lang="en-US" altLang="ja-JP" dirty="0">
+                <a:latin typeface="Calibri" panose="020F0502020204030204" pitchFamily="34" charset="0"/>
+                <a:cs typeface="Calibri" panose="020F0502020204030204" pitchFamily="34" charset="0"/>
+              </a:rPr>
+              <a:t>advanced</a:t>
+            </a:r>
+            <a:r>
+              <a:rPr lang="ja-JP" altLang="en-US">
+                <a:latin typeface="Calibri" panose="020F0502020204030204" pitchFamily="34" charset="0"/>
+                <a:cs typeface="Calibri" panose="020F0502020204030204" pitchFamily="34" charset="0"/>
+              </a:rPr>
+              <a:t>”</a:t>
+            </a:r>
+            <a:r>
+              <a:rPr lang="en-US" altLang="ja-JP" dirty="0">
+                <a:latin typeface="Calibri" panose="020F0502020204030204" pitchFamily="34" charset="0"/>
+                <a:cs typeface="Calibri" panose="020F0502020204030204" pitchFamily="34" charset="0"/>
+              </a:rPr>
+              <a:t> data values that contain address of objects.</a:t>
             </a:r>
           </a:p>
           <a:p>
@@ -7404,22 +7385,56 @@
             <a:r>
               <a:rPr lang="en-US" altLang="en-US" dirty="0">
                 <a:latin typeface="Calibri" panose="020F0502020204030204" pitchFamily="34" charset="0"/>
-              </a:rPr>
-              <a:t>Use byte or short only when</a:t>
+                <a:cs typeface="Calibri" panose="020F0502020204030204" pitchFamily="34" charset="0"/>
+              </a:rPr>
+              <a:t>There are eight types of primitives:</a:t>
             </a:r>
           </a:p>
           <a:p>
             <a:pPr lvl="1"/>
             <a:r>
-              <a:rPr lang="en-US" altLang="en-US" dirty="0"/>
-              <a:t>You know the numbers are all small</a:t>
+              <a:rPr lang="en-US" altLang="en-US" dirty="0" err="1">
+                <a:latin typeface="Calibri" panose="020F0502020204030204" pitchFamily="34" charset="0"/>
+                <a:cs typeface="Calibri" panose="020F0502020204030204" pitchFamily="34" charset="0"/>
+              </a:rPr>
+              <a:t>boolean</a:t>
+            </a:r>
+            <a:r>
+              <a:rPr lang="en-US" altLang="en-US" dirty="0">
+                <a:latin typeface="Calibri" panose="020F0502020204030204" pitchFamily="34" charset="0"/>
+                <a:cs typeface="Calibri" panose="020F0502020204030204" pitchFamily="34" charset="0"/>
+              </a:rPr>
+              <a:t> -- used for true and false values</a:t>
             </a:r>
           </a:p>
           <a:p>
             <a:pPr lvl="1"/>
             <a:r>
-              <a:rPr lang="en-US" altLang="en-US" dirty="0"/>
-              <a:t>There are millions of numbers to remember</a:t>
+              <a:rPr lang="en-US" altLang="en-US" dirty="0">
+                <a:latin typeface="Calibri" panose="020F0502020204030204" pitchFamily="34" charset="0"/>
+                <a:cs typeface="Calibri" panose="020F0502020204030204" pitchFamily="34" charset="0"/>
+              </a:rPr>
+              <a:t>char -- used for single characters (letters, etc.)</a:t>
+            </a:r>
+          </a:p>
+          <a:p>
+            <a:pPr lvl="1"/>
+            <a:r>
+              <a:rPr lang="en-US" altLang="en-US" dirty="0">
+                <a:latin typeface="Calibri" panose="020F0502020204030204" pitchFamily="34" charset="0"/>
+                <a:cs typeface="Calibri" panose="020F0502020204030204" pitchFamily="34" charset="0"/>
+              </a:rPr>
+              <a:t>byte, short, int, long -- four different kinds of integer (whole number) values</a:t>
+            </a:r>
+          </a:p>
+          <a:p>
+            <a:pPr lvl="1"/>
+            <a:r>
+              <a:rPr lang="en-US" altLang="en-US" dirty="0">
+                <a:latin typeface="Calibri" panose="020F0502020204030204" pitchFamily="34" charset="0"/>
+                <a:cs typeface="Calibri" panose="020F0502020204030204" pitchFamily="34" charset="0"/>
+              </a:rPr>
+              <a:t>float, double -- two different kinds of decimal numbers (numbers with a decimal point)</a:t>
             </a:r>
           </a:p>
         </p:txBody>
@@ -7451,10 +7466,10 @@
       </p:grpSpPr>
       <p:sp>
         <p:nvSpPr>
-          <p:cNvPr id="144386" name="Rectangle 2">
-            <a:extLst>
-              <a:ext uri="{FF2B5EF4-FFF2-40B4-BE49-F238E27FC236}">
-                <a16:creationId xmlns:a16="http://schemas.microsoft.com/office/drawing/2014/main" id="{C6ED462E-AFCD-C366-F7B0-769DCD236E8C}"/>
+          <p:cNvPr id="142338" name="Rectangle 2">
+            <a:extLst>
+              <a:ext uri="{FF2B5EF4-FFF2-40B4-BE49-F238E27FC236}">
+                <a16:creationId xmlns:a16="http://schemas.microsoft.com/office/drawing/2014/main" id="{46B52AAB-F118-C217-6291-81F8C657BD64}"/>
               </a:ext>
             </a:extLst>
           </p:cNvPr>
@@ -7467,26 +7482,25 @@
         </p:nvSpPr>
         <p:spPr/>
         <p:txBody>
-          <a:bodyPr vert="horz" lIns="91440" tIns="45720" rIns="91440" bIns="45720" rtlCol="0" anchor="ctr">
+          <a:bodyPr>
             <a:normAutofit/>
           </a:bodyPr>
           <a:lstStyle/>
           <a:p>
-            <a:r>
-              <a:rPr lang="en-US" altLang="en-US" dirty="0">
-                <a:latin typeface="Calibri" panose="020F0502020204030204" pitchFamily="34" charset="0"/>
-              </a:rPr>
-              <a:t>long</a:t>
-            </a:r>
-          </a:p>
-        </p:txBody>
-      </p:sp>
-      <p:sp>
-        <p:nvSpPr>
-          <p:cNvPr id="144387" name="Rectangle 3">
-            <a:extLst>
-              <a:ext uri="{FF2B5EF4-FFF2-40B4-BE49-F238E27FC236}">
-                <a16:creationId xmlns:a16="http://schemas.microsoft.com/office/drawing/2014/main" id="{CFDBF581-AAD2-0828-28D8-4937C3789B33}"/>
+            <a:pPr eaLnBrk="1" hangingPunct="1"/>
+            <a:r>
+              <a:rPr lang="en-US" altLang="en-US" dirty="0"/>
+              <a:t>int</a:t>
+            </a:r>
+          </a:p>
+        </p:txBody>
+      </p:sp>
+      <p:sp>
+        <p:nvSpPr>
+          <p:cNvPr id="142339" name="Rectangle 3">
+            <a:extLst>
+              <a:ext uri="{FF2B5EF4-FFF2-40B4-BE49-F238E27FC236}">
+                <a16:creationId xmlns:a16="http://schemas.microsoft.com/office/drawing/2014/main" id="{DDF18BB5-0F2E-8DF8-7842-D527BD98D0A1}"/>
               </a:ext>
             </a:extLst>
           </p:cNvPr>
@@ -7509,34 +7523,45 @@
               <a:buChar char="o"/>
             </a:pPr>
             <a:r>
+              <a:rPr lang="en-US" altLang="en-US" dirty="0">
+                <a:latin typeface="Calibri" panose="020F0502020204030204" pitchFamily="34" charset="0"/>
+              </a:rPr>
+              <a:t>The most important </a:t>
+            </a:r>
+            <a:r>
               <a:rPr lang="en-US" altLang="en-US" b="1" dirty="0">
                 <a:latin typeface="Calibri" panose="020F0502020204030204" pitchFamily="34" charset="0"/>
               </a:rPr>
-              <a:t> Long</a:t>
+              <a:t>integer</a:t>
             </a:r>
             <a:r>
               <a:rPr lang="en-US" altLang="en-US" dirty="0">
                 <a:latin typeface="Calibri" panose="020F0502020204030204" pitchFamily="34" charset="0"/>
               </a:rPr>
-              <a:t> integers are for when two billion </a:t>
-            </a:r>
-            <a:r>
-              <a:rPr lang="en-US" altLang="en-US" dirty="0" err="1">
-                <a:latin typeface="Calibri" panose="020F0502020204030204" pitchFamily="34" charset="0"/>
-              </a:rPr>
-              <a:t>isn</a:t>
-            </a:r>
-            <a:r>
-              <a:rPr lang="ja-JP" altLang="en-US">
-                <a:latin typeface="Calibri" panose="020F0502020204030204" pitchFamily="34" charset="0"/>
-              </a:rPr>
-              <a:t>’</a:t>
-            </a:r>
-            <a:r>
-              <a:rPr lang="en-US" altLang="ja-JP" dirty="0">
-                <a:latin typeface="Calibri" panose="020F0502020204030204" pitchFamily="34" charset="0"/>
-              </a:rPr>
-              <a:t>t large enough for your needs</a:t>
+              <a:t> type is int</a:t>
+            </a:r>
+          </a:p>
+          <a:p>
+            <a:pPr lvl="1"/>
+            <a:r>
+              <a:rPr lang="en-US" altLang="en-US" dirty="0"/>
+              <a:t>An int is a </a:t>
+            </a:r>
+            <a:r>
+              <a:rPr lang="ja-JP" altLang="en-US"/>
+              <a:t>“</a:t>
+            </a:r>
+            <a:r>
+              <a:rPr lang="en-US" altLang="ja-JP" dirty="0"/>
+              <a:t>whole</a:t>
+            </a:r>
+            <a:r>
+              <a:rPr lang="ja-JP" altLang="en-US"/>
+              <a:t>”</a:t>
+            </a:r>
+            <a:r>
+              <a:rPr lang="en-US" altLang="ja-JP" dirty="0"/>
+              <a:t> number (no decimal point)</a:t>
             </a:r>
           </a:p>
           <a:p>
@@ -7548,7 +7573,28 @@
               <a:rPr lang="en-US" altLang="en-US" dirty="0">
                 <a:latin typeface="Calibri" panose="020F0502020204030204" pitchFamily="34" charset="0"/>
               </a:rPr>
-              <a:t>A long can be about 19 digits</a:t>
+              <a:t>Numbers occupy memory in the computer</a:t>
+            </a:r>
+          </a:p>
+          <a:p>
+            <a:pPr lvl="1"/>
+            <a:r>
+              <a:rPr lang="en-US" altLang="en-US" dirty="0"/>
+              <a:t>Larger numeric types require more memory</a:t>
+            </a:r>
+          </a:p>
+          <a:p>
+            <a:pPr lvl="2"/>
+            <a:r>
+              <a:rPr lang="en-US" altLang="en-US" dirty="0"/>
+              <a:t>byte: 1 byte     short: 2 bytes     int: 4 bytes    long: 8 bytes</a:t>
+            </a:r>
+          </a:p>
+          <a:p>
+            <a:pPr lvl="1"/>
+            <a:r>
+              <a:rPr lang="en-US" altLang="en-US" dirty="0"/>
+              <a:t>An int can be between about two billion (two thousand million) and negative two billion</a:t>
             </a:r>
           </a:p>
           <a:p>
@@ -7560,7 +7606,19 @@
               <a:rPr lang="en-US" altLang="en-US" dirty="0">
                 <a:latin typeface="Calibri" panose="020F0502020204030204" pitchFamily="34" charset="0"/>
               </a:rPr>
-              <a:t>A long occupies twice as much space as an int</a:t>
+              <a:t>Use </a:t>
+            </a:r>
+            <a:r>
+              <a:rPr lang="en-US" altLang="en-US" b="1" dirty="0">
+                <a:latin typeface="Calibri" panose="020F0502020204030204" pitchFamily="34" charset="0"/>
+              </a:rPr>
+              <a:t>int</a:t>
+            </a:r>
+            <a:r>
+              <a:rPr lang="en-US" altLang="en-US" dirty="0">
+                <a:latin typeface="Calibri" panose="020F0502020204030204" pitchFamily="34" charset="0"/>
+              </a:rPr>
+              <a:t> in preference to other integer types</a:t>
             </a:r>
           </a:p>
           <a:p>
@@ -7568,24 +7626,9 @@
               <a:buFont typeface="Courier New" panose="02070309020205020404" pitchFamily="49" charset="0"/>
               <a:buChar char="o"/>
             </a:pPr>
-            <a:r>
-              <a:rPr lang="en-US" altLang="en-US" dirty="0">
-                <a:latin typeface="Calibri" panose="020F0502020204030204" pitchFamily="34" charset="0"/>
-              </a:rPr>
-              <a:t>Arithmetic on long values is slower</a:t>
-            </a:r>
-          </a:p>
-          <a:p>
-            <a:pPr>
-              <a:buFont typeface="Courier New" panose="02070309020205020404" pitchFamily="49" charset="0"/>
-              <a:buChar char="o"/>
-            </a:pPr>
-            <a:r>
-              <a:rPr lang="en-US" altLang="en-US" dirty="0">
-                <a:latin typeface="Calibri" panose="020F0502020204030204" pitchFamily="34" charset="0"/>
-              </a:rPr>
-              <a:t>Use long only when you need big numbers</a:t>
-            </a:r>
+            <a:endParaRPr lang="en-US" altLang="en-US" dirty="0">
+              <a:latin typeface="Calibri" panose="020F0502020204030204" pitchFamily="34" charset="0"/>
+            </a:endParaRPr>
           </a:p>
         </p:txBody>
       </p:sp>
@@ -7616,10 +7659,10 @@
       </p:grpSpPr>
       <p:sp>
         <p:nvSpPr>
-          <p:cNvPr id="145410" name="Rectangle 2">
-            <a:extLst>
-              <a:ext uri="{FF2B5EF4-FFF2-40B4-BE49-F238E27FC236}">
-                <a16:creationId xmlns:a16="http://schemas.microsoft.com/office/drawing/2014/main" id="{F6938535-A4FA-1CF7-26BD-648D733BFFD3}"/>
+          <p:cNvPr id="143362" name="Rectangle 2">
+            <a:extLst>
+              <a:ext uri="{FF2B5EF4-FFF2-40B4-BE49-F238E27FC236}">
+                <a16:creationId xmlns:a16="http://schemas.microsoft.com/office/drawing/2014/main" id="{0EF50CC7-942F-35CA-50A0-6A3CA43E6CC9}"/>
               </a:ext>
             </a:extLst>
           </p:cNvPr>
@@ -7632,26 +7675,25 @@
         </p:nvSpPr>
         <p:spPr/>
         <p:txBody>
-          <a:bodyPr vert="horz" lIns="91440" tIns="45720" rIns="91440" bIns="45720" rtlCol="0" anchor="ctr">
+          <a:bodyPr>
             <a:normAutofit/>
           </a:bodyPr>
           <a:lstStyle/>
           <a:p>
-            <a:r>
-              <a:rPr lang="en-US" altLang="en-US" dirty="0">
-                <a:latin typeface="Calibri" panose="020F0502020204030204" pitchFamily="34" charset="0"/>
-              </a:rPr>
-              <a:t>double</a:t>
-            </a:r>
-          </a:p>
-        </p:txBody>
-      </p:sp>
-      <p:sp>
-        <p:nvSpPr>
-          <p:cNvPr id="145411" name="Rectangle 3">
-            <a:extLst>
-              <a:ext uri="{FF2B5EF4-FFF2-40B4-BE49-F238E27FC236}">
-                <a16:creationId xmlns:a16="http://schemas.microsoft.com/office/drawing/2014/main" id="{5610CFBB-3F2C-7B61-A471-0DC499489847}"/>
+            <a:pPr eaLnBrk="1" hangingPunct="1"/>
+            <a:r>
+              <a:rPr lang="en-US" altLang="en-US" dirty="0"/>
+              <a:t>byte, short</a:t>
+            </a:r>
+          </a:p>
+        </p:txBody>
+      </p:sp>
+      <p:sp>
+        <p:nvSpPr>
+          <p:cNvPr id="143363" name="Rectangle 3">
+            <a:extLst>
+              <a:ext uri="{FF2B5EF4-FFF2-40B4-BE49-F238E27FC236}">
+                <a16:creationId xmlns:a16="http://schemas.microsoft.com/office/drawing/2014/main" id="{94248924-D06C-6D40-58E6-AFDE71AC9E22}"/>
               </a:ext>
             </a:extLst>
           </p:cNvPr>
@@ -7683,64 +7725,13 @@
               <a:rPr lang="en-US" altLang="en-US" b="1" dirty="0">
                 <a:latin typeface="Calibri" panose="020F0502020204030204" pitchFamily="34" charset="0"/>
               </a:rPr>
-              <a:t>double</a:t>
+              <a:t>byte</a:t>
             </a:r>
             <a:r>
               <a:rPr lang="en-US" altLang="en-US" dirty="0">
                 <a:latin typeface="Calibri" panose="020F0502020204030204" pitchFamily="34" charset="0"/>
               </a:rPr>
-              <a:t> represents a </a:t>
-            </a:r>
-            <a:r>
-              <a:rPr lang="ja-JP" altLang="en-US">
-                <a:latin typeface="Calibri" panose="020F0502020204030204" pitchFamily="34" charset="0"/>
-              </a:rPr>
-              <a:t>“</a:t>
-            </a:r>
-            <a:r>
-              <a:rPr lang="en-US" altLang="ja-JP" dirty="0">
-                <a:latin typeface="Calibri" panose="020F0502020204030204" pitchFamily="34" charset="0"/>
-              </a:rPr>
-              <a:t>real</a:t>
-            </a:r>
-            <a:r>
-              <a:rPr lang="ja-JP" altLang="en-US">
-                <a:latin typeface="Calibri" panose="020F0502020204030204" pitchFamily="34" charset="0"/>
-              </a:rPr>
-              <a:t>”</a:t>
-            </a:r>
-            <a:r>
-              <a:rPr lang="en-US" altLang="ja-JP" dirty="0">
-                <a:latin typeface="Calibri" panose="020F0502020204030204" pitchFamily="34" charset="0"/>
-              </a:rPr>
-              <a:t> number</a:t>
-            </a:r>
-          </a:p>
-          <a:p>
-            <a:pPr lvl="1"/>
-            <a:r>
-              <a:rPr lang="en-US" altLang="en-US" dirty="0"/>
-              <a:t>Also sometimes called </a:t>
-            </a:r>
-            <a:r>
-              <a:rPr lang="ja-JP" altLang="en-US"/>
-              <a:t>“</a:t>
-            </a:r>
-            <a:r>
-              <a:rPr lang="en-US" altLang="ja-JP" dirty="0"/>
-              <a:t>floating point</a:t>
-            </a:r>
-            <a:r>
-              <a:rPr lang="ja-JP" altLang="en-US"/>
-              <a:t>”</a:t>
-            </a:r>
-            <a:endParaRPr lang="en-US" altLang="ja-JP" dirty="0"/>
-          </a:p>
-          <a:p>
-            <a:pPr lvl="1"/>
-            <a:r>
-              <a:rPr lang="en-US" altLang="en-US" dirty="0"/>
-              <a:t>These are numbers with a decimal point</a:t>
+              <a:t> can be between -128 and 127</a:t>
             </a:r>
           </a:p>
           <a:p>
@@ -7752,7 +7743,19 @@
               <a:rPr lang="en-US" altLang="en-US" dirty="0">
                 <a:latin typeface="Calibri" panose="020F0502020204030204" pitchFamily="34" charset="0"/>
               </a:rPr>
-              <a:t>A double has about 15 digits of accuracy</a:t>
+              <a:t>A </a:t>
+            </a:r>
+            <a:r>
+              <a:rPr lang="en-US" altLang="en-US" b="1" dirty="0">
+                <a:latin typeface="Calibri" panose="020F0502020204030204" pitchFamily="34" charset="0"/>
+              </a:rPr>
+              <a:t>short</a:t>
+            </a:r>
+            <a:r>
+              <a:rPr lang="en-US" altLang="en-US" dirty="0">
+                <a:latin typeface="Calibri" panose="020F0502020204030204" pitchFamily="34" charset="0"/>
+              </a:rPr>
+              <a:t> can be -32768 to 32767</a:t>
             </a:r>
           </a:p>
           <a:p>
@@ -7764,29 +7767,22 @@
               <a:rPr lang="en-US" altLang="en-US" dirty="0">
                 <a:latin typeface="Calibri" panose="020F0502020204030204" pitchFamily="34" charset="0"/>
               </a:rPr>
-              <a:t>If you just write a real number, such as 1.37, Java assumes it is a double</a:t>
-            </a:r>
-          </a:p>
-          <a:p>
-            <a:pPr>
-              <a:buFont typeface="Courier New" panose="02070309020205020404" pitchFamily="49" charset="0"/>
-              <a:buChar char="o"/>
-            </a:pPr>
-            <a:r>
-              <a:rPr lang="en-US" altLang="en-US" dirty="0">
-                <a:latin typeface="Calibri" panose="020F0502020204030204" pitchFamily="34" charset="0"/>
-              </a:rPr>
-              <a:t>Use double in preference to float</a:t>
-            </a:r>
-          </a:p>
-          <a:p>
-            <a:pPr>
-              <a:buFont typeface="Courier New" panose="02070309020205020404" pitchFamily="49" charset="0"/>
-              <a:buChar char="o"/>
-            </a:pPr>
-            <a:endParaRPr lang="en-US" altLang="en-US" dirty="0">
-              <a:latin typeface="Calibri" panose="020F0502020204030204" pitchFamily="34" charset="0"/>
-            </a:endParaRPr>
+              <a:t>Use byte or short only when</a:t>
+            </a:r>
+          </a:p>
+          <a:p>
+            <a:pPr lvl="1"/>
+            <a:r>
+              <a:rPr lang="en-US" altLang="en-US" dirty="0"/>
+              <a:t>You know the numbers are all small</a:t>
+            </a:r>
+          </a:p>
+          <a:p>
+            <a:pPr lvl="1"/>
+            <a:r>
+              <a:rPr lang="en-US" altLang="en-US" dirty="0"/>
+              <a:t>There are millions of numbers to remember</a:t>
+            </a:r>
           </a:p>
         </p:txBody>
       </p:sp>
@@ -7817,10 +7813,10 @@
       </p:grpSpPr>
       <p:sp>
         <p:nvSpPr>
-          <p:cNvPr id="146434" name="Rectangle 2">
-            <a:extLst>
-              <a:ext uri="{FF2B5EF4-FFF2-40B4-BE49-F238E27FC236}">
-                <a16:creationId xmlns:a16="http://schemas.microsoft.com/office/drawing/2014/main" id="{83D49567-A32A-13EB-69BD-5C9C851B9FDB}"/>
+          <p:cNvPr id="144386" name="Rectangle 2">
+            <a:extLst>
+              <a:ext uri="{FF2B5EF4-FFF2-40B4-BE49-F238E27FC236}">
+                <a16:creationId xmlns:a16="http://schemas.microsoft.com/office/drawing/2014/main" id="{C6ED462E-AFCD-C366-F7B0-769DCD236E8C}"/>
               </a:ext>
             </a:extLst>
           </p:cNvPr>
@@ -7839,20 +7835,18 @@
           <a:lstStyle/>
           <a:p>
             <a:r>
-              <a:rPr lang="en-US" altLang="en-US" dirty="0">
-                <a:latin typeface="Calibri" panose="020F0502020204030204" pitchFamily="34" charset="0"/>
-              </a:rPr>
-              <a:t>float</a:t>
-            </a:r>
-          </a:p>
-        </p:txBody>
-      </p:sp>
-      <p:sp>
-        <p:nvSpPr>
-          <p:cNvPr id="146435" name="Rectangle 3">
-            <a:extLst>
-              <a:ext uri="{FF2B5EF4-FFF2-40B4-BE49-F238E27FC236}">
-                <a16:creationId xmlns:a16="http://schemas.microsoft.com/office/drawing/2014/main" id="{3D67686E-1BE1-9B19-13B3-1128DEFBDA6F}"/>
+              <a:rPr lang="en-US" altLang="en-US" dirty="0"/>
+              <a:t>long</a:t>
+            </a:r>
+          </a:p>
+        </p:txBody>
+      </p:sp>
+      <p:sp>
+        <p:nvSpPr>
+          <p:cNvPr id="144387" name="Rectangle 3">
+            <a:extLst>
+              <a:ext uri="{FF2B5EF4-FFF2-40B4-BE49-F238E27FC236}">
+                <a16:creationId xmlns:a16="http://schemas.microsoft.com/office/drawing/2014/main" id="{CFDBF581-AAD2-0828-28D8-4937C3789B33}"/>
               </a:ext>
             </a:extLst>
           </p:cNvPr>
@@ -7878,61 +7872,31 @@
               <a:rPr lang="en-US" altLang="en-US" b="1" dirty="0">
                 <a:latin typeface="Calibri" panose="020F0502020204030204" pitchFamily="34" charset="0"/>
               </a:rPr>
-              <a:t>Float</a:t>
+              <a:t> Long</a:t>
             </a:r>
             <a:r>
               <a:rPr lang="en-US" altLang="en-US" dirty="0">
                 <a:latin typeface="Calibri" panose="020F0502020204030204" pitchFamily="34" charset="0"/>
               </a:rPr>
-              <a:t> is the other kind of </a:t>
+              <a:t> integers are for when two billion </a:t>
+            </a:r>
+            <a:r>
+              <a:rPr lang="en-US" altLang="en-US" dirty="0" err="1">
+                <a:latin typeface="Calibri" panose="020F0502020204030204" pitchFamily="34" charset="0"/>
+              </a:rPr>
+              <a:t>isn</a:t>
             </a:r>
             <a:r>
               <a:rPr lang="ja-JP" altLang="en-US">
                 <a:latin typeface="Calibri" panose="020F0502020204030204" pitchFamily="34" charset="0"/>
               </a:rPr>
-              <a:t>“</a:t>
+              <a:t>’</a:t>
             </a:r>
             <a:r>
               <a:rPr lang="en-US" altLang="ja-JP" dirty="0">
                 <a:latin typeface="Calibri" panose="020F0502020204030204" pitchFamily="34" charset="0"/>
               </a:rPr>
-              <a:t>real,</a:t>
-            </a:r>
-            <a:r>
-              <a:rPr lang="ja-JP" altLang="en-US">
-                <a:latin typeface="Calibri" panose="020F0502020204030204" pitchFamily="34" charset="0"/>
-              </a:rPr>
-              <a:t>”</a:t>
-            </a:r>
-            <a:r>
-              <a:rPr lang="en-US" altLang="ja-JP" dirty="0">
-                <a:latin typeface="Calibri" panose="020F0502020204030204" pitchFamily="34" charset="0"/>
-              </a:rPr>
-              <a:t> or </a:t>
-            </a:r>
-            <a:r>
-              <a:rPr lang="ja-JP" altLang="en-US">
-                <a:latin typeface="Calibri" panose="020F0502020204030204" pitchFamily="34" charset="0"/>
-              </a:rPr>
-              <a:t>“</a:t>
-            </a:r>
-            <a:r>
-              <a:rPr lang="en-US" altLang="ja-JP" dirty="0">
-                <a:latin typeface="Calibri" panose="020F0502020204030204" pitchFamily="34" charset="0"/>
-              </a:rPr>
-              <a:t>floating point</a:t>
-            </a:r>
-            <a:r>
-              <a:rPr lang="ja-JP" altLang="en-US">
-                <a:latin typeface="Calibri" panose="020F0502020204030204" pitchFamily="34" charset="0"/>
-              </a:rPr>
-              <a:t>”</a:t>
-            </a:r>
-            <a:r>
-              <a:rPr lang="en-US" altLang="ja-JP" dirty="0">
-                <a:latin typeface="Calibri" panose="020F0502020204030204" pitchFamily="34" charset="0"/>
-              </a:rPr>
-              <a:t> number</a:t>
+              <a:t>t large enough for your needs</a:t>
             </a:r>
           </a:p>
           <a:p>
@@ -7944,7 +7908,7 @@
               <a:rPr lang="en-US" altLang="en-US" dirty="0">
                 <a:latin typeface="Calibri" panose="020F0502020204030204" pitchFamily="34" charset="0"/>
               </a:rPr>
-              <a:t>float has about 8 digits of accuracy</a:t>
+              <a:t>A long can be about 19 digits</a:t>
             </a:r>
           </a:p>
           <a:p>
@@ -7956,7 +7920,7 @@
               <a:rPr lang="en-US" altLang="en-US" dirty="0">
                 <a:latin typeface="Calibri" panose="020F0502020204030204" pitchFamily="34" charset="0"/>
               </a:rPr>
-              <a:t>Arithmetic with float is not faster</a:t>
+              <a:t>A long occupies twice as much space as an int</a:t>
             </a:r>
           </a:p>
           <a:p>
@@ -7968,7 +7932,19 @@
               <a:rPr lang="en-US" altLang="en-US" dirty="0">
                 <a:latin typeface="Calibri" panose="020F0502020204030204" pitchFamily="34" charset="0"/>
               </a:rPr>
-              <a:t>Use float only to save space when there are millions of numbers involved</a:t>
+              <a:t>Arithmetic on long values is slower</a:t>
+            </a:r>
+          </a:p>
+          <a:p>
+            <a:pPr>
+              <a:buFont typeface="Courier New" panose="02070309020205020404" pitchFamily="49" charset="0"/>
+              <a:buChar char="o"/>
+            </a:pPr>
+            <a:r>
+              <a:rPr lang="en-US" altLang="en-US" dirty="0">
+                <a:latin typeface="Calibri" panose="020F0502020204030204" pitchFamily="34" charset="0"/>
+              </a:rPr>
+              <a:t>Use long only when you need big numbers</a:t>
             </a:r>
           </a:p>
         </p:txBody>
@@ -8000,10 +7976,10 @@
       </p:grpSpPr>
       <p:sp>
         <p:nvSpPr>
-          <p:cNvPr id="148482" name="Rectangle 2">
-            <a:extLst>
-              <a:ext uri="{FF2B5EF4-FFF2-40B4-BE49-F238E27FC236}">
-                <a16:creationId xmlns:a16="http://schemas.microsoft.com/office/drawing/2014/main" id="{F831B61D-58C3-B218-4023-E2ACC5861AFB}"/>
+          <p:cNvPr id="145410" name="Rectangle 2">
+            <a:extLst>
+              <a:ext uri="{FF2B5EF4-FFF2-40B4-BE49-F238E27FC236}">
+                <a16:creationId xmlns:a16="http://schemas.microsoft.com/office/drawing/2014/main" id="{F6938535-A4FA-1CF7-26BD-648D733BFFD3}"/>
               </a:ext>
             </a:extLst>
           </p:cNvPr>
@@ -8016,26 +7992,24 @@
         </p:nvSpPr>
         <p:spPr/>
         <p:txBody>
-          <a:bodyPr/>
-          <a:lstStyle/>
-          <a:p>
-            <a:pPr eaLnBrk="1" hangingPunct="1"/>
-            <a:r>
-              <a:rPr lang="en-US" altLang="en-US" dirty="0">
-                <a:latin typeface="Calibri" panose="020F0502020204030204" pitchFamily="34" charset="0"/>
-              </a:rPr>
-              <a:t>Variables</a:t>
-            </a:r>
-            <a:endParaRPr lang="en-US" altLang="en-US" dirty="0"/>
-          </a:p>
-        </p:txBody>
-      </p:sp>
-      <p:sp>
-        <p:nvSpPr>
-          <p:cNvPr id="148483" name="Rectangle 3">
-            <a:extLst>
-              <a:ext uri="{FF2B5EF4-FFF2-40B4-BE49-F238E27FC236}">
-                <a16:creationId xmlns:a16="http://schemas.microsoft.com/office/drawing/2014/main" id="{56EC4E77-B869-C753-93BB-9C42137187A0}"/>
+          <a:bodyPr vert="horz" lIns="91440" tIns="45720" rIns="91440" bIns="45720" rtlCol="0" anchor="ctr">
+            <a:normAutofit/>
+          </a:bodyPr>
+          <a:lstStyle/>
+          <a:p>
+            <a:r>
+              <a:rPr lang="en-US" altLang="en-US" dirty="0"/>
+              <a:t>double</a:t>
+            </a:r>
+          </a:p>
+        </p:txBody>
+      </p:sp>
+      <p:sp>
+        <p:nvSpPr>
+          <p:cNvPr id="145411" name="Rectangle 3">
+            <a:extLst>
+              <a:ext uri="{FF2B5EF4-FFF2-40B4-BE49-F238E27FC236}">
+                <a16:creationId xmlns:a16="http://schemas.microsoft.com/office/drawing/2014/main" id="{5610CFBB-3F2C-7B61-A471-0DC499489847}"/>
               </a:ext>
             </a:extLst>
           </p:cNvPr>
@@ -8046,15 +8020,10 @@
             <p:ph idx="1"/>
           </p:nvPr>
         </p:nvSpPr>
-        <p:spPr>
-          <a:xfrm>
-            <a:off x="1981201" y="2084832"/>
-            <a:ext cx="7600951" cy="4224528"/>
-          </a:xfrm>
-        </p:spPr>
+        <p:spPr/>
         <p:txBody>
           <a:bodyPr vert="horz" lIns="45720" tIns="45720" rIns="45720" bIns="45720" rtlCol="0">
-            <a:normAutofit fontScale="92500" lnSpcReduction="20000"/>
+            <a:normAutofit/>
           </a:bodyPr>
           <a:lstStyle/>
           <a:p>
@@ -8063,10 +8032,73 @@
               <a:buChar char="o"/>
             </a:pPr>
             <a:r>
-              <a:rPr lang="en-US" dirty="0">
-                <a:latin typeface="Calibri" panose="020F0502020204030204" pitchFamily="34" charset="0"/>
-              </a:rPr>
-              <a:t>Variable in Java is a data container that saves the data values during Java program execution.</a:t>
+              <a:rPr lang="en-US" altLang="en-US" dirty="0">
+                <a:latin typeface="Calibri" panose="020F0502020204030204" pitchFamily="34" charset="0"/>
+              </a:rPr>
+              <a:t>A </a:t>
+            </a:r>
+            <a:r>
+              <a:rPr lang="en-US" altLang="en-US" b="1" dirty="0">
+                <a:latin typeface="Calibri" panose="020F0502020204030204" pitchFamily="34" charset="0"/>
+              </a:rPr>
+              <a:t>double</a:t>
+            </a:r>
+            <a:r>
+              <a:rPr lang="en-US" altLang="en-US" dirty="0">
+                <a:latin typeface="Calibri" panose="020F0502020204030204" pitchFamily="34" charset="0"/>
+              </a:rPr>
+              <a:t> represents a </a:t>
+            </a:r>
+            <a:r>
+              <a:rPr lang="ja-JP" altLang="en-US">
+                <a:latin typeface="Calibri" panose="020F0502020204030204" pitchFamily="34" charset="0"/>
+              </a:rPr>
+              <a:t>“</a:t>
+            </a:r>
+            <a:r>
+              <a:rPr lang="en-US" altLang="ja-JP" dirty="0">
+                <a:latin typeface="Calibri" panose="020F0502020204030204" pitchFamily="34" charset="0"/>
+              </a:rPr>
+              <a:t>real</a:t>
+            </a:r>
+            <a:r>
+              <a:rPr lang="ja-JP" altLang="en-US">
+                <a:latin typeface="Calibri" panose="020F0502020204030204" pitchFamily="34" charset="0"/>
+              </a:rPr>
+              <a:t>”</a:t>
+            </a:r>
+            <a:r>
+              <a:rPr lang="en-US" altLang="ja-JP" dirty="0">
+                <a:latin typeface="Calibri" panose="020F0502020204030204" pitchFamily="34" charset="0"/>
+              </a:rPr>
+              <a:t> number</a:t>
+            </a:r>
+          </a:p>
+          <a:p>
+            <a:pPr lvl="1"/>
+            <a:r>
+              <a:rPr lang="en-US" altLang="en-US" dirty="0"/>
+              <a:t>Also sometimes called </a:t>
+            </a:r>
+            <a:r>
+              <a:rPr lang="ja-JP" altLang="en-US"/>
+              <a:t>“</a:t>
+            </a:r>
+            <a:r>
+              <a:rPr lang="en-US" altLang="ja-JP" dirty="0"/>
+              <a:t>floating point</a:t>
+            </a:r>
+            <a:r>
+              <a:rPr lang="ja-JP" altLang="en-US"/>
+              <a:t>”</a:t>
+            </a:r>
+            <a:endParaRPr lang="en-US" altLang="ja-JP" dirty="0"/>
+          </a:p>
+          <a:p>
+            <a:pPr lvl="1"/>
+            <a:r>
+              <a:rPr lang="en-US" altLang="en-US" dirty="0"/>
+              <a:t>These are numbers with a decimal point</a:t>
             </a:r>
           </a:p>
           <a:p>
@@ -8078,7 +8110,7 @@
               <a:rPr lang="en-US" altLang="en-US" dirty="0">
                 <a:latin typeface="Calibri" panose="020F0502020204030204" pitchFamily="34" charset="0"/>
               </a:rPr>
-              <a:t>Before you use a variable, you must also define it (tell Java what value it has)</a:t>
+              <a:t>A double has about 15 digits of accuracy</a:t>
             </a:r>
           </a:p>
           <a:p>
@@ -8087,10 +8119,10 @@
               <a:buChar char="o"/>
             </a:pPr>
             <a:r>
-              <a:rPr lang="en-US" dirty="0">
-                <a:latin typeface="Calibri" panose="020F0502020204030204" pitchFamily="34" charset="0"/>
-              </a:rPr>
-              <a:t>The variable name is combined with two words, the second word will start with an uppercase letter always</a:t>
+              <a:rPr lang="en-US" altLang="en-US" dirty="0">
+                <a:latin typeface="Calibri" panose="020F0502020204030204" pitchFamily="34" charset="0"/>
+              </a:rPr>
+              <a:t>If you just write a real number, such as 1.37, Java assumes it is a double</a:t>
             </a:r>
           </a:p>
           <a:p>
@@ -8102,124 +8134,7 @@
               <a:rPr lang="en-US" altLang="en-US" dirty="0">
                 <a:latin typeface="Calibri" panose="020F0502020204030204" pitchFamily="34" charset="0"/>
               </a:rPr>
-              <a:t>The value of a variable may change</a:t>
-            </a:r>
-            <a:endParaRPr lang="en-US" dirty="0">
-              <a:latin typeface="Calibri" panose="020F0502020204030204" pitchFamily="34" charset="0"/>
-            </a:endParaRPr>
-          </a:p>
-          <a:p>
-            <a:pPr>
-              <a:buFont typeface="Courier New" panose="02070309020205020404" pitchFamily="49" charset="0"/>
-              <a:buChar char="o"/>
-            </a:pPr>
-            <a:r>
-              <a:rPr lang="en-US" dirty="0" err="1">
-                <a:latin typeface="Calibri" panose="020F0502020204030204" pitchFamily="34" charset="0"/>
-              </a:rPr>
-              <a:t>E.g</a:t>
-            </a:r>
-            <a:r>
-              <a:rPr lang="en-US" dirty="0">
-                <a:latin typeface="Calibri" panose="020F0502020204030204" pitchFamily="34" charset="0"/>
-              </a:rPr>
-              <a:t>:</a:t>
-            </a:r>
-          </a:p>
-          <a:p>
-            <a:pPr lvl="1"/>
-            <a:r>
-              <a:rPr lang="en-US" altLang="en-US" dirty="0">
-                <a:latin typeface="Calibri" panose="020F0502020204030204" pitchFamily="34" charset="0"/>
-                <a:cs typeface="Calibri" panose="020F0502020204030204" pitchFamily="34" charset="0"/>
-              </a:rPr>
-              <a:t>int </a:t>
-            </a:r>
-            <a:r>
-              <a:rPr lang="en-US" altLang="en-US" dirty="0" err="1">
-                <a:latin typeface="Calibri" panose="020F0502020204030204" pitchFamily="34" charset="0"/>
-                <a:cs typeface="Calibri" panose="020F0502020204030204" pitchFamily="34" charset="0"/>
-              </a:rPr>
-              <a:t>classSize</a:t>
-            </a:r>
-            <a:r>
-              <a:rPr lang="en-US" altLang="en-US" dirty="0">
-                <a:latin typeface="Calibri" panose="020F0502020204030204" pitchFamily="34" charset="0"/>
-                <a:cs typeface="Calibri" panose="020F0502020204030204" pitchFamily="34" charset="0"/>
-              </a:rPr>
-              <a:t> = 10;</a:t>
-            </a:r>
-          </a:p>
-          <a:p>
-            <a:pPr lvl="1"/>
-            <a:r>
-              <a:rPr lang="en-US" altLang="en-US" dirty="0">
-                <a:latin typeface="Calibri" panose="020F0502020204030204" pitchFamily="34" charset="0"/>
-                <a:cs typeface="Calibri" panose="020F0502020204030204" pitchFamily="34" charset="0"/>
-              </a:rPr>
-              <a:t>double </a:t>
-            </a:r>
-            <a:r>
-              <a:rPr lang="en-US" altLang="en-US" dirty="0" err="1">
-                <a:latin typeface="Calibri" panose="020F0502020204030204" pitchFamily="34" charset="0"/>
-                <a:cs typeface="Calibri" panose="020F0502020204030204" pitchFamily="34" charset="0"/>
-              </a:rPr>
-              <a:t>myBankBalance</a:t>
-            </a:r>
-            <a:r>
-              <a:rPr lang="en-US" altLang="en-US" dirty="0">
-                <a:latin typeface="Calibri" panose="020F0502020204030204" pitchFamily="34" charset="0"/>
-                <a:cs typeface="Calibri" panose="020F0502020204030204" pitchFamily="34" charset="0"/>
-              </a:rPr>
-              <a:t> = 2000.37;</a:t>
-            </a:r>
-          </a:p>
-          <a:p>
-            <a:pPr lvl="1"/>
-            <a:r>
-              <a:rPr lang="en-US" altLang="en-US" dirty="0">
-                <a:latin typeface="Calibri" panose="020F0502020204030204" pitchFamily="34" charset="0"/>
-                <a:cs typeface="Calibri" panose="020F0502020204030204" pitchFamily="34" charset="0"/>
-              </a:rPr>
-              <a:t>int </a:t>
-            </a:r>
-            <a:r>
-              <a:rPr lang="en-US" altLang="en-US" dirty="0" err="1">
-                <a:latin typeface="Calibri" panose="020F0502020204030204" pitchFamily="34" charset="0"/>
-                <a:cs typeface="Calibri" panose="020F0502020204030204" pitchFamily="34" charset="0"/>
-              </a:rPr>
-              <a:t>myAge</a:t>
-            </a:r>
-            <a:r>
-              <a:rPr lang="en-US" altLang="en-US" dirty="0">
-                <a:latin typeface="Calibri" panose="020F0502020204030204" pitchFamily="34" charset="0"/>
-                <a:cs typeface="Calibri" panose="020F0502020204030204" pitchFamily="34" charset="0"/>
-              </a:rPr>
-              <a:t> = 30;</a:t>
-            </a:r>
-          </a:p>
-          <a:p>
-            <a:pPr lvl="1"/>
-            <a:r>
-              <a:rPr lang="en-US" altLang="en-US" dirty="0">
-                <a:latin typeface="Calibri" panose="020F0502020204030204" pitchFamily="34" charset="0"/>
-                <a:cs typeface="Calibri" panose="020F0502020204030204" pitchFamily="34" charset="0"/>
-              </a:rPr>
-              <a:t>float </a:t>
-            </a:r>
-            <a:r>
-              <a:rPr lang="en-US" altLang="en-US" dirty="0" err="1">
-                <a:latin typeface="Calibri" panose="020F0502020204030204" pitchFamily="34" charset="0"/>
-                <a:cs typeface="Calibri" panose="020F0502020204030204" pitchFamily="34" charset="0"/>
-              </a:rPr>
-              <a:t>speedometerReading</a:t>
-            </a:r>
-            <a:r>
-              <a:rPr lang="en-US" altLang="en-US" dirty="0">
-                <a:latin typeface="Calibri" panose="020F0502020204030204" pitchFamily="34" charset="0"/>
-                <a:cs typeface="Calibri" panose="020F0502020204030204" pitchFamily="34" charset="0"/>
-              </a:rPr>
-              <a:t> = 23456.4f;</a:t>
+              <a:t>Use double in preference to float</a:t>
             </a:r>
           </a:p>
           <a:p>
